--- a/ApplicationDeveloperGuide/images/networking_overview.pptx
+++ b/ApplicationDeveloperGuide/images/networking_overview.pptx
@@ -239,7 +239,7 @@
               <a:rPr lang="fr-FR" smtClean="0">
                 <a:latin typeface="Calibri Regular" charset="0"/>
               </a:rPr>
-              <a:t>juin 21</a:t>
+              <a:t>août 21</a:t>
             </a:fld>
             <a:endParaRPr lang="en-US" dirty="0">
               <a:latin typeface="Calibri Regular" charset="0"/>
@@ -418,7 +418,7 @@
             <a:fld id="{79958FA1-9FE8-F149-AB4B-7DC9950B39E9}" type="datetime6">
               <a:rPr lang="fr-FR" smtClean="0"/>
               <a:pPr/>
-              <a:t>juin 21</a:t>
+              <a:t>août 21</a:t>
             </a:fld>
             <a:endParaRPr lang="en-US" dirty="0"/>
           </a:p>
@@ -6257,7 +6257,7 @@
           <p:cNvPr id="14" name="Slide Number Placeholder 5">
             <a:extLst>
               <a:ext uri="{FF2B5EF4-FFF2-40B4-BE49-F238E27FC236}">
-                <a16:creationId xmlns:a16="http://schemas.microsoft.com/office/drawing/2014/main" id="{D6A5EA0A-9DA9-564F-8F7D-CF263DB84C39}"/>
+                <a16:creationId xmlns:a16="http://schemas.microsoft.com/office/drawing/2014/main" xmlns="" id="{D6A5EA0A-9DA9-564F-8F7D-CF263DB84C39}"/>
               </a:ext>
             </a:extLst>
           </p:cNvPr>
@@ -6425,7 +6425,7 @@
           <p:cNvPr id="21" name="Straight Connector 20">
             <a:extLst>
               <a:ext uri="{FF2B5EF4-FFF2-40B4-BE49-F238E27FC236}">
-                <a16:creationId xmlns:a16="http://schemas.microsoft.com/office/drawing/2014/main" id="{F4443C96-B82D-F449-A71B-02134B6BB207}"/>
+                <a16:creationId xmlns:a16="http://schemas.microsoft.com/office/drawing/2014/main" xmlns="" id="{F4443C96-B82D-F449-A71B-02134B6BB207}"/>
               </a:ext>
             </a:extLst>
           </p:cNvPr>
@@ -6936,7 +6936,7 @@
           <p:cNvPr id="2" name="Straight Connector 1">
             <a:extLst>
               <a:ext uri="{FF2B5EF4-FFF2-40B4-BE49-F238E27FC236}">
-                <a16:creationId xmlns:a16="http://schemas.microsoft.com/office/drawing/2014/main" id="{69468F00-CD4C-A248-A4B1-C7B7588C2D3D}"/>
+                <a16:creationId xmlns:a16="http://schemas.microsoft.com/office/drawing/2014/main" xmlns="" id="{69468F00-CD4C-A248-A4B1-C7B7588C2D3D}"/>
               </a:ext>
             </a:extLst>
           </p:cNvPr>
@@ -6977,7 +6977,7 @@
           <p:cNvPr id="3" name="TextBox 2">
             <a:extLst>
               <a:ext uri="{FF2B5EF4-FFF2-40B4-BE49-F238E27FC236}">
-                <a16:creationId xmlns:a16="http://schemas.microsoft.com/office/drawing/2014/main" id="{48FC3BF8-BB80-DF47-B91F-CB24163470D3}"/>
+                <a16:creationId xmlns:a16="http://schemas.microsoft.com/office/drawing/2014/main" xmlns="" id="{48FC3BF8-BB80-DF47-B91F-CB24163470D3}"/>
               </a:ext>
             </a:extLst>
           </p:cNvPr>
@@ -7029,7 +7029,7 @@
           <p:cNvPr id="4" name="Rounded Rectangle 3">
             <a:extLst>
               <a:ext uri="{FF2B5EF4-FFF2-40B4-BE49-F238E27FC236}">
-                <a16:creationId xmlns:a16="http://schemas.microsoft.com/office/drawing/2014/main" id="{56D03FB4-14D4-9F48-A061-0B8E91CCC141}"/>
+                <a16:creationId xmlns:a16="http://schemas.microsoft.com/office/drawing/2014/main" xmlns="" id="{56D03FB4-14D4-9F48-A061-0B8E91CCC141}"/>
               </a:ext>
             </a:extLst>
           </p:cNvPr>
@@ -7091,7 +7091,7 @@
           <p:cNvPr id="5" name="Arc 4">
             <a:extLst>
               <a:ext uri="{FF2B5EF4-FFF2-40B4-BE49-F238E27FC236}">
-                <a16:creationId xmlns:a16="http://schemas.microsoft.com/office/drawing/2014/main" id="{CDA75251-2717-3E43-BB3A-DBBEB462FB90}"/>
+                <a16:creationId xmlns:a16="http://schemas.microsoft.com/office/drawing/2014/main" xmlns="" id="{CDA75251-2717-3E43-BB3A-DBBEB462FB90}"/>
               </a:ext>
             </a:extLst>
           </p:cNvPr>
@@ -7145,7 +7145,7 @@
           <p:cNvPr id="6" name="Arc 5">
             <a:extLst>
               <a:ext uri="{FF2B5EF4-FFF2-40B4-BE49-F238E27FC236}">
-                <a16:creationId xmlns:a16="http://schemas.microsoft.com/office/drawing/2014/main" id="{03DA70D7-2CF9-8747-BC92-DD0B286D3E0B}"/>
+                <a16:creationId xmlns:a16="http://schemas.microsoft.com/office/drawing/2014/main" xmlns="" id="{03DA70D7-2CF9-8747-BC92-DD0B286D3E0B}"/>
               </a:ext>
             </a:extLst>
           </p:cNvPr>
@@ -7199,7 +7199,7 @@
           <p:cNvPr id="7" name="Snip Same Side Corner Rectangle 6">
             <a:extLst>
               <a:ext uri="{FF2B5EF4-FFF2-40B4-BE49-F238E27FC236}">
-                <a16:creationId xmlns:a16="http://schemas.microsoft.com/office/drawing/2014/main" id="{9CE42922-83A7-8B40-A4DE-A0EBB1D030D2}"/>
+                <a16:creationId xmlns:a16="http://schemas.microsoft.com/office/drawing/2014/main" xmlns="" id="{9CE42922-83A7-8B40-A4DE-A0EBB1D030D2}"/>
               </a:ext>
             </a:extLst>
           </p:cNvPr>
@@ -7269,7 +7269,7 @@
           <p:cNvPr id="8" name="Group 7">
             <a:extLst>
               <a:ext uri="{FF2B5EF4-FFF2-40B4-BE49-F238E27FC236}">
-                <a16:creationId xmlns:a16="http://schemas.microsoft.com/office/drawing/2014/main" id="{5248D8D9-D967-1348-A032-008E17139DEE}"/>
+                <a16:creationId xmlns:a16="http://schemas.microsoft.com/office/drawing/2014/main" xmlns="" id="{5248D8D9-D967-1348-A032-008E17139DEE}"/>
               </a:ext>
             </a:extLst>
           </p:cNvPr>
@@ -7289,7 +7289,7 @@
             <p:cNvPr id="9" name="Rounded Rectangle 370">
               <a:extLst>
                 <a:ext uri="{FF2B5EF4-FFF2-40B4-BE49-F238E27FC236}">
-                  <a16:creationId xmlns:a16="http://schemas.microsoft.com/office/drawing/2014/main" id="{2667F158-48EA-5048-8BCC-3E029C7677F6}"/>
+                  <a16:creationId xmlns:a16="http://schemas.microsoft.com/office/drawing/2014/main" xmlns="" id="{2667F158-48EA-5048-8BCC-3E029C7677F6}"/>
                 </a:ext>
               </a:extLst>
             </p:cNvPr>
@@ -8208,7 +8208,7 @@
             <p:cNvPr id="10" name="Group 9">
               <a:extLst>
                 <a:ext uri="{FF2B5EF4-FFF2-40B4-BE49-F238E27FC236}">
-                  <a16:creationId xmlns:a16="http://schemas.microsoft.com/office/drawing/2014/main" id="{5EC39D9C-6472-C04A-B9C6-3E3429006240}"/>
+                  <a16:creationId xmlns:a16="http://schemas.microsoft.com/office/drawing/2014/main" xmlns="" id="{5EC39D9C-6472-C04A-B9C6-3E3429006240}"/>
                 </a:ext>
               </a:extLst>
             </p:cNvPr>
@@ -8228,7 +8228,7 @@
               <p:cNvPr id="11" name="Rounded Rectangle 10">
                 <a:extLst>
                   <a:ext uri="{FF2B5EF4-FFF2-40B4-BE49-F238E27FC236}">
-                    <a16:creationId xmlns:a16="http://schemas.microsoft.com/office/drawing/2014/main" id="{37E1ADB6-BB23-6D4D-8040-4316BC097570}"/>
+                    <a16:creationId xmlns:a16="http://schemas.microsoft.com/office/drawing/2014/main" xmlns="" id="{37E1ADB6-BB23-6D4D-8040-4316BC097570}"/>
                   </a:ext>
                 </a:extLst>
               </p:cNvPr>
@@ -8291,7 +8291,7 @@
               <p:cNvPr id="12" name="Rectangle 11">
                 <a:extLst>
                   <a:ext uri="{FF2B5EF4-FFF2-40B4-BE49-F238E27FC236}">
-                    <a16:creationId xmlns:a16="http://schemas.microsoft.com/office/drawing/2014/main" id="{C2EBA6D6-1870-0A40-82C8-AE16E98BB260}"/>
+                    <a16:creationId xmlns:a16="http://schemas.microsoft.com/office/drawing/2014/main" xmlns="" id="{C2EBA6D6-1870-0A40-82C8-AE16E98BB260}"/>
                   </a:ext>
                 </a:extLst>
               </p:cNvPr>
@@ -8360,7 +8360,7 @@
               <p:cNvPr id="13" name="Picture 12">
                 <a:extLst>
                   <a:ext uri="{FF2B5EF4-FFF2-40B4-BE49-F238E27FC236}">
-                    <a16:creationId xmlns:a16="http://schemas.microsoft.com/office/drawing/2014/main" id="{4E01D07F-57C8-964A-BCB8-53AEEACFAE78}"/>
+                    <a16:creationId xmlns:a16="http://schemas.microsoft.com/office/drawing/2014/main" xmlns="" id="{4E01D07F-57C8-964A-BCB8-53AEEACFAE78}"/>
                   </a:ext>
                 </a:extLst>
               </p:cNvPr>
@@ -8399,7 +8399,7 @@
           <p:cNvPr id="14" name="Rounded Rectangle 13">
             <a:extLst>
               <a:ext uri="{FF2B5EF4-FFF2-40B4-BE49-F238E27FC236}">
-                <a16:creationId xmlns:a16="http://schemas.microsoft.com/office/drawing/2014/main" id="{B8F79B32-E337-A947-8A2C-8501B0E0D7EE}"/>
+                <a16:creationId xmlns:a16="http://schemas.microsoft.com/office/drawing/2014/main" xmlns="" id="{B8F79B32-E337-A947-8A2C-8501B0E0D7EE}"/>
               </a:ext>
             </a:extLst>
           </p:cNvPr>
@@ -8461,7 +8461,7 @@
           <p:cNvPr id="15" name="Rounded Rectangle 14">
             <a:extLst>
               <a:ext uri="{FF2B5EF4-FFF2-40B4-BE49-F238E27FC236}">
-                <a16:creationId xmlns:a16="http://schemas.microsoft.com/office/drawing/2014/main" id="{70F38BA2-FEE1-0B4D-AAE5-39A694AFBE0E}"/>
+                <a16:creationId xmlns:a16="http://schemas.microsoft.com/office/drawing/2014/main" xmlns="" id="{70F38BA2-FEE1-0B4D-AAE5-39A694AFBE0E}"/>
               </a:ext>
             </a:extLst>
           </p:cNvPr>
@@ -8532,7 +8532,7 @@
           <p:cNvPr id="16" name="Rounded Rectangle 15">
             <a:extLst>
               <a:ext uri="{FF2B5EF4-FFF2-40B4-BE49-F238E27FC236}">
-                <a16:creationId xmlns:a16="http://schemas.microsoft.com/office/drawing/2014/main" id="{94B69AB0-5C90-B24D-87C4-83F250AA65BB}"/>
+                <a16:creationId xmlns:a16="http://schemas.microsoft.com/office/drawing/2014/main" xmlns="" id="{94B69AB0-5C90-B24D-87C4-83F250AA65BB}"/>
               </a:ext>
             </a:extLst>
           </p:cNvPr>
@@ -8602,7 +8602,7 @@
           <p:cNvPr id="17" name="Group 16">
             <a:extLst>
               <a:ext uri="{FF2B5EF4-FFF2-40B4-BE49-F238E27FC236}">
-                <a16:creationId xmlns:a16="http://schemas.microsoft.com/office/drawing/2014/main" id="{526299CB-A110-C54D-BDF8-96E344AF1C1F}"/>
+                <a16:creationId xmlns:a16="http://schemas.microsoft.com/office/drawing/2014/main" xmlns="" id="{526299CB-A110-C54D-BDF8-96E344AF1C1F}"/>
               </a:ext>
             </a:extLst>
           </p:cNvPr>
@@ -8622,7 +8622,7 @@
             <p:cNvPr id="18" name="Rounded Rectangle 370">
               <a:extLst>
                 <a:ext uri="{FF2B5EF4-FFF2-40B4-BE49-F238E27FC236}">
-                  <a16:creationId xmlns:a16="http://schemas.microsoft.com/office/drawing/2014/main" id="{2E1FB874-03EC-C448-BFBA-8CD82A1D096B}"/>
+                  <a16:creationId xmlns:a16="http://schemas.microsoft.com/office/drawing/2014/main" xmlns="" id="{2E1FB874-03EC-C448-BFBA-8CD82A1D096B}"/>
                 </a:ext>
               </a:extLst>
             </p:cNvPr>
@@ -9613,7 +9613,7 @@
             <p:cNvPr id="19" name="Group 18">
               <a:extLst>
                 <a:ext uri="{FF2B5EF4-FFF2-40B4-BE49-F238E27FC236}">
-                  <a16:creationId xmlns:a16="http://schemas.microsoft.com/office/drawing/2014/main" id="{B274EFA6-9B42-5440-AF5B-359CF9E65901}"/>
+                  <a16:creationId xmlns:a16="http://schemas.microsoft.com/office/drawing/2014/main" xmlns="" id="{B274EFA6-9B42-5440-AF5B-359CF9E65901}"/>
                 </a:ext>
               </a:extLst>
             </p:cNvPr>
@@ -9633,7 +9633,7 @@
               <p:cNvPr id="20" name="Rounded Rectangle 19">
                 <a:extLst>
                   <a:ext uri="{FF2B5EF4-FFF2-40B4-BE49-F238E27FC236}">
-                    <a16:creationId xmlns:a16="http://schemas.microsoft.com/office/drawing/2014/main" id="{D046CDF5-B514-CA4E-8504-E436F806B938}"/>
+                    <a16:creationId xmlns:a16="http://schemas.microsoft.com/office/drawing/2014/main" xmlns="" id="{D046CDF5-B514-CA4E-8504-E436F806B938}"/>
                   </a:ext>
                 </a:extLst>
               </p:cNvPr>
@@ -9694,7 +9694,7 @@
               <p:cNvPr id="21" name="Group 20">
                 <a:extLst>
                   <a:ext uri="{FF2B5EF4-FFF2-40B4-BE49-F238E27FC236}">
-                    <a16:creationId xmlns:a16="http://schemas.microsoft.com/office/drawing/2014/main" id="{985BF61E-F2F3-0C4D-809B-EF1E436A8054}"/>
+                    <a16:creationId xmlns:a16="http://schemas.microsoft.com/office/drawing/2014/main" xmlns="" id="{985BF61E-F2F3-0C4D-809B-EF1E436A8054}"/>
                   </a:ext>
                 </a:extLst>
               </p:cNvPr>
@@ -9714,7 +9714,7 @@
                 <p:cNvPr id="22" name="Picture 21">
                   <a:extLst>
                     <a:ext uri="{FF2B5EF4-FFF2-40B4-BE49-F238E27FC236}">
-                      <a16:creationId xmlns:a16="http://schemas.microsoft.com/office/drawing/2014/main" id="{30A4E1B0-8052-744A-AA21-F5E88AF4F659}"/>
+                      <a16:creationId xmlns:a16="http://schemas.microsoft.com/office/drawing/2014/main" xmlns="" id="{30A4E1B0-8052-744A-AA21-F5E88AF4F659}"/>
                     </a:ext>
                   </a:extLst>
                 </p:cNvPr>
@@ -9750,7 +9750,7 @@
                 <p:cNvPr id="23" name="Picture 22">
                   <a:extLst>
                     <a:ext uri="{FF2B5EF4-FFF2-40B4-BE49-F238E27FC236}">
-                      <a16:creationId xmlns:a16="http://schemas.microsoft.com/office/drawing/2014/main" id="{9D8603F9-7AB8-BF43-94F5-7709429BE34B}"/>
+                      <a16:creationId xmlns:a16="http://schemas.microsoft.com/office/drawing/2014/main" xmlns="" id="{9D8603F9-7AB8-BF43-94F5-7709429BE34B}"/>
                     </a:ext>
                   </a:extLst>
                 </p:cNvPr>
@@ -9789,7 +9789,7 @@
           <p:cNvPr id="24" name="Rounded Rectangle 23">
             <a:extLst>
               <a:ext uri="{FF2B5EF4-FFF2-40B4-BE49-F238E27FC236}">
-                <a16:creationId xmlns:a16="http://schemas.microsoft.com/office/drawing/2014/main" id="{9BC58F33-9A79-7647-8348-AB37D1ED666F}"/>
+                <a16:creationId xmlns:a16="http://schemas.microsoft.com/office/drawing/2014/main" xmlns="" id="{9BC58F33-9A79-7647-8348-AB37D1ED666F}"/>
               </a:ext>
             </a:extLst>
           </p:cNvPr>
@@ -9867,7 +9867,7 @@
           <p:cNvPr id="25" name="Rounded Rectangle 24">
             <a:extLst>
               <a:ext uri="{FF2B5EF4-FFF2-40B4-BE49-F238E27FC236}">
-                <a16:creationId xmlns:a16="http://schemas.microsoft.com/office/drawing/2014/main" id="{4F103699-8CF4-F04E-9FD8-A2E530AA7A44}"/>
+                <a16:creationId xmlns:a16="http://schemas.microsoft.com/office/drawing/2014/main" xmlns="" id="{4F103699-8CF4-F04E-9FD8-A2E530AA7A44}"/>
               </a:ext>
             </a:extLst>
           </p:cNvPr>
@@ -9965,7 +9965,7 @@
           <p:cNvPr id="26" name="Rounded Rectangle 25">
             <a:extLst>
               <a:ext uri="{FF2B5EF4-FFF2-40B4-BE49-F238E27FC236}">
-                <a16:creationId xmlns:a16="http://schemas.microsoft.com/office/drawing/2014/main" id="{50E5510D-358F-9F42-A720-A6696D86B52E}"/>
+                <a16:creationId xmlns:a16="http://schemas.microsoft.com/office/drawing/2014/main" xmlns="" id="{50E5510D-358F-9F42-A720-A6696D86B52E}"/>
               </a:ext>
             </a:extLst>
           </p:cNvPr>
@@ -10052,7 +10052,7 @@
           <p:cNvPr id="27" name="Picture 26">
             <a:extLst>
               <a:ext uri="{FF2B5EF4-FFF2-40B4-BE49-F238E27FC236}">
-                <a16:creationId xmlns:a16="http://schemas.microsoft.com/office/drawing/2014/main" id="{FAB68817-1727-E14B-8341-25C675C96B88}"/>
+                <a16:creationId xmlns:a16="http://schemas.microsoft.com/office/drawing/2014/main" xmlns="" id="{FAB68817-1727-E14B-8341-25C675C96B88}"/>
               </a:ext>
             </a:extLst>
           </p:cNvPr>
@@ -10088,7 +10088,7 @@
           <p:cNvPr id="28" name="Rounded Rectangle 27">
             <a:extLst>
               <a:ext uri="{FF2B5EF4-FFF2-40B4-BE49-F238E27FC236}">
-                <a16:creationId xmlns:a16="http://schemas.microsoft.com/office/drawing/2014/main" id="{03CACB4B-51E8-0749-9340-40E24818686B}"/>
+                <a16:creationId xmlns:a16="http://schemas.microsoft.com/office/drawing/2014/main" xmlns="" id="{03CACB4B-51E8-0749-9340-40E24818686B}"/>
               </a:ext>
             </a:extLst>
           </p:cNvPr>
@@ -10154,7 +10154,7 @@
           <p:cNvPr id="29" name="Straight Connector 28">
             <a:extLst>
               <a:ext uri="{FF2B5EF4-FFF2-40B4-BE49-F238E27FC236}">
-                <a16:creationId xmlns:a16="http://schemas.microsoft.com/office/drawing/2014/main" id="{18FE8AAC-D28F-8C4B-92F4-8FFF81A0F0AF}"/>
+                <a16:creationId xmlns:a16="http://schemas.microsoft.com/office/drawing/2014/main" xmlns="" id="{18FE8AAC-D28F-8C4B-92F4-8FFF81A0F0AF}"/>
               </a:ext>
             </a:extLst>
           </p:cNvPr>
@@ -10198,7 +10198,7 @@
           <p:cNvPr id="30" name="Rectangle 29">
             <a:extLst>
               <a:ext uri="{FF2B5EF4-FFF2-40B4-BE49-F238E27FC236}">
-                <a16:creationId xmlns:a16="http://schemas.microsoft.com/office/drawing/2014/main" id="{12176BD1-BD30-A44F-9CAF-928FE6EBB79F}"/>
+                <a16:creationId xmlns:a16="http://schemas.microsoft.com/office/drawing/2014/main" xmlns="" id="{12176BD1-BD30-A44F-9CAF-928FE6EBB79F}"/>
               </a:ext>
             </a:extLst>
           </p:cNvPr>
@@ -10249,7 +10249,7 @@
           <p:cNvPr id="31" name="Rectangle 30">
             <a:extLst>
               <a:ext uri="{FF2B5EF4-FFF2-40B4-BE49-F238E27FC236}">
-                <a16:creationId xmlns:a16="http://schemas.microsoft.com/office/drawing/2014/main" id="{47E4C9E7-8973-4245-B612-41A03C8F1B0F}"/>
+                <a16:creationId xmlns:a16="http://schemas.microsoft.com/office/drawing/2014/main" xmlns="" id="{47E4C9E7-8973-4245-B612-41A03C8F1B0F}"/>
               </a:ext>
             </a:extLst>
           </p:cNvPr>
@@ -10301,7 +10301,7 @@
           <p:cNvPr id="32" name="Rectangle 31">
             <a:extLst>
               <a:ext uri="{FF2B5EF4-FFF2-40B4-BE49-F238E27FC236}">
-                <a16:creationId xmlns:a16="http://schemas.microsoft.com/office/drawing/2014/main" id="{6858A81E-4266-6F4F-8D93-B8419F4EE7F3}"/>
+                <a16:creationId xmlns:a16="http://schemas.microsoft.com/office/drawing/2014/main" xmlns="" id="{6858A81E-4266-6F4F-8D93-B8419F4EE7F3}"/>
               </a:ext>
             </a:extLst>
           </p:cNvPr>
@@ -10350,7 +10350,7 @@
           <p:cNvPr id="34" name="Rounded Rectangle 33">
             <a:extLst>
               <a:ext uri="{FF2B5EF4-FFF2-40B4-BE49-F238E27FC236}">
-                <a16:creationId xmlns:a16="http://schemas.microsoft.com/office/drawing/2014/main" id="{652FBA75-194F-3540-8133-BE6F3A0F58AF}"/>
+                <a16:creationId xmlns:a16="http://schemas.microsoft.com/office/drawing/2014/main" xmlns="" id="{652FBA75-194F-3540-8133-BE6F3A0F58AF}"/>
               </a:ext>
             </a:extLst>
           </p:cNvPr>
@@ -10415,7 +10415,7 @@
           <p:cNvPr id="35" name="Rounded Rectangle 34">
             <a:extLst>
               <a:ext uri="{FF2B5EF4-FFF2-40B4-BE49-F238E27FC236}">
-                <a16:creationId xmlns:a16="http://schemas.microsoft.com/office/drawing/2014/main" id="{8A925A23-0E65-C441-B5A9-B85B406C137A}"/>
+                <a16:creationId xmlns:a16="http://schemas.microsoft.com/office/drawing/2014/main" xmlns="" id="{8A925A23-0E65-C441-B5A9-B85B406C137A}"/>
               </a:ext>
             </a:extLst>
           </p:cNvPr>
@@ -10480,7 +10480,7 @@
           <p:cNvPr id="36" name="Rounded Rectangle 35">
             <a:extLst>
               <a:ext uri="{FF2B5EF4-FFF2-40B4-BE49-F238E27FC236}">
-                <a16:creationId xmlns:a16="http://schemas.microsoft.com/office/drawing/2014/main" id="{62B60516-5856-AF49-912D-EA309EAF0890}"/>
+                <a16:creationId xmlns:a16="http://schemas.microsoft.com/office/drawing/2014/main" xmlns="" id="{62B60516-5856-AF49-912D-EA309EAF0890}"/>
               </a:ext>
             </a:extLst>
           </p:cNvPr>
@@ -10545,7 +10545,7 @@
           <p:cNvPr id="37" name="Rounded Rectangle 36">
             <a:extLst>
               <a:ext uri="{FF2B5EF4-FFF2-40B4-BE49-F238E27FC236}">
-                <a16:creationId xmlns:a16="http://schemas.microsoft.com/office/drawing/2014/main" id="{E13C5F96-34C9-7E4C-AFA2-F1218F271DCD}"/>
+                <a16:creationId xmlns:a16="http://schemas.microsoft.com/office/drawing/2014/main" xmlns="" id="{E13C5F96-34C9-7E4C-AFA2-F1218F271DCD}"/>
               </a:ext>
             </a:extLst>
           </p:cNvPr>
@@ -10610,7 +10610,7 @@
           <p:cNvPr id="38" name="Rounded Rectangle 37">
             <a:extLst>
               <a:ext uri="{FF2B5EF4-FFF2-40B4-BE49-F238E27FC236}">
-                <a16:creationId xmlns:a16="http://schemas.microsoft.com/office/drawing/2014/main" id="{43368A84-1651-7944-B8C8-4E2FA7EA5146}"/>
+                <a16:creationId xmlns:a16="http://schemas.microsoft.com/office/drawing/2014/main" xmlns="" id="{43368A84-1651-7944-B8C8-4E2FA7EA5146}"/>
               </a:ext>
             </a:extLst>
           </p:cNvPr>
@@ -10661,14 +10661,20 @@
               </a:lnSpc>
             </a:pPr>
             <a:r>
-              <a:rPr lang="en-US" sz="1200" kern="0" dirty="0">
+              <a:rPr lang="en-US" sz="1200" kern="0" dirty="0" smtClean="0">
                 <a:solidFill>
                   <a:schemeClr val="bg1"/>
                 </a:solidFill>
                 <a:latin typeface="Source Sans Pro Light" charset="0"/>
               </a:rPr>
-              <a:t>LCD</a:t>
-            </a:r>
+              <a:t>Ethernet</a:t>
+            </a:r>
+            <a:endParaRPr lang="en-US" sz="1200" kern="0" dirty="0">
+              <a:solidFill>
+                <a:schemeClr val="bg1"/>
+              </a:solidFill>
+              <a:latin typeface="Source Sans Pro Light" charset="0"/>
+            </a:endParaRPr>
           </a:p>
         </p:txBody>
       </p:sp>
@@ -10677,7 +10683,7 @@
           <p:cNvPr id="39" name="Rounded Rectangle 38">
             <a:extLst>
               <a:ext uri="{FF2B5EF4-FFF2-40B4-BE49-F238E27FC236}">
-                <a16:creationId xmlns:a16="http://schemas.microsoft.com/office/drawing/2014/main" id="{E5171215-1FDA-2B4B-97DB-FC4AE8F1ED14}"/>
+                <a16:creationId xmlns:a16="http://schemas.microsoft.com/office/drawing/2014/main" xmlns="" id="{E5171215-1FDA-2B4B-97DB-FC4AE8F1ED14}"/>
               </a:ext>
             </a:extLst>
           </p:cNvPr>
@@ -10728,14 +10734,20 @@
               </a:lnSpc>
             </a:pPr>
             <a:r>
-              <a:rPr lang="en-US" sz="1200" kern="0" dirty="0">
+              <a:rPr lang="en-US" sz="1200" kern="0" dirty="0" smtClean="0">
                 <a:solidFill>
                   <a:schemeClr val="bg1"/>
                 </a:solidFill>
                 <a:latin typeface="Source Sans Pro Light" charset="0"/>
               </a:rPr>
-              <a:t>Touch</a:t>
-            </a:r>
+              <a:t>WI-FI</a:t>
+            </a:r>
+            <a:endParaRPr lang="en-US" sz="1200" kern="0" dirty="0">
+              <a:solidFill>
+                <a:schemeClr val="bg1"/>
+              </a:solidFill>
+              <a:latin typeface="Source Sans Pro Light" charset="0"/>
+            </a:endParaRPr>
           </a:p>
         </p:txBody>
       </p:sp>
@@ -10744,7 +10756,7 @@
           <p:cNvPr id="40" name="Rounded Rectangle 39">
             <a:extLst>
               <a:ext uri="{FF2B5EF4-FFF2-40B4-BE49-F238E27FC236}">
-                <a16:creationId xmlns:a16="http://schemas.microsoft.com/office/drawing/2014/main" id="{DB9583CE-8E47-B543-A3C6-0A7CECBE335C}"/>
+                <a16:creationId xmlns:a16="http://schemas.microsoft.com/office/drawing/2014/main" xmlns="" id="{DB9583CE-8E47-B543-A3C6-0A7CECBE335C}"/>
               </a:ext>
             </a:extLst>
           </p:cNvPr>
@@ -10795,14 +10807,20 @@
               </a:lnSpc>
             </a:pPr>
             <a:r>
-              <a:rPr lang="en-US" sz="1200" kern="0" dirty="0">
+              <a:rPr lang="en-US" sz="1200" kern="0" dirty="0" smtClean="0">
                 <a:solidFill>
                   <a:schemeClr val="bg1"/>
                 </a:solidFill>
                 <a:latin typeface="Source Sans Pro Light" charset="0"/>
               </a:rPr>
-              <a:t>Buttons</a:t>
-            </a:r>
+              <a:t>BLE</a:t>
+            </a:r>
+            <a:endParaRPr lang="en-US" sz="1200" kern="0" dirty="0">
+              <a:solidFill>
+                <a:schemeClr val="bg1"/>
+              </a:solidFill>
+              <a:latin typeface="Source Sans Pro Light" charset="0"/>
+            </a:endParaRPr>
           </a:p>
         </p:txBody>
       </p:sp>
@@ -10811,7 +10829,7 @@
           <p:cNvPr id="41" name="Rectangle 40">
             <a:extLst>
               <a:ext uri="{FF2B5EF4-FFF2-40B4-BE49-F238E27FC236}">
-                <a16:creationId xmlns:a16="http://schemas.microsoft.com/office/drawing/2014/main" id="{60369472-40F5-0C49-8A0A-34721DA59A39}"/>
+                <a16:creationId xmlns:a16="http://schemas.microsoft.com/office/drawing/2014/main" xmlns="" id="{60369472-40F5-0C49-8A0A-34721DA59A39}"/>
               </a:ext>
             </a:extLst>
           </p:cNvPr>
@@ -10887,7 +10905,7 @@
           <p:cNvPr id="42" name="Rounded Rectangle 41">
             <a:extLst>
               <a:ext uri="{FF2B5EF4-FFF2-40B4-BE49-F238E27FC236}">
-                <a16:creationId xmlns:a16="http://schemas.microsoft.com/office/drawing/2014/main" id="{5E274B6F-5968-644B-A233-1D8C249F9D25}"/>
+                <a16:creationId xmlns:a16="http://schemas.microsoft.com/office/drawing/2014/main" xmlns="" id="{5E274B6F-5968-644B-A233-1D8C249F9D25}"/>
               </a:ext>
             </a:extLst>
           </p:cNvPr>
@@ -10954,7 +10972,7 @@
           <p:cNvPr id="43" name="Rounded Rectangle 42">
             <a:extLst>
               <a:ext uri="{FF2B5EF4-FFF2-40B4-BE49-F238E27FC236}">
-                <a16:creationId xmlns:a16="http://schemas.microsoft.com/office/drawing/2014/main" id="{614FB769-688F-494D-AE49-D1344E751FA6}"/>
+                <a16:creationId xmlns:a16="http://schemas.microsoft.com/office/drawing/2014/main" xmlns="" id="{614FB769-688F-494D-AE49-D1344E751FA6}"/>
               </a:ext>
             </a:extLst>
           </p:cNvPr>
@@ -11021,7 +11039,7 @@
           <p:cNvPr id="44" name="Rounded Rectangle 43">
             <a:extLst>
               <a:ext uri="{FF2B5EF4-FFF2-40B4-BE49-F238E27FC236}">
-                <a16:creationId xmlns:a16="http://schemas.microsoft.com/office/drawing/2014/main" id="{05350DC8-AB2D-7A48-95B6-111BD3F62D9E}"/>
+                <a16:creationId xmlns:a16="http://schemas.microsoft.com/office/drawing/2014/main" xmlns="" id="{05350DC8-AB2D-7A48-95B6-111BD3F62D9E}"/>
               </a:ext>
             </a:extLst>
           </p:cNvPr>
@@ -11088,7 +11106,7 @@
           <p:cNvPr id="45" name="Round Same Side Corner Rectangle 44">
             <a:extLst>
               <a:ext uri="{FF2B5EF4-FFF2-40B4-BE49-F238E27FC236}">
-                <a16:creationId xmlns:a16="http://schemas.microsoft.com/office/drawing/2014/main" id="{29077600-5340-3A45-9B91-0EB6485110C9}"/>
+                <a16:creationId xmlns:a16="http://schemas.microsoft.com/office/drawing/2014/main" xmlns="" id="{29077600-5340-3A45-9B91-0EB6485110C9}"/>
               </a:ext>
             </a:extLst>
           </p:cNvPr>
@@ -11147,7 +11165,7 @@
           <p:cNvPr id="46" name="Group 45">
             <a:extLst>
               <a:ext uri="{FF2B5EF4-FFF2-40B4-BE49-F238E27FC236}">
-                <a16:creationId xmlns:a16="http://schemas.microsoft.com/office/drawing/2014/main" id="{FD7C4469-4138-A54A-BE6C-A4230D2BC1FF}"/>
+                <a16:creationId xmlns:a16="http://schemas.microsoft.com/office/drawing/2014/main" xmlns="" id="{FD7C4469-4138-A54A-BE6C-A4230D2BC1FF}"/>
               </a:ext>
             </a:extLst>
           </p:cNvPr>
@@ -11167,7 +11185,7 @@
             <p:cNvPr id="47" name="Picture 46">
               <a:extLst>
                 <a:ext uri="{FF2B5EF4-FFF2-40B4-BE49-F238E27FC236}">
-                  <a16:creationId xmlns:a16="http://schemas.microsoft.com/office/drawing/2014/main" id="{71DCAA86-C435-1643-A64D-70F341619783}"/>
+                  <a16:creationId xmlns:a16="http://schemas.microsoft.com/office/drawing/2014/main" xmlns="" id="{71DCAA86-C435-1643-A64D-70F341619783}"/>
                 </a:ext>
               </a:extLst>
             </p:cNvPr>
@@ -11210,7 +11228,7 @@
             <p:cNvPr id="48" name="Rectangle 47">
               <a:extLst>
                 <a:ext uri="{FF2B5EF4-FFF2-40B4-BE49-F238E27FC236}">
-                  <a16:creationId xmlns:a16="http://schemas.microsoft.com/office/drawing/2014/main" id="{8B1DF283-C2C4-5743-B08E-3D0ED4C0383E}"/>
+                  <a16:creationId xmlns:a16="http://schemas.microsoft.com/office/drawing/2014/main" xmlns="" id="{8B1DF283-C2C4-5743-B08E-3D0ED4C0383E}"/>
                 </a:ext>
               </a:extLst>
             </p:cNvPr>
@@ -11266,7 +11284,7 @@
           <p:cNvPr id="49" name="Rectangle 48">
             <a:extLst>
               <a:ext uri="{FF2B5EF4-FFF2-40B4-BE49-F238E27FC236}">
-                <a16:creationId xmlns:a16="http://schemas.microsoft.com/office/drawing/2014/main" id="{BA88D557-8188-2941-A0CA-76EBC4BD4753}"/>
+                <a16:creationId xmlns:a16="http://schemas.microsoft.com/office/drawing/2014/main" xmlns="" id="{BA88D557-8188-2941-A0CA-76EBC4BD4753}"/>
               </a:ext>
             </a:extLst>
           </p:cNvPr>
@@ -11323,7 +11341,7 @@
           <p:cNvPr id="51" name="Rounded Rectangle 36">
             <a:extLst>
               <a:ext uri="{FF2B5EF4-FFF2-40B4-BE49-F238E27FC236}">
-                <a16:creationId xmlns:a16="http://schemas.microsoft.com/office/drawing/2014/main" id="{283307E8-59C0-44A7-B2D4-03F3BD01F6ED}"/>
+                <a16:creationId xmlns:a16="http://schemas.microsoft.com/office/drawing/2014/main" xmlns="" id="{283307E8-59C0-44A7-B2D4-03F3BD01F6ED}"/>
               </a:ext>
             </a:extLst>
           </p:cNvPr>
@@ -11388,7 +11406,7 @@
           <p:cNvPr id="52" name="Rounded Rectangle 36">
             <a:extLst>
               <a:ext uri="{FF2B5EF4-FFF2-40B4-BE49-F238E27FC236}">
-                <a16:creationId xmlns:a16="http://schemas.microsoft.com/office/drawing/2014/main" id="{C8608BDC-F5B5-4939-8481-A80604A5D0D3}"/>
+                <a16:creationId xmlns:a16="http://schemas.microsoft.com/office/drawing/2014/main" xmlns="" id="{C8608BDC-F5B5-4939-8481-A80604A5D0D3}"/>
               </a:ext>
             </a:extLst>
           </p:cNvPr>
@@ -11453,7 +11471,7 @@
           <p:cNvPr id="53" name="Rounded Rectangle 32">
             <a:extLst>
               <a:ext uri="{FF2B5EF4-FFF2-40B4-BE49-F238E27FC236}">
-                <a16:creationId xmlns:a16="http://schemas.microsoft.com/office/drawing/2014/main" id="{DA840664-7456-4E94-B2C8-4B47ACB8B325}"/>
+                <a16:creationId xmlns:a16="http://schemas.microsoft.com/office/drawing/2014/main" xmlns="" id="{DA840664-7456-4E94-B2C8-4B47ACB8B325}"/>
               </a:ext>
             </a:extLst>
           </p:cNvPr>
@@ -11518,7 +11536,7 @@
           <p:cNvPr id="54" name="Rounded Rectangle 32">
             <a:extLst>
               <a:ext uri="{FF2B5EF4-FFF2-40B4-BE49-F238E27FC236}">
-                <a16:creationId xmlns:a16="http://schemas.microsoft.com/office/drawing/2014/main" id="{FB964F59-20F2-4C74-9159-946E02957282}"/>
+                <a16:creationId xmlns:a16="http://schemas.microsoft.com/office/drawing/2014/main" xmlns="" id="{FB964F59-20F2-4C74-9159-946E02957282}"/>
               </a:ext>
             </a:extLst>
           </p:cNvPr>
@@ -11583,7 +11601,7 @@
           <p:cNvPr id="55" name="Rounded Rectangle 32">
             <a:extLst>
               <a:ext uri="{FF2B5EF4-FFF2-40B4-BE49-F238E27FC236}">
-                <a16:creationId xmlns:a16="http://schemas.microsoft.com/office/drawing/2014/main" id="{4384512F-E95C-4D62-B4A9-A913BB7AC345}"/>
+                <a16:creationId xmlns:a16="http://schemas.microsoft.com/office/drawing/2014/main" xmlns="" id="{4384512F-E95C-4D62-B4A9-A913BB7AC345}"/>
               </a:ext>
             </a:extLst>
           </p:cNvPr>
@@ -11648,7 +11666,7 @@
           <p:cNvPr id="56" name="Rounded Rectangle 32">
             <a:extLst>
               <a:ext uri="{FF2B5EF4-FFF2-40B4-BE49-F238E27FC236}">
-                <a16:creationId xmlns:a16="http://schemas.microsoft.com/office/drawing/2014/main" id="{0CE1D744-F702-4CEA-B511-1160656204E1}"/>
+                <a16:creationId xmlns:a16="http://schemas.microsoft.com/office/drawing/2014/main" xmlns="" id="{0CE1D744-F702-4CEA-B511-1160656204E1}"/>
               </a:ext>
             </a:extLst>
           </p:cNvPr>
@@ -11713,7 +11731,7 @@
           <p:cNvPr id="58" name="Rounded Rectangle 41">
             <a:extLst>
               <a:ext uri="{FF2B5EF4-FFF2-40B4-BE49-F238E27FC236}">
-                <a16:creationId xmlns:a16="http://schemas.microsoft.com/office/drawing/2014/main" id="{B0719255-A67A-483A-BE33-9E1F0D087410}"/>
+                <a16:creationId xmlns:a16="http://schemas.microsoft.com/office/drawing/2014/main" xmlns="" id="{B0719255-A67A-483A-BE33-9E1F0D087410}"/>
               </a:ext>
             </a:extLst>
           </p:cNvPr>
@@ -11780,7 +11798,7 @@
           <p:cNvPr id="59" name="Rounded Rectangle 36">
             <a:extLst>
               <a:ext uri="{FF2B5EF4-FFF2-40B4-BE49-F238E27FC236}">
-                <a16:creationId xmlns:a16="http://schemas.microsoft.com/office/drawing/2014/main" id="{BD1E5A96-4D6B-4855-BC13-4A6D5BF7D99C}"/>
+                <a16:creationId xmlns:a16="http://schemas.microsoft.com/office/drawing/2014/main" xmlns="" id="{BD1E5A96-4D6B-4855-BC13-4A6D5BF7D99C}"/>
               </a:ext>
             </a:extLst>
           </p:cNvPr>
@@ -11845,7 +11863,7 @@
           <p:cNvPr id="60" name="Rounded Rectangle 32">
             <a:extLst>
               <a:ext uri="{FF2B5EF4-FFF2-40B4-BE49-F238E27FC236}">
-                <a16:creationId xmlns:a16="http://schemas.microsoft.com/office/drawing/2014/main" id="{5CCD933E-7C6F-48C2-8B16-5533A9756066}"/>
+                <a16:creationId xmlns:a16="http://schemas.microsoft.com/office/drawing/2014/main" xmlns="" id="{5CCD933E-7C6F-48C2-8B16-5533A9756066}"/>
               </a:ext>
             </a:extLst>
           </p:cNvPr>
@@ -11915,6 +11933,13 @@
   <p:clrMapOvr>
     <a:masterClrMapping/>
   </p:clrMapOvr>
+  <p:timing>
+    <p:tnLst>
+      <p:par>
+        <p:cTn id="1" dur="indefinite" restart="never" nodeType="tmRoot"/>
+      </p:par>
+    </p:tnLst>
+  </p:timing>
 </p:sld>
 </file>
 

--- a/ApplicationDeveloperGuide/images/networking_overview.pptx
+++ b/ApplicationDeveloperGuide/images/networking_overview.pptx
@@ -6257,7 +6257,7 @@
           <p:cNvPr id="14" name="Slide Number Placeholder 5">
             <a:extLst>
               <a:ext uri="{FF2B5EF4-FFF2-40B4-BE49-F238E27FC236}">
-                <a16:creationId xmlns:a16="http://schemas.microsoft.com/office/drawing/2014/main" xmlns="" id="{D6A5EA0A-9DA9-564F-8F7D-CF263DB84C39}"/>
+                <a16:creationId xmlns="" xmlns:a16="http://schemas.microsoft.com/office/drawing/2014/main" id="{D6A5EA0A-9DA9-564F-8F7D-CF263DB84C39}"/>
               </a:ext>
             </a:extLst>
           </p:cNvPr>
@@ -6425,7 +6425,7 @@
           <p:cNvPr id="21" name="Straight Connector 20">
             <a:extLst>
               <a:ext uri="{FF2B5EF4-FFF2-40B4-BE49-F238E27FC236}">
-                <a16:creationId xmlns:a16="http://schemas.microsoft.com/office/drawing/2014/main" xmlns="" id="{F4443C96-B82D-F449-A71B-02134B6BB207}"/>
+                <a16:creationId xmlns="" xmlns:a16="http://schemas.microsoft.com/office/drawing/2014/main" id="{F4443C96-B82D-F449-A71B-02134B6BB207}"/>
               </a:ext>
             </a:extLst>
           </p:cNvPr>
@@ -6936,7 +6936,7 @@
           <p:cNvPr id="2" name="Straight Connector 1">
             <a:extLst>
               <a:ext uri="{FF2B5EF4-FFF2-40B4-BE49-F238E27FC236}">
-                <a16:creationId xmlns:a16="http://schemas.microsoft.com/office/drawing/2014/main" xmlns="" id="{69468F00-CD4C-A248-A4B1-C7B7588C2D3D}"/>
+                <a16:creationId xmlns="" xmlns:a16="http://schemas.microsoft.com/office/drawing/2014/main" id="{69468F00-CD4C-A248-A4B1-C7B7588C2D3D}"/>
               </a:ext>
             </a:extLst>
           </p:cNvPr>
@@ -6977,7 +6977,7 @@
           <p:cNvPr id="3" name="TextBox 2">
             <a:extLst>
               <a:ext uri="{FF2B5EF4-FFF2-40B4-BE49-F238E27FC236}">
-                <a16:creationId xmlns:a16="http://schemas.microsoft.com/office/drawing/2014/main" xmlns="" id="{48FC3BF8-BB80-DF47-B91F-CB24163470D3}"/>
+                <a16:creationId xmlns="" xmlns:a16="http://schemas.microsoft.com/office/drawing/2014/main" id="{48FC3BF8-BB80-DF47-B91F-CB24163470D3}"/>
               </a:ext>
             </a:extLst>
           </p:cNvPr>
@@ -7029,7 +7029,7 @@
           <p:cNvPr id="4" name="Rounded Rectangle 3">
             <a:extLst>
               <a:ext uri="{FF2B5EF4-FFF2-40B4-BE49-F238E27FC236}">
-                <a16:creationId xmlns:a16="http://schemas.microsoft.com/office/drawing/2014/main" xmlns="" id="{56D03FB4-14D4-9F48-A061-0B8E91CCC141}"/>
+                <a16:creationId xmlns="" xmlns:a16="http://schemas.microsoft.com/office/drawing/2014/main" id="{56D03FB4-14D4-9F48-A061-0B8E91CCC141}"/>
               </a:ext>
             </a:extLst>
           </p:cNvPr>
@@ -7091,7 +7091,7 @@
           <p:cNvPr id="5" name="Arc 4">
             <a:extLst>
               <a:ext uri="{FF2B5EF4-FFF2-40B4-BE49-F238E27FC236}">
-                <a16:creationId xmlns:a16="http://schemas.microsoft.com/office/drawing/2014/main" xmlns="" id="{CDA75251-2717-3E43-BB3A-DBBEB462FB90}"/>
+                <a16:creationId xmlns="" xmlns:a16="http://schemas.microsoft.com/office/drawing/2014/main" id="{CDA75251-2717-3E43-BB3A-DBBEB462FB90}"/>
               </a:ext>
             </a:extLst>
           </p:cNvPr>
@@ -7145,7 +7145,7 @@
           <p:cNvPr id="6" name="Arc 5">
             <a:extLst>
               <a:ext uri="{FF2B5EF4-FFF2-40B4-BE49-F238E27FC236}">
-                <a16:creationId xmlns:a16="http://schemas.microsoft.com/office/drawing/2014/main" xmlns="" id="{03DA70D7-2CF9-8747-BC92-DD0B286D3E0B}"/>
+                <a16:creationId xmlns="" xmlns:a16="http://schemas.microsoft.com/office/drawing/2014/main" id="{03DA70D7-2CF9-8747-BC92-DD0B286D3E0B}"/>
               </a:ext>
             </a:extLst>
           </p:cNvPr>
@@ -7199,7 +7199,7 @@
           <p:cNvPr id="7" name="Snip Same Side Corner Rectangle 6">
             <a:extLst>
               <a:ext uri="{FF2B5EF4-FFF2-40B4-BE49-F238E27FC236}">
-                <a16:creationId xmlns:a16="http://schemas.microsoft.com/office/drawing/2014/main" xmlns="" id="{9CE42922-83A7-8B40-A4DE-A0EBB1D030D2}"/>
+                <a16:creationId xmlns="" xmlns:a16="http://schemas.microsoft.com/office/drawing/2014/main" id="{9CE42922-83A7-8B40-A4DE-A0EBB1D030D2}"/>
               </a:ext>
             </a:extLst>
           </p:cNvPr>
@@ -7269,7 +7269,7 @@
           <p:cNvPr id="8" name="Group 7">
             <a:extLst>
               <a:ext uri="{FF2B5EF4-FFF2-40B4-BE49-F238E27FC236}">
-                <a16:creationId xmlns:a16="http://schemas.microsoft.com/office/drawing/2014/main" xmlns="" id="{5248D8D9-D967-1348-A032-008E17139DEE}"/>
+                <a16:creationId xmlns="" xmlns:a16="http://schemas.microsoft.com/office/drawing/2014/main" id="{5248D8D9-D967-1348-A032-008E17139DEE}"/>
               </a:ext>
             </a:extLst>
           </p:cNvPr>
@@ -7289,7 +7289,7 @@
             <p:cNvPr id="9" name="Rounded Rectangle 370">
               <a:extLst>
                 <a:ext uri="{FF2B5EF4-FFF2-40B4-BE49-F238E27FC236}">
-                  <a16:creationId xmlns:a16="http://schemas.microsoft.com/office/drawing/2014/main" xmlns="" id="{2667F158-48EA-5048-8BCC-3E029C7677F6}"/>
+                  <a16:creationId xmlns="" xmlns:a16="http://schemas.microsoft.com/office/drawing/2014/main" id="{2667F158-48EA-5048-8BCC-3E029C7677F6}"/>
                 </a:ext>
               </a:extLst>
             </p:cNvPr>
@@ -8208,7 +8208,7 @@
             <p:cNvPr id="10" name="Group 9">
               <a:extLst>
                 <a:ext uri="{FF2B5EF4-FFF2-40B4-BE49-F238E27FC236}">
-                  <a16:creationId xmlns:a16="http://schemas.microsoft.com/office/drawing/2014/main" xmlns="" id="{5EC39D9C-6472-C04A-B9C6-3E3429006240}"/>
+                  <a16:creationId xmlns="" xmlns:a16="http://schemas.microsoft.com/office/drawing/2014/main" id="{5EC39D9C-6472-C04A-B9C6-3E3429006240}"/>
                 </a:ext>
               </a:extLst>
             </p:cNvPr>
@@ -8228,7 +8228,7 @@
               <p:cNvPr id="11" name="Rounded Rectangle 10">
                 <a:extLst>
                   <a:ext uri="{FF2B5EF4-FFF2-40B4-BE49-F238E27FC236}">
-                    <a16:creationId xmlns:a16="http://schemas.microsoft.com/office/drawing/2014/main" xmlns="" id="{37E1ADB6-BB23-6D4D-8040-4316BC097570}"/>
+                    <a16:creationId xmlns="" xmlns:a16="http://schemas.microsoft.com/office/drawing/2014/main" id="{37E1ADB6-BB23-6D4D-8040-4316BC097570}"/>
                   </a:ext>
                 </a:extLst>
               </p:cNvPr>
@@ -8291,7 +8291,7 @@
               <p:cNvPr id="12" name="Rectangle 11">
                 <a:extLst>
                   <a:ext uri="{FF2B5EF4-FFF2-40B4-BE49-F238E27FC236}">
-                    <a16:creationId xmlns:a16="http://schemas.microsoft.com/office/drawing/2014/main" xmlns="" id="{C2EBA6D6-1870-0A40-82C8-AE16E98BB260}"/>
+                    <a16:creationId xmlns="" xmlns:a16="http://schemas.microsoft.com/office/drawing/2014/main" id="{C2EBA6D6-1870-0A40-82C8-AE16E98BB260}"/>
                   </a:ext>
                 </a:extLst>
               </p:cNvPr>
@@ -8360,7 +8360,7 @@
               <p:cNvPr id="13" name="Picture 12">
                 <a:extLst>
                   <a:ext uri="{FF2B5EF4-FFF2-40B4-BE49-F238E27FC236}">
-                    <a16:creationId xmlns:a16="http://schemas.microsoft.com/office/drawing/2014/main" xmlns="" id="{4E01D07F-57C8-964A-BCB8-53AEEACFAE78}"/>
+                    <a16:creationId xmlns="" xmlns:a16="http://schemas.microsoft.com/office/drawing/2014/main" id="{4E01D07F-57C8-964A-BCB8-53AEEACFAE78}"/>
                   </a:ext>
                 </a:extLst>
               </p:cNvPr>
@@ -8399,7 +8399,7 @@
           <p:cNvPr id="14" name="Rounded Rectangle 13">
             <a:extLst>
               <a:ext uri="{FF2B5EF4-FFF2-40B4-BE49-F238E27FC236}">
-                <a16:creationId xmlns:a16="http://schemas.microsoft.com/office/drawing/2014/main" xmlns="" id="{B8F79B32-E337-A947-8A2C-8501B0E0D7EE}"/>
+                <a16:creationId xmlns="" xmlns:a16="http://schemas.microsoft.com/office/drawing/2014/main" id="{B8F79B32-E337-A947-8A2C-8501B0E0D7EE}"/>
               </a:ext>
             </a:extLst>
           </p:cNvPr>
@@ -8461,7 +8461,7 @@
           <p:cNvPr id="15" name="Rounded Rectangle 14">
             <a:extLst>
               <a:ext uri="{FF2B5EF4-FFF2-40B4-BE49-F238E27FC236}">
-                <a16:creationId xmlns:a16="http://schemas.microsoft.com/office/drawing/2014/main" xmlns="" id="{70F38BA2-FEE1-0B4D-AAE5-39A694AFBE0E}"/>
+                <a16:creationId xmlns="" xmlns:a16="http://schemas.microsoft.com/office/drawing/2014/main" id="{70F38BA2-FEE1-0B4D-AAE5-39A694AFBE0E}"/>
               </a:ext>
             </a:extLst>
           </p:cNvPr>
@@ -8532,7 +8532,7 @@
           <p:cNvPr id="16" name="Rounded Rectangle 15">
             <a:extLst>
               <a:ext uri="{FF2B5EF4-FFF2-40B4-BE49-F238E27FC236}">
-                <a16:creationId xmlns:a16="http://schemas.microsoft.com/office/drawing/2014/main" xmlns="" id="{94B69AB0-5C90-B24D-87C4-83F250AA65BB}"/>
+                <a16:creationId xmlns="" xmlns:a16="http://schemas.microsoft.com/office/drawing/2014/main" id="{94B69AB0-5C90-B24D-87C4-83F250AA65BB}"/>
               </a:ext>
             </a:extLst>
           </p:cNvPr>
@@ -8602,7 +8602,7 @@
           <p:cNvPr id="17" name="Group 16">
             <a:extLst>
               <a:ext uri="{FF2B5EF4-FFF2-40B4-BE49-F238E27FC236}">
-                <a16:creationId xmlns:a16="http://schemas.microsoft.com/office/drawing/2014/main" xmlns="" id="{526299CB-A110-C54D-BDF8-96E344AF1C1F}"/>
+                <a16:creationId xmlns="" xmlns:a16="http://schemas.microsoft.com/office/drawing/2014/main" id="{526299CB-A110-C54D-BDF8-96E344AF1C1F}"/>
               </a:ext>
             </a:extLst>
           </p:cNvPr>
@@ -8622,7 +8622,7 @@
             <p:cNvPr id="18" name="Rounded Rectangle 370">
               <a:extLst>
                 <a:ext uri="{FF2B5EF4-FFF2-40B4-BE49-F238E27FC236}">
-                  <a16:creationId xmlns:a16="http://schemas.microsoft.com/office/drawing/2014/main" xmlns="" id="{2E1FB874-03EC-C448-BFBA-8CD82A1D096B}"/>
+                  <a16:creationId xmlns="" xmlns:a16="http://schemas.microsoft.com/office/drawing/2014/main" id="{2E1FB874-03EC-C448-BFBA-8CD82A1D096B}"/>
                 </a:ext>
               </a:extLst>
             </p:cNvPr>
@@ -9613,7 +9613,7 @@
             <p:cNvPr id="19" name="Group 18">
               <a:extLst>
                 <a:ext uri="{FF2B5EF4-FFF2-40B4-BE49-F238E27FC236}">
-                  <a16:creationId xmlns:a16="http://schemas.microsoft.com/office/drawing/2014/main" xmlns="" id="{B274EFA6-9B42-5440-AF5B-359CF9E65901}"/>
+                  <a16:creationId xmlns="" xmlns:a16="http://schemas.microsoft.com/office/drawing/2014/main" id="{B274EFA6-9B42-5440-AF5B-359CF9E65901}"/>
                 </a:ext>
               </a:extLst>
             </p:cNvPr>
@@ -9633,7 +9633,7 @@
               <p:cNvPr id="20" name="Rounded Rectangle 19">
                 <a:extLst>
                   <a:ext uri="{FF2B5EF4-FFF2-40B4-BE49-F238E27FC236}">
-                    <a16:creationId xmlns:a16="http://schemas.microsoft.com/office/drawing/2014/main" xmlns="" id="{D046CDF5-B514-CA4E-8504-E436F806B938}"/>
+                    <a16:creationId xmlns="" xmlns:a16="http://schemas.microsoft.com/office/drawing/2014/main" id="{D046CDF5-B514-CA4E-8504-E436F806B938}"/>
                   </a:ext>
                 </a:extLst>
               </p:cNvPr>
@@ -9694,7 +9694,7 @@
               <p:cNvPr id="21" name="Group 20">
                 <a:extLst>
                   <a:ext uri="{FF2B5EF4-FFF2-40B4-BE49-F238E27FC236}">
-                    <a16:creationId xmlns:a16="http://schemas.microsoft.com/office/drawing/2014/main" xmlns="" id="{985BF61E-F2F3-0C4D-809B-EF1E436A8054}"/>
+                    <a16:creationId xmlns="" xmlns:a16="http://schemas.microsoft.com/office/drawing/2014/main" id="{985BF61E-F2F3-0C4D-809B-EF1E436A8054}"/>
                   </a:ext>
                 </a:extLst>
               </p:cNvPr>
@@ -9714,7 +9714,7 @@
                 <p:cNvPr id="22" name="Picture 21">
                   <a:extLst>
                     <a:ext uri="{FF2B5EF4-FFF2-40B4-BE49-F238E27FC236}">
-                      <a16:creationId xmlns:a16="http://schemas.microsoft.com/office/drawing/2014/main" xmlns="" id="{30A4E1B0-8052-744A-AA21-F5E88AF4F659}"/>
+                      <a16:creationId xmlns="" xmlns:a16="http://schemas.microsoft.com/office/drawing/2014/main" id="{30A4E1B0-8052-744A-AA21-F5E88AF4F659}"/>
                     </a:ext>
                   </a:extLst>
                 </p:cNvPr>
@@ -9750,7 +9750,7 @@
                 <p:cNvPr id="23" name="Picture 22">
                   <a:extLst>
                     <a:ext uri="{FF2B5EF4-FFF2-40B4-BE49-F238E27FC236}">
-                      <a16:creationId xmlns:a16="http://schemas.microsoft.com/office/drawing/2014/main" xmlns="" id="{9D8603F9-7AB8-BF43-94F5-7709429BE34B}"/>
+                      <a16:creationId xmlns="" xmlns:a16="http://schemas.microsoft.com/office/drawing/2014/main" id="{9D8603F9-7AB8-BF43-94F5-7709429BE34B}"/>
                     </a:ext>
                   </a:extLst>
                 </p:cNvPr>
@@ -9789,7 +9789,7 @@
           <p:cNvPr id="24" name="Rounded Rectangle 23">
             <a:extLst>
               <a:ext uri="{FF2B5EF4-FFF2-40B4-BE49-F238E27FC236}">
-                <a16:creationId xmlns:a16="http://schemas.microsoft.com/office/drawing/2014/main" xmlns="" id="{9BC58F33-9A79-7647-8348-AB37D1ED666F}"/>
+                <a16:creationId xmlns="" xmlns:a16="http://schemas.microsoft.com/office/drawing/2014/main" id="{9BC58F33-9A79-7647-8348-AB37D1ED666F}"/>
               </a:ext>
             </a:extLst>
           </p:cNvPr>
@@ -9867,7 +9867,7 @@
           <p:cNvPr id="25" name="Rounded Rectangle 24">
             <a:extLst>
               <a:ext uri="{FF2B5EF4-FFF2-40B4-BE49-F238E27FC236}">
-                <a16:creationId xmlns:a16="http://schemas.microsoft.com/office/drawing/2014/main" xmlns="" id="{4F103699-8CF4-F04E-9FD8-A2E530AA7A44}"/>
+                <a16:creationId xmlns="" xmlns:a16="http://schemas.microsoft.com/office/drawing/2014/main" id="{4F103699-8CF4-F04E-9FD8-A2E530AA7A44}"/>
               </a:ext>
             </a:extLst>
           </p:cNvPr>
@@ -9965,7 +9965,7 @@
           <p:cNvPr id="26" name="Rounded Rectangle 25">
             <a:extLst>
               <a:ext uri="{FF2B5EF4-FFF2-40B4-BE49-F238E27FC236}">
-                <a16:creationId xmlns:a16="http://schemas.microsoft.com/office/drawing/2014/main" xmlns="" id="{50E5510D-358F-9F42-A720-A6696D86B52E}"/>
+                <a16:creationId xmlns="" xmlns:a16="http://schemas.microsoft.com/office/drawing/2014/main" id="{50E5510D-358F-9F42-A720-A6696D86B52E}"/>
               </a:ext>
             </a:extLst>
           </p:cNvPr>
@@ -10052,7 +10052,7 @@
           <p:cNvPr id="27" name="Picture 26">
             <a:extLst>
               <a:ext uri="{FF2B5EF4-FFF2-40B4-BE49-F238E27FC236}">
-                <a16:creationId xmlns:a16="http://schemas.microsoft.com/office/drawing/2014/main" xmlns="" id="{FAB68817-1727-E14B-8341-25C675C96B88}"/>
+                <a16:creationId xmlns="" xmlns:a16="http://schemas.microsoft.com/office/drawing/2014/main" id="{FAB68817-1727-E14B-8341-25C675C96B88}"/>
               </a:ext>
             </a:extLst>
           </p:cNvPr>
@@ -10088,7 +10088,7 @@
           <p:cNvPr id="28" name="Rounded Rectangle 27">
             <a:extLst>
               <a:ext uri="{FF2B5EF4-FFF2-40B4-BE49-F238E27FC236}">
-                <a16:creationId xmlns:a16="http://schemas.microsoft.com/office/drawing/2014/main" xmlns="" id="{03CACB4B-51E8-0749-9340-40E24818686B}"/>
+                <a16:creationId xmlns="" xmlns:a16="http://schemas.microsoft.com/office/drawing/2014/main" id="{03CACB4B-51E8-0749-9340-40E24818686B}"/>
               </a:ext>
             </a:extLst>
           </p:cNvPr>
@@ -10154,7 +10154,7 @@
           <p:cNvPr id="29" name="Straight Connector 28">
             <a:extLst>
               <a:ext uri="{FF2B5EF4-FFF2-40B4-BE49-F238E27FC236}">
-                <a16:creationId xmlns:a16="http://schemas.microsoft.com/office/drawing/2014/main" xmlns="" id="{18FE8AAC-D28F-8C4B-92F4-8FFF81A0F0AF}"/>
+                <a16:creationId xmlns="" xmlns:a16="http://schemas.microsoft.com/office/drawing/2014/main" id="{18FE8AAC-D28F-8C4B-92F4-8FFF81A0F0AF}"/>
               </a:ext>
             </a:extLst>
           </p:cNvPr>
@@ -10198,7 +10198,7 @@
           <p:cNvPr id="30" name="Rectangle 29">
             <a:extLst>
               <a:ext uri="{FF2B5EF4-FFF2-40B4-BE49-F238E27FC236}">
-                <a16:creationId xmlns:a16="http://schemas.microsoft.com/office/drawing/2014/main" xmlns="" id="{12176BD1-BD30-A44F-9CAF-928FE6EBB79F}"/>
+                <a16:creationId xmlns="" xmlns:a16="http://schemas.microsoft.com/office/drawing/2014/main" id="{12176BD1-BD30-A44F-9CAF-928FE6EBB79F}"/>
               </a:ext>
             </a:extLst>
           </p:cNvPr>
@@ -10249,7 +10249,7 @@
           <p:cNvPr id="31" name="Rectangle 30">
             <a:extLst>
               <a:ext uri="{FF2B5EF4-FFF2-40B4-BE49-F238E27FC236}">
-                <a16:creationId xmlns:a16="http://schemas.microsoft.com/office/drawing/2014/main" xmlns="" id="{47E4C9E7-8973-4245-B612-41A03C8F1B0F}"/>
+                <a16:creationId xmlns="" xmlns:a16="http://schemas.microsoft.com/office/drawing/2014/main" id="{47E4C9E7-8973-4245-B612-41A03C8F1B0F}"/>
               </a:ext>
             </a:extLst>
           </p:cNvPr>
@@ -10301,7 +10301,7 @@
           <p:cNvPr id="32" name="Rectangle 31">
             <a:extLst>
               <a:ext uri="{FF2B5EF4-FFF2-40B4-BE49-F238E27FC236}">
-                <a16:creationId xmlns:a16="http://schemas.microsoft.com/office/drawing/2014/main" xmlns="" id="{6858A81E-4266-6F4F-8D93-B8419F4EE7F3}"/>
+                <a16:creationId xmlns="" xmlns:a16="http://schemas.microsoft.com/office/drawing/2014/main" id="{6858A81E-4266-6F4F-8D93-B8419F4EE7F3}"/>
               </a:ext>
             </a:extLst>
           </p:cNvPr>
@@ -10350,7 +10350,7 @@
           <p:cNvPr id="34" name="Rounded Rectangle 33">
             <a:extLst>
               <a:ext uri="{FF2B5EF4-FFF2-40B4-BE49-F238E27FC236}">
-                <a16:creationId xmlns:a16="http://schemas.microsoft.com/office/drawing/2014/main" xmlns="" id="{652FBA75-194F-3540-8133-BE6F3A0F58AF}"/>
+                <a16:creationId xmlns="" xmlns:a16="http://schemas.microsoft.com/office/drawing/2014/main" id="{652FBA75-194F-3540-8133-BE6F3A0F58AF}"/>
               </a:ext>
             </a:extLst>
           </p:cNvPr>
@@ -10415,7 +10415,7 @@
           <p:cNvPr id="35" name="Rounded Rectangle 34">
             <a:extLst>
               <a:ext uri="{FF2B5EF4-FFF2-40B4-BE49-F238E27FC236}">
-                <a16:creationId xmlns:a16="http://schemas.microsoft.com/office/drawing/2014/main" xmlns="" id="{8A925A23-0E65-C441-B5A9-B85B406C137A}"/>
+                <a16:creationId xmlns="" xmlns:a16="http://schemas.microsoft.com/office/drawing/2014/main" id="{8A925A23-0E65-C441-B5A9-B85B406C137A}"/>
               </a:ext>
             </a:extLst>
           </p:cNvPr>
@@ -10480,7 +10480,7 @@
           <p:cNvPr id="36" name="Rounded Rectangle 35">
             <a:extLst>
               <a:ext uri="{FF2B5EF4-FFF2-40B4-BE49-F238E27FC236}">
-                <a16:creationId xmlns:a16="http://schemas.microsoft.com/office/drawing/2014/main" xmlns="" id="{62B60516-5856-AF49-912D-EA309EAF0890}"/>
+                <a16:creationId xmlns="" xmlns:a16="http://schemas.microsoft.com/office/drawing/2014/main" id="{62B60516-5856-AF49-912D-EA309EAF0890}"/>
               </a:ext>
             </a:extLst>
           </p:cNvPr>
@@ -10545,7 +10545,7 @@
           <p:cNvPr id="37" name="Rounded Rectangle 36">
             <a:extLst>
               <a:ext uri="{FF2B5EF4-FFF2-40B4-BE49-F238E27FC236}">
-                <a16:creationId xmlns:a16="http://schemas.microsoft.com/office/drawing/2014/main" xmlns="" id="{E13C5F96-34C9-7E4C-AFA2-F1218F271DCD}"/>
+                <a16:creationId xmlns="" xmlns:a16="http://schemas.microsoft.com/office/drawing/2014/main" id="{E13C5F96-34C9-7E4C-AFA2-F1218F271DCD}"/>
               </a:ext>
             </a:extLst>
           </p:cNvPr>
@@ -10610,7 +10610,7 @@
           <p:cNvPr id="38" name="Rounded Rectangle 37">
             <a:extLst>
               <a:ext uri="{FF2B5EF4-FFF2-40B4-BE49-F238E27FC236}">
-                <a16:creationId xmlns:a16="http://schemas.microsoft.com/office/drawing/2014/main" xmlns="" id="{43368A84-1651-7944-B8C8-4E2FA7EA5146}"/>
+                <a16:creationId xmlns="" xmlns:a16="http://schemas.microsoft.com/office/drawing/2014/main" id="{43368A84-1651-7944-B8C8-4E2FA7EA5146}"/>
               </a:ext>
             </a:extLst>
           </p:cNvPr>
@@ -10683,7 +10683,7 @@
           <p:cNvPr id="39" name="Rounded Rectangle 38">
             <a:extLst>
               <a:ext uri="{FF2B5EF4-FFF2-40B4-BE49-F238E27FC236}">
-                <a16:creationId xmlns:a16="http://schemas.microsoft.com/office/drawing/2014/main" xmlns="" id="{E5171215-1FDA-2B4B-97DB-FC4AE8F1ED14}"/>
+                <a16:creationId xmlns="" xmlns:a16="http://schemas.microsoft.com/office/drawing/2014/main" id="{E5171215-1FDA-2B4B-97DB-FC4AE8F1ED14}"/>
               </a:ext>
             </a:extLst>
           </p:cNvPr>
@@ -10756,7 +10756,7 @@
           <p:cNvPr id="40" name="Rounded Rectangle 39">
             <a:extLst>
               <a:ext uri="{FF2B5EF4-FFF2-40B4-BE49-F238E27FC236}">
-                <a16:creationId xmlns:a16="http://schemas.microsoft.com/office/drawing/2014/main" xmlns="" id="{DB9583CE-8E47-B543-A3C6-0A7CECBE335C}"/>
+                <a16:creationId xmlns="" xmlns:a16="http://schemas.microsoft.com/office/drawing/2014/main" id="{DB9583CE-8E47-B543-A3C6-0A7CECBE335C}"/>
               </a:ext>
             </a:extLst>
           </p:cNvPr>
@@ -10829,7 +10829,7 @@
           <p:cNvPr id="41" name="Rectangle 40">
             <a:extLst>
               <a:ext uri="{FF2B5EF4-FFF2-40B4-BE49-F238E27FC236}">
-                <a16:creationId xmlns:a16="http://schemas.microsoft.com/office/drawing/2014/main" xmlns="" id="{60369472-40F5-0C49-8A0A-34721DA59A39}"/>
+                <a16:creationId xmlns="" xmlns:a16="http://schemas.microsoft.com/office/drawing/2014/main" id="{60369472-40F5-0C49-8A0A-34721DA59A39}"/>
               </a:ext>
             </a:extLst>
           </p:cNvPr>
@@ -10905,7 +10905,7 @@
           <p:cNvPr id="42" name="Rounded Rectangle 41">
             <a:extLst>
               <a:ext uri="{FF2B5EF4-FFF2-40B4-BE49-F238E27FC236}">
-                <a16:creationId xmlns:a16="http://schemas.microsoft.com/office/drawing/2014/main" xmlns="" id="{5E274B6F-5968-644B-A233-1D8C249F9D25}"/>
+                <a16:creationId xmlns="" xmlns:a16="http://schemas.microsoft.com/office/drawing/2014/main" id="{5E274B6F-5968-644B-A233-1D8C249F9D25}"/>
               </a:ext>
             </a:extLst>
           </p:cNvPr>
@@ -10972,7 +10972,7 @@
           <p:cNvPr id="43" name="Rounded Rectangle 42">
             <a:extLst>
               <a:ext uri="{FF2B5EF4-FFF2-40B4-BE49-F238E27FC236}">
-                <a16:creationId xmlns:a16="http://schemas.microsoft.com/office/drawing/2014/main" xmlns="" id="{614FB769-688F-494D-AE49-D1344E751FA6}"/>
+                <a16:creationId xmlns="" xmlns:a16="http://schemas.microsoft.com/office/drawing/2014/main" id="{614FB769-688F-494D-AE49-D1344E751FA6}"/>
               </a:ext>
             </a:extLst>
           </p:cNvPr>
@@ -11039,7 +11039,7 @@
           <p:cNvPr id="44" name="Rounded Rectangle 43">
             <a:extLst>
               <a:ext uri="{FF2B5EF4-FFF2-40B4-BE49-F238E27FC236}">
-                <a16:creationId xmlns:a16="http://schemas.microsoft.com/office/drawing/2014/main" xmlns="" id="{05350DC8-AB2D-7A48-95B6-111BD3F62D9E}"/>
+                <a16:creationId xmlns="" xmlns:a16="http://schemas.microsoft.com/office/drawing/2014/main" id="{05350DC8-AB2D-7A48-95B6-111BD3F62D9E}"/>
               </a:ext>
             </a:extLst>
           </p:cNvPr>
@@ -11106,7 +11106,7 @@
           <p:cNvPr id="45" name="Round Same Side Corner Rectangle 44">
             <a:extLst>
               <a:ext uri="{FF2B5EF4-FFF2-40B4-BE49-F238E27FC236}">
-                <a16:creationId xmlns:a16="http://schemas.microsoft.com/office/drawing/2014/main" xmlns="" id="{29077600-5340-3A45-9B91-0EB6485110C9}"/>
+                <a16:creationId xmlns="" xmlns:a16="http://schemas.microsoft.com/office/drawing/2014/main" id="{29077600-5340-3A45-9B91-0EB6485110C9}"/>
               </a:ext>
             </a:extLst>
           </p:cNvPr>
@@ -11165,7 +11165,7 @@
           <p:cNvPr id="46" name="Group 45">
             <a:extLst>
               <a:ext uri="{FF2B5EF4-FFF2-40B4-BE49-F238E27FC236}">
-                <a16:creationId xmlns:a16="http://schemas.microsoft.com/office/drawing/2014/main" xmlns="" id="{FD7C4469-4138-A54A-BE6C-A4230D2BC1FF}"/>
+                <a16:creationId xmlns="" xmlns:a16="http://schemas.microsoft.com/office/drawing/2014/main" id="{FD7C4469-4138-A54A-BE6C-A4230D2BC1FF}"/>
               </a:ext>
             </a:extLst>
           </p:cNvPr>
@@ -11185,7 +11185,7 @@
             <p:cNvPr id="47" name="Picture 46">
               <a:extLst>
                 <a:ext uri="{FF2B5EF4-FFF2-40B4-BE49-F238E27FC236}">
-                  <a16:creationId xmlns:a16="http://schemas.microsoft.com/office/drawing/2014/main" xmlns="" id="{71DCAA86-C435-1643-A64D-70F341619783}"/>
+                  <a16:creationId xmlns="" xmlns:a16="http://schemas.microsoft.com/office/drawing/2014/main" id="{71DCAA86-C435-1643-A64D-70F341619783}"/>
                 </a:ext>
               </a:extLst>
             </p:cNvPr>
@@ -11228,7 +11228,7 @@
             <p:cNvPr id="48" name="Rectangle 47">
               <a:extLst>
                 <a:ext uri="{FF2B5EF4-FFF2-40B4-BE49-F238E27FC236}">
-                  <a16:creationId xmlns:a16="http://schemas.microsoft.com/office/drawing/2014/main" xmlns="" id="{8B1DF283-C2C4-5743-B08E-3D0ED4C0383E}"/>
+                  <a16:creationId xmlns="" xmlns:a16="http://schemas.microsoft.com/office/drawing/2014/main" id="{8B1DF283-C2C4-5743-B08E-3D0ED4C0383E}"/>
                 </a:ext>
               </a:extLst>
             </p:cNvPr>
@@ -11284,7 +11284,7 @@
           <p:cNvPr id="49" name="Rectangle 48">
             <a:extLst>
               <a:ext uri="{FF2B5EF4-FFF2-40B4-BE49-F238E27FC236}">
-                <a16:creationId xmlns:a16="http://schemas.microsoft.com/office/drawing/2014/main" xmlns="" id="{BA88D557-8188-2941-A0CA-76EBC4BD4753}"/>
+                <a16:creationId xmlns="" xmlns:a16="http://schemas.microsoft.com/office/drawing/2014/main" id="{BA88D557-8188-2941-A0CA-76EBC4BD4753}"/>
               </a:ext>
             </a:extLst>
           </p:cNvPr>
@@ -11320,6 +11320,20 @@
               </a:spcAft>
             </a:pPr>
             <a:r>
+              <a:rPr lang="en-US" sz="1400" dirty="0" smtClean="0">
+                <a:solidFill>
+                  <a:schemeClr val="tx1">
+                    <a:lumMod val="60000"/>
+                    <a:lumOff val="40000"/>
+                  </a:schemeClr>
+                </a:solidFill>
+                <a:latin typeface="Source Sans Pro" charset="0"/>
+                <a:ea typeface="Source Sans Pro" charset="0"/>
+                <a:cs typeface="Source Sans Pro" charset="0"/>
+              </a:rPr>
+              <a:t>Example </a:t>
+            </a:r>
+            <a:r>
               <a:rPr lang="en-US" sz="1400" dirty="0">
                 <a:solidFill>
                   <a:schemeClr val="tx1">
@@ -11331,7 +11345,7 @@
                 <a:ea typeface="Source Sans Pro" charset="0"/>
                 <a:cs typeface="Source Sans Pro" charset="0"/>
               </a:rPr>
-              <a:t>Examples Applications</a:t>
+              <a:t>Applications</a:t>
             </a:r>
           </a:p>
         </p:txBody>
@@ -11341,7 +11355,7 @@
           <p:cNvPr id="51" name="Rounded Rectangle 36">
             <a:extLst>
               <a:ext uri="{FF2B5EF4-FFF2-40B4-BE49-F238E27FC236}">
-                <a16:creationId xmlns:a16="http://schemas.microsoft.com/office/drawing/2014/main" xmlns="" id="{283307E8-59C0-44A7-B2D4-03F3BD01F6ED}"/>
+                <a16:creationId xmlns="" xmlns:a16="http://schemas.microsoft.com/office/drawing/2014/main" id="{283307E8-59C0-44A7-B2D4-03F3BD01F6ED}"/>
               </a:ext>
             </a:extLst>
           </p:cNvPr>
@@ -11406,7 +11420,7 @@
           <p:cNvPr id="52" name="Rounded Rectangle 36">
             <a:extLst>
               <a:ext uri="{FF2B5EF4-FFF2-40B4-BE49-F238E27FC236}">
-                <a16:creationId xmlns:a16="http://schemas.microsoft.com/office/drawing/2014/main" xmlns="" id="{C8608BDC-F5B5-4939-8481-A80604A5D0D3}"/>
+                <a16:creationId xmlns="" xmlns:a16="http://schemas.microsoft.com/office/drawing/2014/main" id="{C8608BDC-F5B5-4939-8481-A80604A5D0D3}"/>
               </a:ext>
             </a:extLst>
           </p:cNvPr>
@@ -11471,7 +11485,7 @@
           <p:cNvPr id="53" name="Rounded Rectangle 32">
             <a:extLst>
               <a:ext uri="{FF2B5EF4-FFF2-40B4-BE49-F238E27FC236}">
-                <a16:creationId xmlns:a16="http://schemas.microsoft.com/office/drawing/2014/main" xmlns="" id="{DA840664-7456-4E94-B2C8-4B47ACB8B325}"/>
+                <a16:creationId xmlns="" xmlns:a16="http://schemas.microsoft.com/office/drawing/2014/main" id="{DA840664-7456-4E94-B2C8-4B47ACB8B325}"/>
               </a:ext>
             </a:extLst>
           </p:cNvPr>
@@ -11536,7 +11550,7 @@
           <p:cNvPr id="54" name="Rounded Rectangle 32">
             <a:extLst>
               <a:ext uri="{FF2B5EF4-FFF2-40B4-BE49-F238E27FC236}">
-                <a16:creationId xmlns:a16="http://schemas.microsoft.com/office/drawing/2014/main" xmlns="" id="{FB964F59-20F2-4C74-9159-946E02957282}"/>
+                <a16:creationId xmlns="" xmlns:a16="http://schemas.microsoft.com/office/drawing/2014/main" id="{FB964F59-20F2-4C74-9159-946E02957282}"/>
               </a:ext>
             </a:extLst>
           </p:cNvPr>
@@ -11601,7 +11615,7 @@
           <p:cNvPr id="55" name="Rounded Rectangle 32">
             <a:extLst>
               <a:ext uri="{FF2B5EF4-FFF2-40B4-BE49-F238E27FC236}">
-                <a16:creationId xmlns:a16="http://schemas.microsoft.com/office/drawing/2014/main" xmlns="" id="{4384512F-E95C-4D62-B4A9-A913BB7AC345}"/>
+                <a16:creationId xmlns="" xmlns:a16="http://schemas.microsoft.com/office/drawing/2014/main" id="{4384512F-E95C-4D62-B4A9-A913BB7AC345}"/>
               </a:ext>
             </a:extLst>
           </p:cNvPr>
@@ -11666,7 +11680,7 @@
           <p:cNvPr id="56" name="Rounded Rectangle 32">
             <a:extLst>
               <a:ext uri="{FF2B5EF4-FFF2-40B4-BE49-F238E27FC236}">
-                <a16:creationId xmlns:a16="http://schemas.microsoft.com/office/drawing/2014/main" xmlns="" id="{0CE1D744-F702-4CEA-B511-1160656204E1}"/>
+                <a16:creationId xmlns="" xmlns:a16="http://schemas.microsoft.com/office/drawing/2014/main" id="{0CE1D744-F702-4CEA-B511-1160656204E1}"/>
               </a:ext>
             </a:extLst>
           </p:cNvPr>
@@ -11731,7 +11745,7 @@
           <p:cNvPr id="58" name="Rounded Rectangle 41">
             <a:extLst>
               <a:ext uri="{FF2B5EF4-FFF2-40B4-BE49-F238E27FC236}">
-                <a16:creationId xmlns:a16="http://schemas.microsoft.com/office/drawing/2014/main" xmlns="" id="{B0719255-A67A-483A-BE33-9E1F0D087410}"/>
+                <a16:creationId xmlns="" xmlns:a16="http://schemas.microsoft.com/office/drawing/2014/main" id="{B0719255-A67A-483A-BE33-9E1F0D087410}"/>
               </a:ext>
             </a:extLst>
           </p:cNvPr>
@@ -11798,7 +11812,7 @@
           <p:cNvPr id="59" name="Rounded Rectangle 36">
             <a:extLst>
               <a:ext uri="{FF2B5EF4-FFF2-40B4-BE49-F238E27FC236}">
-                <a16:creationId xmlns:a16="http://schemas.microsoft.com/office/drawing/2014/main" xmlns="" id="{BD1E5A96-4D6B-4855-BC13-4A6D5BF7D99C}"/>
+                <a16:creationId xmlns="" xmlns:a16="http://schemas.microsoft.com/office/drawing/2014/main" id="{BD1E5A96-4D6B-4855-BC13-4A6D5BF7D99C}"/>
               </a:ext>
             </a:extLst>
           </p:cNvPr>
@@ -11863,7 +11877,7 @@
           <p:cNvPr id="60" name="Rounded Rectangle 32">
             <a:extLst>
               <a:ext uri="{FF2B5EF4-FFF2-40B4-BE49-F238E27FC236}">
-                <a16:creationId xmlns:a16="http://schemas.microsoft.com/office/drawing/2014/main" xmlns="" id="{5CCD933E-7C6F-48C2-8B16-5533A9756066}"/>
+                <a16:creationId xmlns="" xmlns:a16="http://schemas.microsoft.com/office/drawing/2014/main" id="{5CCD933E-7C6F-48C2-8B16-5533A9756066}"/>
               </a:ext>
             </a:extLst>
           </p:cNvPr>

--- a/ApplicationDeveloperGuide/images/networking_overview.pptx
+++ b/ApplicationDeveloperGuide/images/networking_overview.pptx
@@ -5,13 +5,14 @@
     <p:sldMasterId id="2147483690" r:id="rId1"/>
   </p:sldMasterIdLst>
   <p:notesMasterIdLst>
-    <p:notesMasterId r:id="rId3"/>
+    <p:notesMasterId r:id="rId4"/>
   </p:notesMasterIdLst>
   <p:handoutMasterIdLst>
-    <p:handoutMasterId r:id="rId4"/>
+    <p:handoutMasterId r:id="rId5"/>
   </p:handoutMasterIdLst>
   <p:sldIdLst>
     <p:sldId id="314" r:id="rId2"/>
+    <p:sldId id="315" r:id="rId3"/>
   </p:sldIdLst>
   <p:sldSz cx="12192000" cy="6858000"/>
   <p:notesSz cx="6858000" cy="9144000"/>
@@ -239,7 +240,7 @@
               <a:rPr lang="fr-FR" smtClean="0">
                 <a:latin typeface="Calibri Regular" charset="0"/>
               </a:rPr>
-              <a:t>août 21</a:t>
+              <a:t>août 23</a:t>
             </a:fld>
             <a:endParaRPr lang="en-US" dirty="0">
               <a:latin typeface="Calibri Regular" charset="0"/>
@@ -418,7 +419,7 @@
             <a:fld id="{79958FA1-9FE8-F149-AB4B-7DC9950B39E9}" type="datetime6">
               <a:rPr lang="fr-FR" smtClean="0"/>
               <a:pPr/>
-              <a:t>août 21</a:t>
+              <a:t>août 23</a:t>
             </a:fld>
             <a:endParaRPr lang="en-US" dirty="0"/>
           </a:p>
@@ -6257,7 +6258,7 @@
           <p:cNvPr id="14" name="Slide Number Placeholder 5">
             <a:extLst>
               <a:ext uri="{FF2B5EF4-FFF2-40B4-BE49-F238E27FC236}">
-                <a16:creationId xmlns="" xmlns:a16="http://schemas.microsoft.com/office/drawing/2014/main" id="{D6A5EA0A-9DA9-564F-8F7D-CF263DB84C39}"/>
+                <a16:creationId xmlns:a16="http://schemas.microsoft.com/office/drawing/2014/main" id="{D6A5EA0A-9DA9-564F-8F7D-CF263DB84C39}"/>
               </a:ext>
             </a:extLst>
           </p:cNvPr>
@@ -6425,7 +6426,7 @@
           <p:cNvPr id="21" name="Straight Connector 20">
             <a:extLst>
               <a:ext uri="{FF2B5EF4-FFF2-40B4-BE49-F238E27FC236}">
-                <a16:creationId xmlns="" xmlns:a16="http://schemas.microsoft.com/office/drawing/2014/main" id="{F4443C96-B82D-F449-A71B-02134B6BB207}"/>
+                <a16:creationId xmlns:a16="http://schemas.microsoft.com/office/drawing/2014/main" id="{F4443C96-B82D-F449-A71B-02134B6BB207}"/>
               </a:ext>
             </a:extLst>
           </p:cNvPr>
@@ -6936,7 +6937,7 @@
           <p:cNvPr id="2" name="Straight Connector 1">
             <a:extLst>
               <a:ext uri="{FF2B5EF4-FFF2-40B4-BE49-F238E27FC236}">
-                <a16:creationId xmlns="" xmlns:a16="http://schemas.microsoft.com/office/drawing/2014/main" id="{69468F00-CD4C-A248-A4B1-C7B7588C2D3D}"/>
+                <a16:creationId xmlns:a16="http://schemas.microsoft.com/office/drawing/2014/main" id="{69468F00-CD4C-A248-A4B1-C7B7588C2D3D}"/>
               </a:ext>
             </a:extLst>
           </p:cNvPr>
@@ -6977,7 +6978,7 @@
           <p:cNvPr id="3" name="TextBox 2">
             <a:extLst>
               <a:ext uri="{FF2B5EF4-FFF2-40B4-BE49-F238E27FC236}">
-                <a16:creationId xmlns="" xmlns:a16="http://schemas.microsoft.com/office/drawing/2014/main" id="{48FC3BF8-BB80-DF47-B91F-CB24163470D3}"/>
+                <a16:creationId xmlns:a16="http://schemas.microsoft.com/office/drawing/2014/main" id="{48FC3BF8-BB80-DF47-B91F-CB24163470D3}"/>
               </a:ext>
             </a:extLst>
           </p:cNvPr>
@@ -7029,7 +7030,7 @@
           <p:cNvPr id="4" name="Rounded Rectangle 3">
             <a:extLst>
               <a:ext uri="{FF2B5EF4-FFF2-40B4-BE49-F238E27FC236}">
-                <a16:creationId xmlns="" xmlns:a16="http://schemas.microsoft.com/office/drawing/2014/main" id="{56D03FB4-14D4-9F48-A061-0B8E91CCC141}"/>
+                <a16:creationId xmlns:a16="http://schemas.microsoft.com/office/drawing/2014/main" id="{56D03FB4-14D4-9F48-A061-0B8E91CCC141}"/>
               </a:ext>
             </a:extLst>
           </p:cNvPr>
@@ -7091,7 +7092,7 @@
           <p:cNvPr id="5" name="Arc 4">
             <a:extLst>
               <a:ext uri="{FF2B5EF4-FFF2-40B4-BE49-F238E27FC236}">
-                <a16:creationId xmlns="" xmlns:a16="http://schemas.microsoft.com/office/drawing/2014/main" id="{CDA75251-2717-3E43-BB3A-DBBEB462FB90}"/>
+                <a16:creationId xmlns:a16="http://schemas.microsoft.com/office/drawing/2014/main" id="{CDA75251-2717-3E43-BB3A-DBBEB462FB90}"/>
               </a:ext>
             </a:extLst>
           </p:cNvPr>
@@ -7145,7 +7146,7 @@
           <p:cNvPr id="6" name="Arc 5">
             <a:extLst>
               <a:ext uri="{FF2B5EF4-FFF2-40B4-BE49-F238E27FC236}">
-                <a16:creationId xmlns="" xmlns:a16="http://schemas.microsoft.com/office/drawing/2014/main" id="{03DA70D7-2CF9-8747-BC92-DD0B286D3E0B}"/>
+                <a16:creationId xmlns:a16="http://schemas.microsoft.com/office/drawing/2014/main" id="{03DA70D7-2CF9-8747-BC92-DD0B286D3E0B}"/>
               </a:ext>
             </a:extLst>
           </p:cNvPr>
@@ -7199,7 +7200,7 @@
           <p:cNvPr id="7" name="Snip Same Side Corner Rectangle 6">
             <a:extLst>
               <a:ext uri="{FF2B5EF4-FFF2-40B4-BE49-F238E27FC236}">
-                <a16:creationId xmlns="" xmlns:a16="http://schemas.microsoft.com/office/drawing/2014/main" id="{9CE42922-83A7-8B40-A4DE-A0EBB1D030D2}"/>
+                <a16:creationId xmlns:a16="http://schemas.microsoft.com/office/drawing/2014/main" id="{9CE42922-83A7-8B40-A4DE-A0EBB1D030D2}"/>
               </a:ext>
             </a:extLst>
           </p:cNvPr>
@@ -7269,7 +7270,7 @@
           <p:cNvPr id="8" name="Group 7">
             <a:extLst>
               <a:ext uri="{FF2B5EF4-FFF2-40B4-BE49-F238E27FC236}">
-                <a16:creationId xmlns="" xmlns:a16="http://schemas.microsoft.com/office/drawing/2014/main" id="{5248D8D9-D967-1348-A032-008E17139DEE}"/>
+                <a16:creationId xmlns:a16="http://schemas.microsoft.com/office/drawing/2014/main" id="{5248D8D9-D967-1348-A032-008E17139DEE}"/>
               </a:ext>
             </a:extLst>
           </p:cNvPr>
@@ -7289,7 +7290,7 @@
             <p:cNvPr id="9" name="Rounded Rectangle 370">
               <a:extLst>
                 <a:ext uri="{FF2B5EF4-FFF2-40B4-BE49-F238E27FC236}">
-                  <a16:creationId xmlns="" xmlns:a16="http://schemas.microsoft.com/office/drawing/2014/main" id="{2667F158-48EA-5048-8BCC-3E029C7677F6}"/>
+                  <a16:creationId xmlns:a16="http://schemas.microsoft.com/office/drawing/2014/main" id="{2667F158-48EA-5048-8BCC-3E029C7677F6}"/>
                 </a:ext>
               </a:extLst>
             </p:cNvPr>
@@ -8208,7 +8209,7 @@
             <p:cNvPr id="10" name="Group 9">
               <a:extLst>
                 <a:ext uri="{FF2B5EF4-FFF2-40B4-BE49-F238E27FC236}">
-                  <a16:creationId xmlns="" xmlns:a16="http://schemas.microsoft.com/office/drawing/2014/main" id="{5EC39D9C-6472-C04A-B9C6-3E3429006240}"/>
+                  <a16:creationId xmlns:a16="http://schemas.microsoft.com/office/drawing/2014/main" id="{5EC39D9C-6472-C04A-B9C6-3E3429006240}"/>
                 </a:ext>
               </a:extLst>
             </p:cNvPr>
@@ -8228,7 +8229,7 @@
               <p:cNvPr id="11" name="Rounded Rectangle 10">
                 <a:extLst>
                   <a:ext uri="{FF2B5EF4-FFF2-40B4-BE49-F238E27FC236}">
-                    <a16:creationId xmlns="" xmlns:a16="http://schemas.microsoft.com/office/drawing/2014/main" id="{37E1ADB6-BB23-6D4D-8040-4316BC097570}"/>
+                    <a16:creationId xmlns:a16="http://schemas.microsoft.com/office/drawing/2014/main" id="{37E1ADB6-BB23-6D4D-8040-4316BC097570}"/>
                   </a:ext>
                 </a:extLst>
               </p:cNvPr>
@@ -8291,7 +8292,7 @@
               <p:cNvPr id="12" name="Rectangle 11">
                 <a:extLst>
                   <a:ext uri="{FF2B5EF4-FFF2-40B4-BE49-F238E27FC236}">
-                    <a16:creationId xmlns="" xmlns:a16="http://schemas.microsoft.com/office/drawing/2014/main" id="{C2EBA6D6-1870-0A40-82C8-AE16E98BB260}"/>
+                    <a16:creationId xmlns:a16="http://schemas.microsoft.com/office/drawing/2014/main" id="{C2EBA6D6-1870-0A40-82C8-AE16E98BB260}"/>
                   </a:ext>
                 </a:extLst>
               </p:cNvPr>
@@ -8360,7 +8361,7 @@
               <p:cNvPr id="13" name="Picture 12">
                 <a:extLst>
                   <a:ext uri="{FF2B5EF4-FFF2-40B4-BE49-F238E27FC236}">
-                    <a16:creationId xmlns="" xmlns:a16="http://schemas.microsoft.com/office/drawing/2014/main" id="{4E01D07F-57C8-964A-BCB8-53AEEACFAE78}"/>
+                    <a16:creationId xmlns:a16="http://schemas.microsoft.com/office/drawing/2014/main" id="{4E01D07F-57C8-964A-BCB8-53AEEACFAE78}"/>
                   </a:ext>
                 </a:extLst>
               </p:cNvPr>
@@ -8399,7 +8400,7 @@
           <p:cNvPr id="14" name="Rounded Rectangle 13">
             <a:extLst>
               <a:ext uri="{FF2B5EF4-FFF2-40B4-BE49-F238E27FC236}">
-                <a16:creationId xmlns="" xmlns:a16="http://schemas.microsoft.com/office/drawing/2014/main" id="{B8F79B32-E337-A947-8A2C-8501B0E0D7EE}"/>
+                <a16:creationId xmlns:a16="http://schemas.microsoft.com/office/drawing/2014/main" id="{B8F79B32-E337-A947-8A2C-8501B0E0D7EE}"/>
               </a:ext>
             </a:extLst>
           </p:cNvPr>
@@ -8461,7 +8462,7 @@
           <p:cNvPr id="15" name="Rounded Rectangle 14">
             <a:extLst>
               <a:ext uri="{FF2B5EF4-FFF2-40B4-BE49-F238E27FC236}">
-                <a16:creationId xmlns="" xmlns:a16="http://schemas.microsoft.com/office/drawing/2014/main" id="{70F38BA2-FEE1-0B4D-AAE5-39A694AFBE0E}"/>
+                <a16:creationId xmlns:a16="http://schemas.microsoft.com/office/drawing/2014/main" id="{70F38BA2-FEE1-0B4D-AAE5-39A694AFBE0E}"/>
               </a:ext>
             </a:extLst>
           </p:cNvPr>
@@ -8532,7 +8533,7 @@
           <p:cNvPr id="16" name="Rounded Rectangle 15">
             <a:extLst>
               <a:ext uri="{FF2B5EF4-FFF2-40B4-BE49-F238E27FC236}">
-                <a16:creationId xmlns="" xmlns:a16="http://schemas.microsoft.com/office/drawing/2014/main" id="{94B69AB0-5C90-B24D-87C4-83F250AA65BB}"/>
+                <a16:creationId xmlns:a16="http://schemas.microsoft.com/office/drawing/2014/main" id="{94B69AB0-5C90-B24D-87C4-83F250AA65BB}"/>
               </a:ext>
             </a:extLst>
           </p:cNvPr>
@@ -8602,7 +8603,7 @@
           <p:cNvPr id="17" name="Group 16">
             <a:extLst>
               <a:ext uri="{FF2B5EF4-FFF2-40B4-BE49-F238E27FC236}">
-                <a16:creationId xmlns="" xmlns:a16="http://schemas.microsoft.com/office/drawing/2014/main" id="{526299CB-A110-C54D-BDF8-96E344AF1C1F}"/>
+                <a16:creationId xmlns:a16="http://schemas.microsoft.com/office/drawing/2014/main" id="{526299CB-A110-C54D-BDF8-96E344AF1C1F}"/>
               </a:ext>
             </a:extLst>
           </p:cNvPr>
@@ -8622,7 +8623,7 @@
             <p:cNvPr id="18" name="Rounded Rectangle 370">
               <a:extLst>
                 <a:ext uri="{FF2B5EF4-FFF2-40B4-BE49-F238E27FC236}">
-                  <a16:creationId xmlns="" xmlns:a16="http://schemas.microsoft.com/office/drawing/2014/main" id="{2E1FB874-03EC-C448-BFBA-8CD82A1D096B}"/>
+                  <a16:creationId xmlns:a16="http://schemas.microsoft.com/office/drawing/2014/main" id="{2E1FB874-03EC-C448-BFBA-8CD82A1D096B}"/>
                 </a:ext>
               </a:extLst>
             </p:cNvPr>
@@ -9613,7 +9614,7 @@
             <p:cNvPr id="19" name="Group 18">
               <a:extLst>
                 <a:ext uri="{FF2B5EF4-FFF2-40B4-BE49-F238E27FC236}">
-                  <a16:creationId xmlns="" xmlns:a16="http://schemas.microsoft.com/office/drawing/2014/main" id="{B274EFA6-9B42-5440-AF5B-359CF9E65901}"/>
+                  <a16:creationId xmlns:a16="http://schemas.microsoft.com/office/drawing/2014/main" id="{B274EFA6-9B42-5440-AF5B-359CF9E65901}"/>
                 </a:ext>
               </a:extLst>
             </p:cNvPr>
@@ -9633,7 +9634,7 @@
               <p:cNvPr id="20" name="Rounded Rectangle 19">
                 <a:extLst>
                   <a:ext uri="{FF2B5EF4-FFF2-40B4-BE49-F238E27FC236}">
-                    <a16:creationId xmlns="" xmlns:a16="http://schemas.microsoft.com/office/drawing/2014/main" id="{D046CDF5-B514-CA4E-8504-E436F806B938}"/>
+                    <a16:creationId xmlns:a16="http://schemas.microsoft.com/office/drawing/2014/main" id="{D046CDF5-B514-CA4E-8504-E436F806B938}"/>
                   </a:ext>
                 </a:extLst>
               </p:cNvPr>
@@ -9694,7 +9695,7 @@
               <p:cNvPr id="21" name="Group 20">
                 <a:extLst>
                   <a:ext uri="{FF2B5EF4-FFF2-40B4-BE49-F238E27FC236}">
-                    <a16:creationId xmlns="" xmlns:a16="http://schemas.microsoft.com/office/drawing/2014/main" id="{985BF61E-F2F3-0C4D-809B-EF1E436A8054}"/>
+                    <a16:creationId xmlns:a16="http://schemas.microsoft.com/office/drawing/2014/main" id="{985BF61E-F2F3-0C4D-809B-EF1E436A8054}"/>
                   </a:ext>
                 </a:extLst>
               </p:cNvPr>
@@ -9714,7 +9715,7 @@
                 <p:cNvPr id="22" name="Picture 21">
                   <a:extLst>
                     <a:ext uri="{FF2B5EF4-FFF2-40B4-BE49-F238E27FC236}">
-                      <a16:creationId xmlns="" xmlns:a16="http://schemas.microsoft.com/office/drawing/2014/main" id="{30A4E1B0-8052-744A-AA21-F5E88AF4F659}"/>
+                      <a16:creationId xmlns:a16="http://schemas.microsoft.com/office/drawing/2014/main" id="{30A4E1B0-8052-744A-AA21-F5E88AF4F659}"/>
                     </a:ext>
                   </a:extLst>
                 </p:cNvPr>
@@ -9750,7 +9751,7 @@
                 <p:cNvPr id="23" name="Picture 22">
                   <a:extLst>
                     <a:ext uri="{FF2B5EF4-FFF2-40B4-BE49-F238E27FC236}">
-                      <a16:creationId xmlns="" xmlns:a16="http://schemas.microsoft.com/office/drawing/2014/main" id="{9D8603F9-7AB8-BF43-94F5-7709429BE34B}"/>
+                      <a16:creationId xmlns:a16="http://schemas.microsoft.com/office/drawing/2014/main" id="{9D8603F9-7AB8-BF43-94F5-7709429BE34B}"/>
                     </a:ext>
                   </a:extLst>
                 </p:cNvPr>
@@ -9789,7 +9790,7 @@
           <p:cNvPr id="24" name="Rounded Rectangle 23">
             <a:extLst>
               <a:ext uri="{FF2B5EF4-FFF2-40B4-BE49-F238E27FC236}">
-                <a16:creationId xmlns="" xmlns:a16="http://schemas.microsoft.com/office/drawing/2014/main" id="{9BC58F33-9A79-7647-8348-AB37D1ED666F}"/>
+                <a16:creationId xmlns:a16="http://schemas.microsoft.com/office/drawing/2014/main" id="{9BC58F33-9A79-7647-8348-AB37D1ED666F}"/>
               </a:ext>
             </a:extLst>
           </p:cNvPr>
@@ -9867,7 +9868,7 @@
           <p:cNvPr id="25" name="Rounded Rectangle 24">
             <a:extLst>
               <a:ext uri="{FF2B5EF4-FFF2-40B4-BE49-F238E27FC236}">
-                <a16:creationId xmlns="" xmlns:a16="http://schemas.microsoft.com/office/drawing/2014/main" id="{4F103699-8CF4-F04E-9FD8-A2E530AA7A44}"/>
+                <a16:creationId xmlns:a16="http://schemas.microsoft.com/office/drawing/2014/main" id="{4F103699-8CF4-F04E-9FD8-A2E530AA7A44}"/>
               </a:ext>
             </a:extLst>
           </p:cNvPr>
@@ -9965,7 +9966,7 @@
           <p:cNvPr id="26" name="Rounded Rectangle 25">
             <a:extLst>
               <a:ext uri="{FF2B5EF4-FFF2-40B4-BE49-F238E27FC236}">
-                <a16:creationId xmlns="" xmlns:a16="http://schemas.microsoft.com/office/drawing/2014/main" id="{50E5510D-358F-9F42-A720-A6696D86B52E}"/>
+                <a16:creationId xmlns:a16="http://schemas.microsoft.com/office/drawing/2014/main" id="{50E5510D-358F-9F42-A720-A6696D86B52E}"/>
               </a:ext>
             </a:extLst>
           </p:cNvPr>
@@ -10052,7 +10053,7 @@
           <p:cNvPr id="27" name="Picture 26">
             <a:extLst>
               <a:ext uri="{FF2B5EF4-FFF2-40B4-BE49-F238E27FC236}">
-                <a16:creationId xmlns="" xmlns:a16="http://schemas.microsoft.com/office/drawing/2014/main" id="{FAB68817-1727-E14B-8341-25C675C96B88}"/>
+                <a16:creationId xmlns:a16="http://schemas.microsoft.com/office/drawing/2014/main" id="{FAB68817-1727-E14B-8341-25C675C96B88}"/>
               </a:ext>
             </a:extLst>
           </p:cNvPr>
@@ -10088,7 +10089,7 @@
           <p:cNvPr id="28" name="Rounded Rectangle 27">
             <a:extLst>
               <a:ext uri="{FF2B5EF4-FFF2-40B4-BE49-F238E27FC236}">
-                <a16:creationId xmlns="" xmlns:a16="http://schemas.microsoft.com/office/drawing/2014/main" id="{03CACB4B-51E8-0749-9340-40E24818686B}"/>
+                <a16:creationId xmlns:a16="http://schemas.microsoft.com/office/drawing/2014/main" id="{03CACB4B-51E8-0749-9340-40E24818686B}"/>
               </a:ext>
             </a:extLst>
           </p:cNvPr>
@@ -10154,7 +10155,7 @@
           <p:cNvPr id="29" name="Straight Connector 28">
             <a:extLst>
               <a:ext uri="{FF2B5EF4-FFF2-40B4-BE49-F238E27FC236}">
-                <a16:creationId xmlns="" xmlns:a16="http://schemas.microsoft.com/office/drawing/2014/main" id="{18FE8AAC-D28F-8C4B-92F4-8FFF81A0F0AF}"/>
+                <a16:creationId xmlns:a16="http://schemas.microsoft.com/office/drawing/2014/main" id="{18FE8AAC-D28F-8C4B-92F4-8FFF81A0F0AF}"/>
               </a:ext>
             </a:extLst>
           </p:cNvPr>
@@ -10198,7 +10199,7 @@
           <p:cNvPr id="30" name="Rectangle 29">
             <a:extLst>
               <a:ext uri="{FF2B5EF4-FFF2-40B4-BE49-F238E27FC236}">
-                <a16:creationId xmlns="" xmlns:a16="http://schemas.microsoft.com/office/drawing/2014/main" id="{12176BD1-BD30-A44F-9CAF-928FE6EBB79F}"/>
+                <a16:creationId xmlns:a16="http://schemas.microsoft.com/office/drawing/2014/main" id="{12176BD1-BD30-A44F-9CAF-928FE6EBB79F}"/>
               </a:ext>
             </a:extLst>
           </p:cNvPr>
@@ -10249,7 +10250,7 @@
           <p:cNvPr id="31" name="Rectangle 30">
             <a:extLst>
               <a:ext uri="{FF2B5EF4-FFF2-40B4-BE49-F238E27FC236}">
-                <a16:creationId xmlns="" xmlns:a16="http://schemas.microsoft.com/office/drawing/2014/main" id="{47E4C9E7-8973-4245-B612-41A03C8F1B0F}"/>
+                <a16:creationId xmlns:a16="http://schemas.microsoft.com/office/drawing/2014/main" id="{47E4C9E7-8973-4245-B612-41A03C8F1B0F}"/>
               </a:ext>
             </a:extLst>
           </p:cNvPr>
@@ -10301,7 +10302,7 @@
           <p:cNvPr id="32" name="Rectangle 31">
             <a:extLst>
               <a:ext uri="{FF2B5EF4-FFF2-40B4-BE49-F238E27FC236}">
-                <a16:creationId xmlns="" xmlns:a16="http://schemas.microsoft.com/office/drawing/2014/main" id="{6858A81E-4266-6F4F-8D93-B8419F4EE7F3}"/>
+                <a16:creationId xmlns:a16="http://schemas.microsoft.com/office/drawing/2014/main" id="{6858A81E-4266-6F4F-8D93-B8419F4EE7F3}"/>
               </a:ext>
             </a:extLst>
           </p:cNvPr>
@@ -10350,7 +10351,7 @@
           <p:cNvPr id="34" name="Rounded Rectangle 33">
             <a:extLst>
               <a:ext uri="{FF2B5EF4-FFF2-40B4-BE49-F238E27FC236}">
-                <a16:creationId xmlns="" xmlns:a16="http://schemas.microsoft.com/office/drawing/2014/main" id="{652FBA75-194F-3540-8133-BE6F3A0F58AF}"/>
+                <a16:creationId xmlns:a16="http://schemas.microsoft.com/office/drawing/2014/main" id="{652FBA75-194F-3540-8133-BE6F3A0F58AF}"/>
               </a:ext>
             </a:extLst>
           </p:cNvPr>
@@ -10415,7 +10416,7 @@
           <p:cNvPr id="35" name="Rounded Rectangle 34">
             <a:extLst>
               <a:ext uri="{FF2B5EF4-FFF2-40B4-BE49-F238E27FC236}">
-                <a16:creationId xmlns="" xmlns:a16="http://schemas.microsoft.com/office/drawing/2014/main" id="{8A925A23-0E65-C441-B5A9-B85B406C137A}"/>
+                <a16:creationId xmlns:a16="http://schemas.microsoft.com/office/drawing/2014/main" id="{8A925A23-0E65-C441-B5A9-B85B406C137A}"/>
               </a:ext>
             </a:extLst>
           </p:cNvPr>
@@ -10480,7 +10481,7 @@
           <p:cNvPr id="36" name="Rounded Rectangle 35">
             <a:extLst>
               <a:ext uri="{FF2B5EF4-FFF2-40B4-BE49-F238E27FC236}">
-                <a16:creationId xmlns="" xmlns:a16="http://schemas.microsoft.com/office/drawing/2014/main" id="{62B60516-5856-AF49-912D-EA309EAF0890}"/>
+                <a16:creationId xmlns:a16="http://schemas.microsoft.com/office/drawing/2014/main" id="{62B60516-5856-AF49-912D-EA309EAF0890}"/>
               </a:ext>
             </a:extLst>
           </p:cNvPr>
@@ -10545,7 +10546,7 @@
           <p:cNvPr id="37" name="Rounded Rectangle 36">
             <a:extLst>
               <a:ext uri="{FF2B5EF4-FFF2-40B4-BE49-F238E27FC236}">
-                <a16:creationId xmlns="" xmlns:a16="http://schemas.microsoft.com/office/drawing/2014/main" id="{E13C5F96-34C9-7E4C-AFA2-F1218F271DCD}"/>
+                <a16:creationId xmlns:a16="http://schemas.microsoft.com/office/drawing/2014/main" id="{E13C5F96-34C9-7E4C-AFA2-F1218F271DCD}"/>
               </a:ext>
             </a:extLst>
           </p:cNvPr>
@@ -10610,7 +10611,7 @@
           <p:cNvPr id="38" name="Rounded Rectangle 37">
             <a:extLst>
               <a:ext uri="{FF2B5EF4-FFF2-40B4-BE49-F238E27FC236}">
-                <a16:creationId xmlns="" xmlns:a16="http://schemas.microsoft.com/office/drawing/2014/main" id="{43368A84-1651-7944-B8C8-4E2FA7EA5146}"/>
+                <a16:creationId xmlns:a16="http://schemas.microsoft.com/office/drawing/2014/main" id="{43368A84-1651-7944-B8C8-4E2FA7EA5146}"/>
               </a:ext>
             </a:extLst>
           </p:cNvPr>
@@ -10661,7 +10662,7 @@
               </a:lnSpc>
             </a:pPr>
             <a:r>
-              <a:rPr lang="en-US" sz="1200" kern="0" dirty="0" smtClean="0">
+              <a:rPr lang="en-US" sz="1200" kern="0" dirty="0">
                 <a:solidFill>
                   <a:schemeClr val="bg1"/>
                 </a:solidFill>
@@ -10669,12 +10670,6 @@
               </a:rPr>
               <a:t>Ethernet</a:t>
             </a:r>
-            <a:endParaRPr lang="en-US" sz="1200" kern="0" dirty="0">
-              <a:solidFill>
-                <a:schemeClr val="bg1"/>
-              </a:solidFill>
-              <a:latin typeface="Source Sans Pro Light" charset="0"/>
-            </a:endParaRPr>
           </a:p>
         </p:txBody>
       </p:sp>
@@ -10683,7 +10678,7 @@
           <p:cNvPr id="39" name="Rounded Rectangle 38">
             <a:extLst>
               <a:ext uri="{FF2B5EF4-FFF2-40B4-BE49-F238E27FC236}">
-                <a16:creationId xmlns="" xmlns:a16="http://schemas.microsoft.com/office/drawing/2014/main" id="{E5171215-1FDA-2B4B-97DB-FC4AE8F1ED14}"/>
+                <a16:creationId xmlns:a16="http://schemas.microsoft.com/office/drawing/2014/main" id="{E5171215-1FDA-2B4B-97DB-FC4AE8F1ED14}"/>
               </a:ext>
             </a:extLst>
           </p:cNvPr>
@@ -10734,7 +10729,7 @@
               </a:lnSpc>
             </a:pPr>
             <a:r>
-              <a:rPr lang="en-US" sz="1200" kern="0" dirty="0" smtClean="0">
+              <a:rPr lang="en-US" sz="1200" kern="0" dirty="0">
                 <a:solidFill>
                   <a:schemeClr val="bg1"/>
                 </a:solidFill>
@@ -10742,12 +10737,6 @@
               </a:rPr>
               <a:t>WI-FI</a:t>
             </a:r>
-            <a:endParaRPr lang="en-US" sz="1200" kern="0" dirty="0">
-              <a:solidFill>
-                <a:schemeClr val="bg1"/>
-              </a:solidFill>
-              <a:latin typeface="Source Sans Pro Light" charset="0"/>
-            </a:endParaRPr>
           </a:p>
         </p:txBody>
       </p:sp>
@@ -10756,7 +10745,7 @@
           <p:cNvPr id="40" name="Rounded Rectangle 39">
             <a:extLst>
               <a:ext uri="{FF2B5EF4-FFF2-40B4-BE49-F238E27FC236}">
-                <a16:creationId xmlns="" xmlns:a16="http://schemas.microsoft.com/office/drawing/2014/main" id="{DB9583CE-8E47-B543-A3C6-0A7CECBE335C}"/>
+                <a16:creationId xmlns:a16="http://schemas.microsoft.com/office/drawing/2014/main" id="{DB9583CE-8E47-B543-A3C6-0A7CECBE335C}"/>
               </a:ext>
             </a:extLst>
           </p:cNvPr>
@@ -10807,7 +10796,7 @@
               </a:lnSpc>
             </a:pPr>
             <a:r>
-              <a:rPr lang="en-US" sz="1200" kern="0" dirty="0" smtClean="0">
+              <a:rPr lang="en-US" sz="1200" kern="0" dirty="0">
                 <a:solidFill>
                   <a:schemeClr val="bg1"/>
                 </a:solidFill>
@@ -10815,12 +10804,6 @@
               </a:rPr>
               <a:t>BLE</a:t>
             </a:r>
-            <a:endParaRPr lang="en-US" sz="1200" kern="0" dirty="0">
-              <a:solidFill>
-                <a:schemeClr val="bg1"/>
-              </a:solidFill>
-              <a:latin typeface="Source Sans Pro Light" charset="0"/>
-            </a:endParaRPr>
           </a:p>
         </p:txBody>
       </p:sp>
@@ -10829,7 +10812,7 @@
           <p:cNvPr id="41" name="Rectangle 40">
             <a:extLst>
               <a:ext uri="{FF2B5EF4-FFF2-40B4-BE49-F238E27FC236}">
-                <a16:creationId xmlns="" xmlns:a16="http://schemas.microsoft.com/office/drawing/2014/main" id="{60369472-40F5-0C49-8A0A-34721DA59A39}"/>
+                <a16:creationId xmlns:a16="http://schemas.microsoft.com/office/drawing/2014/main" id="{60369472-40F5-0C49-8A0A-34721DA59A39}"/>
               </a:ext>
             </a:extLst>
           </p:cNvPr>
@@ -10905,7 +10888,7 @@
           <p:cNvPr id="42" name="Rounded Rectangle 41">
             <a:extLst>
               <a:ext uri="{FF2B5EF4-FFF2-40B4-BE49-F238E27FC236}">
-                <a16:creationId xmlns="" xmlns:a16="http://schemas.microsoft.com/office/drawing/2014/main" id="{5E274B6F-5968-644B-A233-1D8C249F9D25}"/>
+                <a16:creationId xmlns:a16="http://schemas.microsoft.com/office/drawing/2014/main" id="{5E274B6F-5968-644B-A233-1D8C249F9D25}"/>
               </a:ext>
             </a:extLst>
           </p:cNvPr>
@@ -10972,7 +10955,7 @@
           <p:cNvPr id="43" name="Rounded Rectangle 42">
             <a:extLst>
               <a:ext uri="{FF2B5EF4-FFF2-40B4-BE49-F238E27FC236}">
-                <a16:creationId xmlns="" xmlns:a16="http://schemas.microsoft.com/office/drawing/2014/main" id="{614FB769-688F-494D-AE49-D1344E751FA6}"/>
+                <a16:creationId xmlns:a16="http://schemas.microsoft.com/office/drawing/2014/main" id="{614FB769-688F-494D-AE49-D1344E751FA6}"/>
               </a:ext>
             </a:extLst>
           </p:cNvPr>
@@ -11039,7 +11022,7 @@
           <p:cNvPr id="44" name="Rounded Rectangle 43">
             <a:extLst>
               <a:ext uri="{FF2B5EF4-FFF2-40B4-BE49-F238E27FC236}">
-                <a16:creationId xmlns="" xmlns:a16="http://schemas.microsoft.com/office/drawing/2014/main" id="{05350DC8-AB2D-7A48-95B6-111BD3F62D9E}"/>
+                <a16:creationId xmlns:a16="http://schemas.microsoft.com/office/drawing/2014/main" id="{05350DC8-AB2D-7A48-95B6-111BD3F62D9E}"/>
               </a:ext>
             </a:extLst>
           </p:cNvPr>
@@ -11106,7 +11089,7 @@
           <p:cNvPr id="45" name="Round Same Side Corner Rectangle 44">
             <a:extLst>
               <a:ext uri="{FF2B5EF4-FFF2-40B4-BE49-F238E27FC236}">
-                <a16:creationId xmlns="" xmlns:a16="http://schemas.microsoft.com/office/drawing/2014/main" id="{29077600-5340-3A45-9B91-0EB6485110C9}"/>
+                <a16:creationId xmlns:a16="http://schemas.microsoft.com/office/drawing/2014/main" id="{29077600-5340-3A45-9B91-0EB6485110C9}"/>
               </a:ext>
             </a:extLst>
           </p:cNvPr>
@@ -11165,7 +11148,7 @@
           <p:cNvPr id="46" name="Group 45">
             <a:extLst>
               <a:ext uri="{FF2B5EF4-FFF2-40B4-BE49-F238E27FC236}">
-                <a16:creationId xmlns="" xmlns:a16="http://schemas.microsoft.com/office/drawing/2014/main" id="{FD7C4469-4138-A54A-BE6C-A4230D2BC1FF}"/>
+                <a16:creationId xmlns:a16="http://schemas.microsoft.com/office/drawing/2014/main" id="{FD7C4469-4138-A54A-BE6C-A4230D2BC1FF}"/>
               </a:ext>
             </a:extLst>
           </p:cNvPr>
@@ -11185,7 +11168,7 @@
             <p:cNvPr id="47" name="Picture 46">
               <a:extLst>
                 <a:ext uri="{FF2B5EF4-FFF2-40B4-BE49-F238E27FC236}">
-                  <a16:creationId xmlns="" xmlns:a16="http://schemas.microsoft.com/office/drawing/2014/main" id="{71DCAA86-C435-1643-A64D-70F341619783}"/>
+                  <a16:creationId xmlns:a16="http://schemas.microsoft.com/office/drawing/2014/main" id="{71DCAA86-C435-1643-A64D-70F341619783}"/>
                 </a:ext>
               </a:extLst>
             </p:cNvPr>
@@ -11228,7 +11211,7 @@
             <p:cNvPr id="48" name="Rectangle 47">
               <a:extLst>
                 <a:ext uri="{FF2B5EF4-FFF2-40B4-BE49-F238E27FC236}">
-                  <a16:creationId xmlns="" xmlns:a16="http://schemas.microsoft.com/office/drawing/2014/main" id="{8B1DF283-C2C4-5743-B08E-3D0ED4C0383E}"/>
+                  <a16:creationId xmlns:a16="http://schemas.microsoft.com/office/drawing/2014/main" id="{8B1DF283-C2C4-5743-B08E-3D0ED4C0383E}"/>
                 </a:ext>
               </a:extLst>
             </p:cNvPr>
@@ -11284,7 +11267,7 @@
           <p:cNvPr id="49" name="Rectangle 48">
             <a:extLst>
               <a:ext uri="{FF2B5EF4-FFF2-40B4-BE49-F238E27FC236}">
-                <a16:creationId xmlns="" xmlns:a16="http://schemas.microsoft.com/office/drawing/2014/main" id="{BA88D557-8188-2941-A0CA-76EBC4BD4753}"/>
+                <a16:creationId xmlns:a16="http://schemas.microsoft.com/office/drawing/2014/main" id="{BA88D557-8188-2941-A0CA-76EBC4BD4753}"/>
               </a:ext>
             </a:extLst>
           </p:cNvPr>
@@ -11320,20 +11303,6 @@
               </a:spcAft>
             </a:pPr>
             <a:r>
-              <a:rPr lang="en-US" sz="1400" dirty="0" smtClean="0">
-                <a:solidFill>
-                  <a:schemeClr val="tx1">
-                    <a:lumMod val="60000"/>
-                    <a:lumOff val="40000"/>
-                  </a:schemeClr>
-                </a:solidFill>
-                <a:latin typeface="Source Sans Pro" charset="0"/>
-                <a:ea typeface="Source Sans Pro" charset="0"/>
-                <a:cs typeface="Source Sans Pro" charset="0"/>
-              </a:rPr>
-              <a:t>Example </a:t>
-            </a:r>
-            <a:r>
               <a:rPr lang="en-US" sz="1400" dirty="0">
                 <a:solidFill>
                   <a:schemeClr val="tx1">
@@ -11345,7 +11314,7 @@
                 <a:ea typeface="Source Sans Pro" charset="0"/>
                 <a:cs typeface="Source Sans Pro" charset="0"/>
               </a:rPr>
-              <a:t>Applications</a:t>
+              <a:t>Example Applications</a:t>
             </a:r>
           </a:p>
         </p:txBody>
@@ -11355,7 +11324,7 @@
           <p:cNvPr id="51" name="Rounded Rectangle 36">
             <a:extLst>
               <a:ext uri="{FF2B5EF4-FFF2-40B4-BE49-F238E27FC236}">
-                <a16:creationId xmlns="" xmlns:a16="http://schemas.microsoft.com/office/drawing/2014/main" id="{283307E8-59C0-44A7-B2D4-03F3BD01F6ED}"/>
+                <a16:creationId xmlns:a16="http://schemas.microsoft.com/office/drawing/2014/main" id="{283307E8-59C0-44A7-B2D4-03F3BD01F6ED}"/>
               </a:ext>
             </a:extLst>
           </p:cNvPr>
@@ -11420,7 +11389,7 @@
           <p:cNvPr id="52" name="Rounded Rectangle 36">
             <a:extLst>
               <a:ext uri="{FF2B5EF4-FFF2-40B4-BE49-F238E27FC236}">
-                <a16:creationId xmlns="" xmlns:a16="http://schemas.microsoft.com/office/drawing/2014/main" id="{C8608BDC-F5B5-4939-8481-A80604A5D0D3}"/>
+                <a16:creationId xmlns:a16="http://schemas.microsoft.com/office/drawing/2014/main" id="{C8608BDC-F5B5-4939-8481-A80604A5D0D3}"/>
               </a:ext>
             </a:extLst>
           </p:cNvPr>
@@ -11485,7 +11454,7 @@
           <p:cNvPr id="53" name="Rounded Rectangle 32">
             <a:extLst>
               <a:ext uri="{FF2B5EF4-FFF2-40B4-BE49-F238E27FC236}">
-                <a16:creationId xmlns="" xmlns:a16="http://schemas.microsoft.com/office/drawing/2014/main" id="{DA840664-7456-4E94-B2C8-4B47ACB8B325}"/>
+                <a16:creationId xmlns:a16="http://schemas.microsoft.com/office/drawing/2014/main" id="{DA840664-7456-4E94-B2C8-4B47ACB8B325}"/>
               </a:ext>
             </a:extLst>
           </p:cNvPr>
@@ -11550,7 +11519,7 @@
           <p:cNvPr id="54" name="Rounded Rectangle 32">
             <a:extLst>
               <a:ext uri="{FF2B5EF4-FFF2-40B4-BE49-F238E27FC236}">
-                <a16:creationId xmlns="" xmlns:a16="http://schemas.microsoft.com/office/drawing/2014/main" id="{FB964F59-20F2-4C74-9159-946E02957282}"/>
+                <a16:creationId xmlns:a16="http://schemas.microsoft.com/office/drawing/2014/main" id="{FB964F59-20F2-4C74-9159-946E02957282}"/>
               </a:ext>
             </a:extLst>
           </p:cNvPr>
@@ -11615,7 +11584,7 @@
           <p:cNvPr id="55" name="Rounded Rectangle 32">
             <a:extLst>
               <a:ext uri="{FF2B5EF4-FFF2-40B4-BE49-F238E27FC236}">
-                <a16:creationId xmlns="" xmlns:a16="http://schemas.microsoft.com/office/drawing/2014/main" id="{4384512F-E95C-4D62-B4A9-A913BB7AC345}"/>
+                <a16:creationId xmlns:a16="http://schemas.microsoft.com/office/drawing/2014/main" id="{4384512F-E95C-4D62-B4A9-A913BB7AC345}"/>
               </a:ext>
             </a:extLst>
           </p:cNvPr>
@@ -11680,7 +11649,7 @@
           <p:cNvPr id="56" name="Rounded Rectangle 32">
             <a:extLst>
               <a:ext uri="{FF2B5EF4-FFF2-40B4-BE49-F238E27FC236}">
-                <a16:creationId xmlns="" xmlns:a16="http://schemas.microsoft.com/office/drawing/2014/main" id="{0CE1D744-F702-4CEA-B511-1160656204E1}"/>
+                <a16:creationId xmlns:a16="http://schemas.microsoft.com/office/drawing/2014/main" id="{0CE1D744-F702-4CEA-B511-1160656204E1}"/>
               </a:ext>
             </a:extLst>
           </p:cNvPr>
@@ -11745,7 +11714,7 @@
           <p:cNvPr id="58" name="Rounded Rectangle 41">
             <a:extLst>
               <a:ext uri="{FF2B5EF4-FFF2-40B4-BE49-F238E27FC236}">
-                <a16:creationId xmlns="" xmlns:a16="http://schemas.microsoft.com/office/drawing/2014/main" id="{B0719255-A67A-483A-BE33-9E1F0D087410}"/>
+                <a16:creationId xmlns:a16="http://schemas.microsoft.com/office/drawing/2014/main" id="{B0719255-A67A-483A-BE33-9E1F0D087410}"/>
               </a:ext>
             </a:extLst>
           </p:cNvPr>
@@ -11812,7 +11781,7 @@
           <p:cNvPr id="59" name="Rounded Rectangle 36">
             <a:extLst>
               <a:ext uri="{FF2B5EF4-FFF2-40B4-BE49-F238E27FC236}">
-                <a16:creationId xmlns="" xmlns:a16="http://schemas.microsoft.com/office/drawing/2014/main" id="{BD1E5A96-4D6B-4855-BC13-4A6D5BF7D99C}"/>
+                <a16:creationId xmlns:a16="http://schemas.microsoft.com/office/drawing/2014/main" id="{BD1E5A96-4D6B-4855-BC13-4A6D5BF7D99C}"/>
               </a:ext>
             </a:extLst>
           </p:cNvPr>
@@ -11877,7 +11846,7 @@
           <p:cNvPr id="60" name="Rounded Rectangle 32">
             <a:extLst>
               <a:ext uri="{FF2B5EF4-FFF2-40B4-BE49-F238E27FC236}">
-                <a16:creationId xmlns="" xmlns:a16="http://schemas.microsoft.com/office/drawing/2014/main" id="{5CCD933E-7C6F-48C2-8B16-5533A9756066}"/>
+                <a16:creationId xmlns:a16="http://schemas.microsoft.com/office/drawing/2014/main" id="{5CCD933E-7C6F-48C2-8B16-5533A9756066}"/>
               </a:ext>
             </a:extLst>
           </p:cNvPr>
@@ -11947,13 +11916,5412 @@
   <p:clrMapOvr>
     <a:masterClrMapping/>
   </p:clrMapOvr>
-  <p:timing>
-    <p:tnLst>
-      <p:par>
-        <p:cTn id="1" dur="indefinite" restart="never" nodeType="tmRoot"/>
-      </p:par>
-    </p:tnLst>
-  </p:timing>
+</p:sld>
+</file>
+
+<file path=ppt/slides/slide2.xml><?xml version="1.0" encoding="utf-8"?>
+<p:sld xmlns:a="http://schemas.openxmlformats.org/drawingml/2006/main" xmlns:r="http://schemas.openxmlformats.org/officeDocument/2006/relationships" xmlns:p="http://schemas.openxmlformats.org/presentationml/2006/main">
+  <p:cSld>
+    <p:spTree>
+      <p:nvGrpSpPr>
+        <p:cNvPr id="1" name=""/>
+        <p:cNvGrpSpPr/>
+        <p:nvPr/>
+      </p:nvGrpSpPr>
+      <p:grpSpPr>
+        <a:xfrm>
+          <a:off x="0" y="0"/>
+          <a:ext cx="0" cy="0"/>
+          <a:chOff x="0" y="0"/>
+          <a:chExt cx="0" cy="0"/>
+        </a:xfrm>
+      </p:grpSpPr>
+      <p:cxnSp>
+        <p:nvCxnSpPr>
+          <p:cNvPr id="2" name="Straight Connector 1">
+            <a:extLst>
+              <a:ext uri="{FF2B5EF4-FFF2-40B4-BE49-F238E27FC236}">
+                <a16:creationId xmlns:a16="http://schemas.microsoft.com/office/drawing/2014/main" id="{69468F00-CD4C-A248-A4B1-C7B7588C2D3D}"/>
+              </a:ext>
+            </a:extLst>
+          </p:cNvPr>
+          <p:cNvCxnSpPr/>
+          <p:nvPr/>
+        </p:nvCxnSpPr>
+        <p:spPr>
+          <a:xfrm>
+            <a:off x="839416" y="973732"/>
+            <a:ext cx="9568588" cy="0"/>
+          </a:xfrm>
+          <a:prstGeom prst="line">
+            <a:avLst/>
+          </a:prstGeom>
+          <a:ln>
+            <a:solidFill>
+              <a:schemeClr val="bg2"/>
+            </a:solidFill>
+          </a:ln>
+        </p:spPr>
+        <p:style>
+          <a:lnRef idx="1">
+            <a:schemeClr val="accent1"/>
+          </a:lnRef>
+          <a:fillRef idx="0">
+            <a:schemeClr val="accent1"/>
+          </a:fillRef>
+          <a:effectRef idx="0">
+            <a:schemeClr val="accent1"/>
+          </a:effectRef>
+          <a:fontRef idx="minor">
+            <a:schemeClr val="tx1"/>
+          </a:fontRef>
+        </p:style>
+      </p:cxnSp>
+      <p:sp>
+        <p:nvSpPr>
+          <p:cNvPr id="3" name="TextBox 2">
+            <a:extLst>
+              <a:ext uri="{FF2B5EF4-FFF2-40B4-BE49-F238E27FC236}">
+                <a16:creationId xmlns:a16="http://schemas.microsoft.com/office/drawing/2014/main" id="{48FC3BF8-BB80-DF47-B91F-CB24163470D3}"/>
+              </a:ext>
+            </a:extLst>
+          </p:cNvPr>
+          <p:cNvSpPr txBox="1"/>
+          <p:nvPr/>
+        </p:nvSpPr>
+        <p:spPr>
+          <a:xfrm>
+            <a:off x="746942" y="339648"/>
+            <a:ext cx="10893877" cy="461665"/>
+          </a:xfrm>
+          <a:prstGeom prst="rect">
+            <a:avLst/>
+          </a:prstGeom>
+          <a:noFill/>
+        </p:spPr>
+        <p:txBody>
+          <a:bodyPr wrap="square" rtlCol="0">
+            <a:spAutoFit/>
+          </a:bodyPr>
+          <a:lstStyle/>
+          <a:p>
+            <a:r>
+              <a:rPr lang="en-US" sz="2400" dirty="0">
+                <a:latin typeface="Source Sans Pro Light" charset="0"/>
+                <a:ea typeface="Source Sans Pro Light" charset="0"/>
+                <a:cs typeface="Source Sans Pro Light" charset="0"/>
+              </a:rPr>
+              <a:t>Implementation / Network architecture-and-</a:t>
+            </a:r>
+            <a:r>
+              <a:rPr lang="en-US" sz="2400" dirty="0" err="1">
+                <a:latin typeface="Source Sans Pro Light" charset="0"/>
+                <a:ea typeface="Source Sans Pro Light" charset="0"/>
+                <a:cs typeface="Source Sans Pro Light" charset="0"/>
+              </a:rPr>
+              <a:t>modules_minimize</a:t>
+            </a:r>
+            <a:endParaRPr lang="en-US" sz="2400" dirty="0">
+              <a:latin typeface="Source Sans Pro Light" charset="0"/>
+              <a:ea typeface="Source Sans Pro Light" charset="0"/>
+              <a:cs typeface="Source Sans Pro Light" charset="0"/>
+            </a:endParaRPr>
+          </a:p>
+        </p:txBody>
+      </p:sp>
+      <p:sp>
+        <p:nvSpPr>
+          <p:cNvPr id="4" name="Rounded Rectangle 3">
+            <a:extLst>
+              <a:ext uri="{FF2B5EF4-FFF2-40B4-BE49-F238E27FC236}">
+                <a16:creationId xmlns:a16="http://schemas.microsoft.com/office/drawing/2014/main" id="{56D03FB4-14D4-9F48-A061-0B8E91CCC141}"/>
+              </a:ext>
+            </a:extLst>
+          </p:cNvPr>
+          <p:cNvSpPr/>
+          <p:nvPr/>
+        </p:nvSpPr>
+        <p:spPr>
+          <a:xfrm>
+            <a:off x="12608565" y="6479853"/>
+            <a:ext cx="1545913" cy="172336"/>
+          </a:xfrm>
+          <a:prstGeom prst="roundRect">
+            <a:avLst>
+              <a:gd name="adj" fmla="val 22508"/>
+            </a:avLst>
+          </a:prstGeom>
+          <a:noFill/>
+          <a:ln w="12700">
+            <a:noFill/>
+          </a:ln>
+        </p:spPr>
+        <p:style>
+          <a:lnRef idx="2">
+            <a:schemeClr val="dk1"/>
+          </a:lnRef>
+          <a:fillRef idx="1">
+            <a:schemeClr val="lt1"/>
+          </a:fillRef>
+          <a:effectRef idx="0">
+            <a:schemeClr val="dk1"/>
+          </a:effectRef>
+          <a:fontRef idx="minor">
+            <a:schemeClr val="dk1"/>
+          </a:fontRef>
+        </p:style>
+        <p:txBody>
+          <a:bodyPr tIns="36000" bIns="36000" rtlCol="0" anchor="ctr"/>
+          <a:lstStyle/>
+          <a:p>
+            <a:pPr algn="ctr"/>
+            <a:r>
+              <a:rPr lang="en-US" sz="1200" dirty="0">
+                <a:solidFill>
+                  <a:schemeClr val="tx1">
+                    <a:lumMod val="75000"/>
+                  </a:schemeClr>
+                </a:solidFill>
+                <a:latin typeface="Source Sans Pro Light" charset="0"/>
+                <a:ea typeface="Source Sans Pro Light" charset="0"/>
+                <a:cs typeface="Source Sans Pro Light" charset="0"/>
+              </a:rPr>
+              <a:t>Platform</a:t>
+            </a:r>
+          </a:p>
+        </p:txBody>
+      </p:sp>
+      <p:sp>
+        <p:nvSpPr>
+          <p:cNvPr id="33" name="Arc 32">
+            <a:extLst>
+              <a:ext uri="{FF2B5EF4-FFF2-40B4-BE49-F238E27FC236}">
+                <a16:creationId xmlns:a16="http://schemas.microsoft.com/office/drawing/2014/main" id="{F9D5D72F-66C0-4383-CA44-6BCF006C12A7}"/>
+              </a:ext>
+            </a:extLst>
+          </p:cNvPr>
+          <p:cNvSpPr/>
+          <p:nvPr/>
+        </p:nvSpPr>
+        <p:spPr>
+          <a:xfrm>
+            <a:off x="9369098" y="5923522"/>
+            <a:ext cx="224156" cy="213972"/>
+          </a:xfrm>
+          <a:prstGeom prst="arc">
+            <a:avLst>
+              <a:gd name="adj1" fmla="val 15188349"/>
+              <a:gd name="adj2" fmla="val 21512081"/>
+            </a:avLst>
+          </a:prstGeom>
+          <a:ln w="38100">
+            <a:solidFill>
+              <a:schemeClr val="bg2">
+                <a:lumMod val="25000"/>
+              </a:schemeClr>
+            </a:solidFill>
+          </a:ln>
+        </p:spPr>
+        <p:style>
+          <a:lnRef idx="1">
+            <a:schemeClr val="accent1"/>
+          </a:lnRef>
+          <a:fillRef idx="0">
+            <a:schemeClr val="accent1"/>
+          </a:fillRef>
+          <a:effectRef idx="0">
+            <a:schemeClr val="accent1"/>
+          </a:effectRef>
+          <a:fontRef idx="minor">
+            <a:schemeClr val="tx1"/>
+          </a:fontRef>
+        </p:style>
+        <p:txBody>
+          <a:bodyPr rtlCol="0" anchor="ctr"/>
+          <a:lstStyle/>
+          <a:p>
+            <a:pPr algn="ctr"/>
+            <a:endParaRPr lang="en-US" dirty="0"/>
+          </a:p>
+        </p:txBody>
+      </p:sp>
+      <p:sp>
+        <p:nvSpPr>
+          <p:cNvPr id="50" name="Rounded Rectangle 69">
+            <a:extLst>
+              <a:ext uri="{FF2B5EF4-FFF2-40B4-BE49-F238E27FC236}">
+                <a16:creationId xmlns:a16="http://schemas.microsoft.com/office/drawing/2014/main" id="{7CECCED1-2056-8BBB-C370-42EDA0198DA4}"/>
+              </a:ext>
+            </a:extLst>
+          </p:cNvPr>
+          <p:cNvSpPr/>
+          <p:nvPr/>
+        </p:nvSpPr>
+        <p:spPr>
+          <a:xfrm>
+            <a:off x="4123339" y="1393594"/>
+            <a:ext cx="5373156" cy="2340154"/>
+          </a:xfrm>
+          <a:prstGeom prst="roundRect">
+            <a:avLst>
+              <a:gd name="adj" fmla="val 3799"/>
+            </a:avLst>
+          </a:prstGeom>
+          <a:solidFill>
+            <a:schemeClr val="accent1"/>
+          </a:solidFill>
+          <a:ln w="12700">
+            <a:solidFill>
+              <a:schemeClr val="accent1"/>
+            </a:solidFill>
+          </a:ln>
+          <a:effectLst/>
+        </p:spPr>
+        <p:style>
+          <a:lnRef idx="2">
+            <a:schemeClr val="dk1"/>
+          </a:lnRef>
+          <a:fillRef idx="1">
+            <a:schemeClr val="lt1"/>
+          </a:fillRef>
+          <a:effectRef idx="0">
+            <a:schemeClr val="dk1"/>
+          </a:effectRef>
+          <a:fontRef idx="minor">
+            <a:schemeClr val="dk1"/>
+          </a:fontRef>
+        </p:style>
+        <p:txBody>
+          <a:bodyPr rtlCol="0" anchor="ctr"/>
+          <a:lstStyle/>
+          <a:p>
+            <a:pPr algn="ctr">
+              <a:lnSpc>
+                <a:spcPts val="1600"/>
+              </a:lnSpc>
+              <a:spcBef>
+                <a:spcPts val="100"/>
+              </a:spcBef>
+              <a:spcAft>
+                <a:spcPts val="100"/>
+              </a:spcAft>
+            </a:pPr>
+            <a:endParaRPr lang="en-US" sz="1600" dirty="0">
+              <a:solidFill>
+                <a:schemeClr val="bg1"/>
+              </a:solidFill>
+              <a:effectLst>
+                <a:outerShdw blurRad="50800" dist="38100" dir="5400000" algn="t" rotWithShape="0">
+                  <a:prstClr val="black">
+                    <a:alpha val="40000"/>
+                  </a:prstClr>
+                </a:outerShdw>
+              </a:effectLst>
+              <a:latin typeface="Source Sans Pro" charset="0"/>
+              <a:ea typeface="Source Sans Pro" charset="0"/>
+            </a:endParaRPr>
+          </a:p>
+        </p:txBody>
+      </p:sp>
+      <p:sp>
+        <p:nvSpPr>
+          <p:cNvPr id="57" name="Rounded Rectangle 71">
+            <a:extLst>
+              <a:ext uri="{FF2B5EF4-FFF2-40B4-BE49-F238E27FC236}">
+                <a16:creationId xmlns:a16="http://schemas.microsoft.com/office/drawing/2014/main" id="{8D75462D-FCFF-7084-0B13-587BC4519853}"/>
+              </a:ext>
+            </a:extLst>
+          </p:cNvPr>
+          <p:cNvSpPr/>
+          <p:nvPr/>
+        </p:nvSpPr>
+        <p:spPr>
+          <a:xfrm>
+            <a:off x="4230424" y="1793044"/>
+            <a:ext cx="5172331" cy="883510"/>
+          </a:xfrm>
+          <a:prstGeom prst="roundRect">
+            <a:avLst>
+              <a:gd name="adj" fmla="val 10601"/>
+            </a:avLst>
+          </a:prstGeom>
+          <a:solidFill>
+            <a:schemeClr val="accent1">
+              <a:lumMod val="75000"/>
+            </a:schemeClr>
+          </a:solidFill>
+          <a:ln w="12700">
+            <a:noFill/>
+          </a:ln>
+          <a:effectLst>
+            <a:innerShdw blurRad="114300">
+              <a:prstClr val="black">
+                <a:alpha val="49000"/>
+              </a:prstClr>
+            </a:innerShdw>
+          </a:effectLst>
+        </p:spPr>
+        <p:style>
+          <a:lnRef idx="2">
+            <a:schemeClr val="dk1"/>
+          </a:lnRef>
+          <a:fillRef idx="1">
+            <a:schemeClr val="lt1"/>
+          </a:fillRef>
+          <a:effectRef idx="0">
+            <a:schemeClr val="dk1"/>
+          </a:effectRef>
+          <a:fontRef idx="minor">
+            <a:schemeClr val="dk1"/>
+          </a:fontRef>
+        </p:style>
+        <p:txBody>
+          <a:bodyPr wrap="square" lIns="108000" tIns="0" bIns="0" rtlCol="0" anchor="ctr">
+            <a:noAutofit/>
+          </a:bodyPr>
+          <a:lstStyle/>
+          <a:p>
+            <a:pPr lvl="0"/>
+            <a:r>
+              <a:rPr lang="en-US" sz="1600" b="1" dirty="0">
+                <a:solidFill>
+                  <a:schemeClr val="bg1"/>
+                </a:solidFill>
+                <a:latin typeface="Source Sans Pro" charset="0"/>
+                <a:ea typeface="Source Sans Pro" charset="0"/>
+                <a:cs typeface="Source Sans Pro" charset="0"/>
+              </a:rPr>
+              <a:t>ADD-ON</a:t>
+            </a:r>
+          </a:p>
+          <a:p>
+            <a:pPr lvl="0"/>
+            <a:r>
+              <a:rPr lang="en-US" sz="1600" b="1" dirty="0">
+                <a:solidFill>
+                  <a:schemeClr val="bg1"/>
+                </a:solidFill>
+                <a:latin typeface="Source Sans Pro" charset="0"/>
+                <a:ea typeface="Source Sans Pro" charset="0"/>
+                <a:cs typeface="Source Sans Pro" charset="0"/>
+              </a:rPr>
+              <a:t>LIBRARIES</a:t>
+            </a:r>
+          </a:p>
+        </p:txBody>
+      </p:sp>
+      <p:sp>
+        <p:nvSpPr>
+          <p:cNvPr id="61" name="Snip Same Side Corner Rectangle 52">
+            <a:extLst>
+              <a:ext uri="{FF2B5EF4-FFF2-40B4-BE49-F238E27FC236}">
+                <a16:creationId xmlns:a16="http://schemas.microsoft.com/office/drawing/2014/main" id="{C3B01635-FA3F-D041-C7A6-A655B6BB6D4C}"/>
+              </a:ext>
+            </a:extLst>
+          </p:cNvPr>
+          <p:cNvSpPr/>
+          <p:nvPr/>
+        </p:nvSpPr>
+        <p:spPr>
+          <a:xfrm>
+            <a:off x="4268490" y="5494987"/>
+            <a:ext cx="5228005" cy="535522"/>
+          </a:xfrm>
+          <a:prstGeom prst="snip2SameRect">
+            <a:avLst>
+              <a:gd name="adj1" fmla="val 12416"/>
+              <a:gd name="adj2" fmla="val 0"/>
+            </a:avLst>
+          </a:prstGeom>
+          <a:solidFill>
+            <a:schemeClr val="tx1">
+              <a:lumMod val="50000"/>
+            </a:schemeClr>
+          </a:solidFill>
+          <a:ln>
+            <a:noFill/>
+          </a:ln>
+        </p:spPr>
+        <p:style>
+          <a:lnRef idx="2">
+            <a:schemeClr val="accent1">
+              <a:shade val="50000"/>
+            </a:schemeClr>
+          </a:lnRef>
+          <a:fillRef idx="1">
+            <a:schemeClr val="accent1"/>
+          </a:fillRef>
+          <a:effectRef idx="0">
+            <a:schemeClr val="accent1"/>
+          </a:effectRef>
+          <a:fontRef idx="minor">
+            <a:schemeClr val="lt1"/>
+          </a:fontRef>
+        </p:style>
+        <p:txBody>
+          <a:bodyPr wrap="square" tIns="72000" bIns="36000" rtlCol="0" anchor="t">
+            <a:noAutofit/>
+          </a:bodyPr>
+          <a:lstStyle/>
+          <a:p>
+            <a:pPr algn="ctr">
+              <a:lnSpc>
+                <a:spcPts val="1500"/>
+              </a:lnSpc>
+            </a:pPr>
+            <a:endParaRPr lang="en-US" sz="1400" i="1" dirty="0">
+              <a:solidFill>
+                <a:schemeClr val="bg1"/>
+              </a:solidFill>
+              <a:latin typeface="Source Sans Pro Light" charset="0"/>
+              <a:ea typeface="Source Sans Pro Light" charset="0"/>
+              <a:cs typeface="Source Sans Pro Light" charset="0"/>
+            </a:endParaRPr>
+          </a:p>
+        </p:txBody>
+      </p:sp>
+      <p:sp>
+        <p:nvSpPr>
+          <p:cNvPr id="62" name="Rounded Rectangle 59">
+            <a:extLst>
+              <a:ext uri="{FF2B5EF4-FFF2-40B4-BE49-F238E27FC236}">
+                <a16:creationId xmlns:a16="http://schemas.microsoft.com/office/drawing/2014/main" id="{D3EFAA71-7817-4C1F-38DE-4A25122603DD}"/>
+              </a:ext>
+            </a:extLst>
+          </p:cNvPr>
+          <p:cNvSpPr/>
+          <p:nvPr/>
+        </p:nvSpPr>
+        <p:spPr>
+          <a:xfrm>
+            <a:off x="4111894" y="3941851"/>
+            <a:ext cx="5384601" cy="1367846"/>
+          </a:xfrm>
+          <a:prstGeom prst="roundRect">
+            <a:avLst>
+              <a:gd name="adj" fmla="val 7139"/>
+            </a:avLst>
+          </a:prstGeom>
+          <a:solidFill>
+            <a:schemeClr val="bg2"/>
+          </a:solidFill>
+          <a:ln w="12700">
+            <a:noFill/>
+          </a:ln>
+          <a:effectLst/>
+        </p:spPr>
+        <p:style>
+          <a:lnRef idx="2">
+            <a:schemeClr val="dk1"/>
+          </a:lnRef>
+          <a:fillRef idx="1">
+            <a:schemeClr val="lt1"/>
+          </a:fillRef>
+          <a:effectRef idx="0">
+            <a:schemeClr val="dk1"/>
+          </a:effectRef>
+          <a:fontRef idx="minor">
+            <a:schemeClr val="dk1"/>
+          </a:fontRef>
+        </p:style>
+        <p:txBody>
+          <a:bodyPr rtlCol="0" anchor="ctr"/>
+          <a:lstStyle/>
+          <a:p>
+            <a:pPr algn="ctr"/>
+            <a:endParaRPr lang="en-US" sz="1600" dirty="0">
+              <a:ln w="0">
+                <a:solidFill>
+                  <a:sysClr val="windowText" lastClr="000000"/>
+                </a:solidFill>
+              </a:ln>
+              <a:solidFill>
+                <a:schemeClr val="tx1"/>
+              </a:solidFill>
+            </a:endParaRPr>
+          </a:p>
+        </p:txBody>
+      </p:sp>
+      <p:sp>
+        <p:nvSpPr>
+          <p:cNvPr id="63" name="Arc 62">
+            <a:extLst>
+              <a:ext uri="{FF2B5EF4-FFF2-40B4-BE49-F238E27FC236}">
+                <a16:creationId xmlns:a16="http://schemas.microsoft.com/office/drawing/2014/main" id="{9C0DAEC3-E2DF-FE51-69B5-EABA2D211C9C}"/>
+              </a:ext>
+            </a:extLst>
+          </p:cNvPr>
+          <p:cNvSpPr/>
+          <p:nvPr/>
+        </p:nvSpPr>
+        <p:spPr>
+          <a:xfrm rot="16200000">
+            <a:off x="4011185" y="5925965"/>
+            <a:ext cx="229393" cy="209087"/>
+          </a:xfrm>
+          <a:prstGeom prst="arc">
+            <a:avLst>
+              <a:gd name="adj1" fmla="val 16200000"/>
+              <a:gd name="adj2" fmla="val 1286025"/>
+            </a:avLst>
+          </a:prstGeom>
+          <a:ln w="38100">
+            <a:solidFill>
+              <a:schemeClr val="bg2">
+                <a:lumMod val="25000"/>
+              </a:schemeClr>
+            </a:solidFill>
+          </a:ln>
+        </p:spPr>
+        <p:style>
+          <a:lnRef idx="1">
+            <a:schemeClr val="accent1"/>
+          </a:lnRef>
+          <a:fillRef idx="0">
+            <a:schemeClr val="accent1"/>
+          </a:fillRef>
+          <a:effectRef idx="0">
+            <a:schemeClr val="accent1"/>
+          </a:effectRef>
+          <a:fontRef idx="minor">
+            <a:schemeClr val="tx1"/>
+          </a:fontRef>
+        </p:style>
+        <p:txBody>
+          <a:bodyPr rtlCol="0" anchor="ctr"/>
+          <a:lstStyle/>
+          <a:p>
+            <a:pPr algn="ctr"/>
+            <a:endParaRPr lang="en-US" dirty="0"/>
+          </a:p>
+        </p:txBody>
+      </p:sp>
+      <p:sp>
+        <p:nvSpPr>
+          <p:cNvPr id="64" name="Snip Same Side Corner Rectangle 52">
+            <a:extLst>
+              <a:ext uri="{FF2B5EF4-FFF2-40B4-BE49-F238E27FC236}">
+                <a16:creationId xmlns:a16="http://schemas.microsoft.com/office/drawing/2014/main" id="{0DDBDDEF-A0D9-E1BF-80A5-C0990C3D06D2}"/>
+              </a:ext>
+            </a:extLst>
+          </p:cNvPr>
+          <p:cNvSpPr/>
+          <p:nvPr/>
+        </p:nvSpPr>
+        <p:spPr>
+          <a:xfrm>
+            <a:off x="4112254" y="5494987"/>
+            <a:ext cx="4354775" cy="535522"/>
+          </a:xfrm>
+          <a:prstGeom prst="snip2SameRect">
+            <a:avLst>
+              <a:gd name="adj1" fmla="val 12416"/>
+              <a:gd name="adj2" fmla="val 0"/>
+            </a:avLst>
+          </a:prstGeom>
+          <a:solidFill>
+            <a:schemeClr val="tx1">
+              <a:lumMod val="50000"/>
+            </a:schemeClr>
+          </a:solidFill>
+          <a:ln>
+            <a:noFill/>
+          </a:ln>
+        </p:spPr>
+        <p:style>
+          <a:lnRef idx="2">
+            <a:schemeClr val="accent1">
+              <a:shade val="50000"/>
+            </a:schemeClr>
+          </a:lnRef>
+          <a:fillRef idx="1">
+            <a:schemeClr val="accent1"/>
+          </a:fillRef>
+          <a:effectRef idx="0">
+            <a:schemeClr val="accent1"/>
+          </a:effectRef>
+          <a:fontRef idx="minor">
+            <a:schemeClr val="lt1"/>
+          </a:fontRef>
+        </p:style>
+        <p:txBody>
+          <a:bodyPr wrap="square" tIns="72000" bIns="36000" rtlCol="0" anchor="t">
+            <a:noAutofit/>
+          </a:bodyPr>
+          <a:lstStyle/>
+          <a:p>
+            <a:pPr algn="ctr">
+              <a:lnSpc>
+                <a:spcPts val="1500"/>
+              </a:lnSpc>
+            </a:pPr>
+            <a:endParaRPr lang="en-US" sz="1400" i="1" dirty="0">
+              <a:solidFill>
+                <a:schemeClr val="bg1"/>
+              </a:solidFill>
+              <a:latin typeface="Source Sans Pro Light" charset="0"/>
+              <a:ea typeface="Source Sans Pro Light" charset="0"/>
+              <a:cs typeface="Source Sans Pro Light" charset="0"/>
+            </a:endParaRPr>
+          </a:p>
+        </p:txBody>
+      </p:sp>
+      <p:grpSp>
+        <p:nvGrpSpPr>
+          <p:cNvPr id="65" name="Group 64">
+            <a:extLst>
+              <a:ext uri="{FF2B5EF4-FFF2-40B4-BE49-F238E27FC236}">
+                <a16:creationId xmlns:a16="http://schemas.microsoft.com/office/drawing/2014/main" id="{2A9A7C65-D9C4-2263-1988-43829596E16D}"/>
+              </a:ext>
+            </a:extLst>
+          </p:cNvPr>
+          <p:cNvGrpSpPr/>
+          <p:nvPr/>
+        </p:nvGrpSpPr>
+        <p:grpSpPr>
+          <a:xfrm>
+            <a:off x="4112004" y="5238370"/>
+            <a:ext cx="1856244" cy="721545"/>
+            <a:chOff x="4123484" y="5527673"/>
+            <a:chExt cx="1856244" cy="721545"/>
+          </a:xfrm>
+        </p:grpSpPr>
+        <p:sp>
+          <p:nvSpPr>
+            <p:cNvPr id="66" name="Rounded Rectangle 370">
+              <a:extLst>
+                <a:ext uri="{FF2B5EF4-FFF2-40B4-BE49-F238E27FC236}">
+                  <a16:creationId xmlns:a16="http://schemas.microsoft.com/office/drawing/2014/main" id="{09D86C93-61DD-4EE7-B1F1-2E86883226CF}"/>
+                </a:ext>
+              </a:extLst>
+            </p:cNvPr>
+            <p:cNvSpPr/>
+            <p:nvPr/>
+          </p:nvSpPr>
+          <p:spPr>
+            <a:xfrm>
+              <a:off x="4123484" y="5527673"/>
+              <a:ext cx="1856244" cy="721545"/>
+            </a:xfrm>
+            <a:custGeom>
+              <a:avLst/>
+              <a:gdLst>
+                <a:gd name="connsiteX0" fmla="*/ 0 w 1377675"/>
+                <a:gd name="connsiteY0" fmla="*/ 66568 h 1084694"/>
+                <a:gd name="connsiteX1" fmla="*/ 66568 w 1377675"/>
+                <a:gd name="connsiteY1" fmla="*/ 0 h 1084694"/>
+                <a:gd name="connsiteX2" fmla="*/ 1311107 w 1377675"/>
+                <a:gd name="connsiteY2" fmla="*/ 0 h 1084694"/>
+                <a:gd name="connsiteX3" fmla="*/ 1377675 w 1377675"/>
+                <a:gd name="connsiteY3" fmla="*/ 66568 h 1084694"/>
+                <a:gd name="connsiteX4" fmla="*/ 1377675 w 1377675"/>
+                <a:gd name="connsiteY4" fmla="*/ 1018126 h 1084694"/>
+                <a:gd name="connsiteX5" fmla="*/ 1311107 w 1377675"/>
+                <a:gd name="connsiteY5" fmla="*/ 1084694 h 1084694"/>
+                <a:gd name="connsiteX6" fmla="*/ 66568 w 1377675"/>
+                <a:gd name="connsiteY6" fmla="*/ 1084694 h 1084694"/>
+                <a:gd name="connsiteX7" fmla="*/ 0 w 1377675"/>
+                <a:gd name="connsiteY7" fmla="*/ 1018126 h 1084694"/>
+                <a:gd name="connsiteX8" fmla="*/ 0 w 1377675"/>
+                <a:gd name="connsiteY8" fmla="*/ 66568 h 1084694"/>
+                <a:gd name="connsiteX0" fmla="*/ 0 w 1377675"/>
+                <a:gd name="connsiteY0" fmla="*/ 66568 h 1084694"/>
+                <a:gd name="connsiteX1" fmla="*/ 66568 w 1377675"/>
+                <a:gd name="connsiteY1" fmla="*/ 0 h 1084694"/>
+                <a:gd name="connsiteX2" fmla="*/ 1311107 w 1377675"/>
+                <a:gd name="connsiteY2" fmla="*/ 0 h 1084694"/>
+                <a:gd name="connsiteX3" fmla="*/ 1377675 w 1377675"/>
+                <a:gd name="connsiteY3" fmla="*/ 409468 h 1084694"/>
+                <a:gd name="connsiteX4" fmla="*/ 1377675 w 1377675"/>
+                <a:gd name="connsiteY4" fmla="*/ 1018126 h 1084694"/>
+                <a:gd name="connsiteX5" fmla="*/ 1311107 w 1377675"/>
+                <a:gd name="connsiteY5" fmla="*/ 1084694 h 1084694"/>
+                <a:gd name="connsiteX6" fmla="*/ 66568 w 1377675"/>
+                <a:gd name="connsiteY6" fmla="*/ 1084694 h 1084694"/>
+                <a:gd name="connsiteX7" fmla="*/ 0 w 1377675"/>
+                <a:gd name="connsiteY7" fmla="*/ 1018126 h 1084694"/>
+                <a:gd name="connsiteX8" fmla="*/ 0 w 1377675"/>
+                <a:gd name="connsiteY8" fmla="*/ 66568 h 1084694"/>
+                <a:gd name="connsiteX0" fmla="*/ 0 w 1381139"/>
+                <a:gd name="connsiteY0" fmla="*/ 388686 h 1084694"/>
+                <a:gd name="connsiteX1" fmla="*/ 70032 w 1381139"/>
+                <a:gd name="connsiteY1" fmla="*/ 0 h 1084694"/>
+                <a:gd name="connsiteX2" fmla="*/ 1314571 w 1381139"/>
+                <a:gd name="connsiteY2" fmla="*/ 0 h 1084694"/>
+                <a:gd name="connsiteX3" fmla="*/ 1381139 w 1381139"/>
+                <a:gd name="connsiteY3" fmla="*/ 409468 h 1084694"/>
+                <a:gd name="connsiteX4" fmla="*/ 1381139 w 1381139"/>
+                <a:gd name="connsiteY4" fmla="*/ 1018126 h 1084694"/>
+                <a:gd name="connsiteX5" fmla="*/ 1314571 w 1381139"/>
+                <a:gd name="connsiteY5" fmla="*/ 1084694 h 1084694"/>
+                <a:gd name="connsiteX6" fmla="*/ 70032 w 1381139"/>
+                <a:gd name="connsiteY6" fmla="*/ 1084694 h 1084694"/>
+                <a:gd name="connsiteX7" fmla="*/ 3464 w 1381139"/>
+                <a:gd name="connsiteY7" fmla="*/ 1018126 h 1084694"/>
+                <a:gd name="connsiteX8" fmla="*/ 0 w 1381139"/>
+                <a:gd name="connsiteY8" fmla="*/ 388686 h 1084694"/>
+                <a:gd name="connsiteX0" fmla="*/ 0 w 3085063"/>
+                <a:gd name="connsiteY0" fmla="*/ 388686 h 1084694"/>
+                <a:gd name="connsiteX1" fmla="*/ 70032 w 3085063"/>
+                <a:gd name="connsiteY1" fmla="*/ 0 h 1084694"/>
+                <a:gd name="connsiteX2" fmla="*/ 3084489 w 3085063"/>
+                <a:gd name="connsiteY2" fmla="*/ 256309 h 1084694"/>
+                <a:gd name="connsiteX3" fmla="*/ 1381139 w 3085063"/>
+                <a:gd name="connsiteY3" fmla="*/ 409468 h 1084694"/>
+                <a:gd name="connsiteX4" fmla="*/ 1381139 w 3085063"/>
+                <a:gd name="connsiteY4" fmla="*/ 1018126 h 1084694"/>
+                <a:gd name="connsiteX5" fmla="*/ 1314571 w 3085063"/>
+                <a:gd name="connsiteY5" fmla="*/ 1084694 h 1084694"/>
+                <a:gd name="connsiteX6" fmla="*/ 70032 w 3085063"/>
+                <a:gd name="connsiteY6" fmla="*/ 1084694 h 1084694"/>
+                <a:gd name="connsiteX7" fmla="*/ 3464 w 3085063"/>
+                <a:gd name="connsiteY7" fmla="*/ 1018126 h 1084694"/>
+                <a:gd name="connsiteX8" fmla="*/ 0 w 3085063"/>
+                <a:gd name="connsiteY8" fmla="*/ 388686 h 1084694"/>
+                <a:gd name="connsiteX0" fmla="*/ 1150005 w 4235068"/>
+                <a:gd name="connsiteY0" fmla="*/ 132377 h 828385"/>
+                <a:gd name="connsiteX1" fmla="*/ 837 w 4235068"/>
+                <a:gd name="connsiteY1" fmla="*/ 3463 h 828385"/>
+                <a:gd name="connsiteX2" fmla="*/ 4234494 w 4235068"/>
+                <a:gd name="connsiteY2" fmla="*/ 0 h 828385"/>
+                <a:gd name="connsiteX3" fmla="*/ 2531144 w 4235068"/>
+                <a:gd name="connsiteY3" fmla="*/ 153159 h 828385"/>
+                <a:gd name="connsiteX4" fmla="*/ 2531144 w 4235068"/>
+                <a:gd name="connsiteY4" fmla="*/ 761817 h 828385"/>
+                <a:gd name="connsiteX5" fmla="*/ 2464576 w 4235068"/>
+                <a:gd name="connsiteY5" fmla="*/ 828385 h 828385"/>
+                <a:gd name="connsiteX6" fmla="*/ 1220037 w 4235068"/>
+                <a:gd name="connsiteY6" fmla="*/ 828385 h 828385"/>
+                <a:gd name="connsiteX7" fmla="*/ 1153469 w 4235068"/>
+                <a:gd name="connsiteY7" fmla="*/ 761817 h 828385"/>
+                <a:gd name="connsiteX8" fmla="*/ 1150005 w 4235068"/>
+                <a:gd name="connsiteY8" fmla="*/ 132377 h 828385"/>
+                <a:gd name="connsiteX0" fmla="*/ 1150005 w 2930911"/>
+                <a:gd name="connsiteY0" fmla="*/ 128914 h 824922"/>
+                <a:gd name="connsiteX1" fmla="*/ 837 w 2930911"/>
+                <a:gd name="connsiteY1" fmla="*/ 0 h 824922"/>
+                <a:gd name="connsiteX2" fmla="*/ 2928703 w 2930911"/>
+                <a:gd name="connsiteY2" fmla="*/ 1 h 824922"/>
+                <a:gd name="connsiteX3" fmla="*/ 2531144 w 2930911"/>
+                <a:gd name="connsiteY3" fmla="*/ 149696 h 824922"/>
+                <a:gd name="connsiteX4" fmla="*/ 2531144 w 2930911"/>
+                <a:gd name="connsiteY4" fmla="*/ 758354 h 824922"/>
+                <a:gd name="connsiteX5" fmla="*/ 2464576 w 2930911"/>
+                <a:gd name="connsiteY5" fmla="*/ 824922 h 824922"/>
+                <a:gd name="connsiteX6" fmla="*/ 1220037 w 2930911"/>
+                <a:gd name="connsiteY6" fmla="*/ 824922 h 824922"/>
+                <a:gd name="connsiteX7" fmla="*/ 1153469 w 2930911"/>
+                <a:gd name="connsiteY7" fmla="*/ 758354 h 824922"/>
+                <a:gd name="connsiteX8" fmla="*/ 1150005 w 2930911"/>
+                <a:gd name="connsiteY8" fmla="*/ 128914 h 824922"/>
+                <a:gd name="connsiteX0" fmla="*/ 1150005 w 2930911"/>
+                <a:gd name="connsiteY0" fmla="*/ 128914 h 824922"/>
+                <a:gd name="connsiteX1" fmla="*/ 837 w 2930911"/>
+                <a:gd name="connsiteY1" fmla="*/ 0 h 824922"/>
+                <a:gd name="connsiteX2" fmla="*/ 2928703 w 2930911"/>
+                <a:gd name="connsiteY2" fmla="*/ 1 h 824922"/>
+                <a:gd name="connsiteX3" fmla="*/ 2531144 w 2930911"/>
+                <a:gd name="connsiteY3" fmla="*/ 149696 h 824922"/>
+                <a:gd name="connsiteX4" fmla="*/ 2531144 w 2930911"/>
+                <a:gd name="connsiteY4" fmla="*/ 758354 h 824922"/>
+                <a:gd name="connsiteX5" fmla="*/ 2464576 w 2930911"/>
+                <a:gd name="connsiteY5" fmla="*/ 824922 h 824922"/>
+                <a:gd name="connsiteX6" fmla="*/ 1220037 w 2930911"/>
+                <a:gd name="connsiteY6" fmla="*/ 824922 h 824922"/>
+                <a:gd name="connsiteX7" fmla="*/ 1153469 w 2930911"/>
+                <a:gd name="connsiteY7" fmla="*/ 758354 h 824922"/>
+                <a:gd name="connsiteX8" fmla="*/ 1150005 w 2930911"/>
+                <a:gd name="connsiteY8" fmla="*/ 128914 h 824922"/>
+                <a:gd name="connsiteX0" fmla="*/ 1150004 w 2930910"/>
+                <a:gd name="connsiteY0" fmla="*/ 128914 h 824922"/>
+                <a:gd name="connsiteX1" fmla="*/ 836 w 2930910"/>
+                <a:gd name="connsiteY1" fmla="*/ 0 h 824922"/>
+                <a:gd name="connsiteX2" fmla="*/ 2928702 w 2930910"/>
+                <a:gd name="connsiteY2" fmla="*/ 1 h 824922"/>
+                <a:gd name="connsiteX3" fmla="*/ 2531143 w 2930910"/>
+                <a:gd name="connsiteY3" fmla="*/ 149696 h 824922"/>
+                <a:gd name="connsiteX4" fmla="*/ 2531143 w 2930910"/>
+                <a:gd name="connsiteY4" fmla="*/ 758354 h 824922"/>
+                <a:gd name="connsiteX5" fmla="*/ 2464575 w 2930910"/>
+                <a:gd name="connsiteY5" fmla="*/ 824922 h 824922"/>
+                <a:gd name="connsiteX6" fmla="*/ 1220036 w 2930910"/>
+                <a:gd name="connsiteY6" fmla="*/ 824922 h 824922"/>
+                <a:gd name="connsiteX7" fmla="*/ 1153468 w 2930910"/>
+                <a:gd name="connsiteY7" fmla="*/ 758354 h 824922"/>
+                <a:gd name="connsiteX8" fmla="*/ 1150004 w 2930910"/>
+                <a:gd name="connsiteY8" fmla="*/ 128914 h 824922"/>
+                <a:gd name="connsiteX0" fmla="*/ 375627 w 2156533"/>
+                <a:gd name="connsiteY0" fmla="*/ 128913 h 824921"/>
+                <a:gd name="connsiteX1" fmla="*/ 2314 w 2156533"/>
+                <a:gd name="connsiteY1" fmla="*/ 6926 h 824921"/>
+                <a:gd name="connsiteX2" fmla="*/ 2154325 w 2156533"/>
+                <a:gd name="connsiteY2" fmla="*/ 0 h 824921"/>
+                <a:gd name="connsiteX3" fmla="*/ 1756766 w 2156533"/>
+                <a:gd name="connsiteY3" fmla="*/ 149695 h 824921"/>
+                <a:gd name="connsiteX4" fmla="*/ 1756766 w 2156533"/>
+                <a:gd name="connsiteY4" fmla="*/ 758353 h 824921"/>
+                <a:gd name="connsiteX5" fmla="*/ 1690198 w 2156533"/>
+                <a:gd name="connsiteY5" fmla="*/ 824921 h 824921"/>
+                <a:gd name="connsiteX6" fmla="*/ 445659 w 2156533"/>
+                <a:gd name="connsiteY6" fmla="*/ 824921 h 824921"/>
+                <a:gd name="connsiteX7" fmla="*/ 379091 w 2156533"/>
+                <a:gd name="connsiteY7" fmla="*/ 758353 h 824921"/>
+                <a:gd name="connsiteX8" fmla="*/ 375627 w 2156533"/>
+                <a:gd name="connsiteY8" fmla="*/ 128913 h 824921"/>
+                <a:gd name="connsiteX0" fmla="*/ 418185 w 2199091"/>
+                <a:gd name="connsiteY0" fmla="*/ 128913 h 824921"/>
+                <a:gd name="connsiteX1" fmla="*/ 44872 w 2199091"/>
+                <a:gd name="connsiteY1" fmla="*/ 6926 h 824921"/>
+                <a:gd name="connsiteX2" fmla="*/ 2196883 w 2199091"/>
+                <a:gd name="connsiteY2" fmla="*/ 0 h 824921"/>
+                <a:gd name="connsiteX3" fmla="*/ 1799324 w 2199091"/>
+                <a:gd name="connsiteY3" fmla="*/ 149695 h 824921"/>
+                <a:gd name="connsiteX4" fmla="*/ 1799324 w 2199091"/>
+                <a:gd name="connsiteY4" fmla="*/ 758353 h 824921"/>
+                <a:gd name="connsiteX5" fmla="*/ 1732756 w 2199091"/>
+                <a:gd name="connsiteY5" fmla="*/ 824921 h 824921"/>
+                <a:gd name="connsiteX6" fmla="*/ 488217 w 2199091"/>
+                <a:gd name="connsiteY6" fmla="*/ 824921 h 824921"/>
+                <a:gd name="connsiteX7" fmla="*/ 421649 w 2199091"/>
+                <a:gd name="connsiteY7" fmla="*/ 758353 h 824921"/>
+                <a:gd name="connsiteX8" fmla="*/ 418185 w 2199091"/>
+                <a:gd name="connsiteY8" fmla="*/ 128913 h 824921"/>
+                <a:gd name="connsiteX0" fmla="*/ 404178 w 2197426"/>
+                <a:gd name="connsiteY0" fmla="*/ 129381 h 825389"/>
+                <a:gd name="connsiteX1" fmla="*/ 30865 w 2197426"/>
+                <a:gd name="connsiteY1" fmla="*/ 7394 h 825389"/>
+                <a:gd name="connsiteX2" fmla="*/ 2182876 w 2197426"/>
+                <a:gd name="connsiteY2" fmla="*/ 468 h 825389"/>
+                <a:gd name="connsiteX3" fmla="*/ 1785317 w 2197426"/>
+                <a:gd name="connsiteY3" fmla="*/ 150163 h 825389"/>
+                <a:gd name="connsiteX4" fmla="*/ 1785317 w 2197426"/>
+                <a:gd name="connsiteY4" fmla="*/ 758821 h 825389"/>
+                <a:gd name="connsiteX5" fmla="*/ 1718749 w 2197426"/>
+                <a:gd name="connsiteY5" fmla="*/ 825389 h 825389"/>
+                <a:gd name="connsiteX6" fmla="*/ 474210 w 2197426"/>
+                <a:gd name="connsiteY6" fmla="*/ 825389 h 825389"/>
+                <a:gd name="connsiteX7" fmla="*/ 407642 w 2197426"/>
+                <a:gd name="connsiteY7" fmla="*/ 758821 h 825389"/>
+                <a:gd name="connsiteX8" fmla="*/ 404178 w 2197426"/>
+                <a:gd name="connsiteY8" fmla="*/ 129381 h 825389"/>
+                <a:gd name="connsiteX0" fmla="*/ 373313 w 2152011"/>
+                <a:gd name="connsiteY0" fmla="*/ 129381 h 825389"/>
+                <a:gd name="connsiteX1" fmla="*/ 0 w 2152011"/>
+                <a:gd name="connsiteY1" fmla="*/ 7394 h 825389"/>
+                <a:gd name="connsiteX2" fmla="*/ 2152011 w 2152011"/>
+                <a:gd name="connsiteY2" fmla="*/ 468 h 825389"/>
+                <a:gd name="connsiteX3" fmla="*/ 1754452 w 2152011"/>
+                <a:gd name="connsiteY3" fmla="*/ 150163 h 825389"/>
+                <a:gd name="connsiteX4" fmla="*/ 1754452 w 2152011"/>
+                <a:gd name="connsiteY4" fmla="*/ 758821 h 825389"/>
+                <a:gd name="connsiteX5" fmla="*/ 1687884 w 2152011"/>
+                <a:gd name="connsiteY5" fmla="*/ 825389 h 825389"/>
+                <a:gd name="connsiteX6" fmla="*/ 443345 w 2152011"/>
+                <a:gd name="connsiteY6" fmla="*/ 825389 h 825389"/>
+                <a:gd name="connsiteX7" fmla="*/ 376777 w 2152011"/>
+                <a:gd name="connsiteY7" fmla="*/ 758821 h 825389"/>
+                <a:gd name="connsiteX8" fmla="*/ 373313 w 2152011"/>
+                <a:gd name="connsiteY8" fmla="*/ 129381 h 825389"/>
+                <a:gd name="connsiteX0" fmla="*/ 436994 w 2018842"/>
+                <a:gd name="connsiteY0" fmla="*/ 132057 h 828065"/>
+                <a:gd name="connsiteX1" fmla="*/ 63681 w 2018842"/>
+                <a:gd name="connsiteY1" fmla="*/ 10070 h 828065"/>
+                <a:gd name="connsiteX2" fmla="*/ 2018842 w 2018842"/>
+                <a:gd name="connsiteY2" fmla="*/ 6319 h 828065"/>
+                <a:gd name="connsiteX3" fmla="*/ 1818133 w 2018842"/>
+                <a:gd name="connsiteY3" fmla="*/ 152839 h 828065"/>
+                <a:gd name="connsiteX4" fmla="*/ 1818133 w 2018842"/>
+                <a:gd name="connsiteY4" fmla="*/ 761497 h 828065"/>
+                <a:gd name="connsiteX5" fmla="*/ 1751565 w 2018842"/>
+                <a:gd name="connsiteY5" fmla="*/ 828065 h 828065"/>
+                <a:gd name="connsiteX6" fmla="*/ 507026 w 2018842"/>
+                <a:gd name="connsiteY6" fmla="*/ 828065 h 828065"/>
+                <a:gd name="connsiteX7" fmla="*/ 440458 w 2018842"/>
+                <a:gd name="connsiteY7" fmla="*/ 761497 h 828065"/>
+                <a:gd name="connsiteX8" fmla="*/ 436994 w 2018842"/>
+                <a:gd name="connsiteY8" fmla="*/ 132057 h 828065"/>
+                <a:gd name="connsiteX0" fmla="*/ 436994 w 2023402"/>
+                <a:gd name="connsiteY0" fmla="*/ 131514 h 827522"/>
+                <a:gd name="connsiteX1" fmla="*/ 63681 w 2023402"/>
+                <a:gd name="connsiteY1" fmla="*/ 9527 h 827522"/>
+                <a:gd name="connsiteX2" fmla="*/ 2018842 w 2023402"/>
+                <a:gd name="connsiteY2" fmla="*/ 5776 h 827522"/>
+                <a:gd name="connsiteX3" fmla="*/ 1818133 w 2023402"/>
+                <a:gd name="connsiteY3" fmla="*/ 152296 h 827522"/>
+                <a:gd name="connsiteX4" fmla="*/ 1818133 w 2023402"/>
+                <a:gd name="connsiteY4" fmla="*/ 760954 h 827522"/>
+                <a:gd name="connsiteX5" fmla="*/ 1751565 w 2023402"/>
+                <a:gd name="connsiteY5" fmla="*/ 827522 h 827522"/>
+                <a:gd name="connsiteX6" fmla="*/ 507026 w 2023402"/>
+                <a:gd name="connsiteY6" fmla="*/ 827522 h 827522"/>
+                <a:gd name="connsiteX7" fmla="*/ 440458 w 2023402"/>
+                <a:gd name="connsiteY7" fmla="*/ 760954 h 827522"/>
+                <a:gd name="connsiteX8" fmla="*/ 436994 w 2023402"/>
+                <a:gd name="connsiteY8" fmla="*/ 131514 h 827522"/>
+                <a:gd name="connsiteX0" fmla="*/ 260186 w 1921406"/>
+                <a:gd name="connsiteY0" fmla="*/ 144219 h 840227"/>
+                <a:gd name="connsiteX1" fmla="*/ 83723 w 1921406"/>
+                <a:gd name="connsiteY1" fmla="*/ 15882 h 840227"/>
+                <a:gd name="connsiteX2" fmla="*/ 1842034 w 1921406"/>
+                <a:gd name="connsiteY2" fmla="*/ 18481 h 840227"/>
+                <a:gd name="connsiteX3" fmla="*/ 1641325 w 1921406"/>
+                <a:gd name="connsiteY3" fmla="*/ 165001 h 840227"/>
+                <a:gd name="connsiteX4" fmla="*/ 1641325 w 1921406"/>
+                <a:gd name="connsiteY4" fmla="*/ 773659 h 840227"/>
+                <a:gd name="connsiteX5" fmla="*/ 1574757 w 1921406"/>
+                <a:gd name="connsiteY5" fmla="*/ 840227 h 840227"/>
+                <a:gd name="connsiteX6" fmla="*/ 330218 w 1921406"/>
+                <a:gd name="connsiteY6" fmla="*/ 840227 h 840227"/>
+                <a:gd name="connsiteX7" fmla="*/ 263650 w 1921406"/>
+                <a:gd name="connsiteY7" fmla="*/ 773659 h 840227"/>
+                <a:gd name="connsiteX8" fmla="*/ 260186 w 1921406"/>
+                <a:gd name="connsiteY8" fmla="*/ 144219 h 840227"/>
+                <a:gd name="connsiteX0" fmla="*/ 184184 w 1845404"/>
+                <a:gd name="connsiteY0" fmla="*/ 137193 h 833201"/>
+                <a:gd name="connsiteX1" fmla="*/ 7721 w 1845404"/>
+                <a:gd name="connsiteY1" fmla="*/ 8856 h 833201"/>
+                <a:gd name="connsiteX2" fmla="*/ 1766032 w 1845404"/>
+                <a:gd name="connsiteY2" fmla="*/ 11455 h 833201"/>
+                <a:gd name="connsiteX3" fmla="*/ 1565323 w 1845404"/>
+                <a:gd name="connsiteY3" fmla="*/ 157975 h 833201"/>
+                <a:gd name="connsiteX4" fmla="*/ 1565323 w 1845404"/>
+                <a:gd name="connsiteY4" fmla="*/ 766633 h 833201"/>
+                <a:gd name="connsiteX5" fmla="*/ 1498755 w 1845404"/>
+                <a:gd name="connsiteY5" fmla="*/ 833201 h 833201"/>
+                <a:gd name="connsiteX6" fmla="*/ 254216 w 1845404"/>
+                <a:gd name="connsiteY6" fmla="*/ 833201 h 833201"/>
+                <a:gd name="connsiteX7" fmla="*/ 187648 w 1845404"/>
+                <a:gd name="connsiteY7" fmla="*/ 766633 h 833201"/>
+                <a:gd name="connsiteX8" fmla="*/ 184184 w 1845404"/>
+                <a:gd name="connsiteY8" fmla="*/ 137193 h 833201"/>
+                <a:gd name="connsiteX0" fmla="*/ 254154 w 1839241"/>
+                <a:gd name="connsiteY0" fmla="*/ 147999 h 844007"/>
+                <a:gd name="connsiteX1" fmla="*/ 77691 w 1839241"/>
+                <a:gd name="connsiteY1" fmla="*/ 19662 h 844007"/>
+                <a:gd name="connsiteX2" fmla="*/ 1747102 w 1839241"/>
+                <a:gd name="connsiteY2" fmla="*/ 15911 h 844007"/>
+                <a:gd name="connsiteX3" fmla="*/ 1635293 w 1839241"/>
+                <a:gd name="connsiteY3" fmla="*/ 168781 h 844007"/>
+                <a:gd name="connsiteX4" fmla="*/ 1635293 w 1839241"/>
+                <a:gd name="connsiteY4" fmla="*/ 777439 h 844007"/>
+                <a:gd name="connsiteX5" fmla="*/ 1568725 w 1839241"/>
+                <a:gd name="connsiteY5" fmla="*/ 844007 h 844007"/>
+                <a:gd name="connsiteX6" fmla="*/ 324186 w 1839241"/>
+                <a:gd name="connsiteY6" fmla="*/ 844007 h 844007"/>
+                <a:gd name="connsiteX7" fmla="*/ 257618 w 1839241"/>
+                <a:gd name="connsiteY7" fmla="*/ 777439 h 844007"/>
+                <a:gd name="connsiteX8" fmla="*/ 254154 w 1839241"/>
+                <a:gd name="connsiteY8" fmla="*/ 147999 h 844007"/>
+                <a:gd name="connsiteX0" fmla="*/ 254154 w 1752323"/>
+                <a:gd name="connsiteY0" fmla="*/ 139925 h 835933"/>
+                <a:gd name="connsiteX1" fmla="*/ 77691 w 1752323"/>
+                <a:gd name="connsiteY1" fmla="*/ 11588 h 835933"/>
+                <a:gd name="connsiteX2" fmla="*/ 1747102 w 1752323"/>
+                <a:gd name="connsiteY2" fmla="*/ 7837 h 835933"/>
+                <a:gd name="connsiteX3" fmla="*/ 1635293 w 1752323"/>
+                <a:gd name="connsiteY3" fmla="*/ 160707 h 835933"/>
+                <a:gd name="connsiteX4" fmla="*/ 1635293 w 1752323"/>
+                <a:gd name="connsiteY4" fmla="*/ 769365 h 835933"/>
+                <a:gd name="connsiteX5" fmla="*/ 1568725 w 1752323"/>
+                <a:gd name="connsiteY5" fmla="*/ 835933 h 835933"/>
+                <a:gd name="connsiteX6" fmla="*/ 324186 w 1752323"/>
+                <a:gd name="connsiteY6" fmla="*/ 835933 h 835933"/>
+                <a:gd name="connsiteX7" fmla="*/ 257618 w 1752323"/>
+                <a:gd name="connsiteY7" fmla="*/ 769365 h 835933"/>
+                <a:gd name="connsiteX8" fmla="*/ 254154 w 1752323"/>
+                <a:gd name="connsiteY8" fmla="*/ 139925 h 835933"/>
+                <a:gd name="connsiteX0" fmla="*/ 256302 w 1786136"/>
+                <a:gd name="connsiteY0" fmla="*/ 138666 h 834674"/>
+                <a:gd name="connsiteX1" fmla="*/ 79839 w 1786136"/>
+                <a:gd name="connsiteY1" fmla="*/ 10329 h 834674"/>
+                <a:gd name="connsiteX2" fmla="*/ 1781000 w 1786136"/>
+                <a:gd name="connsiteY2" fmla="*/ 9753 h 834674"/>
+                <a:gd name="connsiteX3" fmla="*/ 1637441 w 1786136"/>
+                <a:gd name="connsiteY3" fmla="*/ 159448 h 834674"/>
+                <a:gd name="connsiteX4" fmla="*/ 1637441 w 1786136"/>
+                <a:gd name="connsiteY4" fmla="*/ 768106 h 834674"/>
+                <a:gd name="connsiteX5" fmla="*/ 1570873 w 1786136"/>
+                <a:gd name="connsiteY5" fmla="*/ 834674 h 834674"/>
+                <a:gd name="connsiteX6" fmla="*/ 326334 w 1786136"/>
+                <a:gd name="connsiteY6" fmla="*/ 834674 h 834674"/>
+                <a:gd name="connsiteX7" fmla="*/ 259766 w 1786136"/>
+                <a:gd name="connsiteY7" fmla="*/ 768106 h 834674"/>
+                <a:gd name="connsiteX8" fmla="*/ 256302 w 1786136"/>
+                <a:gd name="connsiteY8" fmla="*/ 138666 h 834674"/>
+                <a:gd name="connsiteX0" fmla="*/ 181625 w 1710512"/>
+                <a:gd name="connsiteY0" fmla="*/ 130557 h 826565"/>
+                <a:gd name="connsiteX1" fmla="*/ 5162 w 1710512"/>
+                <a:gd name="connsiteY1" fmla="*/ 2220 h 826565"/>
+                <a:gd name="connsiteX2" fmla="*/ 1706323 w 1710512"/>
+                <a:gd name="connsiteY2" fmla="*/ 1644 h 826565"/>
+                <a:gd name="connsiteX3" fmla="*/ 1562764 w 1710512"/>
+                <a:gd name="connsiteY3" fmla="*/ 151339 h 826565"/>
+                <a:gd name="connsiteX4" fmla="*/ 1562764 w 1710512"/>
+                <a:gd name="connsiteY4" fmla="*/ 759997 h 826565"/>
+                <a:gd name="connsiteX5" fmla="*/ 1496196 w 1710512"/>
+                <a:gd name="connsiteY5" fmla="*/ 826565 h 826565"/>
+                <a:gd name="connsiteX6" fmla="*/ 251657 w 1710512"/>
+                <a:gd name="connsiteY6" fmla="*/ 826565 h 826565"/>
+                <a:gd name="connsiteX7" fmla="*/ 185089 w 1710512"/>
+                <a:gd name="connsiteY7" fmla="*/ 759997 h 826565"/>
+                <a:gd name="connsiteX8" fmla="*/ 181625 w 1710512"/>
+                <a:gd name="connsiteY8" fmla="*/ 130557 h 826565"/>
+                <a:gd name="connsiteX0" fmla="*/ 157442 w 1767509"/>
+                <a:gd name="connsiteY0" fmla="*/ 139313 h 835321"/>
+                <a:gd name="connsiteX1" fmla="*/ 6379 w 1767509"/>
+                <a:gd name="connsiteY1" fmla="*/ 14151 h 835321"/>
+                <a:gd name="connsiteX2" fmla="*/ 1682140 w 1767509"/>
+                <a:gd name="connsiteY2" fmla="*/ 10400 h 835321"/>
+                <a:gd name="connsiteX3" fmla="*/ 1538581 w 1767509"/>
+                <a:gd name="connsiteY3" fmla="*/ 160095 h 835321"/>
+                <a:gd name="connsiteX4" fmla="*/ 1538581 w 1767509"/>
+                <a:gd name="connsiteY4" fmla="*/ 768753 h 835321"/>
+                <a:gd name="connsiteX5" fmla="*/ 1472013 w 1767509"/>
+                <a:gd name="connsiteY5" fmla="*/ 835321 h 835321"/>
+                <a:gd name="connsiteX6" fmla="*/ 227474 w 1767509"/>
+                <a:gd name="connsiteY6" fmla="*/ 835321 h 835321"/>
+                <a:gd name="connsiteX7" fmla="*/ 160906 w 1767509"/>
+                <a:gd name="connsiteY7" fmla="*/ 768753 h 835321"/>
+                <a:gd name="connsiteX8" fmla="*/ 157442 w 1767509"/>
+                <a:gd name="connsiteY8" fmla="*/ 139313 h 835321"/>
+                <a:gd name="connsiteX0" fmla="*/ 155631 w 1765698"/>
+                <a:gd name="connsiteY0" fmla="*/ 139999 h 836007"/>
+                <a:gd name="connsiteX1" fmla="*/ 4568 w 1765698"/>
+                <a:gd name="connsiteY1" fmla="*/ 14837 h 836007"/>
+                <a:gd name="connsiteX2" fmla="*/ 1680329 w 1765698"/>
+                <a:gd name="connsiteY2" fmla="*/ 11086 h 836007"/>
+                <a:gd name="connsiteX3" fmla="*/ 1536770 w 1765698"/>
+                <a:gd name="connsiteY3" fmla="*/ 160781 h 836007"/>
+                <a:gd name="connsiteX4" fmla="*/ 1536770 w 1765698"/>
+                <a:gd name="connsiteY4" fmla="*/ 769439 h 836007"/>
+                <a:gd name="connsiteX5" fmla="*/ 1470202 w 1765698"/>
+                <a:gd name="connsiteY5" fmla="*/ 836007 h 836007"/>
+                <a:gd name="connsiteX6" fmla="*/ 225663 w 1765698"/>
+                <a:gd name="connsiteY6" fmla="*/ 836007 h 836007"/>
+                <a:gd name="connsiteX7" fmla="*/ 159095 w 1765698"/>
+                <a:gd name="connsiteY7" fmla="*/ 769439 h 836007"/>
+                <a:gd name="connsiteX8" fmla="*/ 155631 w 1765698"/>
+                <a:gd name="connsiteY8" fmla="*/ 139999 h 836007"/>
+                <a:gd name="connsiteX0" fmla="*/ 155631 w 1765698"/>
+                <a:gd name="connsiteY0" fmla="*/ 139999 h 836007"/>
+                <a:gd name="connsiteX1" fmla="*/ 4568 w 1765698"/>
+                <a:gd name="connsiteY1" fmla="*/ 14837 h 836007"/>
+                <a:gd name="connsiteX2" fmla="*/ 1680329 w 1765698"/>
+                <a:gd name="connsiteY2" fmla="*/ 11086 h 836007"/>
+                <a:gd name="connsiteX3" fmla="*/ 1536770 w 1765698"/>
+                <a:gd name="connsiteY3" fmla="*/ 160781 h 836007"/>
+                <a:gd name="connsiteX4" fmla="*/ 1536770 w 1765698"/>
+                <a:gd name="connsiteY4" fmla="*/ 769439 h 836007"/>
+                <a:gd name="connsiteX5" fmla="*/ 1470202 w 1765698"/>
+                <a:gd name="connsiteY5" fmla="*/ 836007 h 836007"/>
+                <a:gd name="connsiteX6" fmla="*/ 225663 w 1765698"/>
+                <a:gd name="connsiteY6" fmla="*/ 836007 h 836007"/>
+                <a:gd name="connsiteX7" fmla="*/ 159095 w 1765698"/>
+                <a:gd name="connsiteY7" fmla="*/ 769439 h 836007"/>
+                <a:gd name="connsiteX8" fmla="*/ 155631 w 1765698"/>
+                <a:gd name="connsiteY8" fmla="*/ 139999 h 836007"/>
+                <a:gd name="connsiteX0" fmla="*/ 154777 w 1684351"/>
+                <a:gd name="connsiteY0" fmla="*/ 131536 h 827544"/>
+                <a:gd name="connsiteX1" fmla="*/ 3714 w 1684351"/>
+                <a:gd name="connsiteY1" fmla="*/ 6374 h 827544"/>
+                <a:gd name="connsiteX2" fmla="*/ 1679475 w 1684351"/>
+                <a:gd name="connsiteY2" fmla="*/ 2623 h 827544"/>
+                <a:gd name="connsiteX3" fmla="*/ 1535916 w 1684351"/>
+                <a:gd name="connsiteY3" fmla="*/ 152318 h 827544"/>
+                <a:gd name="connsiteX4" fmla="*/ 1535916 w 1684351"/>
+                <a:gd name="connsiteY4" fmla="*/ 760976 h 827544"/>
+                <a:gd name="connsiteX5" fmla="*/ 1469348 w 1684351"/>
+                <a:gd name="connsiteY5" fmla="*/ 827544 h 827544"/>
+                <a:gd name="connsiteX6" fmla="*/ 224809 w 1684351"/>
+                <a:gd name="connsiteY6" fmla="*/ 827544 h 827544"/>
+                <a:gd name="connsiteX7" fmla="*/ 158241 w 1684351"/>
+                <a:gd name="connsiteY7" fmla="*/ 760976 h 827544"/>
+                <a:gd name="connsiteX8" fmla="*/ 154777 w 1684351"/>
+                <a:gd name="connsiteY8" fmla="*/ 131536 h 827544"/>
+                <a:gd name="connsiteX0" fmla="*/ 236936 w 1786555"/>
+                <a:gd name="connsiteY0" fmla="*/ 135949 h 831957"/>
+                <a:gd name="connsiteX1" fmla="*/ 85873 w 1786555"/>
+                <a:gd name="connsiteY1" fmla="*/ 10787 h 831957"/>
+                <a:gd name="connsiteX2" fmla="*/ 1780684 w 1786555"/>
+                <a:gd name="connsiteY2" fmla="*/ 10211 h 831957"/>
+                <a:gd name="connsiteX3" fmla="*/ 1618075 w 1786555"/>
+                <a:gd name="connsiteY3" fmla="*/ 156731 h 831957"/>
+                <a:gd name="connsiteX4" fmla="*/ 1618075 w 1786555"/>
+                <a:gd name="connsiteY4" fmla="*/ 765389 h 831957"/>
+                <a:gd name="connsiteX5" fmla="*/ 1551507 w 1786555"/>
+                <a:gd name="connsiteY5" fmla="*/ 831957 h 831957"/>
+                <a:gd name="connsiteX6" fmla="*/ 306968 w 1786555"/>
+                <a:gd name="connsiteY6" fmla="*/ 831957 h 831957"/>
+                <a:gd name="connsiteX7" fmla="*/ 240400 w 1786555"/>
+                <a:gd name="connsiteY7" fmla="*/ 765389 h 831957"/>
+                <a:gd name="connsiteX8" fmla="*/ 236936 w 1786555"/>
+                <a:gd name="connsiteY8" fmla="*/ 135949 h 831957"/>
+                <a:gd name="connsiteX0" fmla="*/ 157046 w 1705555"/>
+                <a:gd name="connsiteY0" fmla="*/ 128377 h 824385"/>
+                <a:gd name="connsiteX1" fmla="*/ 5983 w 1705555"/>
+                <a:gd name="connsiteY1" fmla="*/ 3215 h 824385"/>
+                <a:gd name="connsiteX2" fmla="*/ 1700794 w 1705555"/>
+                <a:gd name="connsiteY2" fmla="*/ 2639 h 824385"/>
+                <a:gd name="connsiteX3" fmla="*/ 1538185 w 1705555"/>
+                <a:gd name="connsiteY3" fmla="*/ 149159 h 824385"/>
+                <a:gd name="connsiteX4" fmla="*/ 1538185 w 1705555"/>
+                <a:gd name="connsiteY4" fmla="*/ 757817 h 824385"/>
+                <a:gd name="connsiteX5" fmla="*/ 1471617 w 1705555"/>
+                <a:gd name="connsiteY5" fmla="*/ 824385 h 824385"/>
+                <a:gd name="connsiteX6" fmla="*/ 227078 w 1705555"/>
+                <a:gd name="connsiteY6" fmla="*/ 824385 h 824385"/>
+                <a:gd name="connsiteX7" fmla="*/ 160510 w 1705555"/>
+                <a:gd name="connsiteY7" fmla="*/ 757817 h 824385"/>
+                <a:gd name="connsiteX8" fmla="*/ 157046 w 1705555"/>
+                <a:gd name="connsiteY8" fmla="*/ 128377 h 824385"/>
+                <a:gd name="connsiteX0" fmla="*/ 158360 w 1784749"/>
+                <a:gd name="connsiteY0" fmla="*/ 140824 h 836832"/>
+                <a:gd name="connsiteX1" fmla="*/ 7297 w 1784749"/>
+                <a:gd name="connsiteY1" fmla="*/ 15662 h 836832"/>
+                <a:gd name="connsiteX2" fmla="*/ 1702108 w 1784749"/>
+                <a:gd name="connsiteY2" fmla="*/ 15086 h 836832"/>
+                <a:gd name="connsiteX3" fmla="*/ 1539499 w 1784749"/>
+                <a:gd name="connsiteY3" fmla="*/ 215581 h 836832"/>
+                <a:gd name="connsiteX4" fmla="*/ 1539499 w 1784749"/>
+                <a:gd name="connsiteY4" fmla="*/ 770264 h 836832"/>
+                <a:gd name="connsiteX5" fmla="*/ 1472931 w 1784749"/>
+                <a:gd name="connsiteY5" fmla="*/ 836832 h 836832"/>
+                <a:gd name="connsiteX6" fmla="*/ 228392 w 1784749"/>
+                <a:gd name="connsiteY6" fmla="*/ 836832 h 836832"/>
+                <a:gd name="connsiteX7" fmla="*/ 161824 w 1784749"/>
+                <a:gd name="connsiteY7" fmla="*/ 770264 h 836832"/>
+                <a:gd name="connsiteX8" fmla="*/ 158360 w 1784749"/>
+                <a:gd name="connsiteY8" fmla="*/ 140824 h 836832"/>
+                <a:gd name="connsiteX0" fmla="*/ 239426 w 1862640"/>
+                <a:gd name="connsiteY0" fmla="*/ 233513 h 846971"/>
+                <a:gd name="connsiteX1" fmla="*/ 85188 w 1862640"/>
+                <a:gd name="connsiteY1" fmla="*/ 25801 h 846971"/>
+                <a:gd name="connsiteX2" fmla="*/ 1779999 w 1862640"/>
+                <a:gd name="connsiteY2" fmla="*/ 25225 h 846971"/>
+                <a:gd name="connsiteX3" fmla="*/ 1617390 w 1862640"/>
+                <a:gd name="connsiteY3" fmla="*/ 225720 h 846971"/>
+                <a:gd name="connsiteX4" fmla="*/ 1617390 w 1862640"/>
+                <a:gd name="connsiteY4" fmla="*/ 780403 h 846971"/>
+                <a:gd name="connsiteX5" fmla="*/ 1550822 w 1862640"/>
+                <a:gd name="connsiteY5" fmla="*/ 846971 h 846971"/>
+                <a:gd name="connsiteX6" fmla="*/ 306283 w 1862640"/>
+                <a:gd name="connsiteY6" fmla="*/ 846971 h 846971"/>
+                <a:gd name="connsiteX7" fmla="*/ 239715 w 1862640"/>
+                <a:gd name="connsiteY7" fmla="*/ 780403 h 846971"/>
+                <a:gd name="connsiteX8" fmla="*/ 239426 w 1862640"/>
+                <a:gd name="connsiteY8" fmla="*/ 233513 h 846971"/>
+                <a:gd name="connsiteX0" fmla="*/ 238598 w 1861812"/>
+                <a:gd name="connsiteY0" fmla="*/ 233513 h 846971"/>
+                <a:gd name="connsiteX1" fmla="*/ 84360 w 1861812"/>
+                <a:gd name="connsiteY1" fmla="*/ 25801 h 846971"/>
+                <a:gd name="connsiteX2" fmla="*/ 1779171 w 1861812"/>
+                <a:gd name="connsiteY2" fmla="*/ 25225 h 846971"/>
+                <a:gd name="connsiteX3" fmla="*/ 1616562 w 1861812"/>
+                <a:gd name="connsiteY3" fmla="*/ 225720 h 846971"/>
+                <a:gd name="connsiteX4" fmla="*/ 1616562 w 1861812"/>
+                <a:gd name="connsiteY4" fmla="*/ 780403 h 846971"/>
+                <a:gd name="connsiteX5" fmla="*/ 1549994 w 1861812"/>
+                <a:gd name="connsiteY5" fmla="*/ 846971 h 846971"/>
+                <a:gd name="connsiteX6" fmla="*/ 305455 w 1861812"/>
+                <a:gd name="connsiteY6" fmla="*/ 846971 h 846971"/>
+                <a:gd name="connsiteX7" fmla="*/ 238887 w 1861812"/>
+                <a:gd name="connsiteY7" fmla="*/ 780403 h 846971"/>
+                <a:gd name="connsiteX8" fmla="*/ 238598 w 1861812"/>
+                <a:gd name="connsiteY8" fmla="*/ 233513 h 846971"/>
+                <a:gd name="connsiteX0" fmla="*/ 238598 w 1862214"/>
+                <a:gd name="connsiteY0" fmla="*/ 233513 h 846971"/>
+                <a:gd name="connsiteX1" fmla="*/ 84360 w 1862214"/>
+                <a:gd name="connsiteY1" fmla="*/ 25801 h 846971"/>
+                <a:gd name="connsiteX2" fmla="*/ 1779171 w 1862214"/>
+                <a:gd name="connsiteY2" fmla="*/ 25225 h 846971"/>
+                <a:gd name="connsiteX3" fmla="*/ 1616562 w 1862214"/>
+                <a:gd name="connsiteY3" fmla="*/ 225720 h 846971"/>
+                <a:gd name="connsiteX4" fmla="*/ 1616562 w 1862214"/>
+                <a:gd name="connsiteY4" fmla="*/ 780403 h 846971"/>
+                <a:gd name="connsiteX5" fmla="*/ 1549994 w 1862214"/>
+                <a:gd name="connsiteY5" fmla="*/ 846971 h 846971"/>
+                <a:gd name="connsiteX6" fmla="*/ 305455 w 1862214"/>
+                <a:gd name="connsiteY6" fmla="*/ 846971 h 846971"/>
+                <a:gd name="connsiteX7" fmla="*/ 238887 w 1862214"/>
+                <a:gd name="connsiteY7" fmla="*/ 780403 h 846971"/>
+                <a:gd name="connsiteX8" fmla="*/ 238598 w 1862214"/>
+                <a:gd name="connsiteY8" fmla="*/ 233513 h 846971"/>
+                <a:gd name="connsiteX0" fmla="*/ 238160 w 1856323"/>
+                <a:gd name="connsiteY0" fmla="*/ 248080 h 861538"/>
+                <a:gd name="connsiteX1" fmla="*/ 83922 w 1856323"/>
+                <a:gd name="connsiteY1" fmla="*/ 40368 h 861538"/>
+                <a:gd name="connsiteX2" fmla="*/ 1772383 w 1856323"/>
+                <a:gd name="connsiteY2" fmla="*/ 17567 h 861538"/>
+                <a:gd name="connsiteX3" fmla="*/ 1616124 w 1856323"/>
+                <a:gd name="connsiteY3" fmla="*/ 240287 h 861538"/>
+                <a:gd name="connsiteX4" fmla="*/ 1616124 w 1856323"/>
+                <a:gd name="connsiteY4" fmla="*/ 794970 h 861538"/>
+                <a:gd name="connsiteX5" fmla="*/ 1549556 w 1856323"/>
+                <a:gd name="connsiteY5" fmla="*/ 861538 h 861538"/>
+                <a:gd name="connsiteX6" fmla="*/ 305017 w 1856323"/>
+                <a:gd name="connsiteY6" fmla="*/ 861538 h 861538"/>
+                <a:gd name="connsiteX7" fmla="*/ 238449 w 1856323"/>
+                <a:gd name="connsiteY7" fmla="*/ 794970 h 861538"/>
+                <a:gd name="connsiteX8" fmla="*/ 238160 w 1856323"/>
+                <a:gd name="connsiteY8" fmla="*/ 248080 h 861538"/>
+                <a:gd name="connsiteX0" fmla="*/ 238160 w 1785863"/>
+                <a:gd name="connsiteY0" fmla="*/ 242493 h 855951"/>
+                <a:gd name="connsiteX1" fmla="*/ 83922 w 1785863"/>
+                <a:gd name="connsiteY1" fmla="*/ 34781 h 855951"/>
+                <a:gd name="connsiteX2" fmla="*/ 1772383 w 1785863"/>
+                <a:gd name="connsiteY2" fmla="*/ 11980 h 855951"/>
+                <a:gd name="connsiteX3" fmla="*/ 1616124 w 1785863"/>
+                <a:gd name="connsiteY3" fmla="*/ 234700 h 855951"/>
+                <a:gd name="connsiteX4" fmla="*/ 1616124 w 1785863"/>
+                <a:gd name="connsiteY4" fmla="*/ 789383 h 855951"/>
+                <a:gd name="connsiteX5" fmla="*/ 1549556 w 1785863"/>
+                <a:gd name="connsiteY5" fmla="*/ 855951 h 855951"/>
+                <a:gd name="connsiteX6" fmla="*/ 305017 w 1785863"/>
+                <a:gd name="connsiteY6" fmla="*/ 855951 h 855951"/>
+                <a:gd name="connsiteX7" fmla="*/ 238449 w 1785863"/>
+                <a:gd name="connsiteY7" fmla="*/ 789383 h 855951"/>
+                <a:gd name="connsiteX8" fmla="*/ 238160 w 1785863"/>
+                <a:gd name="connsiteY8" fmla="*/ 242493 h 855951"/>
+                <a:gd name="connsiteX0" fmla="*/ 239914 w 1812854"/>
+                <a:gd name="connsiteY0" fmla="*/ 232326 h 845784"/>
+                <a:gd name="connsiteX1" fmla="*/ 85676 w 1812854"/>
+                <a:gd name="connsiteY1" fmla="*/ 24614 h 845784"/>
+                <a:gd name="connsiteX2" fmla="*/ 1799537 w 1812854"/>
+                <a:gd name="connsiteY2" fmla="*/ 17688 h 845784"/>
+                <a:gd name="connsiteX3" fmla="*/ 1617878 w 1812854"/>
+                <a:gd name="connsiteY3" fmla="*/ 224533 h 845784"/>
+                <a:gd name="connsiteX4" fmla="*/ 1617878 w 1812854"/>
+                <a:gd name="connsiteY4" fmla="*/ 779216 h 845784"/>
+                <a:gd name="connsiteX5" fmla="*/ 1551310 w 1812854"/>
+                <a:gd name="connsiteY5" fmla="*/ 845784 h 845784"/>
+                <a:gd name="connsiteX6" fmla="*/ 306771 w 1812854"/>
+                <a:gd name="connsiteY6" fmla="*/ 845784 h 845784"/>
+                <a:gd name="connsiteX7" fmla="*/ 240203 w 1812854"/>
+                <a:gd name="connsiteY7" fmla="*/ 779216 h 845784"/>
+                <a:gd name="connsiteX8" fmla="*/ 239914 w 1812854"/>
+                <a:gd name="connsiteY8" fmla="*/ 232326 h 845784"/>
+                <a:gd name="connsiteX0" fmla="*/ 241013 w 1829728"/>
+                <a:gd name="connsiteY0" fmla="*/ 230621 h 844079"/>
+                <a:gd name="connsiteX1" fmla="*/ 86775 w 1829728"/>
+                <a:gd name="connsiteY1" fmla="*/ 22909 h 844079"/>
+                <a:gd name="connsiteX2" fmla="*/ 1816511 w 1829728"/>
+                <a:gd name="connsiteY2" fmla="*/ 19158 h 844079"/>
+                <a:gd name="connsiteX3" fmla="*/ 1618977 w 1829728"/>
+                <a:gd name="connsiteY3" fmla="*/ 222828 h 844079"/>
+                <a:gd name="connsiteX4" fmla="*/ 1618977 w 1829728"/>
+                <a:gd name="connsiteY4" fmla="*/ 777511 h 844079"/>
+                <a:gd name="connsiteX5" fmla="*/ 1552409 w 1829728"/>
+                <a:gd name="connsiteY5" fmla="*/ 844079 h 844079"/>
+                <a:gd name="connsiteX6" fmla="*/ 307870 w 1829728"/>
+                <a:gd name="connsiteY6" fmla="*/ 844079 h 844079"/>
+                <a:gd name="connsiteX7" fmla="*/ 241302 w 1829728"/>
+                <a:gd name="connsiteY7" fmla="*/ 777511 h 844079"/>
+                <a:gd name="connsiteX8" fmla="*/ 241013 w 1829728"/>
+                <a:gd name="connsiteY8" fmla="*/ 230621 h 844079"/>
+                <a:gd name="connsiteX0" fmla="*/ 241013 w 1829728"/>
+                <a:gd name="connsiteY0" fmla="*/ 224021 h 837479"/>
+                <a:gd name="connsiteX1" fmla="*/ 86775 w 1829728"/>
+                <a:gd name="connsiteY1" fmla="*/ 16309 h 837479"/>
+                <a:gd name="connsiteX2" fmla="*/ 1816511 w 1829728"/>
+                <a:gd name="connsiteY2" fmla="*/ 12558 h 837479"/>
+                <a:gd name="connsiteX3" fmla="*/ 1618977 w 1829728"/>
+                <a:gd name="connsiteY3" fmla="*/ 216228 h 837479"/>
+                <a:gd name="connsiteX4" fmla="*/ 1618977 w 1829728"/>
+                <a:gd name="connsiteY4" fmla="*/ 770911 h 837479"/>
+                <a:gd name="connsiteX5" fmla="*/ 1552409 w 1829728"/>
+                <a:gd name="connsiteY5" fmla="*/ 837479 h 837479"/>
+                <a:gd name="connsiteX6" fmla="*/ 307870 w 1829728"/>
+                <a:gd name="connsiteY6" fmla="*/ 837479 h 837479"/>
+                <a:gd name="connsiteX7" fmla="*/ 241302 w 1829728"/>
+                <a:gd name="connsiteY7" fmla="*/ 770911 h 837479"/>
+                <a:gd name="connsiteX8" fmla="*/ 241013 w 1829728"/>
+                <a:gd name="connsiteY8" fmla="*/ 224021 h 837479"/>
+                <a:gd name="connsiteX0" fmla="*/ 241013 w 1829728"/>
+                <a:gd name="connsiteY0" fmla="*/ 224021 h 837479"/>
+                <a:gd name="connsiteX1" fmla="*/ 86775 w 1829728"/>
+                <a:gd name="connsiteY1" fmla="*/ 16309 h 837479"/>
+                <a:gd name="connsiteX2" fmla="*/ 1816511 w 1829728"/>
+                <a:gd name="connsiteY2" fmla="*/ 12558 h 837479"/>
+                <a:gd name="connsiteX3" fmla="*/ 1618977 w 1829728"/>
+                <a:gd name="connsiteY3" fmla="*/ 216228 h 837479"/>
+                <a:gd name="connsiteX4" fmla="*/ 1618977 w 1829728"/>
+                <a:gd name="connsiteY4" fmla="*/ 770911 h 837479"/>
+                <a:gd name="connsiteX5" fmla="*/ 1552409 w 1829728"/>
+                <a:gd name="connsiteY5" fmla="*/ 837479 h 837479"/>
+                <a:gd name="connsiteX6" fmla="*/ 307870 w 1829728"/>
+                <a:gd name="connsiteY6" fmla="*/ 837479 h 837479"/>
+                <a:gd name="connsiteX7" fmla="*/ 241302 w 1829728"/>
+                <a:gd name="connsiteY7" fmla="*/ 770911 h 837479"/>
+                <a:gd name="connsiteX8" fmla="*/ 241013 w 1829728"/>
+                <a:gd name="connsiteY8" fmla="*/ 224021 h 837479"/>
+                <a:gd name="connsiteX0" fmla="*/ 216773 w 1868784"/>
+                <a:gd name="connsiteY0" fmla="*/ 251658 h 865116"/>
+                <a:gd name="connsiteX1" fmla="*/ 91110 w 1868784"/>
+                <a:gd name="connsiteY1" fmla="*/ 18546 h 865116"/>
+                <a:gd name="connsiteX2" fmla="*/ 1792271 w 1868784"/>
+                <a:gd name="connsiteY2" fmla="*/ 40195 h 865116"/>
+                <a:gd name="connsiteX3" fmla="*/ 1594737 w 1868784"/>
+                <a:gd name="connsiteY3" fmla="*/ 243865 h 865116"/>
+                <a:gd name="connsiteX4" fmla="*/ 1594737 w 1868784"/>
+                <a:gd name="connsiteY4" fmla="*/ 798548 h 865116"/>
+                <a:gd name="connsiteX5" fmla="*/ 1528169 w 1868784"/>
+                <a:gd name="connsiteY5" fmla="*/ 865116 h 865116"/>
+                <a:gd name="connsiteX6" fmla="*/ 283630 w 1868784"/>
+                <a:gd name="connsiteY6" fmla="*/ 865116 h 865116"/>
+                <a:gd name="connsiteX7" fmla="*/ 217062 w 1868784"/>
+                <a:gd name="connsiteY7" fmla="*/ 798548 h 865116"/>
+                <a:gd name="connsiteX8" fmla="*/ 216773 w 1868784"/>
+                <a:gd name="connsiteY8" fmla="*/ 251658 h 865116"/>
+                <a:gd name="connsiteX0" fmla="*/ 216773 w 1868784"/>
+                <a:gd name="connsiteY0" fmla="*/ 274671 h 888129"/>
+                <a:gd name="connsiteX1" fmla="*/ 91110 w 1868784"/>
+                <a:gd name="connsiteY1" fmla="*/ 12984 h 888129"/>
+                <a:gd name="connsiteX2" fmla="*/ 1792271 w 1868784"/>
+                <a:gd name="connsiteY2" fmla="*/ 63208 h 888129"/>
+                <a:gd name="connsiteX3" fmla="*/ 1594737 w 1868784"/>
+                <a:gd name="connsiteY3" fmla="*/ 266878 h 888129"/>
+                <a:gd name="connsiteX4" fmla="*/ 1594737 w 1868784"/>
+                <a:gd name="connsiteY4" fmla="*/ 821561 h 888129"/>
+                <a:gd name="connsiteX5" fmla="*/ 1528169 w 1868784"/>
+                <a:gd name="connsiteY5" fmla="*/ 888129 h 888129"/>
+                <a:gd name="connsiteX6" fmla="*/ 283630 w 1868784"/>
+                <a:gd name="connsiteY6" fmla="*/ 888129 h 888129"/>
+                <a:gd name="connsiteX7" fmla="*/ 217062 w 1868784"/>
+                <a:gd name="connsiteY7" fmla="*/ 821561 h 888129"/>
+                <a:gd name="connsiteX8" fmla="*/ 216773 w 1868784"/>
+                <a:gd name="connsiteY8" fmla="*/ 274671 h 888129"/>
+                <a:gd name="connsiteX0" fmla="*/ 216325 w 1862778"/>
+                <a:gd name="connsiteY0" fmla="*/ 289222 h 902680"/>
+                <a:gd name="connsiteX1" fmla="*/ 90662 w 1862778"/>
+                <a:gd name="connsiteY1" fmla="*/ 27535 h 902680"/>
+                <a:gd name="connsiteX2" fmla="*/ 1785473 w 1862778"/>
+                <a:gd name="connsiteY2" fmla="*/ 36484 h 902680"/>
+                <a:gd name="connsiteX3" fmla="*/ 1594289 w 1862778"/>
+                <a:gd name="connsiteY3" fmla="*/ 281429 h 902680"/>
+                <a:gd name="connsiteX4" fmla="*/ 1594289 w 1862778"/>
+                <a:gd name="connsiteY4" fmla="*/ 836112 h 902680"/>
+                <a:gd name="connsiteX5" fmla="*/ 1527721 w 1862778"/>
+                <a:gd name="connsiteY5" fmla="*/ 902680 h 902680"/>
+                <a:gd name="connsiteX6" fmla="*/ 283182 w 1862778"/>
+                <a:gd name="connsiteY6" fmla="*/ 902680 h 902680"/>
+                <a:gd name="connsiteX7" fmla="*/ 216614 w 1862778"/>
+                <a:gd name="connsiteY7" fmla="*/ 836112 h 902680"/>
+                <a:gd name="connsiteX8" fmla="*/ 216325 w 1862778"/>
+                <a:gd name="connsiteY8" fmla="*/ 289222 h 902680"/>
+                <a:gd name="connsiteX0" fmla="*/ 216325 w 1862778"/>
+                <a:gd name="connsiteY0" fmla="*/ 289222 h 902680"/>
+                <a:gd name="connsiteX1" fmla="*/ 90662 w 1862778"/>
+                <a:gd name="connsiteY1" fmla="*/ 27535 h 902680"/>
+                <a:gd name="connsiteX2" fmla="*/ 1785473 w 1862778"/>
+                <a:gd name="connsiteY2" fmla="*/ 36484 h 902680"/>
+                <a:gd name="connsiteX3" fmla="*/ 1594289 w 1862778"/>
+                <a:gd name="connsiteY3" fmla="*/ 281429 h 902680"/>
+                <a:gd name="connsiteX4" fmla="*/ 1594289 w 1862778"/>
+                <a:gd name="connsiteY4" fmla="*/ 836112 h 902680"/>
+                <a:gd name="connsiteX5" fmla="*/ 1527721 w 1862778"/>
+                <a:gd name="connsiteY5" fmla="*/ 902680 h 902680"/>
+                <a:gd name="connsiteX6" fmla="*/ 283182 w 1862778"/>
+                <a:gd name="connsiteY6" fmla="*/ 902680 h 902680"/>
+                <a:gd name="connsiteX7" fmla="*/ 216614 w 1862778"/>
+                <a:gd name="connsiteY7" fmla="*/ 836112 h 902680"/>
+                <a:gd name="connsiteX8" fmla="*/ 216325 w 1862778"/>
+                <a:gd name="connsiteY8" fmla="*/ 289222 h 902680"/>
+                <a:gd name="connsiteX0" fmla="*/ 215874 w 1862327"/>
+                <a:gd name="connsiteY0" fmla="*/ 289222 h 902680"/>
+                <a:gd name="connsiteX1" fmla="*/ 90211 w 1862327"/>
+                <a:gd name="connsiteY1" fmla="*/ 27535 h 902680"/>
+                <a:gd name="connsiteX2" fmla="*/ 1785022 w 1862327"/>
+                <a:gd name="connsiteY2" fmla="*/ 36484 h 902680"/>
+                <a:gd name="connsiteX3" fmla="*/ 1593838 w 1862327"/>
+                <a:gd name="connsiteY3" fmla="*/ 281429 h 902680"/>
+                <a:gd name="connsiteX4" fmla="*/ 1593838 w 1862327"/>
+                <a:gd name="connsiteY4" fmla="*/ 836112 h 902680"/>
+                <a:gd name="connsiteX5" fmla="*/ 1527270 w 1862327"/>
+                <a:gd name="connsiteY5" fmla="*/ 902680 h 902680"/>
+                <a:gd name="connsiteX6" fmla="*/ 282731 w 1862327"/>
+                <a:gd name="connsiteY6" fmla="*/ 902680 h 902680"/>
+                <a:gd name="connsiteX7" fmla="*/ 216163 w 1862327"/>
+                <a:gd name="connsiteY7" fmla="*/ 836112 h 902680"/>
+                <a:gd name="connsiteX8" fmla="*/ 215874 w 1862327"/>
+                <a:gd name="connsiteY8" fmla="*/ 289222 h 902680"/>
+                <a:gd name="connsiteX0" fmla="*/ 218551 w 1865217"/>
+                <a:gd name="connsiteY0" fmla="*/ 271689 h 885147"/>
+                <a:gd name="connsiteX1" fmla="*/ 89713 w 1865217"/>
+                <a:gd name="connsiteY1" fmla="*/ 44927 h 885147"/>
+                <a:gd name="connsiteX2" fmla="*/ 1787699 w 1865217"/>
+                <a:gd name="connsiteY2" fmla="*/ 18951 h 885147"/>
+                <a:gd name="connsiteX3" fmla="*/ 1596515 w 1865217"/>
+                <a:gd name="connsiteY3" fmla="*/ 263896 h 885147"/>
+                <a:gd name="connsiteX4" fmla="*/ 1596515 w 1865217"/>
+                <a:gd name="connsiteY4" fmla="*/ 818579 h 885147"/>
+                <a:gd name="connsiteX5" fmla="*/ 1529947 w 1865217"/>
+                <a:gd name="connsiteY5" fmla="*/ 885147 h 885147"/>
+                <a:gd name="connsiteX6" fmla="*/ 285408 w 1865217"/>
+                <a:gd name="connsiteY6" fmla="*/ 885147 h 885147"/>
+                <a:gd name="connsiteX7" fmla="*/ 218840 w 1865217"/>
+                <a:gd name="connsiteY7" fmla="*/ 818579 h 885147"/>
+                <a:gd name="connsiteX8" fmla="*/ 218551 w 1865217"/>
+                <a:gd name="connsiteY8" fmla="*/ 271689 h 885147"/>
+                <a:gd name="connsiteX0" fmla="*/ 217882 w 1856244"/>
+                <a:gd name="connsiteY0" fmla="*/ 253205 h 866663"/>
+                <a:gd name="connsiteX1" fmla="*/ 89044 w 1856244"/>
+                <a:gd name="connsiteY1" fmla="*/ 26443 h 866663"/>
+                <a:gd name="connsiteX2" fmla="*/ 1777505 w 1856244"/>
+                <a:gd name="connsiteY2" fmla="*/ 29042 h 866663"/>
+                <a:gd name="connsiteX3" fmla="*/ 1595846 w 1856244"/>
+                <a:gd name="connsiteY3" fmla="*/ 245412 h 866663"/>
+                <a:gd name="connsiteX4" fmla="*/ 1595846 w 1856244"/>
+                <a:gd name="connsiteY4" fmla="*/ 800095 h 866663"/>
+                <a:gd name="connsiteX5" fmla="*/ 1529278 w 1856244"/>
+                <a:gd name="connsiteY5" fmla="*/ 866663 h 866663"/>
+                <a:gd name="connsiteX6" fmla="*/ 284739 w 1856244"/>
+                <a:gd name="connsiteY6" fmla="*/ 866663 h 866663"/>
+                <a:gd name="connsiteX7" fmla="*/ 218171 w 1856244"/>
+                <a:gd name="connsiteY7" fmla="*/ 800095 h 866663"/>
+                <a:gd name="connsiteX8" fmla="*/ 217882 w 1856244"/>
+                <a:gd name="connsiteY8" fmla="*/ 253205 h 866663"/>
+              </a:gdLst>
+              <a:ahLst/>
+              <a:cxnLst>
+                <a:cxn ang="0">
+                  <a:pos x="connsiteX0" y="connsiteY0"/>
+                </a:cxn>
+                <a:cxn ang="0">
+                  <a:pos x="connsiteX1" y="connsiteY1"/>
+                </a:cxn>
+                <a:cxn ang="0">
+                  <a:pos x="connsiteX2" y="connsiteY2"/>
+                </a:cxn>
+                <a:cxn ang="0">
+                  <a:pos x="connsiteX3" y="connsiteY3"/>
+                </a:cxn>
+                <a:cxn ang="0">
+                  <a:pos x="connsiteX4" y="connsiteY4"/>
+                </a:cxn>
+                <a:cxn ang="0">
+                  <a:pos x="connsiteX5" y="connsiteY5"/>
+                </a:cxn>
+                <a:cxn ang="0">
+                  <a:pos x="connsiteX6" y="connsiteY6"/>
+                </a:cxn>
+                <a:cxn ang="0">
+                  <a:pos x="connsiteX7" y="connsiteY7"/>
+                </a:cxn>
+                <a:cxn ang="0">
+                  <a:pos x="connsiteX8" y="connsiteY8"/>
+                </a:cxn>
+              </a:cxnLst>
+              <a:rect l="l" t="t" r="r" b="b"/>
+              <a:pathLst>
+                <a:path w="1856244" h="866663">
+                  <a:moveTo>
+                    <a:pt x="217882" y="253205"/>
+                  </a:moveTo>
+                  <a:cubicBezTo>
+                    <a:pt x="221345" y="-31786"/>
+                    <a:pt x="-170893" y="63803"/>
+                    <a:pt x="89044" y="26443"/>
+                  </a:cubicBezTo>
+                  <a:cubicBezTo>
+                    <a:pt x="348981" y="-10917"/>
+                    <a:pt x="1526371" y="-7453"/>
+                    <a:pt x="1777505" y="29042"/>
+                  </a:cubicBezTo>
+                  <a:cubicBezTo>
+                    <a:pt x="2028639" y="65537"/>
+                    <a:pt x="1599021" y="-34961"/>
+                    <a:pt x="1595846" y="245412"/>
+                  </a:cubicBezTo>
+                  <a:lnTo>
+                    <a:pt x="1595846" y="800095"/>
+                  </a:lnTo>
+                  <a:cubicBezTo>
+                    <a:pt x="1595846" y="836859"/>
+                    <a:pt x="1566042" y="866663"/>
+                    <a:pt x="1529278" y="866663"/>
+                  </a:cubicBezTo>
+                  <a:lnTo>
+                    <a:pt x="284739" y="866663"/>
+                  </a:lnTo>
+                  <a:cubicBezTo>
+                    <a:pt x="247975" y="866663"/>
+                    <a:pt x="218171" y="836859"/>
+                    <a:pt x="218171" y="800095"/>
+                  </a:cubicBezTo>
+                  <a:cubicBezTo>
+                    <a:pt x="217016" y="590282"/>
+                    <a:pt x="219037" y="463018"/>
+                    <a:pt x="217882" y="253205"/>
+                  </a:cubicBezTo>
+                  <a:close/>
+                </a:path>
+              </a:pathLst>
+            </a:custGeom>
+            <a:gradFill>
+              <a:gsLst>
+                <a:gs pos="8000">
+                  <a:schemeClr val="bg2"/>
+                </a:gs>
+                <a:gs pos="31000">
+                  <a:schemeClr val="tx2"/>
+                </a:gs>
+              </a:gsLst>
+              <a:lin ang="5400000" scaled="0"/>
+            </a:gradFill>
+            <a:ln w="12700">
+              <a:noFill/>
+            </a:ln>
+            <a:effectLst/>
+          </p:spPr>
+          <p:style>
+            <a:lnRef idx="2">
+              <a:schemeClr val="dk1"/>
+            </a:lnRef>
+            <a:fillRef idx="1">
+              <a:schemeClr val="lt1"/>
+            </a:fillRef>
+            <a:effectRef idx="0">
+              <a:schemeClr val="dk1"/>
+            </a:effectRef>
+            <a:fontRef idx="minor">
+              <a:schemeClr val="dk1"/>
+            </a:fontRef>
+          </p:style>
+          <p:txBody>
+            <a:bodyPr rtlCol="0" anchor="ctr"/>
+            <a:lstStyle/>
+            <a:p>
+              <a:pPr algn="ctr"/>
+              <a:endParaRPr lang="en-US" sz="1600" dirty="0">
+                <a:ln w="0">
+                  <a:solidFill>
+                    <a:sysClr val="windowText" lastClr="000000"/>
+                  </a:solidFill>
+                </a:ln>
+                <a:solidFill>
+                  <a:schemeClr val="tx1"/>
+                </a:solidFill>
+              </a:endParaRPr>
+            </a:p>
+          </p:txBody>
+        </p:sp>
+        <p:grpSp>
+          <p:nvGrpSpPr>
+            <p:cNvPr id="67" name="Group 66">
+              <a:extLst>
+                <a:ext uri="{FF2B5EF4-FFF2-40B4-BE49-F238E27FC236}">
+                  <a16:creationId xmlns:a16="http://schemas.microsoft.com/office/drawing/2014/main" id="{482B3060-C335-E776-626D-47C12AD60A14}"/>
+                </a:ext>
+              </a:extLst>
+            </p:cNvPr>
+            <p:cNvGrpSpPr/>
+            <p:nvPr/>
+          </p:nvGrpSpPr>
+          <p:grpSpPr>
+            <a:xfrm>
+              <a:off x="4407250" y="5787721"/>
+              <a:ext cx="1283487" cy="383162"/>
+              <a:chOff x="6421785" y="5373193"/>
+              <a:chExt cx="1283487" cy="383162"/>
+            </a:xfrm>
+          </p:grpSpPr>
+          <p:sp>
+            <p:nvSpPr>
+              <p:cNvPr id="68" name="Rounded Rectangle 56">
+                <a:extLst>
+                  <a:ext uri="{FF2B5EF4-FFF2-40B4-BE49-F238E27FC236}">
+                    <a16:creationId xmlns:a16="http://schemas.microsoft.com/office/drawing/2014/main" id="{9257FC87-ACE6-D93A-EB01-1EBC601A4ACD}"/>
+                  </a:ext>
+                </a:extLst>
+              </p:cNvPr>
+              <p:cNvSpPr/>
+              <p:nvPr/>
+            </p:nvSpPr>
+            <p:spPr>
+              <a:xfrm>
+                <a:off x="6421785" y="5373193"/>
+                <a:ext cx="1240161" cy="383162"/>
+              </a:xfrm>
+              <a:prstGeom prst="roundRect">
+                <a:avLst>
+                  <a:gd name="adj" fmla="val 12736"/>
+                </a:avLst>
+              </a:prstGeom>
+              <a:solidFill>
+                <a:schemeClr val="tx1">
+                  <a:lumMod val="50000"/>
+                </a:schemeClr>
+              </a:solidFill>
+              <a:ln w="12700">
+                <a:noFill/>
+              </a:ln>
+              <a:effectLst/>
+            </p:spPr>
+            <p:style>
+              <a:lnRef idx="2">
+                <a:schemeClr val="dk1"/>
+              </a:lnRef>
+              <a:fillRef idx="1">
+                <a:schemeClr val="lt1"/>
+              </a:fillRef>
+              <a:effectRef idx="0">
+                <a:schemeClr val="dk1"/>
+              </a:effectRef>
+              <a:fontRef idx="minor">
+                <a:schemeClr val="dk1"/>
+              </a:fontRef>
+            </p:style>
+            <p:txBody>
+              <a:bodyPr wrap="square" tIns="36000" bIns="36000" rtlCol="0" anchor="ctr">
+                <a:noAutofit/>
+              </a:bodyPr>
+              <a:lstStyle/>
+              <a:p>
+                <a:endParaRPr lang="en-US" sz="1200" dirty="0">
+                  <a:solidFill>
+                    <a:schemeClr val="bg1"/>
+                  </a:solidFill>
+                  <a:latin typeface="Source Sans Pro Light" charset="0"/>
+                  <a:ea typeface="Source Sans Pro Light" charset="0"/>
+                  <a:cs typeface="Source Sans Pro Light" charset="0"/>
+                </a:endParaRPr>
+              </a:p>
+            </p:txBody>
+          </p:sp>
+          <p:sp>
+            <p:nvSpPr>
+              <p:cNvPr id="69" name="Rectangle 68">
+                <a:extLst>
+                  <a:ext uri="{FF2B5EF4-FFF2-40B4-BE49-F238E27FC236}">
+                    <a16:creationId xmlns:a16="http://schemas.microsoft.com/office/drawing/2014/main" id="{D15578F8-AE7F-E0A7-3768-0CCCDB16B462}"/>
+                  </a:ext>
+                </a:extLst>
+              </p:cNvPr>
+              <p:cNvSpPr/>
+              <p:nvPr/>
+            </p:nvSpPr>
+            <p:spPr>
+              <a:xfrm>
+                <a:off x="6756463" y="5425211"/>
+                <a:ext cx="948809" cy="301407"/>
+              </a:xfrm>
+              <a:prstGeom prst="rect">
+                <a:avLst/>
+              </a:prstGeom>
+              <a:effectLst/>
+            </p:spPr>
+            <p:txBody>
+              <a:bodyPr wrap="square" lIns="0" rIns="0">
+                <a:noAutofit/>
+              </a:bodyPr>
+              <a:lstStyle/>
+              <a:p>
+                <a:pPr algn="ctr" defTabSz="914400">
+                  <a:lnSpc>
+                    <a:spcPts val="1000"/>
+                  </a:lnSpc>
+                  <a:defRPr/>
+                </a:pPr>
+                <a:r>
+                  <a:rPr lang="fr-FR" sz="1200" kern="0" dirty="0">
+                    <a:solidFill>
+                      <a:schemeClr val="bg1"/>
+                    </a:solidFill>
+                    <a:latin typeface="Source Sans Pro Light" charset="0"/>
+                  </a:rPr>
+                  <a:t>PROCESSOR </a:t>
+                </a:r>
+                <a:br>
+                  <a:rPr lang="fr-FR" sz="1200" kern="0" dirty="0">
+                    <a:solidFill>
+                      <a:schemeClr val="bg1"/>
+                    </a:solidFill>
+                    <a:latin typeface="Source Sans Pro Light" charset="0"/>
+                  </a:rPr>
+                </a:br>
+                <a:r>
+                  <a:rPr lang="fr-FR" sz="1200" kern="0" dirty="0">
+                    <a:solidFill>
+                      <a:schemeClr val="bg1"/>
+                    </a:solidFill>
+                    <a:latin typeface="Source Sans Pro Light" charset="0"/>
+                  </a:rPr>
+                  <a:t>CORE</a:t>
+                </a:r>
+                <a:endParaRPr lang="en-US" sz="1200" kern="0" dirty="0">
+                  <a:solidFill>
+                    <a:schemeClr val="bg1"/>
+                  </a:solidFill>
+                  <a:latin typeface="Source Sans Pro Light" charset="0"/>
+                </a:endParaRPr>
+              </a:p>
+            </p:txBody>
+          </p:sp>
+          <p:pic>
+            <p:nvPicPr>
+              <p:cNvPr id="70" name="Picture 69">
+                <a:extLst>
+                  <a:ext uri="{FF2B5EF4-FFF2-40B4-BE49-F238E27FC236}">
+                    <a16:creationId xmlns:a16="http://schemas.microsoft.com/office/drawing/2014/main" id="{830490FD-04C6-AE24-6386-56315C11008D}"/>
+                  </a:ext>
+                </a:extLst>
+              </p:cNvPr>
+              <p:cNvPicPr>
+                <a:picLocks noChangeAspect="1"/>
+              </p:cNvPicPr>
+              <p:nvPr/>
+            </p:nvPicPr>
+            <p:blipFill>
+              <a:blip r:embed="rId2" cstate="print">
+                <a:lum bright="10000"/>
+                <a:extLst>
+                  <a:ext uri="{28A0092B-C50C-407E-A947-70E740481C1C}">
+                    <a14:useLocalDpi xmlns:a14="http://schemas.microsoft.com/office/drawing/2010/main" val="0"/>
+                  </a:ext>
+                </a:extLst>
+              </a:blip>
+              <a:stretch>
+                <a:fillRect/>
+              </a:stretch>
+            </p:blipFill>
+            <p:spPr>
+              <a:xfrm>
+                <a:off x="6482924" y="5411413"/>
+                <a:ext cx="307244" cy="309712"/>
+              </a:xfrm>
+              <a:prstGeom prst="rect">
+                <a:avLst/>
+              </a:prstGeom>
+            </p:spPr>
+          </p:pic>
+        </p:grpSp>
+      </p:grpSp>
+      <p:sp>
+        <p:nvSpPr>
+          <p:cNvPr id="71" name="Rounded Rectangle 59">
+            <a:extLst>
+              <a:ext uri="{FF2B5EF4-FFF2-40B4-BE49-F238E27FC236}">
+                <a16:creationId xmlns:a16="http://schemas.microsoft.com/office/drawing/2014/main" id="{EF2A3BAF-D520-4C8A-13AD-1EF0FFEF5646}"/>
+              </a:ext>
+            </a:extLst>
+          </p:cNvPr>
+          <p:cNvSpPr/>
+          <p:nvPr/>
+        </p:nvSpPr>
+        <p:spPr>
+          <a:xfrm>
+            <a:off x="4112004" y="3943443"/>
+            <a:ext cx="5225110" cy="1367846"/>
+          </a:xfrm>
+          <a:prstGeom prst="roundRect">
+            <a:avLst>
+              <a:gd name="adj" fmla="val 7139"/>
+            </a:avLst>
+          </a:prstGeom>
+          <a:solidFill>
+            <a:schemeClr val="bg2"/>
+          </a:solidFill>
+          <a:ln w="12700">
+            <a:noFill/>
+          </a:ln>
+          <a:effectLst/>
+        </p:spPr>
+        <p:style>
+          <a:lnRef idx="2">
+            <a:schemeClr val="dk1"/>
+          </a:lnRef>
+          <a:fillRef idx="1">
+            <a:schemeClr val="lt1"/>
+          </a:fillRef>
+          <a:effectRef idx="0">
+            <a:schemeClr val="dk1"/>
+          </a:effectRef>
+          <a:fontRef idx="minor">
+            <a:schemeClr val="dk1"/>
+          </a:fontRef>
+        </p:style>
+        <p:txBody>
+          <a:bodyPr rtlCol="0" anchor="ctr"/>
+          <a:lstStyle/>
+          <a:p>
+            <a:pPr algn="ctr"/>
+            <a:endParaRPr lang="en-US" sz="1600" dirty="0">
+              <a:ln w="0">
+                <a:solidFill>
+                  <a:sysClr val="windowText" lastClr="000000"/>
+                </a:solidFill>
+              </a:ln>
+              <a:solidFill>
+                <a:schemeClr val="tx1"/>
+              </a:solidFill>
+            </a:endParaRPr>
+          </a:p>
+        </p:txBody>
+      </p:sp>
+      <p:sp>
+        <p:nvSpPr>
+          <p:cNvPr id="72" name="Rounded Rectangle 60">
+            <a:extLst>
+              <a:ext uri="{FF2B5EF4-FFF2-40B4-BE49-F238E27FC236}">
+                <a16:creationId xmlns:a16="http://schemas.microsoft.com/office/drawing/2014/main" id="{EFB83D7D-FE82-C0B5-FDB1-7BE66C14B874}"/>
+              </a:ext>
+            </a:extLst>
+          </p:cNvPr>
+          <p:cNvSpPr/>
+          <p:nvPr/>
+        </p:nvSpPr>
+        <p:spPr>
+          <a:xfrm>
+            <a:off x="4230425" y="4886144"/>
+            <a:ext cx="5175406" cy="306000"/>
+          </a:xfrm>
+          <a:prstGeom prst="roundRect">
+            <a:avLst>
+              <a:gd name="adj" fmla="val 19644"/>
+            </a:avLst>
+          </a:prstGeom>
+          <a:solidFill>
+            <a:schemeClr val="tx2"/>
+          </a:solidFill>
+          <a:ln w="12700">
+            <a:noFill/>
+          </a:ln>
+          <a:effectLst/>
+        </p:spPr>
+        <p:style>
+          <a:lnRef idx="2">
+            <a:schemeClr val="dk1"/>
+          </a:lnRef>
+          <a:fillRef idx="1">
+            <a:schemeClr val="lt1"/>
+          </a:fillRef>
+          <a:effectRef idx="0">
+            <a:schemeClr val="dk1"/>
+          </a:effectRef>
+          <a:fontRef idx="minor">
+            <a:schemeClr val="dk1"/>
+          </a:fontRef>
+        </p:style>
+        <p:txBody>
+          <a:bodyPr wrap="square" lIns="90000" tIns="36000" bIns="36000" rtlCol="0" anchor="ctr">
+            <a:noAutofit/>
+          </a:bodyPr>
+          <a:lstStyle/>
+          <a:p>
+            <a:r>
+              <a:rPr lang="en-US" sz="1600" b="1" dirty="0">
+                <a:solidFill>
+                  <a:schemeClr val="bg1"/>
+                </a:solidFill>
+                <a:effectLst>
+                  <a:outerShdw blurRad="76200" dist="38100" dir="5400000" algn="t" rotWithShape="0">
+                    <a:prstClr val="black">
+                      <a:alpha val="70000"/>
+                    </a:prstClr>
+                  </a:outerShdw>
+                </a:effectLst>
+                <a:latin typeface="Source Sans Pro" charset="0"/>
+                <a:ea typeface="Source Sans Pro" charset="0"/>
+                <a:cs typeface="Source Sans Pro" charset="0"/>
+              </a:rPr>
+              <a:t>RTOS/OS</a:t>
+            </a:r>
+          </a:p>
+        </p:txBody>
+      </p:sp>
+      <p:sp>
+        <p:nvSpPr>
+          <p:cNvPr id="73" name="Rounded Rectangle 61">
+            <a:extLst>
+              <a:ext uri="{FF2B5EF4-FFF2-40B4-BE49-F238E27FC236}">
+                <a16:creationId xmlns:a16="http://schemas.microsoft.com/office/drawing/2014/main" id="{56CA26F6-40F3-3F76-4C11-40C8AEDBA60B}"/>
+              </a:ext>
+            </a:extLst>
+          </p:cNvPr>
+          <p:cNvSpPr/>
+          <p:nvPr/>
+        </p:nvSpPr>
+        <p:spPr>
+          <a:xfrm>
+            <a:off x="4230426" y="4511544"/>
+            <a:ext cx="5175406" cy="306000"/>
+          </a:xfrm>
+          <a:prstGeom prst="roundRect">
+            <a:avLst>
+              <a:gd name="adj" fmla="val 18223"/>
+            </a:avLst>
+          </a:prstGeom>
+          <a:solidFill>
+            <a:schemeClr val="tx2"/>
+          </a:solidFill>
+          <a:ln w="12700">
+            <a:noFill/>
+          </a:ln>
+          <a:effectLst/>
+        </p:spPr>
+        <p:style>
+          <a:lnRef idx="2">
+            <a:schemeClr val="dk1"/>
+          </a:lnRef>
+          <a:fillRef idx="1">
+            <a:schemeClr val="lt1"/>
+          </a:fillRef>
+          <a:effectRef idx="0">
+            <a:schemeClr val="dk1"/>
+          </a:effectRef>
+          <a:fontRef idx="minor">
+            <a:schemeClr val="dk1"/>
+          </a:fontRef>
+        </p:style>
+        <p:txBody>
+          <a:bodyPr wrap="square" tIns="36000" bIns="36000" rtlCol="0" anchor="ctr">
+            <a:noAutofit/>
+          </a:bodyPr>
+          <a:lstStyle/>
+          <a:p>
+            <a:r>
+              <a:rPr lang="en-US" sz="1600" b="1" dirty="0">
+                <a:solidFill>
+                  <a:schemeClr val="bg1"/>
+                </a:solidFill>
+                <a:effectLst>
+                  <a:outerShdw blurRad="76200" dist="38100" dir="5400000" algn="t" rotWithShape="0">
+                    <a:prstClr val="black">
+                      <a:alpha val="70000"/>
+                    </a:prstClr>
+                  </a:outerShdw>
+                </a:effectLst>
+                <a:latin typeface="Source Sans Pro" charset="0"/>
+                <a:ea typeface="Source Sans Pro" charset="0"/>
+              </a:rPr>
+              <a:t>BSP</a:t>
+            </a:r>
+          </a:p>
+        </p:txBody>
+      </p:sp>
+      <p:grpSp>
+        <p:nvGrpSpPr>
+          <p:cNvPr id="74" name="Group 73">
+            <a:extLst>
+              <a:ext uri="{FF2B5EF4-FFF2-40B4-BE49-F238E27FC236}">
+                <a16:creationId xmlns:a16="http://schemas.microsoft.com/office/drawing/2014/main" id="{80038C6A-DFE9-690F-341A-5A9191A0B486}"/>
+              </a:ext>
+            </a:extLst>
+          </p:cNvPr>
+          <p:cNvGrpSpPr/>
+          <p:nvPr/>
+        </p:nvGrpSpPr>
+        <p:grpSpPr>
+          <a:xfrm>
+            <a:off x="4197925" y="3701555"/>
+            <a:ext cx="1684403" cy="725924"/>
+            <a:chOff x="3235766" y="3459308"/>
+            <a:chExt cx="1684403" cy="725924"/>
+          </a:xfrm>
+        </p:grpSpPr>
+        <p:sp>
+          <p:nvSpPr>
+            <p:cNvPr id="75" name="Rounded Rectangle 370">
+              <a:extLst>
+                <a:ext uri="{FF2B5EF4-FFF2-40B4-BE49-F238E27FC236}">
+                  <a16:creationId xmlns:a16="http://schemas.microsoft.com/office/drawing/2014/main" id="{DB969A27-814B-69C3-7560-D338B3C1A39B}"/>
+                </a:ext>
+              </a:extLst>
+            </p:cNvPr>
+            <p:cNvSpPr/>
+            <p:nvPr/>
+          </p:nvSpPr>
+          <p:spPr>
+            <a:xfrm>
+              <a:off x="3235766" y="3459308"/>
+              <a:ext cx="1684403" cy="725924"/>
+            </a:xfrm>
+            <a:custGeom>
+              <a:avLst/>
+              <a:gdLst>
+                <a:gd name="connsiteX0" fmla="*/ 0 w 1377675"/>
+                <a:gd name="connsiteY0" fmla="*/ 66568 h 1084694"/>
+                <a:gd name="connsiteX1" fmla="*/ 66568 w 1377675"/>
+                <a:gd name="connsiteY1" fmla="*/ 0 h 1084694"/>
+                <a:gd name="connsiteX2" fmla="*/ 1311107 w 1377675"/>
+                <a:gd name="connsiteY2" fmla="*/ 0 h 1084694"/>
+                <a:gd name="connsiteX3" fmla="*/ 1377675 w 1377675"/>
+                <a:gd name="connsiteY3" fmla="*/ 66568 h 1084694"/>
+                <a:gd name="connsiteX4" fmla="*/ 1377675 w 1377675"/>
+                <a:gd name="connsiteY4" fmla="*/ 1018126 h 1084694"/>
+                <a:gd name="connsiteX5" fmla="*/ 1311107 w 1377675"/>
+                <a:gd name="connsiteY5" fmla="*/ 1084694 h 1084694"/>
+                <a:gd name="connsiteX6" fmla="*/ 66568 w 1377675"/>
+                <a:gd name="connsiteY6" fmla="*/ 1084694 h 1084694"/>
+                <a:gd name="connsiteX7" fmla="*/ 0 w 1377675"/>
+                <a:gd name="connsiteY7" fmla="*/ 1018126 h 1084694"/>
+                <a:gd name="connsiteX8" fmla="*/ 0 w 1377675"/>
+                <a:gd name="connsiteY8" fmla="*/ 66568 h 1084694"/>
+                <a:gd name="connsiteX0" fmla="*/ 0 w 1377675"/>
+                <a:gd name="connsiteY0" fmla="*/ 66568 h 1084694"/>
+                <a:gd name="connsiteX1" fmla="*/ 66568 w 1377675"/>
+                <a:gd name="connsiteY1" fmla="*/ 0 h 1084694"/>
+                <a:gd name="connsiteX2" fmla="*/ 1311107 w 1377675"/>
+                <a:gd name="connsiteY2" fmla="*/ 0 h 1084694"/>
+                <a:gd name="connsiteX3" fmla="*/ 1377675 w 1377675"/>
+                <a:gd name="connsiteY3" fmla="*/ 409468 h 1084694"/>
+                <a:gd name="connsiteX4" fmla="*/ 1377675 w 1377675"/>
+                <a:gd name="connsiteY4" fmla="*/ 1018126 h 1084694"/>
+                <a:gd name="connsiteX5" fmla="*/ 1311107 w 1377675"/>
+                <a:gd name="connsiteY5" fmla="*/ 1084694 h 1084694"/>
+                <a:gd name="connsiteX6" fmla="*/ 66568 w 1377675"/>
+                <a:gd name="connsiteY6" fmla="*/ 1084694 h 1084694"/>
+                <a:gd name="connsiteX7" fmla="*/ 0 w 1377675"/>
+                <a:gd name="connsiteY7" fmla="*/ 1018126 h 1084694"/>
+                <a:gd name="connsiteX8" fmla="*/ 0 w 1377675"/>
+                <a:gd name="connsiteY8" fmla="*/ 66568 h 1084694"/>
+                <a:gd name="connsiteX0" fmla="*/ 0 w 1381139"/>
+                <a:gd name="connsiteY0" fmla="*/ 388686 h 1084694"/>
+                <a:gd name="connsiteX1" fmla="*/ 70032 w 1381139"/>
+                <a:gd name="connsiteY1" fmla="*/ 0 h 1084694"/>
+                <a:gd name="connsiteX2" fmla="*/ 1314571 w 1381139"/>
+                <a:gd name="connsiteY2" fmla="*/ 0 h 1084694"/>
+                <a:gd name="connsiteX3" fmla="*/ 1381139 w 1381139"/>
+                <a:gd name="connsiteY3" fmla="*/ 409468 h 1084694"/>
+                <a:gd name="connsiteX4" fmla="*/ 1381139 w 1381139"/>
+                <a:gd name="connsiteY4" fmla="*/ 1018126 h 1084694"/>
+                <a:gd name="connsiteX5" fmla="*/ 1314571 w 1381139"/>
+                <a:gd name="connsiteY5" fmla="*/ 1084694 h 1084694"/>
+                <a:gd name="connsiteX6" fmla="*/ 70032 w 1381139"/>
+                <a:gd name="connsiteY6" fmla="*/ 1084694 h 1084694"/>
+                <a:gd name="connsiteX7" fmla="*/ 3464 w 1381139"/>
+                <a:gd name="connsiteY7" fmla="*/ 1018126 h 1084694"/>
+                <a:gd name="connsiteX8" fmla="*/ 0 w 1381139"/>
+                <a:gd name="connsiteY8" fmla="*/ 388686 h 1084694"/>
+                <a:gd name="connsiteX0" fmla="*/ 0 w 3085063"/>
+                <a:gd name="connsiteY0" fmla="*/ 388686 h 1084694"/>
+                <a:gd name="connsiteX1" fmla="*/ 70032 w 3085063"/>
+                <a:gd name="connsiteY1" fmla="*/ 0 h 1084694"/>
+                <a:gd name="connsiteX2" fmla="*/ 3084489 w 3085063"/>
+                <a:gd name="connsiteY2" fmla="*/ 256309 h 1084694"/>
+                <a:gd name="connsiteX3" fmla="*/ 1381139 w 3085063"/>
+                <a:gd name="connsiteY3" fmla="*/ 409468 h 1084694"/>
+                <a:gd name="connsiteX4" fmla="*/ 1381139 w 3085063"/>
+                <a:gd name="connsiteY4" fmla="*/ 1018126 h 1084694"/>
+                <a:gd name="connsiteX5" fmla="*/ 1314571 w 3085063"/>
+                <a:gd name="connsiteY5" fmla="*/ 1084694 h 1084694"/>
+                <a:gd name="connsiteX6" fmla="*/ 70032 w 3085063"/>
+                <a:gd name="connsiteY6" fmla="*/ 1084694 h 1084694"/>
+                <a:gd name="connsiteX7" fmla="*/ 3464 w 3085063"/>
+                <a:gd name="connsiteY7" fmla="*/ 1018126 h 1084694"/>
+                <a:gd name="connsiteX8" fmla="*/ 0 w 3085063"/>
+                <a:gd name="connsiteY8" fmla="*/ 388686 h 1084694"/>
+                <a:gd name="connsiteX0" fmla="*/ 1150005 w 4235068"/>
+                <a:gd name="connsiteY0" fmla="*/ 132377 h 828385"/>
+                <a:gd name="connsiteX1" fmla="*/ 837 w 4235068"/>
+                <a:gd name="connsiteY1" fmla="*/ 3463 h 828385"/>
+                <a:gd name="connsiteX2" fmla="*/ 4234494 w 4235068"/>
+                <a:gd name="connsiteY2" fmla="*/ 0 h 828385"/>
+                <a:gd name="connsiteX3" fmla="*/ 2531144 w 4235068"/>
+                <a:gd name="connsiteY3" fmla="*/ 153159 h 828385"/>
+                <a:gd name="connsiteX4" fmla="*/ 2531144 w 4235068"/>
+                <a:gd name="connsiteY4" fmla="*/ 761817 h 828385"/>
+                <a:gd name="connsiteX5" fmla="*/ 2464576 w 4235068"/>
+                <a:gd name="connsiteY5" fmla="*/ 828385 h 828385"/>
+                <a:gd name="connsiteX6" fmla="*/ 1220037 w 4235068"/>
+                <a:gd name="connsiteY6" fmla="*/ 828385 h 828385"/>
+                <a:gd name="connsiteX7" fmla="*/ 1153469 w 4235068"/>
+                <a:gd name="connsiteY7" fmla="*/ 761817 h 828385"/>
+                <a:gd name="connsiteX8" fmla="*/ 1150005 w 4235068"/>
+                <a:gd name="connsiteY8" fmla="*/ 132377 h 828385"/>
+                <a:gd name="connsiteX0" fmla="*/ 1150005 w 2930911"/>
+                <a:gd name="connsiteY0" fmla="*/ 128914 h 824922"/>
+                <a:gd name="connsiteX1" fmla="*/ 837 w 2930911"/>
+                <a:gd name="connsiteY1" fmla="*/ 0 h 824922"/>
+                <a:gd name="connsiteX2" fmla="*/ 2928703 w 2930911"/>
+                <a:gd name="connsiteY2" fmla="*/ 1 h 824922"/>
+                <a:gd name="connsiteX3" fmla="*/ 2531144 w 2930911"/>
+                <a:gd name="connsiteY3" fmla="*/ 149696 h 824922"/>
+                <a:gd name="connsiteX4" fmla="*/ 2531144 w 2930911"/>
+                <a:gd name="connsiteY4" fmla="*/ 758354 h 824922"/>
+                <a:gd name="connsiteX5" fmla="*/ 2464576 w 2930911"/>
+                <a:gd name="connsiteY5" fmla="*/ 824922 h 824922"/>
+                <a:gd name="connsiteX6" fmla="*/ 1220037 w 2930911"/>
+                <a:gd name="connsiteY6" fmla="*/ 824922 h 824922"/>
+                <a:gd name="connsiteX7" fmla="*/ 1153469 w 2930911"/>
+                <a:gd name="connsiteY7" fmla="*/ 758354 h 824922"/>
+                <a:gd name="connsiteX8" fmla="*/ 1150005 w 2930911"/>
+                <a:gd name="connsiteY8" fmla="*/ 128914 h 824922"/>
+                <a:gd name="connsiteX0" fmla="*/ 1150005 w 2930911"/>
+                <a:gd name="connsiteY0" fmla="*/ 128914 h 824922"/>
+                <a:gd name="connsiteX1" fmla="*/ 837 w 2930911"/>
+                <a:gd name="connsiteY1" fmla="*/ 0 h 824922"/>
+                <a:gd name="connsiteX2" fmla="*/ 2928703 w 2930911"/>
+                <a:gd name="connsiteY2" fmla="*/ 1 h 824922"/>
+                <a:gd name="connsiteX3" fmla="*/ 2531144 w 2930911"/>
+                <a:gd name="connsiteY3" fmla="*/ 149696 h 824922"/>
+                <a:gd name="connsiteX4" fmla="*/ 2531144 w 2930911"/>
+                <a:gd name="connsiteY4" fmla="*/ 758354 h 824922"/>
+                <a:gd name="connsiteX5" fmla="*/ 2464576 w 2930911"/>
+                <a:gd name="connsiteY5" fmla="*/ 824922 h 824922"/>
+                <a:gd name="connsiteX6" fmla="*/ 1220037 w 2930911"/>
+                <a:gd name="connsiteY6" fmla="*/ 824922 h 824922"/>
+                <a:gd name="connsiteX7" fmla="*/ 1153469 w 2930911"/>
+                <a:gd name="connsiteY7" fmla="*/ 758354 h 824922"/>
+                <a:gd name="connsiteX8" fmla="*/ 1150005 w 2930911"/>
+                <a:gd name="connsiteY8" fmla="*/ 128914 h 824922"/>
+                <a:gd name="connsiteX0" fmla="*/ 1150004 w 2930910"/>
+                <a:gd name="connsiteY0" fmla="*/ 128914 h 824922"/>
+                <a:gd name="connsiteX1" fmla="*/ 836 w 2930910"/>
+                <a:gd name="connsiteY1" fmla="*/ 0 h 824922"/>
+                <a:gd name="connsiteX2" fmla="*/ 2928702 w 2930910"/>
+                <a:gd name="connsiteY2" fmla="*/ 1 h 824922"/>
+                <a:gd name="connsiteX3" fmla="*/ 2531143 w 2930910"/>
+                <a:gd name="connsiteY3" fmla="*/ 149696 h 824922"/>
+                <a:gd name="connsiteX4" fmla="*/ 2531143 w 2930910"/>
+                <a:gd name="connsiteY4" fmla="*/ 758354 h 824922"/>
+                <a:gd name="connsiteX5" fmla="*/ 2464575 w 2930910"/>
+                <a:gd name="connsiteY5" fmla="*/ 824922 h 824922"/>
+                <a:gd name="connsiteX6" fmla="*/ 1220036 w 2930910"/>
+                <a:gd name="connsiteY6" fmla="*/ 824922 h 824922"/>
+                <a:gd name="connsiteX7" fmla="*/ 1153468 w 2930910"/>
+                <a:gd name="connsiteY7" fmla="*/ 758354 h 824922"/>
+                <a:gd name="connsiteX8" fmla="*/ 1150004 w 2930910"/>
+                <a:gd name="connsiteY8" fmla="*/ 128914 h 824922"/>
+                <a:gd name="connsiteX0" fmla="*/ 375627 w 2156533"/>
+                <a:gd name="connsiteY0" fmla="*/ 128913 h 824921"/>
+                <a:gd name="connsiteX1" fmla="*/ 2314 w 2156533"/>
+                <a:gd name="connsiteY1" fmla="*/ 6926 h 824921"/>
+                <a:gd name="connsiteX2" fmla="*/ 2154325 w 2156533"/>
+                <a:gd name="connsiteY2" fmla="*/ 0 h 824921"/>
+                <a:gd name="connsiteX3" fmla="*/ 1756766 w 2156533"/>
+                <a:gd name="connsiteY3" fmla="*/ 149695 h 824921"/>
+                <a:gd name="connsiteX4" fmla="*/ 1756766 w 2156533"/>
+                <a:gd name="connsiteY4" fmla="*/ 758353 h 824921"/>
+                <a:gd name="connsiteX5" fmla="*/ 1690198 w 2156533"/>
+                <a:gd name="connsiteY5" fmla="*/ 824921 h 824921"/>
+                <a:gd name="connsiteX6" fmla="*/ 445659 w 2156533"/>
+                <a:gd name="connsiteY6" fmla="*/ 824921 h 824921"/>
+                <a:gd name="connsiteX7" fmla="*/ 379091 w 2156533"/>
+                <a:gd name="connsiteY7" fmla="*/ 758353 h 824921"/>
+                <a:gd name="connsiteX8" fmla="*/ 375627 w 2156533"/>
+                <a:gd name="connsiteY8" fmla="*/ 128913 h 824921"/>
+                <a:gd name="connsiteX0" fmla="*/ 418185 w 2199091"/>
+                <a:gd name="connsiteY0" fmla="*/ 128913 h 824921"/>
+                <a:gd name="connsiteX1" fmla="*/ 44872 w 2199091"/>
+                <a:gd name="connsiteY1" fmla="*/ 6926 h 824921"/>
+                <a:gd name="connsiteX2" fmla="*/ 2196883 w 2199091"/>
+                <a:gd name="connsiteY2" fmla="*/ 0 h 824921"/>
+                <a:gd name="connsiteX3" fmla="*/ 1799324 w 2199091"/>
+                <a:gd name="connsiteY3" fmla="*/ 149695 h 824921"/>
+                <a:gd name="connsiteX4" fmla="*/ 1799324 w 2199091"/>
+                <a:gd name="connsiteY4" fmla="*/ 758353 h 824921"/>
+                <a:gd name="connsiteX5" fmla="*/ 1732756 w 2199091"/>
+                <a:gd name="connsiteY5" fmla="*/ 824921 h 824921"/>
+                <a:gd name="connsiteX6" fmla="*/ 488217 w 2199091"/>
+                <a:gd name="connsiteY6" fmla="*/ 824921 h 824921"/>
+                <a:gd name="connsiteX7" fmla="*/ 421649 w 2199091"/>
+                <a:gd name="connsiteY7" fmla="*/ 758353 h 824921"/>
+                <a:gd name="connsiteX8" fmla="*/ 418185 w 2199091"/>
+                <a:gd name="connsiteY8" fmla="*/ 128913 h 824921"/>
+                <a:gd name="connsiteX0" fmla="*/ 404178 w 2197426"/>
+                <a:gd name="connsiteY0" fmla="*/ 129381 h 825389"/>
+                <a:gd name="connsiteX1" fmla="*/ 30865 w 2197426"/>
+                <a:gd name="connsiteY1" fmla="*/ 7394 h 825389"/>
+                <a:gd name="connsiteX2" fmla="*/ 2182876 w 2197426"/>
+                <a:gd name="connsiteY2" fmla="*/ 468 h 825389"/>
+                <a:gd name="connsiteX3" fmla="*/ 1785317 w 2197426"/>
+                <a:gd name="connsiteY3" fmla="*/ 150163 h 825389"/>
+                <a:gd name="connsiteX4" fmla="*/ 1785317 w 2197426"/>
+                <a:gd name="connsiteY4" fmla="*/ 758821 h 825389"/>
+                <a:gd name="connsiteX5" fmla="*/ 1718749 w 2197426"/>
+                <a:gd name="connsiteY5" fmla="*/ 825389 h 825389"/>
+                <a:gd name="connsiteX6" fmla="*/ 474210 w 2197426"/>
+                <a:gd name="connsiteY6" fmla="*/ 825389 h 825389"/>
+                <a:gd name="connsiteX7" fmla="*/ 407642 w 2197426"/>
+                <a:gd name="connsiteY7" fmla="*/ 758821 h 825389"/>
+                <a:gd name="connsiteX8" fmla="*/ 404178 w 2197426"/>
+                <a:gd name="connsiteY8" fmla="*/ 129381 h 825389"/>
+                <a:gd name="connsiteX0" fmla="*/ 373313 w 2152011"/>
+                <a:gd name="connsiteY0" fmla="*/ 129381 h 825389"/>
+                <a:gd name="connsiteX1" fmla="*/ 0 w 2152011"/>
+                <a:gd name="connsiteY1" fmla="*/ 7394 h 825389"/>
+                <a:gd name="connsiteX2" fmla="*/ 2152011 w 2152011"/>
+                <a:gd name="connsiteY2" fmla="*/ 468 h 825389"/>
+                <a:gd name="connsiteX3" fmla="*/ 1754452 w 2152011"/>
+                <a:gd name="connsiteY3" fmla="*/ 150163 h 825389"/>
+                <a:gd name="connsiteX4" fmla="*/ 1754452 w 2152011"/>
+                <a:gd name="connsiteY4" fmla="*/ 758821 h 825389"/>
+                <a:gd name="connsiteX5" fmla="*/ 1687884 w 2152011"/>
+                <a:gd name="connsiteY5" fmla="*/ 825389 h 825389"/>
+                <a:gd name="connsiteX6" fmla="*/ 443345 w 2152011"/>
+                <a:gd name="connsiteY6" fmla="*/ 825389 h 825389"/>
+                <a:gd name="connsiteX7" fmla="*/ 376777 w 2152011"/>
+                <a:gd name="connsiteY7" fmla="*/ 758821 h 825389"/>
+                <a:gd name="connsiteX8" fmla="*/ 373313 w 2152011"/>
+                <a:gd name="connsiteY8" fmla="*/ 129381 h 825389"/>
+                <a:gd name="connsiteX0" fmla="*/ 436994 w 2018842"/>
+                <a:gd name="connsiteY0" fmla="*/ 132057 h 828065"/>
+                <a:gd name="connsiteX1" fmla="*/ 63681 w 2018842"/>
+                <a:gd name="connsiteY1" fmla="*/ 10070 h 828065"/>
+                <a:gd name="connsiteX2" fmla="*/ 2018842 w 2018842"/>
+                <a:gd name="connsiteY2" fmla="*/ 6319 h 828065"/>
+                <a:gd name="connsiteX3" fmla="*/ 1818133 w 2018842"/>
+                <a:gd name="connsiteY3" fmla="*/ 152839 h 828065"/>
+                <a:gd name="connsiteX4" fmla="*/ 1818133 w 2018842"/>
+                <a:gd name="connsiteY4" fmla="*/ 761497 h 828065"/>
+                <a:gd name="connsiteX5" fmla="*/ 1751565 w 2018842"/>
+                <a:gd name="connsiteY5" fmla="*/ 828065 h 828065"/>
+                <a:gd name="connsiteX6" fmla="*/ 507026 w 2018842"/>
+                <a:gd name="connsiteY6" fmla="*/ 828065 h 828065"/>
+                <a:gd name="connsiteX7" fmla="*/ 440458 w 2018842"/>
+                <a:gd name="connsiteY7" fmla="*/ 761497 h 828065"/>
+                <a:gd name="connsiteX8" fmla="*/ 436994 w 2018842"/>
+                <a:gd name="connsiteY8" fmla="*/ 132057 h 828065"/>
+                <a:gd name="connsiteX0" fmla="*/ 436994 w 2023402"/>
+                <a:gd name="connsiteY0" fmla="*/ 131514 h 827522"/>
+                <a:gd name="connsiteX1" fmla="*/ 63681 w 2023402"/>
+                <a:gd name="connsiteY1" fmla="*/ 9527 h 827522"/>
+                <a:gd name="connsiteX2" fmla="*/ 2018842 w 2023402"/>
+                <a:gd name="connsiteY2" fmla="*/ 5776 h 827522"/>
+                <a:gd name="connsiteX3" fmla="*/ 1818133 w 2023402"/>
+                <a:gd name="connsiteY3" fmla="*/ 152296 h 827522"/>
+                <a:gd name="connsiteX4" fmla="*/ 1818133 w 2023402"/>
+                <a:gd name="connsiteY4" fmla="*/ 760954 h 827522"/>
+                <a:gd name="connsiteX5" fmla="*/ 1751565 w 2023402"/>
+                <a:gd name="connsiteY5" fmla="*/ 827522 h 827522"/>
+                <a:gd name="connsiteX6" fmla="*/ 507026 w 2023402"/>
+                <a:gd name="connsiteY6" fmla="*/ 827522 h 827522"/>
+                <a:gd name="connsiteX7" fmla="*/ 440458 w 2023402"/>
+                <a:gd name="connsiteY7" fmla="*/ 760954 h 827522"/>
+                <a:gd name="connsiteX8" fmla="*/ 436994 w 2023402"/>
+                <a:gd name="connsiteY8" fmla="*/ 131514 h 827522"/>
+                <a:gd name="connsiteX0" fmla="*/ 260186 w 1921406"/>
+                <a:gd name="connsiteY0" fmla="*/ 144219 h 840227"/>
+                <a:gd name="connsiteX1" fmla="*/ 83723 w 1921406"/>
+                <a:gd name="connsiteY1" fmla="*/ 15882 h 840227"/>
+                <a:gd name="connsiteX2" fmla="*/ 1842034 w 1921406"/>
+                <a:gd name="connsiteY2" fmla="*/ 18481 h 840227"/>
+                <a:gd name="connsiteX3" fmla="*/ 1641325 w 1921406"/>
+                <a:gd name="connsiteY3" fmla="*/ 165001 h 840227"/>
+                <a:gd name="connsiteX4" fmla="*/ 1641325 w 1921406"/>
+                <a:gd name="connsiteY4" fmla="*/ 773659 h 840227"/>
+                <a:gd name="connsiteX5" fmla="*/ 1574757 w 1921406"/>
+                <a:gd name="connsiteY5" fmla="*/ 840227 h 840227"/>
+                <a:gd name="connsiteX6" fmla="*/ 330218 w 1921406"/>
+                <a:gd name="connsiteY6" fmla="*/ 840227 h 840227"/>
+                <a:gd name="connsiteX7" fmla="*/ 263650 w 1921406"/>
+                <a:gd name="connsiteY7" fmla="*/ 773659 h 840227"/>
+                <a:gd name="connsiteX8" fmla="*/ 260186 w 1921406"/>
+                <a:gd name="connsiteY8" fmla="*/ 144219 h 840227"/>
+                <a:gd name="connsiteX0" fmla="*/ 184184 w 1845404"/>
+                <a:gd name="connsiteY0" fmla="*/ 137193 h 833201"/>
+                <a:gd name="connsiteX1" fmla="*/ 7721 w 1845404"/>
+                <a:gd name="connsiteY1" fmla="*/ 8856 h 833201"/>
+                <a:gd name="connsiteX2" fmla="*/ 1766032 w 1845404"/>
+                <a:gd name="connsiteY2" fmla="*/ 11455 h 833201"/>
+                <a:gd name="connsiteX3" fmla="*/ 1565323 w 1845404"/>
+                <a:gd name="connsiteY3" fmla="*/ 157975 h 833201"/>
+                <a:gd name="connsiteX4" fmla="*/ 1565323 w 1845404"/>
+                <a:gd name="connsiteY4" fmla="*/ 766633 h 833201"/>
+                <a:gd name="connsiteX5" fmla="*/ 1498755 w 1845404"/>
+                <a:gd name="connsiteY5" fmla="*/ 833201 h 833201"/>
+                <a:gd name="connsiteX6" fmla="*/ 254216 w 1845404"/>
+                <a:gd name="connsiteY6" fmla="*/ 833201 h 833201"/>
+                <a:gd name="connsiteX7" fmla="*/ 187648 w 1845404"/>
+                <a:gd name="connsiteY7" fmla="*/ 766633 h 833201"/>
+                <a:gd name="connsiteX8" fmla="*/ 184184 w 1845404"/>
+                <a:gd name="connsiteY8" fmla="*/ 137193 h 833201"/>
+                <a:gd name="connsiteX0" fmla="*/ 254154 w 1839241"/>
+                <a:gd name="connsiteY0" fmla="*/ 147999 h 844007"/>
+                <a:gd name="connsiteX1" fmla="*/ 77691 w 1839241"/>
+                <a:gd name="connsiteY1" fmla="*/ 19662 h 844007"/>
+                <a:gd name="connsiteX2" fmla="*/ 1747102 w 1839241"/>
+                <a:gd name="connsiteY2" fmla="*/ 15911 h 844007"/>
+                <a:gd name="connsiteX3" fmla="*/ 1635293 w 1839241"/>
+                <a:gd name="connsiteY3" fmla="*/ 168781 h 844007"/>
+                <a:gd name="connsiteX4" fmla="*/ 1635293 w 1839241"/>
+                <a:gd name="connsiteY4" fmla="*/ 777439 h 844007"/>
+                <a:gd name="connsiteX5" fmla="*/ 1568725 w 1839241"/>
+                <a:gd name="connsiteY5" fmla="*/ 844007 h 844007"/>
+                <a:gd name="connsiteX6" fmla="*/ 324186 w 1839241"/>
+                <a:gd name="connsiteY6" fmla="*/ 844007 h 844007"/>
+                <a:gd name="connsiteX7" fmla="*/ 257618 w 1839241"/>
+                <a:gd name="connsiteY7" fmla="*/ 777439 h 844007"/>
+                <a:gd name="connsiteX8" fmla="*/ 254154 w 1839241"/>
+                <a:gd name="connsiteY8" fmla="*/ 147999 h 844007"/>
+                <a:gd name="connsiteX0" fmla="*/ 254154 w 1752323"/>
+                <a:gd name="connsiteY0" fmla="*/ 139925 h 835933"/>
+                <a:gd name="connsiteX1" fmla="*/ 77691 w 1752323"/>
+                <a:gd name="connsiteY1" fmla="*/ 11588 h 835933"/>
+                <a:gd name="connsiteX2" fmla="*/ 1747102 w 1752323"/>
+                <a:gd name="connsiteY2" fmla="*/ 7837 h 835933"/>
+                <a:gd name="connsiteX3" fmla="*/ 1635293 w 1752323"/>
+                <a:gd name="connsiteY3" fmla="*/ 160707 h 835933"/>
+                <a:gd name="connsiteX4" fmla="*/ 1635293 w 1752323"/>
+                <a:gd name="connsiteY4" fmla="*/ 769365 h 835933"/>
+                <a:gd name="connsiteX5" fmla="*/ 1568725 w 1752323"/>
+                <a:gd name="connsiteY5" fmla="*/ 835933 h 835933"/>
+                <a:gd name="connsiteX6" fmla="*/ 324186 w 1752323"/>
+                <a:gd name="connsiteY6" fmla="*/ 835933 h 835933"/>
+                <a:gd name="connsiteX7" fmla="*/ 257618 w 1752323"/>
+                <a:gd name="connsiteY7" fmla="*/ 769365 h 835933"/>
+                <a:gd name="connsiteX8" fmla="*/ 254154 w 1752323"/>
+                <a:gd name="connsiteY8" fmla="*/ 139925 h 835933"/>
+                <a:gd name="connsiteX0" fmla="*/ 256302 w 1786136"/>
+                <a:gd name="connsiteY0" fmla="*/ 138666 h 834674"/>
+                <a:gd name="connsiteX1" fmla="*/ 79839 w 1786136"/>
+                <a:gd name="connsiteY1" fmla="*/ 10329 h 834674"/>
+                <a:gd name="connsiteX2" fmla="*/ 1781000 w 1786136"/>
+                <a:gd name="connsiteY2" fmla="*/ 9753 h 834674"/>
+                <a:gd name="connsiteX3" fmla="*/ 1637441 w 1786136"/>
+                <a:gd name="connsiteY3" fmla="*/ 159448 h 834674"/>
+                <a:gd name="connsiteX4" fmla="*/ 1637441 w 1786136"/>
+                <a:gd name="connsiteY4" fmla="*/ 768106 h 834674"/>
+                <a:gd name="connsiteX5" fmla="*/ 1570873 w 1786136"/>
+                <a:gd name="connsiteY5" fmla="*/ 834674 h 834674"/>
+                <a:gd name="connsiteX6" fmla="*/ 326334 w 1786136"/>
+                <a:gd name="connsiteY6" fmla="*/ 834674 h 834674"/>
+                <a:gd name="connsiteX7" fmla="*/ 259766 w 1786136"/>
+                <a:gd name="connsiteY7" fmla="*/ 768106 h 834674"/>
+                <a:gd name="connsiteX8" fmla="*/ 256302 w 1786136"/>
+                <a:gd name="connsiteY8" fmla="*/ 138666 h 834674"/>
+                <a:gd name="connsiteX0" fmla="*/ 181625 w 1710512"/>
+                <a:gd name="connsiteY0" fmla="*/ 130557 h 826565"/>
+                <a:gd name="connsiteX1" fmla="*/ 5162 w 1710512"/>
+                <a:gd name="connsiteY1" fmla="*/ 2220 h 826565"/>
+                <a:gd name="connsiteX2" fmla="*/ 1706323 w 1710512"/>
+                <a:gd name="connsiteY2" fmla="*/ 1644 h 826565"/>
+                <a:gd name="connsiteX3" fmla="*/ 1562764 w 1710512"/>
+                <a:gd name="connsiteY3" fmla="*/ 151339 h 826565"/>
+                <a:gd name="connsiteX4" fmla="*/ 1562764 w 1710512"/>
+                <a:gd name="connsiteY4" fmla="*/ 759997 h 826565"/>
+                <a:gd name="connsiteX5" fmla="*/ 1496196 w 1710512"/>
+                <a:gd name="connsiteY5" fmla="*/ 826565 h 826565"/>
+                <a:gd name="connsiteX6" fmla="*/ 251657 w 1710512"/>
+                <a:gd name="connsiteY6" fmla="*/ 826565 h 826565"/>
+                <a:gd name="connsiteX7" fmla="*/ 185089 w 1710512"/>
+                <a:gd name="connsiteY7" fmla="*/ 759997 h 826565"/>
+                <a:gd name="connsiteX8" fmla="*/ 181625 w 1710512"/>
+                <a:gd name="connsiteY8" fmla="*/ 130557 h 826565"/>
+                <a:gd name="connsiteX0" fmla="*/ 157442 w 1767509"/>
+                <a:gd name="connsiteY0" fmla="*/ 139313 h 835321"/>
+                <a:gd name="connsiteX1" fmla="*/ 6379 w 1767509"/>
+                <a:gd name="connsiteY1" fmla="*/ 14151 h 835321"/>
+                <a:gd name="connsiteX2" fmla="*/ 1682140 w 1767509"/>
+                <a:gd name="connsiteY2" fmla="*/ 10400 h 835321"/>
+                <a:gd name="connsiteX3" fmla="*/ 1538581 w 1767509"/>
+                <a:gd name="connsiteY3" fmla="*/ 160095 h 835321"/>
+                <a:gd name="connsiteX4" fmla="*/ 1538581 w 1767509"/>
+                <a:gd name="connsiteY4" fmla="*/ 768753 h 835321"/>
+                <a:gd name="connsiteX5" fmla="*/ 1472013 w 1767509"/>
+                <a:gd name="connsiteY5" fmla="*/ 835321 h 835321"/>
+                <a:gd name="connsiteX6" fmla="*/ 227474 w 1767509"/>
+                <a:gd name="connsiteY6" fmla="*/ 835321 h 835321"/>
+                <a:gd name="connsiteX7" fmla="*/ 160906 w 1767509"/>
+                <a:gd name="connsiteY7" fmla="*/ 768753 h 835321"/>
+                <a:gd name="connsiteX8" fmla="*/ 157442 w 1767509"/>
+                <a:gd name="connsiteY8" fmla="*/ 139313 h 835321"/>
+                <a:gd name="connsiteX0" fmla="*/ 155631 w 1765698"/>
+                <a:gd name="connsiteY0" fmla="*/ 139999 h 836007"/>
+                <a:gd name="connsiteX1" fmla="*/ 4568 w 1765698"/>
+                <a:gd name="connsiteY1" fmla="*/ 14837 h 836007"/>
+                <a:gd name="connsiteX2" fmla="*/ 1680329 w 1765698"/>
+                <a:gd name="connsiteY2" fmla="*/ 11086 h 836007"/>
+                <a:gd name="connsiteX3" fmla="*/ 1536770 w 1765698"/>
+                <a:gd name="connsiteY3" fmla="*/ 160781 h 836007"/>
+                <a:gd name="connsiteX4" fmla="*/ 1536770 w 1765698"/>
+                <a:gd name="connsiteY4" fmla="*/ 769439 h 836007"/>
+                <a:gd name="connsiteX5" fmla="*/ 1470202 w 1765698"/>
+                <a:gd name="connsiteY5" fmla="*/ 836007 h 836007"/>
+                <a:gd name="connsiteX6" fmla="*/ 225663 w 1765698"/>
+                <a:gd name="connsiteY6" fmla="*/ 836007 h 836007"/>
+                <a:gd name="connsiteX7" fmla="*/ 159095 w 1765698"/>
+                <a:gd name="connsiteY7" fmla="*/ 769439 h 836007"/>
+                <a:gd name="connsiteX8" fmla="*/ 155631 w 1765698"/>
+                <a:gd name="connsiteY8" fmla="*/ 139999 h 836007"/>
+                <a:gd name="connsiteX0" fmla="*/ 155631 w 1765698"/>
+                <a:gd name="connsiteY0" fmla="*/ 139999 h 836007"/>
+                <a:gd name="connsiteX1" fmla="*/ 4568 w 1765698"/>
+                <a:gd name="connsiteY1" fmla="*/ 14837 h 836007"/>
+                <a:gd name="connsiteX2" fmla="*/ 1680329 w 1765698"/>
+                <a:gd name="connsiteY2" fmla="*/ 11086 h 836007"/>
+                <a:gd name="connsiteX3" fmla="*/ 1536770 w 1765698"/>
+                <a:gd name="connsiteY3" fmla="*/ 160781 h 836007"/>
+                <a:gd name="connsiteX4" fmla="*/ 1536770 w 1765698"/>
+                <a:gd name="connsiteY4" fmla="*/ 769439 h 836007"/>
+                <a:gd name="connsiteX5" fmla="*/ 1470202 w 1765698"/>
+                <a:gd name="connsiteY5" fmla="*/ 836007 h 836007"/>
+                <a:gd name="connsiteX6" fmla="*/ 225663 w 1765698"/>
+                <a:gd name="connsiteY6" fmla="*/ 836007 h 836007"/>
+                <a:gd name="connsiteX7" fmla="*/ 159095 w 1765698"/>
+                <a:gd name="connsiteY7" fmla="*/ 769439 h 836007"/>
+                <a:gd name="connsiteX8" fmla="*/ 155631 w 1765698"/>
+                <a:gd name="connsiteY8" fmla="*/ 139999 h 836007"/>
+                <a:gd name="connsiteX0" fmla="*/ 154777 w 1684351"/>
+                <a:gd name="connsiteY0" fmla="*/ 131536 h 827544"/>
+                <a:gd name="connsiteX1" fmla="*/ 3714 w 1684351"/>
+                <a:gd name="connsiteY1" fmla="*/ 6374 h 827544"/>
+                <a:gd name="connsiteX2" fmla="*/ 1679475 w 1684351"/>
+                <a:gd name="connsiteY2" fmla="*/ 2623 h 827544"/>
+                <a:gd name="connsiteX3" fmla="*/ 1535916 w 1684351"/>
+                <a:gd name="connsiteY3" fmla="*/ 152318 h 827544"/>
+                <a:gd name="connsiteX4" fmla="*/ 1535916 w 1684351"/>
+                <a:gd name="connsiteY4" fmla="*/ 760976 h 827544"/>
+                <a:gd name="connsiteX5" fmla="*/ 1469348 w 1684351"/>
+                <a:gd name="connsiteY5" fmla="*/ 827544 h 827544"/>
+                <a:gd name="connsiteX6" fmla="*/ 224809 w 1684351"/>
+                <a:gd name="connsiteY6" fmla="*/ 827544 h 827544"/>
+                <a:gd name="connsiteX7" fmla="*/ 158241 w 1684351"/>
+                <a:gd name="connsiteY7" fmla="*/ 760976 h 827544"/>
+                <a:gd name="connsiteX8" fmla="*/ 154777 w 1684351"/>
+                <a:gd name="connsiteY8" fmla="*/ 131536 h 827544"/>
+                <a:gd name="connsiteX0" fmla="*/ 236936 w 1786555"/>
+                <a:gd name="connsiteY0" fmla="*/ 135949 h 831957"/>
+                <a:gd name="connsiteX1" fmla="*/ 85873 w 1786555"/>
+                <a:gd name="connsiteY1" fmla="*/ 10787 h 831957"/>
+                <a:gd name="connsiteX2" fmla="*/ 1780684 w 1786555"/>
+                <a:gd name="connsiteY2" fmla="*/ 10211 h 831957"/>
+                <a:gd name="connsiteX3" fmla="*/ 1618075 w 1786555"/>
+                <a:gd name="connsiteY3" fmla="*/ 156731 h 831957"/>
+                <a:gd name="connsiteX4" fmla="*/ 1618075 w 1786555"/>
+                <a:gd name="connsiteY4" fmla="*/ 765389 h 831957"/>
+                <a:gd name="connsiteX5" fmla="*/ 1551507 w 1786555"/>
+                <a:gd name="connsiteY5" fmla="*/ 831957 h 831957"/>
+                <a:gd name="connsiteX6" fmla="*/ 306968 w 1786555"/>
+                <a:gd name="connsiteY6" fmla="*/ 831957 h 831957"/>
+                <a:gd name="connsiteX7" fmla="*/ 240400 w 1786555"/>
+                <a:gd name="connsiteY7" fmla="*/ 765389 h 831957"/>
+                <a:gd name="connsiteX8" fmla="*/ 236936 w 1786555"/>
+                <a:gd name="connsiteY8" fmla="*/ 135949 h 831957"/>
+                <a:gd name="connsiteX0" fmla="*/ 157046 w 1705555"/>
+                <a:gd name="connsiteY0" fmla="*/ 128377 h 824385"/>
+                <a:gd name="connsiteX1" fmla="*/ 5983 w 1705555"/>
+                <a:gd name="connsiteY1" fmla="*/ 3215 h 824385"/>
+                <a:gd name="connsiteX2" fmla="*/ 1700794 w 1705555"/>
+                <a:gd name="connsiteY2" fmla="*/ 2639 h 824385"/>
+                <a:gd name="connsiteX3" fmla="*/ 1538185 w 1705555"/>
+                <a:gd name="connsiteY3" fmla="*/ 149159 h 824385"/>
+                <a:gd name="connsiteX4" fmla="*/ 1538185 w 1705555"/>
+                <a:gd name="connsiteY4" fmla="*/ 757817 h 824385"/>
+                <a:gd name="connsiteX5" fmla="*/ 1471617 w 1705555"/>
+                <a:gd name="connsiteY5" fmla="*/ 824385 h 824385"/>
+                <a:gd name="connsiteX6" fmla="*/ 227078 w 1705555"/>
+                <a:gd name="connsiteY6" fmla="*/ 824385 h 824385"/>
+                <a:gd name="connsiteX7" fmla="*/ 160510 w 1705555"/>
+                <a:gd name="connsiteY7" fmla="*/ 757817 h 824385"/>
+                <a:gd name="connsiteX8" fmla="*/ 157046 w 1705555"/>
+                <a:gd name="connsiteY8" fmla="*/ 128377 h 824385"/>
+                <a:gd name="connsiteX0" fmla="*/ 158360 w 1784749"/>
+                <a:gd name="connsiteY0" fmla="*/ 140824 h 836832"/>
+                <a:gd name="connsiteX1" fmla="*/ 7297 w 1784749"/>
+                <a:gd name="connsiteY1" fmla="*/ 15662 h 836832"/>
+                <a:gd name="connsiteX2" fmla="*/ 1702108 w 1784749"/>
+                <a:gd name="connsiteY2" fmla="*/ 15086 h 836832"/>
+                <a:gd name="connsiteX3" fmla="*/ 1539499 w 1784749"/>
+                <a:gd name="connsiteY3" fmla="*/ 215581 h 836832"/>
+                <a:gd name="connsiteX4" fmla="*/ 1539499 w 1784749"/>
+                <a:gd name="connsiteY4" fmla="*/ 770264 h 836832"/>
+                <a:gd name="connsiteX5" fmla="*/ 1472931 w 1784749"/>
+                <a:gd name="connsiteY5" fmla="*/ 836832 h 836832"/>
+                <a:gd name="connsiteX6" fmla="*/ 228392 w 1784749"/>
+                <a:gd name="connsiteY6" fmla="*/ 836832 h 836832"/>
+                <a:gd name="connsiteX7" fmla="*/ 161824 w 1784749"/>
+                <a:gd name="connsiteY7" fmla="*/ 770264 h 836832"/>
+                <a:gd name="connsiteX8" fmla="*/ 158360 w 1784749"/>
+                <a:gd name="connsiteY8" fmla="*/ 140824 h 836832"/>
+                <a:gd name="connsiteX0" fmla="*/ 239426 w 1862640"/>
+                <a:gd name="connsiteY0" fmla="*/ 233513 h 846971"/>
+                <a:gd name="connsiteX1" fmla="*/ 85188 w 1862640"/>
+                <a:gd name="connsiteY1" fmla="*/ 25801 h 846971"/>
+                <a:gd name="connsiteX2" fmla="*/ 1779999 w 1862640"/>
+                <a:gd name="connsiteY2" fmla="*/ 25225 h 846971"/>
+                <a:gd name="connsiteX3" fmla="*/ 1617390 w 1862640"/>
+                <a:gd name="connsiteY3" fmla="*/ 225720 h 846971"/>
+                <a:gd name="connsiteX4" fmla="*/ 1617390 w 1862640"/>
+                <a:gd name="connsiteY4" fmla="*/ 780403 h 846971"/>
+                <a:gd name="connsiteX5" fmla="*/ 1550822 w 1862640"/>
+                <a:gd name="connsiteY5" fmla="*/ 846971 h 846971"/>
+                <a:gd name="connsiteX6" fmla="*/ 306283 w 1862640"/>
+                <a:gd name="connsiteY6" fmla="*/ 846971 h 846971"/>
+                <a:gd name="connsiteX7" fmla="*/ 239715 w 1862640"/>
+                <a:gd name="connsiteY7" fmla="*/ 780403 h 846971"/>
+                <a:gd name="connsiteX8" fmla="*/ 239426 w 1862640"/>
+                <a:gd name="connsiteY8" fmla="*/ 233513 h 846971"/>
+                <a:gd name="connsiteX0" fmla="*/ 238598 w 1861812"/>
+                <a:gd name="connsiteY0" fmla="*/ 233513 h 846971"/>
+                <a:gd name="connsiteX1" fmla="*/ 84360 w 1861812"/>
+                <a:gd name="connsiteY1" fmla="*/ 25801 h 846971"/>
+                <a:gd name="connsiteX2" fmla="*/ 1779171 w 1861812"/>
+                <a:gd name="connsiteY2" fmla="*/ 25225 h 846971"/>
+                <a:gd name="connsiteX3" fmla="*/ 1616562 w 1861812"/>
+                <a:gd name="connsiteY3" fmla="*/ 225720 h 846971"/>
+                <a:gd name="connsiteX4" fmla="*/ 1616562 w 1861812"/>
+                <a:gd name="connsiteY4" fmla="*/ 780403 h 846971"/>
+                <a:gd name="connsiteX5" fmla="*/ 1549994 w 1861812"/>
+                <a:gd name="connsiteY5" fmla="*/ 846971 h 846971"/>
+                <a:gd name="connsiteX6" fmla="*/ 305455 w 1861812"/>
+                <a:gd name="connsiteY6" fmla="*/ 846971 h 846971"/>
+                <a:gd name="connsiteX7" fmla="*/ 238887 w 1861812"/>
+                <a:gd name="connsiteY7" fmla="*/ 780403 h 846971"/>
+                <a:gd name="connsiteX8" fmla="*/ 238598 w 1861812"/>
+                <a:gd name="connsiteY8" fmla="*/ 233513 h 846971"/>
+                <a:gd name="connsiteX0" fmla="*/ 238598 w 1862214"/>
+                <a:gd name="connsiteY0" fmla="*/ 233513 h 846971"/>
+                <a:gd name="connsiteX1" fmla="*/ 84360 w 1862214"/>
+                <a:gd name="connsiteY1" fmla="*/ 25801 h 846971"/>
+                <a:gd name="connsiteX2" fmla="*/ 1779171 w 1862214"/>
+                <a:gd name="connsiteY2" fmla="*/ 25225 h 846971"/>
+                <a:gd name="connsiteX3" fmla="*/ 1616562 w 1862214"/>
+                <a:gd name="connsiteY3" fmla="*/ 225720 h 846971"/>
+                <a:gd name="connsiteX4" fmla="*/ 1616562 w 1862214"/>
+                <a:gd name="connsiteY4" fmla="*/ 780403 h 846971"/>
+                <a:gd name="connsiteX5" fmla="*/ 1549994 w 1862214"/>
+                <a:gd name="connsiteY5" fmla="*/ 846971 h 846971"/>
+                <a:gd name="connsiteX6" fmla="*/ 305455 w 1862214"/>
+                <a:gd name="connsiteY6" fmla="*/ 846971 h 846971"/>
+                <a:gd name="connsiteX7" fmla="*/ 238887 w 1862214"/>
+                <a:gd name="connsiteY7" fmla="*/ 780403 h 846971"/>
+                <a:gd name="connsiteX8" fmla="*/ 238598 w 1862214"/>
+                <a:gd name="connsiteY8" fmla="*/ 233513 h 846971"/>
+                <a:gd name="connsiteX0" fmla="*/ 238160 w 1856323"/>
+                <a:gd name="connsiteY0" fmla="*/ 248080 h 861538"/>
+                <a:gd name="connsiteX1" fmla="*/ 83922 w 1856323"/>
+                <a:gd name="connsiteY1" fmla="*/ 40368 h 861538"/>
+                <a:gd name="connsiteX2" fmla="*/ 1772383 w 1856323"/>
+                <a:gd name="connsiteY2" fmla="*/ 17567 h 861538"/>
+                <a:gd name="connsiteX3" fmla="*/ 1616124 w 1856323"/>
+                <a:gd name="connsiteY3" fmla="*/ 240287 h 861538"/>
+                <a:gd name="connsiteX4" fmla="*/ 1616124 w 1856323"/>
+                <a:gd name="connsiteY4" fmla="*/ 794970 h 861538"/>
+                <a:gd name="connsiteX5" fmla="*/ 1549556 w 1856323"/>
+                <a:gd name="connsiteY5" fmla="*/ 861538 h 861538"/>
+                <a:gd name="connsiteX6" fmla="*/ 305017 w 1856323"/>
+                <a:gd name="connsiteY6" fmla="*/ 861538 h 861538"/>
+                <a:gd name="connsiteX7" fmla="*/ 238449 w 1856323"/>
+                <a:gd name="connsiteY7" fmla="*/ 794970 h 861538"/>
+                <a:gd name="connsiteX8" fmla="*/ 238160 w 1856323"/>
+                <a:gd name="connsiteY8" fmla="*/ 248080 h 861538"/>
+                <a:gd name="connsiteX0" fmla="*/ 238160 w 1785863"/>
+                <a:gd name="connsiteY0" fmla="*/ 242493 h 855951"/>
+                <a:gd name="connsiteX1" fmla="*/ 83922 w 1785863"/>
+                <a:gd name="connsiteY1" fmla="*/ 34781 h 855951"/>
+                <a:gd name="connsiteX2" fmla="*/ 1772383 w 1785863"/>
+                <a:gd name="connsiteY2" fmla="*/ 11980 h 855951"/>
+                <a:gd name="connsiteX3" fmla="*/ 1616124 w 1785863"/>
+                <a:gd name="connsiteY3" fmla="*/ 234700 h 855951"/>
+                <a:gd name="connsiteX4" fmla="*/ 1616124 w 1785863"/>
+                <a:gd name="connsiteY4" fmla="*/ 789383 h 855951"/>
+                <a:gd name="connsiteX5" fmla="*/ 1549556 w 1785863"/>
+                <a:gd name="connsiteY5" fmla="*/ 855951 h 855951"/>
+                <a:gd name="connsiteX6" fmla="*/ 305017 w 1785863"/>
+                <a:gd name="connsiteY6" fmla="*/ 855951 h 855951"/>
+                <a:gd name="connsiteX7" fmla="*/ 238449 w 1785863"/>
+                <a:gd name="connsiteY7" fmla="*/ 789383 h 855951"/>
+                <a:gd name="connsiteX8" fmla="*/ 238160 w 1785863"/>
+                <a:gd name="connsiteY8" fmla="*/ 242493 h 855951"/>
+                <a:gd name="connsiteX0" fmla="*/ 239914 w 1812854"/>
+                <a:gd name="connsiteY0" fmla="*/ 232326 h 845784"/>
+                <a:gd name="connsiteX1" fmla="*/ 85676 w 1812854"/>
+                <a:gd name="connsiteY1" fmla="*/ 24614 h 845784"/>
+                <a:gd name="connsiteX2" fmla="*/ 1799537 w 1812854"/>
+                <a:gd name="connsiteY2" fmla="*/ 17688 h 845784"/>
+                <a:gd name="connsiteX3" fmla="*/ 1617878 w 1812854"/>
+                <a:gd name="connsiteY3" fmla="*/ 224533 h 845784"/>
+                <a:gd name="connsiteX4" fmla="*/ 1617878 w 1812854"/>
+                <a:gd name="connsiteY4" fmla="*/ 779216 h 845784"/>
+                <a:gd name="connsiteX5" fmla="*/ 1551310 w 1812854"/>
+                <a:gd name="connsiteY5" fmla="*/ 845784 h 845784"/>
+                <a:gd name="connsiteX6" fmla="*/ 306771 w 1812854"/>
+                <a:gd name="connsiteY6" fmla="*/ 845784 h 845784"/>
+                <a:gd name="connsiteX7" fmla="*/ 240203 w 1812854"/>
+                <a:gd name="connsiteY7" fmla="*/ 779216 h 845784"/>
+                <a:gd name="connsiteX8" fmla="*/ 239914 w 1812854"/>
+                <a:gd name="connsiteY8" fmla="*/ 232326 h 845784"/>
+                <a:gd name="connsiteX0" fmla="*/ 241013 w 1829728"/>
+                <a:gd name="connsiteY0" fmla="*/ 230621 h 844079"/>
+                <a:gd name="connsiteX1" fmla="*/ 86775 w 1829728"/>
+                <a:gd name="connsiteY1" fmla="*/ 22909 h 844079"/>
+                <a:gd name="connsiteX2" fmla="*/ 1816511 w 1829728"/>
+                <a:gd name="connsiteY2" fmla="*/ 19158 h 844079"/>
+                <a:gd name="connsiteX3" fmla="*/ 1618977 w 1829728"/>
+                <a:gd name="connsiteY3" fmla="*/ 222828 h 844079"/>
+                <a:gd name="connsiteX4" fmla="*/ 1618977 w 1829728"/>
+                <a:gd name="connsiteY4" fmla="*/ 777511 h 844079"/>
+                <a:gd name="connsiteX5" fmla="*/ 1552409 w 1829728"/>
+                <a:gd name="connsiteY5" fmla="*/ 844079 h 844079"/>
+                <a:gd name="connsiteX6" fmla="*/ 307870 w 1829728"/>
+                <a:gd name="connsiteY6" fmla="*/ 844079 h 844079"/>
+                <a:gd name="connsiteX7" fmla="*/ 241302 w 1829728"/>
+                <a:gd name="connsiteY7" fmla="*/ 777511 h 844079"/>
+                <a:gd name="connsiteX8" fmla="*/ 241013 w 1829728"/>
+                <a:gd name="connsiteY8" fmla="*/ 230621 h 844079"/>
+                <a:gd name="connsiteX0" fmla="*/ 241013 w 1829728"/>
+                <a:gd name="connsiteY0" fmla="*/ 224021 h 837479"/>
+                <a:gd name="connsiteX1" fmla="*/ 86775 w 1829728"/>
+                <a:gd name="connsiteY1" fmla="*/ 16309 h 837479"/>
+                <a:gd name="connsiteX2" fmla="*/ 1816511 w 1829728"/>
+                <a:gd name="connsiteY2" fmla="*/ 12558 h 837479"/>
+                <a:gd name="connsiteX3" fmla="*/ 1618977 w 1829728"/>
+                <a:gd name="connsiteY3" fmla="*/ 216228 h 837479"/>
+                <a:gd name="connsiteX4" fmla="*/ 1618977 w 1829728"/>
+                <a:gd name="connsiteY4" fmla="*/ 770911 h 837479"/>
+                <a:gd name="connsiteX5" fmla="*/ 1552409 w 1829728"/>
+                <a:gd name="connsiteY5" fmla="*/ 837479 h 837479"/>
+                <a:gd name="connsiteX6" fmla="*/ 307870 w 1829728"/>
+                <a:gd name="connsiteY6" fmla="*/ 837479 h 837479"/>
+                <a:gd name="connsiteX7" fmla="*/ 241302 w 1829728"/>
+                <a:gd name="connsiteY7" fmla="*/ 770911 h 837479"/>
+                <a:gd name="connsiteX8" fmla="*/ 241013 w 1829728"/>
+                <a:gd name="connsiteY8" fmla="*/ 224021 h 837479"/>
+                <a:gd name="connsiteX0" fmla="*/ 241013 w 1829728"/>
+                <a:gd name="connsiteY0" fmla="*/ 224021 h 837479"/>
+                <a:gd name="connsiteX1" fmla="*/ 86775 w 1829728"/>
+                <a:gd name="connsiteY1" fmla="*/ 16309 h 837479"/>
+                <a:gd name="connsiteX2" fmla="*/ 1816511 w 1829728"/>
+                <a:gd name="connsiteY2" fmla="*/ 12558 h 837479"/>
+                <a:gd name="connsiteX3" fmla="*/ 1618977 w 1829728"/>
+                <a:gd name="connsiteY3" fmla="*/ 216228 h 837479"/>
+                <a:gd name="connsiteX4" fmla="*/ 1618977 w 1829728"/>
+                <a:gd name="connsiteY4" fmla="*/ 770911 h 837479"/>
+                <a:gd name="connsiteX5" fmla="*/ 1552409 w 1829728"/>
+                <a:gd name="connsiteY5" fmla="*/ 837479 h 837479"/>
+                <a:gd name="connsiteX6" fmla="*/ 307870 w 1829728"/>
+                <a:gd name="connsiteY6" fmla="*/ 837479 h 837479"/>
+                <a:gd name="connsiteX7" fmla="*/ 241302 w 1829728"/>
+                <a:gd name="connsiteY7" fmla="*/ 770911 h 837479"/>
+                <a:gd name="connsiteX8" fmla="*/ 241013 w 1829728"/>
+                <a:gd name="connsiteY8" fmla="*/ 224021 h 837479"/>
+                <a:gd name="connsiteX0" fmla="*/ 216773 w 1868784"/>
+                <a:gd name="connsiteY0" fmla="*/ 251658 h 865116"/>
+                <a:gd name="connsiteX1" fmla="*/ 91110 w 1868784"/>
+                <a:gd name="connsiteY1" fmla="*/ 18546 h 865116"/>
+                <a:gd name="connsiteX2" fmla="*/ 1792271 w 1868784"/>
+                <a:gd name="connsiteY2" fmla="*/ 40195 h 865116"/>
+                <a:gd name="connsiteX3" fmla="*/ 1594737 w 1868784"/>
+                <a:gd name="connsiteY3" fmla="*/ 243865 h 865116"/>
+                <a:gd name="connsiteX4" fmla="*/ 1594737 w 1868784"/>
+                <a:gd name="connsiteY4" fmla="*/ 798548 h 865116"/>
+                <a:gd name="connsiteX5" fmla="*/ 1528169 w 1868784"/>
+                <a:gd name="connsiteY5" fmla="*/ 865116 h 865116"/>
+                <a:gd name="connsiteX6" fmla="*/ 283630 w 1868784"/>
+                <a:gd name="connsiteY6" fmla="*/ 865116 h 865116"/>
+                <a:gd name="connsiteX7" fmla="*/ 217062 w 1868784"/>
+                <a:gd name="connsiteY7" fmla="*/ 798548 h 865116"/>
+                <a:gd name="connsiteX8" fmla="*/ 216773 w 1868784"/>
+                <a:gd name="connsiteY8" fmla="*/ 251658 h 865116"/>
+                <a:gd name="connsiteX0" fmla="*/ 216773 w 1868784"/>
+                <a:gd name="connsiteY0" fmla="*/ 274671 h 888129"/>
+                <a:gd name="connsiteX1" fmla="*/ 91110 w 1868784"/>
+                <a:gd name="connsiteY1" fmla="*/ 12984 h 888129"/>
+                <a:gd name="connsiteX2" fmla="*/ 1792271 w 1868784"/>
+                <a:gd name="connsiteY2" fmla="*/ 63208 h 888129"/>
+                <a:gd name="connsiteX3" fmla="*/ 1594737 w 1868784"/>
+                <a:gd name="connsiteY3" fmla="*/ 266878 h 888129"/>
+                <a:gd name="connsiteX4" fmla="*/ 1594737 w 1868784"/>
+                <a:gd name="connsiteY4" fmla="*/ 821561 h 888129"/>
+                <a:gd name="connsiteX5" fmla="*/ 1528169 w 1868784"/>
+                <a:gd name="connsiteY5" fmla="*/ 888129 h 888129"/>
+                <a:gd name="connsiteX6" fmla="*/ 283630 w 1868784"/>
+                <a:gd name="connsiteY6" fmla="*/ 888129 h 888129"/>
+                <a:gd name="connsiteX7" fmla="*/ 217062 w 1868784"/>
+                <a:gd name="connsiteY7" fmla="*/ 821561 h 888129"/>
+                <a:gd name="connsiteX8" fmla="*/ 216773 w 1868784"/>
+                <a:gd name="connsiteY8" fmla="*/ 274671 h 888129"/>
+                <a:gd name="connsiteX0" fmla="*/ 216325 w 1862778"/>
+                <a:gd name="connsiteY0" fmla="*/ 289222 h 902680"/>
+                <a:gd name="connsiteX1" fmla="*/ 90662 w 1862778"/>
+                <a:gd name="connsiteY1" fmla="*/ 27535 h 902680"/>
+                <a:gd name="connsiteX2" fmla="*/ 1785473 w 1862778"/>
+                <a:gd name="connsiteY2" fmla="*/ 36484 h 902680"/>
+                <a:gd name="connsiteX3" fmla="*/ 1594289 w 1862778"/>
+                <a:gd name="connsiteY3" fmla="*/ 281429 h 902680"/>
+                <a:gd name="connsiteX4" fmla="*/ 1594289 w 1862778"/>
+                <a:gd name="connsiteY4" fmla="*/ 836112 h 902680"/>
+                <a:gd name="connsiteX5" fmla="*/ 1527721 w 1862778"/>
+                <a:gd name="connsiteY5" fmla="*/ 902680 h 902680"/>
+                <a:gd name="connsiteX6" fmla="*/ 283182 w 1862778"/>
+                <a:gd name="connsiteY6" fmla="*/ 902680 h 902680"/>
+                <a:gd name="connsiteX7" fmla="*/ 216614 w 1862778"/>
+                <a:gd name="connsiteY7" fmla="*/ 836112 h 902680"/>
+                <a:gd name="connsiteX8" fmla="*/ 216325 w 1862778"/>
+                <a:gd name="connsiteY8" fmla="*/ 289222 h 902680"/>
+                <a:gd name="connsiteX0" fmla="*/ 216325 w 1862778"/>
+                <a:gd name="connsiteY0" fmla="*/ 289222 h 902680"/>
+                <a:gd name="connsiteX1" fmla="*/ 90662 w 1862778"/>
+                <a:gd name="connsiteY1" fmla="*/ 27535 h 902680"/>
+                <a:gd name="connsiteX2" fmla="*/ 1785473 w 1862778"/>
+                <a:gd name="connsiteY2" fmla="*/ 36484 h 902680"/>
+                <a:gd name="connsiteX3" fmla="*/ 1594289 w 1862778"/>
+                <a:gd name="connsiteY3" fmla="*/ 281429 h 902680"/>
+                <a:gd name="connsiteX4" fmla="*/ 1594289 w 1862778"/>
+                <a:gd name="connsiteY4" fmla="*/ 836112 h 902680"/>
+                <a:gd name="connsiteX5" fmla="*/ 1527721 w 1862778"/>
+                <a:gd name="connsiteY5" fmla="*/ 902680 h 902680"/>
+                <a:gd name="connsiteX6" fmla="*/ 283182 w 1862778"/>
+                <a:gd name="connsiteY6" fmla="*/ 902680 h 902680"/>
+                <a:gd name="connsiteX7" fmla="*/ 216614 w 1862778"/>
+                <a:gd name="connsiteY7" fmla="*/ 836112 h 902680"/>
+                <a:gd name="connsiteX8" fmla="*/ 216325 w 1862778"/>
+                <a:gd name="connsiteY8" fmla="*/ 289222 h 902680"/>
+                <a:gd name="connsiteX0" fmla="*/ 215874 w 1862327"/>
+                <a:gd name="connsiteY0" fmla="*/ 289222 h 902680"/>
+                <a:gd name="connsiteX1" fmla="*/ 90211 w 1862327"/>
+                <a:gd name="connsiteY1" fmla="*/ 27535 h 902680"/>
+                <a:gd name="connsiteX2" fmla="*/ 1785022 w 1862327"/>
+                <a:gd name="connsiteY2" fmla="*/ 36484 h 902680"/>
+                <a:gd name="connsiteX3" fmla="*/ 1593838 w 1862327"/>
+                <a:gd name="connsiteY3" fmla="*/ 281429 h 902680"/>
+                <a:gd name="connsiteX4" fmla="*/ 1593838 w 1862327"/>
+                <a:gd name="connsiteY4" fmla="*/ 836112 h 902680"/>
+                <a:gd name="connsiteX5" fmla="*/ 1527270 w 1862327"/>
+                <a:gd name="connsiteY5" fmla="*/ 902680 h 902680"/>
+                <a:gd name="connsiteX6" fmla="*/ 282731 w 1862327"/>
+                <a:gd name="connsiteY6" fmla="*/ 902680 h 902680"/>
+                <a:gd name="connsiteX7" fmla="*/ 216163 w 1862327"/>
+                <a:gd name="connsiteY7" fmla="*/ 836112 h 902680"/>
+                <a:gd name="connsiteX8" fmla="*/ 215874 w 1862327"/>
+                <a:gd name="connsiteY8" fmla="*/ 289222 h 902680"/>
+                <a:gd name="connsiteX0" fmla="*/ 218551 w 1865217"/>
+                <a:gd name="connsiteY0" fmla="*/ 271689 h 885147"/>
+                <a:gd name="connsiteX1" fmla="*/ 89713 w 1865217"/>
+                <a:gd name="connsiteY1" fmla="*/ 44927 h 885147"/>
+                <a:gd name="connsiteX2" fmla="*/ 1787699 w 1865217"/>
+                <a:gd name="connsiteY2" fmla="*/ 18951 h 885147"/>
+                <a:gd name="connsiteX3" fmla="*/ 1596515 w 1865217"/>
+                <a:gd name="connsiteY3" fmla="*/ 263896 h 885147"/>
+                <a:gd name="connsiteX4" fmla="*/ 1596515 w 1865217"/>
+                <a:gd name="connsiteY4" fmla="*/ 818579 h 885147"/>
+                <a:gd name="connsiteX5" fmla="*/ 1529947 w 1865217"/>
+                <a:gd name="connsiteY5" fmla="*/ 885147 h 885147"/>
+                <a:gd name="connsiteX6" fmla="*/ 285408 w 1865217"/>
+                <a:gd name="connsiteY6" fmla="*/ 885147 h 885147"/>
+                <a:gd name="connsiteX7" fmla="*/ 218840 w 1865217"/>
+                <a:gd name="connsiteY7" fmla="*/ 818579 h 885147"/>
+                <a:gd name="connsiteX8" fmla="*/ 218551 w 1865217"/>
+                <a:gd name="connsiteY8" fmla="*/ 271689 h 885147"/>
+                <a:gd name="connsiteX0" fmla="*/ 217882 w 1856244"/>
+                <a:gd name="connsiteY0" fmla="*/ 253205 h 866663"/>
+                <a:gd name="connsiteX1" fmla="*/ 89044 w 1856244"/>
+                <a:gd name="connsiteY1" fmla="*/ 26443 h 866663"/>
+                <a:gd name="connsiteX2" fmla="*/ 1777505 w 1856244"/>
+                <a:gd name="connsiteY2" fmla="*/ 29042 h 866663"/>
+                <a:gd name="connsiteX3" fmla="*/ 1595846 w 1856244"/>
+                <a:gd name="connsiteY3" fmla="*/ 245412 h 866663"/>
+                <a:gd name="connsiteX4" fmla="*/ 1595846 w 1856244"/>
+                <a:gd name="connsiteY4" fmla="*/ 800095 h 866663"/>
+                <a:gd name="connsiteX5" fmla="*/ 1529278 w 1856244"/>
+                <a:gd name="connsiteY5" fmla="*/ 866663 h 866663"/>
+                <a:gd name="connsiteX6" fmla="*/ 284739 w 1856244"/>
+                <a:gd name="connsiteY6" fmla="*/ 866663 h 866663"/>
+                <a:gd name="connsiteX7" fmla="*/ 218171 w 1856244"/>
+                <a:gd name="connsiteY7" fmla="*/ 800095 h 866663"/>
+                <a:gd name="connsiteX8" fmla="*/ 217882 w 1856244"/>
+                <a:gd name="connsiteY8" fmla="*/ 253205 h 866663"/>
+                <a:gd name="connsiteX0" fmla="*/ 147782 w 1780363"/>
+                <a:gd name="connsiteY0" fmla="*/ 253205 h 866663"/>
+                <a:gd name="connsiteX1" fmla="*/ 104669 w 1780363"/>
+                <a:gd name="connsiteY1" fmla="*/ 26443 h 866663"/>
+                <a:gd name="connsiteX2" fmla="*/ 1707405 w 1780363"/>
+                <a:gd name="connsiteY2" fmla="*/ 29042 h 866663"/>
+                <a:gd name="connsiteX3" fmla="*/ 1525746 w 1780363"/>
+                <a:gd name="connsiteY3" fmla="*/ 245412 h 866663"/>
+                <a:gd name="connsiteX4" fmla="*/ 1525746 w 1780363"/>
+                <a:gd name="connsiteY4" fmla="*/ 800095 h 866663"/>
+                <a:gd name="connsiteX5" fmla="*/ 1459178 w 1780363"/>
+                <a:gd name="connsiteY5" fmla="*/ 866663 h 866663"/>
+                <a:gd name="connsiteX6" fmla="*/ 214639 w 1780363"/>
+                <a:gd name="connsiteY6" fmla="*/ 866663 h 866663"/>
+                <a:gd name="connsiteX7" fmla="*/ 148071 w 1780363"/>
+                <a:gd name="connsiteY7" fmla="*/ 800095 h 866663"/>
+                <a:gd name="connsiteX8" fmla="*/ 147782 w 1780363"/>
+                <a:gd name="connsiteY8" fmla="*/ 253205 h 866663"/>
+                <a:gd name="connsiteX0" fmla="*/ 142912 w 1718560"/>
+                <a:gd name="connsiteY0" fmla="*/ 250562 h 864020"/>
+                <a:gd name="connsiteX1" fmla="*/ 99799 w 1718560"/>
+                <a:gd name="connsiteY1" fmla="*/ 23800 h 864020"/>
+                <a:gd name="connsiteX2" fmla="*/ 1636205 w 1718560"/>
+                <a:gd name="connsiteY2" fmla="*/ 31562 h 864020"/>
+                <a:gd name="connsiteX3" fmla="*/ 1520876 w 1718560"/>
+                <a:gd name="connsiteY3" fmla="*/ 242769 h 864020"/>
+                <a:gd name="connsiteX4" fmla="*/ 1520876 w 1718560"/>
+                <a:gd name="connsiteY4" fmla="*/ 797452 h 864020"/>
+                <a:gd name="connsiteX5" fmla="*/ 1454308 w 1718560"/>
+                <a:gd name="connsiteY5" fmla="*/ 864020 h 864020"/>
+                <a:gd name="connsiteX6" fmla="*/ 209769 w 1718560"/>
+                <a:gd name="connsiteY6" fmla="*/ 864020 h 864020"/>
+                <a:gd name="connsiteX7" fmla="*/ 143201 w 1718560"/>
+                <a:gd name="connsiteY7" fmla="*/ 797452 h 864020"/>
+                <a:gd name="connsiteX8" fmla="*/ 142912 w 1718560"/>
+                <a:gd name="connsiteY8" fmla="*/ 250562 h 864020"/>
+                <a:gd name="connsiteX0" fmla="*/ 140131 w 1684403"/>
+                <a:gd name="connsiteY0" fmla="*/ 248148 h 861606"/>
+                <a:gd name="connsiteX1" fmla="*/ 97018 w 1684403"/>
+                <a:gd name="connsiteY1" fmla="*/ 21386 h 861606"/>
+                <a:gd name="connsiteX2" fmla="*/ 1595521 w 1684403"/>
+                <a:gd name="connsiteY2" fmla="*/ 34311 h 861606"/>
+                <a:gd name="connsiteX3" fmla="*/ 1518095 w 1684403"/>
+                <a:gd name="connsiteY3" fmla="*/ 240355 h 861606"/>
+                <a:gd name="connsiteX4" fmla="*/ 1518095 w 1684403"/>
+                <a:gd name="connsiteY4" fmla="*/ 795038 h 861606"/>
+                <a:gd name="connsiteX5" fmla="*/ 1451527 w 1684403"/>
+                <a:gd name="connsiteY5" fmla="*/ 861606 h 861606"/>
+                <a:gd name="connsiteX6" fmla="*/ 206988 w 1684403"/>
+                <a:gd name="connsiteY6" fmla="*/ 861606 h 861606"/>
+                <a:gd name="connsiteX7" fmla="*/ 140420 w 1684403"/>
+                <a:gd name="connsiteY7" fmla="*/ 795038 h 861606"/>
+                <a:gd name="connsiteX8" fmla="*/ 140131 w 1684403"/>
+                <a:gd name="connsiteY8" fmla="*/ 248148 h 861606"/>
+                <a:gd name="connsiteX0" fmla="*/ 140131 w 1684403"/>
+                <a:gd name="connsiteY0" fmla="*/ 262476 h 875934"/>
+                <a:gd name="connsiteX1" fmla="*/ 97018 w 1684403"/>
+                <a:gd name="connsiteY1" fmla="*/ 35714 h 875934"/>
+                <a:gd name="connsiteX2" fmla="*/ 1595521 w 1684403"/>
+                <a:gd name="connsiteY2" fmla="*/ 22825 h 875934"/>
+                <a:gd name="connsiteX3" fmla="*/ 1518095 w 1684403"/>
+                <a:gd name="connsiteY3" fmla="*/ 254683 h 875934"/>
+                <a:gd name="connsiteX4" fmla="*/ 1518095 w 1684403"/>
+                <a:gd name="connsiteY4" fmla="*/ 809366 h 875934"/>
+                <a:gd name="connsiteX5" fmla="*/ 1451527 w 1684403"/>
+                <a:gd name="connsiteY5" fmla="*/ 875934 h 875934"/>
+                <a:gd name="connsiteX6" fmla="*/ 206988 w 1684403"/>
+                <a:gd name="connsiteY6" fmla="*/ 875934 h 875934"/>
+                <a:gd name="connsiteX7" fmla="*/ 140420 w 1684403"/>
+                <a:gd name="connsiteY7" fmla="*/ 809366 h 875934"/>
+                <a:gd name="connsiteX8" fmla="*/ 140131 w 1684403"/>
+                <a:gd name="connsiteY8" fmla="*/ 262476 h 875934"/>
+              </a:gdLst>
+              <a:ahLst/>
+              <a:cxnLst>
+                <a:cxn ang="0">
+                  <a:pos x="connsiteX0" y="connsiteY0"/>
+                </a:cxn>
+                <a:cxn ang="0">
+                  <a:pos x="connsiteX1" y="connsiteY1"/>
+                </a:cxn>
+                <a:cxn ang="0">
+                  <a:pos x="connsiteX2" y="connsiteY2"/>
+                </a:cxn>
+                <a:cxn ang="0">
+                  <a:pos x="connsiteX3" y="connsiteY3"/>
+                </a:cxn>
+                <a:cxn ang="0">
+                  <a:pos x="connsiteX4" y="connsiteY4"/>
+                </a:cxn>
+                <a:cxn ang="0">
+                  <a:pos x="connsiteX5" y="connsiteY5"/>
+                </a:cxn>
+                <a:cxn ang="0">
+                  <a:pos x="connsiteX6" y="connsiteY6"/>
+                </a:cxn>
+                <a:cxn ang="0">
+                  <a:pos x="connsiteX7" y="connsiteY7"/>
+                </a:cxn>
+                <a:cxn ang="0">
+                  <a:pos x="connsiteX8" y="connsiteY8"/>
+                </a:cxn>
+              </a:cxnLst>
+              <a:rect l="l" t="t" r="r" b="b"/>
+              <a:pathLst>
+                <a:path w="1684403" h="875934">
+                  <a:moveTo>
+                    <a:pt x="140131" y="262476"/>
+                  </a:moveTo>
+                  <a:cubicBezTo>
+                    <a:pt x="143594" y="-22515"/>
+                    <a:pt x="-145547" y="75656"/>
+                    <a:pt x="97018" y="35714"/>
+                  </a:cubicBezTo>
+                  <a:cubicBezTo>
+                    <a:pt x="339583" y="-4228"/>
+                    <a:pt x="1358675" y="-13670"/>
+                    <a:pt x="1595521" y="22825"/>
+                  </a:cubicBezTo>
+                  <a:cubicBezTo>
+                    <a:pt x="1832367" y="59320"/>
+                    <a:pt x="1521270" y="-25690"/>
+                    <a:pt x="1518095" y="254683"/>
+                  </a:cubicBezTo>
+                  <a:lnTo>
+                    <a:pt x="1518095" y="809366"/>
+                  </a:lnTo>
+                  <a:cubicBezTo>
+                    <a:pt x="1518095" y="846130"/>
+                    <a:pt x="1488291" y="875934"/>
+                    <a:pt x="1451527" y="875934"/>
+                  </a:cubicBezTo>
+                  <a:lnTo>
+                    <a:pt x="206988" y="875934"/>
+                  </a:lnTo>
+                  <a:cubicBezTo>
+                    <a:pt x="170224" y="875934"/>
+                    <a:pt x="140420" y="846130"/>
+                    <a:pt x="140420" y="809366"/>
+                  </a:cubicBezTo>
+                  <a:cubicBezTo>
+                    <a:pt x="139265" y="599553"/>
+                    <a:pt x="141286" y="472289"/>
+                    <a:pt x="140131" y="262476"/>
+                  </a:cubicBezTo>
+                  <a:close/>
+                </a:path>
+              </a:pathLst>
+            </a:custGeom>
+            <a:gradFill>
+              <a:gsLst>
+                <a:gs pos="0">
+                  <a:schemeClr val="accent1"/>
+                </a:gs>
+                <a:gs pos="96000">
+                  <a:schemeClr val="tx2"/>
+                </a:gs>
+              </a:gsLst>
+              <a:lin ang="5400000" scaled="0"/>
+            </a:gradFill>
+            <a:ln w="12700">
+              <a:noFill/>
+            </a:ln>
+            <a:effectLst/>
+          </p:spPr>
+          <p:style>
+            <a:lnRef idx="2">
+              <a:schemeClr val="dk1"/>
+            </a:lnRef>
+            <a:fillRef idx="1">
+              <a:schemeClr val="lt1"/>
+            </a:fillRef>
+            <a:effectRef idx="0">
+              <a:schemeClr val="dk1"/>
+            </a:effectRef>
+            <a:fontRef idx="minor">
+              <a:schemeClr val="dk1"/>
+            </a:fontRef>
+          </p:style>
+          <p:txBody>
+            <a:bodyPr rtlCol="0" anchor="ctr"/>
+            <a:lstStyle/>
+            <a:p>
+              <a:pPr algn="ctr"/>
+              <a:endParaRPr lang="en-US" sz="1600" dirty="0">
+                <a:ln w="0">
+                  <a:solidFill>
+                    <a:sysClr val="windowText" lastClr="000000"/>
+                  </a:solidFill>
+                </a:ln>
+                <a:solidFill>
+                  <a:schemeClr val="tx1"/>
+                </a:solidFill>
+              </a:endParaRPr>
+            </a:p>
+          </p:txBody>
+        </p:sp>
+        <p:grpSp>
+          <p:nvGrpSpPr>
+            <p:cNvPr id="76" name="Group 75">
+              <a:extLst>
+                <a:ext uri="{FF2B5EF4-FFF2-40B4-BE49-F238E27FC236}">
+                  <a16:creationId xmlns:a16="http://schemas.microsoft.com/office/drawing/2014/main" id="{235A8466-E772-32CE-0AD4-2042B6C3C944}"/>
+                </a:ext>
+              </a:extLst>
+            </p:cNvPr>
+            <p:cNvGrpSpPr/>
+            <p:nvPr/>
+          </p:nvGrpSpPr>
+          <p:grpSpPr>
+            <a:xfrm>
+              <a:off x="3457782" y="3761592"/>
+              <a:ext cx="1222852" cy="359571"/>
+              <a:chOff x="3671478" y="3950247"/>
+              <a:chExt cx="1376425" cy="404729"/>
+            </a:xfrm>
+          </p:grpSpPr>
+          <p:sp>
+            <p:nvSpPr>
+              <p:cNvPr id="77" name="Rounded Rectangle 65">
+                <a:extLst>
+                  <a:ext uri="{FF2B5EF4-FFF2-40B4-BE49-F238E27FC236}">
+                    <a16:creationId xmlns:a16="http://schemas.microsoft.com/office/drawing/2014/main" id="{0C77FE82-CE85-3C98-C1CE-426827928B09}"/>
+                  </a:ext>
+                </a:extLst>
+              </p:cNvPr>
+              <p:cNvSpPr/>
+              <p:nvPr/>
+            </p:nvSpPr>
+            <p:spPr>
+              <a:xfrm>
+                <a:off x="3671478" y="3950247"/>
+                <a:ext cx="1376425" cy="404729"/>
+              </a:xfrm>
+              <a:prstGeom prst="roundRect">
+                <a:avLst>
+                  <a:gd name="adj" fmla="val 12736"/>
+                </a:avLst>
+              </a:prstGeom>
+              <a:solidFill>
+                <a:schemeClr val="bg1"/>
+              </a:solidFill>
+              <a:ln w="12700">
+                <a:noFill/>
+              </a:ln>
+              <a:effectLst/>
+            </p:spPr>
+            <p:style>
+              <a:lnRef idx="2">
+                <a:schemeClr val="dk1"/>
+              </a:lnRef>
+              <a:fillRef idx="1">
+                <a:schemeClr val="lt1"/>
+              </a:fillRef>
+              <a:effectRef idx="0">
+                <a:schemeClr val="dk1"/>
+              </a:effectRef>
+              <a:fontRef idx="minor">
+                <a:schemeClr val="dk1"/>
+              </a:fontRef>
+            </p:style>
+            <p:txBody>
+              <a:bodyPr wrap="square" tIns="36000" bIns="36000" rtlCol="0" anchor="ctr">
+                <a:noAutofit/>
+              </a:bodyPr>
+              <a:lstStyle/>
+              <a:p>
+                <a:endParaRPr lang="en-US" sz="1200" dirty="0">
+                  <a:solidFill>
+                    <a:schemeClr val="bg1"/>
+                  </a:solidFill>
+                  <a:latin typeface="Source Sans Pro Light" charset="0"/>
+                  <a:ea typeface="Source Sans Pro Light" charset="0"/>
+                  <a:cs typeface="Source Sans Pro Light" charset="0"/>
+                </a:endParaRPr>
+              </a:p>
+            </p:txBody>
+          </p:sp>
+          <p:grpSp>
+            <p:nvGrpSpPr>
+              <p:cNvPr id="78" name="Group 77">
+                <a:extLst>
+                  <a:ext uri="{FF2B5EF4-FFF2-40B4-BE49-F238E27FC236}">
+                    <a16:creationId xmlns:a16="http://schemas.microsoft.com/office/drawing/2014/main" id="{76155D88-B90D-6F46-131F-4C7A024686FF}"/>
+                  </a:ext>
+                </a:extLst>
+              </p:cNvPr>
+              <p:cNvGrpSpPr/>
+              <p:nvPr/>
+            </p:nvGrpSpPr>
+            <p:grpSpPr>
+              <a:xfrm>
+                <a:off x="3783349" y="3990167"/>
+                <a:ext cx="1230087" cy="352081"/>
+                <a:chOff x="3783349" y="3990167"/>
+                <a:chExt cx="1230087" cy="352081"/>
+              </a:xfrm>
+            </p:grpSpPr>
+            <p:pic>
+              <p:nvPicPr>
+                <p:cNvPr id="79" name="Picture 78">
+                  <a:extLst>
+                    <a:ext uri="{FF2B5EF4-FFF2-40B4-BE49-F238E27FC236}">
+                      <a16:creationId xmlns:a16="http://schemas.microsoft.com/office/drawing/2014/main" id="{A1179592-5207-6FAF-E31F-EBAF62313814}"/>
+                    </a:ext>
+                  </a:extLst>
+                </p:cNvPr>
+                <p:cNvPicPr>
+                  <a:picLocks noChangeAspect="1"/>
+                </p:cNvPicPr>
+                <p:nvPr/>
+              </p:nvPicPr>
+              <p:blipFill>
+                <a:blip r:embed="rId3" cstate="print">
+                  <a:extLst>
+                    <a:ext uri="{28A0092B-C50C-407E-A947-70E740481C1C}">
+                      <a14:useLocalDpi xmlns:a14="http://schemas.microsoft.com/office/drawing/2010/main" val="0"/>
+                    </a:ext>
+                  </a:extLst>
+                </a:blip>
+                <a:stretch>
+                  <a:fillRect/>
+                </a:stretch>
+              </p:blipFill>
+              <p:spPr>
+                <a:xfrm>
+                  <a:off x="4112963" y="3992064"/>
+                  <a:ext cx="900473" cy="350184"/>
+                </a:xfrm>
+                <a:prstGeom prst="rect">
+                  <a:avLst/>
+                </a:prstGeom>
+              </p:spPr>
+            </p:pic>
+            <p:pic>
+              <p:nvPicPr>
+                <p:cNvPr id="80" name="Picture 79">
+                  <a:extLst>
+                    <a:ext uri="{FF2B5EF4-FFF2-40B4-BE49-F238E27FC236}">
+                      <a16:creationId xmlns:a16="http://schemas.microsoft.com/office/drawing/2014/main" id="{92250383-A004-0A25-843A-86073E12B609}"/>
+                    </a:ext>
+                  </a:extLst>
+                </p:cNvPr>
+                <p:cNvPicPr>
+                  <a:picLocks noChangeAspect="1"/>
+                </p:cNvPicPr>
+                <p:nvPr/>
+              </p:nvPicPr>
+              <p:blipFill>
+                <a:blip r:embed="rId4" cstate="print">
+                  <a:extLst>
+                    <a:ext uri="{28A0092B-C50C-407E-A947-70E740481C1C}">
+                      <a14:useLocalDpi xmlns:a14="http://schemas.microsoft.com/office/drawing/2010/main" val="0"/>
+                    </a:ext>
+                  </a:extLst>
+                </a:blip>
+                <a:stretch>
+                  <a:fillRect/>
+                </a:stretch>
+              </p:blipFill>
+              <p:spPr>
+                <a:xfrm>
+                  <a:off x="3783349" y="3990167"/>
+                  <a:ext cx="322073" cy="324658"/>
+                </a:xfrm>
+                <a:prstGeom prst="rect">
+                  <a:avLst/>
+                </a:prstGeom>
+              </p:spPr>
+            </p:pic>
+          </p:grpSp>
+        </p:grpSp>
+      </p:grpSp>
+      <p:sp>
+        <p:nvSpPr>
+          <p:cNvPr id="81" name="Rounded Rectangle 71">
+            <a:extLst>
+              <a:ext uri="{FF2B5EF4-FFF2-40B4-BE49-F238E27FC236}">
+                <a16:creationId xmlns:a16="http://schemas.microsoft.com/office/drawing/2014/main" id="{C1EBA424-129B-DEF2-155C-F31A2184B7B3}"/>
+              </a:ext>
+            </a:extLst>
+          </p:cNvPr>
+          <p:cNvSpPr/>
+          <p:nvPr/>
+        </p:nvSpPr>
+        <p:spPr>
+          <a:xfrm>
+            <a:off x="4230424" y="2740728"/>
+            <a:ext cx="5172332" cy="883510"/>
+          </a:xfrm>
+          <a:prstGeom prst="roundRect">
+            <a:avLst>
+              <a:gd name="adj" fmla="val 10601"/>
+            </a:avLst>
+          </a:prstGeom>
+          <a:solidFill>
+            <a:schemeClr val="accent1">
+              <a:lumMod val="75000"/>
+            </a:schemeClr>
+          </a:solidFill>
+          <a:ln w="12700">
+            <a:noFill/>
+          </a:ln>
+          <a:effectLst>
+            <a:innerShdw blurRad="114300">
+              <a:prstClr val="black">
+                <a:alpha val="49000"/>
+              </a:prstClr>
+            </a:innerShdw>
+          </a:effectLst>
+        </p:spPr>
+        <p:style>
+          <a:lnRef idx="2">
+            <a:schemeClr val="dk1"/>
+          </a:lnRef>
+          <a:fillRef idx="1">
+            <a:schemeClr val="lt1"/>
+          </a:fillRef>
+          <a:effectRef idx="0">
+            <a:schemeClr val="dk1"/>
+          </a:effectRef>
+          <a:fontRef idx="minor">
+            <a:schemeClr val="dk1"/>
+          </a:fontRef>
+        </p:style>
+        <p:txBody>
+          <a:bodyPr wrap="square" lIns="108000" tIns="0" bIns="0" rtlCol="0" anchor="ctr">
+            <a:noAutofit/>
+          </a:bodyPr>
+          <a:lstStyle/>
+          <a:p>
+            <a:r>
+              <a:rPr lang="en-US" sz="1600" b="1" dirty="0">
+                <a:solidFill>
+                  <a:schemeClr val="bg1"/>
+                </a:solidFill>
+                <a:latin typeface="Source Sans Pro" charset="0"/>
+                <a:ea typeface="Source Sans Pro" charset="0"/>
+                <a:cs typeface="Source Sans Pro" charset="0"/>
+              </a:rPr>
+              <a:t>FOUNDATION </a:t>
+            </a:r>
+            <a:br>
+              <a:rPr lang="en-US" sz="1600" b="1" dirty="0">
+                <a:solidFill>
+                  <a:schemeClr val="bg1"/>
+                </a:solidFill>
+                <a:latin typeface="Source Sans Pro" charset="0"/>
+                <a:ea typeface="Source Sans Pro" charset="0"/>
+                <a:cs typeface="Source Sans Pro" charset="0"/>
+              </a:rPr>
+            </a:br>
+            <a:r>
+              <a:rPr lang="en-US" sz="1600" b="1" dirty="0">
+                <a:solidFill>
+                  <a:schemeClr val="bg1"/>
+                </a:solidFill>
+                <a:latin typeface="Source Sans Pro" charset="0"/>
+                <a:ea typeface="Source Sans Pro" charset="0"/>
+                <a:cs typeface="Source Sans Pro" charset="0"/>
+              </a:rPr>
+              <a:t>LIBRARIES </a:t>
+            </a:r>
+          </a:p>
+        </p:txBody>
+      </p:sp>
+      <p:sp>
+        <p:nvSpPr>
+          <p:cNvPr id="82" name="Rounded Rectangle 73">
+            <a:extLst>
+              <a:ext uri="{FF2B5EF4-FFF2-40B4-BE49-F238E27FC236}">
+                <a16:creationId xmlns:a16="http://schemas.microsoft.com/office/drawing/2014/main" id="{D4EAF7F3-8A39-991D-641D-6311C585A8F8}"/>
+              </a:ext>
+            </a:extLst>
+          </p:cNvPr>
+          <p:cNvSpPr/>
+          <p:nvPr/>
+        </p:nvSpPr>
+        <p:spPr>
+          <a:xfrm>
+            <a:off x="5854998" y="4004472"/>
+            <a:ext cx="3391452" cy="288974"/>
+          </a:xfrm>
+          <a:prstGeom prst="roundRect">
+            <a:avLst>
+              <a:gd name="adj" fmla="val 13128"/>
+            </a:avLst>
+          </a:prstGeom>
+          <a:solidFill>
+            <a:schemeClr val="accent1"/>
+          </a:solidFill>
+          <a:ln w="12700">
+            <a:noFill/>
+          </a:ln>
+          <a:effectLst/>
+        </p:spPr>
+        <p:style>
+          <a:lnRef idx="2">
+            <a:schemeClr val="dk1"/>
+          </a:lnRef>
+          <a:fillRef idx="1">
+            <a:schemeClr val="lt1"/>
+          </a:fillRef>
+          <a:effectRef idx="0">
+            <a:schemeClr val="dk1"/>
+          </a:effectRef>
+          <a:fontRef idx="minor">
+            <a:schemeClr val="dk1"/>
+          </a:fontRef>
+        </p:style>
+        <p:txBody>
+          <a:bodyPr wrap="square" lIns="0" tIns="72000" rIns="0" bIns="36000" rtlCol="0" anchor="ctr">
+            <a:noAutofit/>
+          </a:bodyPr>
+          <a:lstStyle/>
+          <a:p>
+            <a:pPr algn="ctr">
+              <a:lnSpc>
+                <a:spcPts val="1000"/>
+              </a:lnSpc>
+            </a:pPr>
+            <a:r>
+              <a:rPr lang="en-US" sz="1200" dirty="0">
+                <a:solidFill>
+                  <a:schemeClr val="bg1"/>
+                </a:solidFill>
+                <a:latin typeface="Source Sans Pro Light" charset="0"/>
+                <a:ea typeface="Source Sans Pro Light" charset="0"/>
+                <a:cs typeface="Source Sans Pro Light" charset="0"/>
+              </a:rPr>
+              <a:t>Graphical Engine</a:t>
+            </a:r>
+          </a:p>
+        </p:txBody>
+      </p:sp>
+      <p:cxnSp>
+        <p:nvCxnSpPr>
+          <p:cNvPr id="83" name="Straight Connector 82">
+            <a:extLst>
+              <a:ext uri="{FF2B5EF4-FFF2-40B4-BE49-F238E27FC236}">
+                <a16:creationId xmlns:a16="http://schemas.microsoft.com/office/drawing/2014/main" id="{DFBBA7A3-D835-54A0-16FA-13A1196138FC}"/>
+              </a:ext>
+            </a:extLst>
+          </p:cNvPr>
+          <p:cNvCxnSpPr>
+            <a:cxnSpLocks/>
+          </p:cNvCxnSpPr>
+          <p:nvPr/>
+        </p:nvCxnSpPr>
+        <p:spPr>
+          <a:xfrm>
+            <a:off x="5882328" y="4405538"/>
+            <a:ext cx="3505569" cy="2209"/>
+          </a:xfrm>
+          <a:prstGeom prst="line">
+            <a:avLst/>
+          </a:prstGeom>
+          <a:ln w="38100" cap="rnd">
+            <a:solidFill>
+              <a:schemeClr val="accent1"/>
+            </a:solidFill>
+            <a:miter lim="800000"/>
+          </a:ln>
+        </p:spPr>
+        <p:style>
+          <a:lnRef idx="1">
+            <a:schemeClr val="accent1"/>
+          </a:lnRef>
+          <a:fillRef idx="0">
+            <a:schemeClr val="accent1"/>
+          </a:fillRef>
+          <a:effectRef idx="0">
+            <a:schemeClr val="accent1"/>
+          </a:effectRef>
+          <a:fontRef idx="minor">
+            <a:schemeClr val="tx1"/>
+          </a:fontRef>
+        </p:style>
+      </p:cxnSp>
+      <p:sp>
+        <p:nvSpPr>
+          <p:cNvPr id="84" name="Rounded Rectangle 82">
+            <a:extLst>
+              <a:ext uri="{FF2B5EF4-FFF2-40B4-BE49-F238E27FC236}">
+                <a16:creationId xmlns:a16="http://schemas.microsoft.com/office/drawing/2014/main" id="{B6E4C642-A539-DF21-73B2-CB2A05788EF1}"/>
+              </a:ext>
+            </a:extLst>
+          </p:cNvPr>
+          <p:cNvSpPr/>
+          <p:nvPr/>
+        </p:nvSpPr>
+        <p:spPr>
+          <a:xfrm>
+            <a:off x="6857768" y="1905835"/>
+            <a:ext cx="1375022" cy="289727"/>
+          </a:xfrm>
+          <a:prstGeom prst="roundRect">
+            <a:avLst>
+              <a:gd name="adj" fmla="val 19644"/>
+            </a:avLst>
+          </a:prstGeom>
+          <a:solidFill>
+            <a:schemeClr val="bg1"/>
+          </a:solidFill>
+          <a:ln w="12700">
+            <a:noFill/>
+          </a:ln>
+          <a:effectLst/>
+        </p:spPr>
+        <p:style>
+          <a:lnRef idx="2">
+            <a:schemeClr val="dk1"/>
+          </a:lnRef>
+          <a:fillRef idx="1">
+            <a:schemeClr val="lt1"/>
+          </a:fillRef>
+          <a:effectRef idx="0">
+            <a:schemeClr val="dk1"/>
+          </a:effectRef>
+          <a:fontRef idx="minor">
+            <a:schemeClr val="dk1"/>
+          </a:fontRef>
+        </p:style>
+        <p:txBody>
+          <a:bodyPr wrap="square" tIns="36000" bIns="36000" rtlCol="0" anchor="ctr">
+            <a:noAutofit/>
+          </a:bodyPr>
+          <a:lstStyle/>
+          <a:p>
+            <a:pPr algn="ctr"/>
+            <a:r>
+              <a:rPr lang="en-US" sz="1200" dirty="0">
+                <a:solidFill>
+                  <a:schemeClr val="accent1"/>
+                </a:solidFill>
+                <a:latin typeface="Source Sans Pro Light" charset="0"/>
+                <a:ea typeface="Source Sans Pro Light" charset="0"/>
+                <a:cs typeface="Source Sans Pro Light" charset="0"/>
+              </a:rPr>
+              <a:t>HTTP Client/server</a:t>
+            </a:r>
+          </a:p>
+        </p:txBody>
+      </p:sp>
+      <p:sp>
+        <p:nvSpPr>
+          <p:cNvPr id="85" name="Rounded Rectangle 78">
+            <a:extLst>
+              <a:ext uri="{FF2B5EF4-FFF2-40B4-BE49-F238E27FC236}">
+                <a16:creationId xmlns:a16="http://schemas.microsoft.com/office/drawing/2014/main" id="{E48231E8-CA2E-2D78-843B-6C5E1072572B}"/>
+              </a:ext>
+            </a:extLst>
+          </p:cNvPr>
+          <p:cNvSpPr/>
+          <p:nvPr/>
+        </p:nvSpPr>
+        <p:spPr>
+          <a:xfrm>
+            <a:off x="8298595" y="1905835"/>
+            <a:ext cx="974930" cy="289727"/>
+          </a:xfrm>
+          <a:prstGeom prst="roundRect">
+            <a:avLst>
+              <a:gd name="adj" fmla="val 19644"/>
+            </a:avLst>
+          </a:prstGeom>
+          <a:solidFill>
+            <a:schemeClr val="bg1"/>
+          </a:solidFill>
+          <a:ln w="12700">
+            <a:noFill/>
+          </a:ln>
+          <a:effectLst/>
+        </p:spPr>
+        <p:style>
+          <a:lnRef idx="2">
+            <a:schemeClr val="dk1"/>
+          </a:lnRef>
+          <a:fillRef idx="1">
+            <a:schemeClr val="lt1"/>
+          </a:fillRef>
+          <a:effectRef idx="0">
+            <a:schemeClr val="dk1"/>
+          </a:effectRef>
+          <a:fontRef idx="minor">
+            <a:schemeClr val="dk1"/>
+          </a:fontRef>
+        </p:style>
+        <p:txBody>
+          <a:bodyPr wrap="square" tIns="36000" bIns="36000" rtlCol="0" anchor="ctr">
+            <a:spAutoFit/>
+          </a:bodyPr>
+          <a:lstStyle/>
+          <a:p>
+            <a:pPr algn="ctr"/>
+            <a:r>
+              <a:rPr lang="en-US" sz="1200" dirty="0">
+                <a:solidFill>
+                  <a:schemeClr val="accent1"/>
+                </a:solidFill>
+                <a:latin typeface="Source Sans Pro Light" charset="0"/>
+                <a:ea typeface="Source Sans Pro Light" charset="0"/>
+                <a:cs typeface="Source Sans Pro Light" charset="0"/>
+              </a:rPr>
+              <a:t>MQTT Client</a:t>
+            </a:r>
+          </a:p>
+        </p:txBody>
+      </p:sp>
+      <p:sp>
+        <p:nvSpPr>
+          <p:cNvPr id="86" name="Rounded Rectangle 79">
+            <a:extLst>
+              <a:ext uri="{FF2B5EF4-FFF2-40B4-BE49-F238E27FC236}">
+                <a16:creationId xmlns:a16="http://schemas.microsoft.com/office/drawing/2014/main" id="{C689E277-3240-E1CC-0278-12F764ABF2CE}"/>
+              </a:ext>
+            </a:extLst>
+          </p:cNvPr>
+          <p:cNvSpPr/>
+          <p:nvPr/>
+        </p:nvSpPr>
+        <p:spPr>
+          <a:xfrm>
+            <a:off x="5528238" y="2279807"/>
+            <a:ext cx="1339858" cy="289727"/>
+          </a:xfrm>
+          <a:prstGeom prst="roundRect">
+            <a:avLst>
+              <a:gd name="adj" fmla="val 19644"/>
+            </a:avLst>
+          </a:prstGeom>
+          <a:solidFill>
+            <a:schemeClr val="bg1"/>
+          </a:solidFill>
+          <a:ln w="12700">
+            <a:noFill/>
+          </a:ln>
+          <a:effectLst/>
+        </p:spPr>
+        <p:style>
+          <a:lnRef idx="2">
+            <a:schemeClr val="dk1"/>
+          </a:lnRef>
+          <a:fillRef idx="1">
+            <a:schemeClr val="lt1"/>
+          </a:fillRef>
+          <a:effectRef idx="0">
+            <a:schemeClr val="dk1"/>
+          </a:effectRef>
+          <a:fontRef idx="minor">
+            <a:schemeClr val="dk1"/>
+          </a:fontRef>
+        </p:style>
+        <p:txBody>
+          <a:bodyPr wrap="square" tIns="36000" bIns="36000" rtlCol="0" anchor="ctr">
+            <a:spAutoFit/>
+          </a:bodyPr>
+          <a:lstStyle/>
+          <a:p>
+            <a:pPr algn="ctr"/>
+            <a:r>
+              <a:rPr lang="en-US" sz="1200" dirty="0">
+                <a:solidFill>
+                  <a:schemeClr val="accent1"/>
+                </a:solidFill>
+                <a:latin typeface="Source Sans Pro Light" charset="0"/>
+                <a:ea typeface="Source Sans Pro Light" charset="0"/>
+                <a:cs typeface="Source Sans Pro Light" charset="0"/>
+              </a:rPr>
+              <a:t>Rest Client/Server</a:t>
+            </a:r>
+          </a:p>
+        </p:txBody>
+      </p:sp>
+      <p:sp>
+        <p:nvSpPr>
+          <p:cNvPr id="87" name="Rounded Rectangle 79">
+            <a:extLst>
+              <a:ext uri="{FF2B5EF4-FFF2-40B4-BE49-F238E27FC236}">
+                <a16:creationId xmlns:a16="http://schemas.microsoft.com/office/drawing/2014/main" id="{D26B291D-18E5-7231-A3E0-4E33C7D8572C}"/>
+              </a:ext>
+            </a:extLst>
+          </p:cNvPr>
+          <p:cNvSpPr/>
+          <p:nvPr/>
+        </p:nvSpPr>
+        <p:spPr>
+          <a:xfrm>
+            <a:off x="6943671" y="2273433"/>
+            <a:ext cx="1304339" cy="289727"/>
+          </a:xfrm>
+          <a:prstGeom prst="roundRect">
+            <a:avLst>
+              <a:gd name="adj" fmla="val 19644"/>
+            </a:avLst>
+          </a:prstGeom>
+          <a:solidFill>
+            <a:schemeClr val="bg1"/>
+          </a:solidFill>
+          <a:ln w="12700">
+            <a:noFill/>
+          </a:ln>
+          <a:effectLst/>
+        </p:spPr>
+        <p:style>
+          <a:lnRef idx="2">
+            <a:schemeClr val="dk1"/>
+          </a:lnRef>
+          <a:fillRef idx="1">
+            <a:schemeClr val="lt1"/>
+          </a:fillRef>
+          <a:effectRef idx="0">
+            <a:schemeClr val="dk1"/>
+          </a:effectRef>
+          <a:fontRef idx="minor">
+            <a:schemeClr val="dk1"/>
+          </a:fontRef>
+        </p:style>
+        <p:txBody>
+          <a:bodyPr wrap="square" tIns="36000" bIns="36000" rtlCol="0" anchor="ctr">
+            <a:spAutoFit/>
+          </a:bodyPr>
+          <a:lstStyle/>
+          <a:p>
+            <a:pPr algn="ctr"/>
+            <a:r>
+              <a:rPr lang="en-US" sz="1200" dirty="0">
+                <a:solidFill>
+                  <a:schemeClr val="accent1"/>
+                </a:solidFill>
+                <a:latin typeface="Source Sans Pro Light" charset="0"/>
+                <a:ea typeface="Source Sans Pro Light" charset="0"/>
+                <a:cs typeface="Source Sans Pro Light" charset="0"/>
+              </a:rPr>
+              <a:t>WebSocket Client</a:t>
+            </a:r>
+          </a:p>
+        </p:txBody>
+      </p:sp>
+      <p:sp>
+        <p:nvSpPr>
+          <p:cNvPr id="88" name="Rounded Rectangle 78">
+            <a:extLst>
+              <a:ext uri="{FF2B5EF4-FFF2-40B4-BE49-F238E27FC236}">
+                <a16:creationId xmlns:a16="http://schemas.microsoft.com/office/drawing/2014/main" id="{1FA568E7-102C-C435-438E-40E8665FED4F}"/>
+              </a:ext>
+            </a:extLst>
+          </p:cNvPr>
+          <p:cNvSpPr/>
+          <p:nvPr/>
+        </p:nvSpPr>
+        <p:spPr>
+          <a:xfrm>
+            <a:off x="8327293" y="2277316"/>
+            <a:ext cx="946470" cy="289727"/>
+          </a:xfrm>
+          <a:prstGeom prst="roundRect">
+            <a:avLst>
+              <a:gd name="adj" fmla="val 19644"/>
+            </a:avLst>
+          </a:prstGeom>
+          <a:solidFill>
+            <a:schemeClr val="bg1"/>
+          </a:solidFill>
+          <a:ln w="12700">
+            <a:noFill/>
+          </a:ln>
+          <a:effectLst/>
+        </p:spPr>
+        <p:style>
+          <a:lnRef idx="2">
+            <a:schemeClr val="dk1"/>
+          </a:lnRef>
+          <a:fillRef idx="1">
+            <a:schemeClr val="lt1"/>
+          </a:fillRef>
+          <a:effectRef idx="0">
+            <a:schemeClr val="dk1"/>
+          </a:effectRef>
+          <a:fontRef idx="minor">
+            <a:schemeClr val="dk1"/>
+          </a:fontRef>
+        </p:style>
+        <p:txBody>
+          <a:bodyPr wrap="square" tIns="36000" bIns="36000" rtlCol="0" anchor="ctr">
+            <a:spAutoFit/>
+          </a:bodyPr>
+          <a:lstStyle/>
+          <a:p>
+            <a:pPr algn="ctr"/>
+            <a:r>
+              <a:rPr lang="en-US" sz="1200" dirty="0">
+                <a:solidFill>
+                  <a:schemeClr val="accent1"/>
+                </a:solidFill>
+                <a:latin typeface="Source Sans Pro Light" charset="0"/>
+                <a:ea typeface="Source Sans Pro Light" charset="0"/>
+                <a:cs typeface="Source Sans Pro Light" charset="0"/>
+              </a:rPr>
+              <a:t>SNTP Client</a:t>
+            </a:r>
+          </a:p>
+        </p:txBody>
+      </p:sp>
+      <p:sp>
+        <p:nvSpPr>
+          <p:cNvPr id="89" name="Rounded Rectangle 87">
+            <a:extLst>
+              <a:ext uri="{FF2B5EF4-FFF2-40B4-BE49-F238E27FC236}">
+                <a16:creationId xmlns:a16="http://schemas.microsoft.com/office/drawing/2014/main" id="{FBB59EB1-723C-907E-509C-D0217A39AA22}"/>
+              </a:ext>
+            </a:extLst>
+          </p:cNvPr>
+          <p:cNvSpPr/>
+          <p:nvPr/>
+        </p:nvSpPr>
+        <p:spPr>
+          <a:xfrm>
+            <a:off x="7634923" y="4576814"/>
+            <a:ext cx="795600" cy="190126"/>
+          </a:xfrm>
+          <a:prstGeom prst="roundRect">
+            <a:avLst>
+              <a:gd name="adj" fmla="val 22586"/>
+            </a:avLst>
+          </a:prstGeom>
+          <a:solidFill>
+            <a:schemeClr val="bg2">
+              <a:lumMod val="75000"/>
+            </a:schemeClr>
+          </a:solidFill>
+          <a:ln w="12700">
+            <a:noFill/>
+          </a:ln>
+          <a:effectLst/>
+        </p:spPr>
+        <p:style>
+          <a:lnRef idx="2">
+            <a:schemeClr val="dk1"/>
+          </a:lnRef>
+          <a:fillRef idx="1">
+            <a:schemeClr val="lt1"/>
+          </a:fillRef>
+          <a:effectRef idx="0">
+            <a:schemeClr val="dk1"/>
+          </a:effectRef>
+          <a:fontRef idx="minor">
+            <a:schemeClr val="dk1"/>
+          </a:fontRef>
+        </p:style>
+        <p:txBody>
+          <a:bodyPr wrap="square" tIns="36000" bIns="36000" rtlCol="0" anchor="ctr">
+            <a:noAutofit/>
+          </a:bodyPr>
+          <a:lstStyle/>
+          <a:p>
+            <a:pPr algn="ctr"/>
+            <a:r>
+              <a:rPr lang="en-US" sz="1200" dirty="0">
+                <a:solidFill>
+                  <a:schemeClr val="bg1"/>
+                </a:solidFill>
+                <a:latin typeface="Source Sans Pro Light" charset="0"/>
+                <a:ea typeface="Source Sans Pro Light" charset="0"/>
+                <a:cs typeface="Source Sans Pro Light" charset="0"/>
+              </a:rPr>
+              <a:t>Drivers</a:t>
+            </a:r>
+          </a:p>
+        </p:txBody>
+      </p:sp>
+      <p:sp>
+        <p:nvSpPr>
+          <p:cNvPr id="90" name="Rounded Rectangle 88">
+            <a:extLst>
+              <a:ext uri="{FF2B5EF4-FFF2-40B4-BE49-F238E27FC236}">
+                <a16:creationId xmlns:a16="http://schemas.microsoft.com/office/drawing/2014/main" id="{93574B35-8E3A-377C-2C86-D3C4A76B5EA7}"/>
+              </a:ext>
+            </a:extLst>
+          </p:cNvPr>
+          <p:cNvSpPr/>
+          <p:nvPr/>
+        </p:nvSpPr>
+        <p:spPr>
+          <a:xfrm>
+            <a:off x="5858927" y="4576814"/>
+            <a:ext cx="795600" cy="190126"/>
+          </a:xfrm>
+          <a:prstGeom prst="roundRect">
+            <a:avLst>
+              <a:gd name="adj" fmla="val 22586"/>
+            </a:avLst>
+          </a:prstGeom>
+          <a:solidFill>
+            <a:schemeClr val="bg2">
+              <a:lumMod val="75000"/>
+            </a:schemeClr>
+          </a:solidFill>
+          <a:ln w="12700">
+            <a:noFill/>
+          </a:ln>
+          <a:effectLst/>
+        </p:spPr>
+        <p:style>
+          <a:lnRef idx="2">
+            <a:schemeClr val="dk1"/>
+          </a:lnRef>
+          <a:fillRef idx="1">
+            <a:schemeClr val="lt1"/>
+          </a:fillRef>
+          <a:effectRef idx="0">
+            <a:schemeClr val="dk1"/>
+          </a:effectRef>
+          <a:fontRef idx="minor">
+            <a:schemeClr val="dk1"/>
+          </a:fontRef>
+        </p:style>
+        <p:txBody>
+          <a:bodyPr wrap="square" tIns="36000" bIns="36000" rtlCol="0" anchor="ctr">
+            <a:noAutofit/>
+          </a:bodyPr>
+          <a:lstStyle/>
+          <a:p>
+            <a:pPr algn="ctr"/>
+            <a:r>
+              <a:rPr lang="en-US" sz="1200" dirty="0">
+                <a:solidFill>
+                  <a:schemeClr val="bg1"/>
+                </a:solidFill>
+                <a:latin typeface="Source Sans Pro Light" charset="0"/>
+                <a:ea typeface="Source Sans Pro Light" charset="0"/>
+                <a:cs typeface="Source Sans Pro Light" charset="0"/>
+              </a:rPr>
+              <a:t>Drivers</a:t>
+            </a:r>
+          </a:p>
+        </p:txBody>
+      </p:sp>
+      <p:sp>
+        <p:nvSpPr>
+          <p:cNvPr id="91" name="Rounded Rectangle 89">
+            <a:extLst>
+              <a:ext uri="{FF2B5EF4-FFF2-40B4-BE49-F238E27FC236}">
+                <a16:creationId xmlns:a16="http://schemas.microsoft.com/office/drawing/2014/main" id="{9B787F3B-B2F7-C0D6-2B4D-57340F2E53B0}"/>
+              </a:ext>
+            </a:extLst>
+          </p:cNvPr>
+          <p:cNvSpPr/>
+          <p:nvPr/>
+        </p:nvSpPr>
+        <p:spPr>
+          <a:xfrm>
+            <a:off x="6745190" y="4576814"/>
+            <a:ext cx="795600" cy="190126"/>
+          </a:xfrm>
+          <a:prstGeom prst="roundRect">
+            <a:avLst>
+              <a:gd name="adj" fmla="val 22586"/>
+            </a:avLst>
+          </a:prstGeom>
+          <a:solidFill>
+            <a:schemeClr val="bg2">
+              <a:lumMod val="75000"/>
+            </a:schemeClr>
+          </a:solidFill>
+          <a:ln w="12700">
+            <a:noFill/>
+          </a:ln>
+          <a:effectLst/>
+        </p:spPr>
+        <p:style>
+          <a:lnRef idx="2">
+            <a:schemeClr val="dk1"/>
+          </a:lnRef>
+          <a:fillRef idx="1">
+            <a:schemeClr val="lt1"/>
+          </a:fillRef>
+          <a:effectRef idx="0">
+            <a:schemeClr val="dk1"/>
+          </a:effectRef>
+          <a:fontRef idx="minor">
+            <a:schemeClr val="dk1"/>
+          </a:fontRef>
+        </p:style>
+        <p:txBody>
+          <a:bodyPr wrap="square" tIns="36000" bIns="36000" rtlCol="0" anchor="ctr">
+            <a:noAutofit/>
+          </a:bodyPr>
+          <a:lstStyle/>
+          <a:p>
+            <a:pPr algn="ctr"/>
+            <a:r>
+              <a:rPr lang="en-US" sz="1200" dirty="0">
+                <a:solidFill>
+                  <a:schemeClr val="bg1"/>
+                </a:solidFill>
+                <a:latin typeface="Source Sans Pro Light" charset="0"/>
+                <a:ea typeface="Source Sans Pro Light" charset="0"/>
+                <a:cs typeface="Source Sans Pro Light" charset="0"/>
+              </a:rPr>
+              <a:t>Drivers</a:t>
+            </a:r>
+          </a:p>
+        </p:txBody>
+      </p:sp>
+      <p:sp>
+        <p:nvSpPr>
+          <p:cNvPr id="92" name="Rounded Rectangle 89">
+            <a:extLst>
+              <a:ext uri="{FF2B5EF4-FFF2-40B4-BE49-F238E27FC236}">
+                <a16:creationId xmlns:a16="http://schemas.microsoft.com/office/drawing/2014/main" id="{B79C767E-7602-B7D2-A987-7AC445029CBC}"/>
+              </a:ext>
+            </a:extLst>
+          </p:cNvPr>
+          <p:cNvSpPr/>
+          <p:nvPr/>
+        </p:nvSpPr>
+        <p:spPr>
+          <a:xfrm>
+            <a:off x="8521709" y="4576814"/>
+            <a:ext cx="795600" cy="190126"/>
+          </a:xfrm>
+          <a:prstGeom prst="roundRect">
+            <a:avLst>
+              <a:gd name="adj" fmla="val 22586"/>
+            </a:avLst>
+          </a:prstGeom>
+          <a:solidFill>
+            <a:schemeClr val="bg2">
+              <a:lumMod val="75000"/>
+            </a:schemeClr>
+          </a:solidFill>
+          <a:ln w="12700">
+            <a:noFill/>
+          </a:ln>
+          <a:effectLst/>
+        </p:spPr>
+        <p:style>
+          <a:lnRef idx="2">
+            <a:schemeClr val="dk1"/>
+          </a:lnRef>
+          <a:fillRef idx="1">
+            <a:schemeClr val="lt1"/>
+          </a:fillRef>
+          <a:effectRef idx="0">
+            <a:schemeClr val="dk1"/>
+          </a:effectRef>
+          <a:fontRef idx="minor">
+            <a:schemeClr val="dk1"/>
+          </a:fontRef>
+        </p:style>
+        <p:txBody>
+          <a:bodyPr wrap="square" tIns="36000" bIns="36000" rtlCol="0" anchor="ctr">
+            <a:noAutofit/>
+          </a:bodyPr>
+          <a:lstStyle/>
+          <a:p>
+            <a:pPr algn="ctr"/>
+            <a:r>
+              <a:rPr lang="en-US" sz="1200" dirty="0">
+                <a:solidFill>
+                  <a:schemeClr val="bg1"/>
+                </a:solidFill>
+                <a:latin typeface="Source Sans Pro Light" charset="0"/>
+                <a:ea typeface="Source Sans Pro Light" charset="0"/>
+                <a:cs typeface="Source Sans Pro Light" charset="0"/>
+              </a:rPr>
+              <a:t>Drivers</a:t>
+            </a:r>
+          </a:p>
+        </p:txBody>
+      </p:sp>
+      <p:sp>
+        <p:nvSpPr>
+          <p:cNvPr id="93" name="Rounded Rectangle 87">
+            <a:extLst>
+              <a:ext uri="{FF2B5EF4-FFF2-40B4-BE49-F238E27FC236}">
+                <a16:creationId xmlns:a16="http://schemas.microsoft.com/office/drawing/2014/main" id="{76BFBEE4-3AE5-6E59-F1AF-C1A2787398F9}"/>
+              </a:ext>
+            </a:extLst>
+          </p:cNvPr>
+          <p:cNvSpPr/>
+          <p:nvPr/>
+        </p:nvSpPr>
+        <p:spPr>
+          <a:xfrm>
+            <a:off x="7633318" y="4576814"/>
+            <a:ext cx="795600" cy="190126"/>
+          </a:xfrm>
+          <a:prstGeom prst="roundRect">
+            <a:avLst>
+              <a:gd name="adj" fmla="val 22586"/>
+            </a:avLst>
+          </a:prstGeom>
+          <a:solidFill>
+            <a:schemeClr val="bg2">
+              <a:lumMod val="75000"/>
+            </a:schemeClr>
+          </a:solidFill>
+          <a:ln w="12700">
+            <a:noFill/>
+          </a:ln>
+          <a:effectLst/>
+        </p:spPr>
+        <p:style>
+          <a:lnRef idx="2">
+            <a:schemeClr val="dk1"/>
+          </a:lnRef>
+          <a:fillRef idx="1">
+            <a:schemeClr val="lt1"/>
+          </a:fillRef>
+          <a:effectRef idx="0">
+            <a:schemeClr val="dk1"/>
+          </a:effectRef>
+          <a:fontRef idx="minor">
+            <a:schemeClr val="dk1"/>
+          </a:fontRef>
+        </p:style>
+        <p:txBody>
+          <a:bodyPr wrap="square" tIns="36000" bIns="36000" rtlCol="0" anchor="ctr">
+            <a:noAutofit/>
+          </a:bodyPr>
+          <a:lstStyle/>
+          <a:p>
+            <a:pPr algn="ctr"/>
+            <a:r>
+              <a:rPr lang="en-US" sz="1200" dirty="0">
+                <a:solidFill>
+                  <a:schemeClr val="bg1"/>
+                </a:solidFill>
+                <a:latin typeface="Source Sans Pro Light" charset="0"/>
+                <a:ea typeface="Source Sans Pro Light" charset="0"/>
+                <a:cs typeface="Source Sans Pro Light" charset="0"/>
+              </a:rPr>
+              <a:t>Drivers</a:t>
+            </a:r>
+          </a:p>
+        </p:txBody>
+      </p:sp>
+      <p:sp>
+        <p:nvSpPr>
+          <p:cNvPr id="94" name="Rounded Rectangle 89">
+            <a:extLst>
+              <a:ext uri="{FF2B5EF4-FFF2-40B4-BE49-F238E27FC236}">
+                <a16:creationId xmlns:a16="http://schemas.microsoft.com/office/drawing/2014/main" id="{5EA6EA2B-6A78-5EA7-C93D-812EEF61BE40}"/>
+              </a:ext>
+            </a:extLst>
+          </p:cNvPr>
+          <p:cNvSpPr/>
+          <p:nvPr/>
+        </p:nvSpPr>
+        <p:spPr>
+          <a:xfrm>
+            <a:off x="8519581" y="4576814"/>
+            <a:ext cx="795600" cy="190126"/>
+          </a:xfrm>
+          <a:prstGeom prst="roundRect">
+            <a:avLst>
+              <a:gd name="adj" fmla="val 22586"/>
+            </a:avLst>
+          </a:prstGeom>
+          <a:solidFill>
+            <a:schemeClr val="bg2">
+              <a:lumMod val="75000"/>
+            </a:schemeClr>
+          </a:solidFill>
+          <a:ln w="12700">
+            <a:noFill/>
+          </a:ln>
+          <a:effectLst/>
+        </p:spPr>
+        <p:style>
+          <a:lnRef idx="2">
+            <a:schemeClr val="dk1"/>
+          </a:lnRef>
+          <a:fillRef idx="1">
+            <a:schemeClr val="lt1"/>
+          </a:fillRef>
+          <a:effectRef idx="0">
+            <a:schemeClr val="dk1"/>
+          </a:effectRef>
+          <a:fontRef idx="minor">
+            <a:schemeClr val="dk1"/>
+          </a:fontRef>
+        </p:style>
+        <p:txBody>
+          <a:bodyPr wrap="square" tIns="36000" bIns="36000" rtlCol="0" anchor="ctr">
+            <a:noAutofit/>
+          </a:bodyPr>
+          <a:lstStyle/>
+          <a:p>
+            <a:pPr algn="ctr"/>
+            <a:r>
+              <a:rPr lang="en-US" sz="1200" dirty="0">
+                <a:solidFill>
+                  <a:schemeClr val="bg1"/>
+                </a:solidFill>
+                <a:latin typeface="Source Sans Pro Light" charset="0"/>
+                <a:ea typeface="Source Sans Pro Light" charset="0"/>
+                <a:cs typeface="Source Sans Pro Light" charset="0"/>
+              </a:rPr>
+              <a:t>Drivers</a:t>
+            </a:r>
+          </a:p>
+        </p:txBody>
+      </p:sp>
+      <p:sp>
+        <p:nvSpPr>
+          <p:cNvPr id="95" name="Rounded Rectangle 73">
+            <a:extLst>
+              <a:ext uri="{FF2B5EF4-FFF2-40B4-BE49-F238E27FC236}">
+                <a16:creationId xmlns:a16="http://schemas.microsoft.com/office/drawing/2014/main" id="{6D862180-79EC-A88A-0882-5CFF944DC781}"/>
+              </a:ext>
+            </a:extLst>
+          </p:cNvPr>
+          <p:cNvSpPr/>
+          <p:nvPr/>
+        </p:nvSpPr>
+        <p:spPr>
+          <a:xfrm>
+            <a:off x="5854998" y="4004472"/>
+            <a:ext cx="3550944" cy="288974"/>
+          </a:xfrm>
+          <a:prstGeom prst="roundRect">
+            <a:avLst>
+              <a:gd name="adj" fmla="val 13128"/>
+            </a:avLst>
+          </a:prstGeom>
+          <a:solidFill>
+            <a:schemeClr val="bg2">
+              <a:lumMod val="75000"/>
+            </a:schemeClr>
+          </a:solidFill>
+          <a:ln w="12700">
+            <a:noFill/>
+          </a:ln>
+          <a:effectLst/>
+        </p:spPr>
+        <p:style>
+          <a:lnRef idx="2">
+            <a:schemeClr val="dk1"/>
+          </a:lnRef>
+          <a:fillRef idx="1">
+            <a:schemeClr val="lt1"/>
+          </a:fillRef>
+          <a:effectRef idx="0">
+            <a:schemeClr val="dk1"/>
+          </a:effectRef>
+          <a:fontRef idx="minor">
+            <a:schemeClr val="dk1"/>
+          </a:fontRef>
+        </p:style>
+        <p:txBody>
+          <a:bodyPr wrap="square" lIns="0" tIns="72000" rIns="0" bIns="36000" rtlCol="0" anchor="ctr">
+            <a:noAutofit/>
+          </a:bodyPr>
+          <a:lstStyle/>
+          <a:p>
+            <a:pPr algn="ctr">
+              <a:lnSpc>
+                <a:spcPts val="1000"/>
+              </a:lnSpc>
+            </a:pPr>
+            <a:r>
+              <a:rPr lang="en-US" sz="1200" dirty="0">
+                <a:solidFill>
+                  <a:schemeClr val="bg1"/>
+                </a:solidFill>
+                <a:latin typeface="Source Sans Pro Light" charset="0"/>
+                <a:ea typeface="Source Sans Pro Light" charset="0"/>
+                <a:cs typeface="Source Sans Pro Light" charset="0"/>
+              </a:rPr>
+              <a:t>C stacks TCP/IP, TLS, Crypto, Bluetooth</a:t>
+            </a:r>
+          </a:p>
+        </p:txBody>
+      </p:sp>
+      <p:sp>
+        <p:nvSpPr>
+          <p:cNvPr id="96" name="Rounded Rectangle 79">
+            <a:extLst>
+              <a:ext uri="{FF2B5EF4-FFF2-40B4-BE49-F238E27FC236}">
+                <a16:creationId xmlns:a16="http://schemas.microsoft.com/office/drawing/2014/main" id="{CF3CA7AB-CB41-E597-7C39-7A8CD087BA3C}"/>
+              </a:ext>
+            </a:extLst>
+          </p:cNvPr>
+          <p:cNvSpPr/>
+          <p:nvPr/>
+        </p:nvSpPr>
+        <p:spPr>
+          <a:xfrm>
+            <a:off x="5783243" y="1905834"/>
+            <a:ext cx="986659" cy="289727"/>
+          </a:xfrm>
+          <a:prstGeom prst="roundRect">
+            <a:avLst>
+              <a:gd name="adj" fmla="val 19644"/>
+            </a:avLst>
+          </a:prstGeom>
+          <a:solidFill>
+            <a:schemeClr val="bg1"/>
+          </a:solidFill>
+          <a:ln w="12700">
+            <a:noFill/>
+          </a:ln>
+          <a:effectLst/>
+        </p:spPr>
+        <p:style>
+          <a:lnRef idx="2">
+            <a:schemeClr val="dk1"/>
+          </a:lnRef>
+          <a:fillRef idx="1">
+            <a:schemeClr val="lt1"/>
+          </a:fillRef>
+          <a:effectRef idx="0">
+            <a:schemeClr val="dk1"/>
+          </a:effectRef>
+          <a:fontRef idx="minor">
+            <a:schemeClr val="dk1"/>
+          </a:fontRef>
+        </p:style>
+        <p:txBody>
+          <a:bodyPr wrap="square" tIns="36000" bIns="36000" rtlCol="0" anchor="ctr">
+            <a:spAutoFit/>
+          </a:bodyPr>
+          <a:lstStyle/>
+          <a:p>
+            <a:pPr algn="ctr"/>
+            <a:r>
+              <a:rPr lang="en-US" sz="1200" dirty="0">
+                <a:solidFill>
+                  <a:schemeClr val="accent1"/>
+                </a:solidFill>
+                <a:latin typeface="Source Sans Pro Light" charset="0"/>
+                <a:ea typeface="Source Sans Pro Light" charset="0"/>
+                <a:cs typeface="Source Sans Pro Light" charset="0"/>
+              </a:rPr>
+              <a:t>Connectivity</a:t>
+            </a:r>
+          </a:p>
+        </p:txBody>
+      </p:sp>
+      <p:sp>
+        <p:nvSpPr>
+          <p:cNvPr id="97" name="Rounded Rectangle 83">
+            <a:extLst>
+              <a:ext uri="{FF2B5EF4-FFF2-40B4-BE49-F238E27FC236}">
+                <a16:creationId xmlns:a16="http://schemas.microsoft.com/office/drawing/2014/main" id="{A2CE2A41-EFC6-4D21-AFDF-EE6C39A338CF}"/>
+              </a:ext>
+            </a:extLst>
+          </p:cNvPr>
+          <p:cNvSpPr/>
+          <p:nvPr/>
+        </p:nvSpPr>
+        <p:spPr>
+          <a:xfrm>
+            <a:off x="5974302" y="5611107"/>
+            <a:ext cx="795600" cy="309105"/>
+          </a:xfrm>
+          <a:prstGeom prst="roundRect">
+            <a:avLst>
+              <a:gd name="adj" fmla="val 20457"/>
+            </a:avLst>
+          </a:prstGeom>
+          <a:solidFill>
+            <a:schemeClr val="tx2"/>
+          </a:solidFill>
+          <a:ln w="12700">
+            <a:noFill/>
+          </a:ln>
+          <a:effectLst/>
+        </p:spPr>
+        <p:style>
+          <a:lnRef idx="2">
+            <a:schemeClr val="dk1"/>
+          </a:lnRef>
+          <a:fillRef idx="1">
+            <a:schemeClr val="lt1"/>
+          </a:fillRef>
+          <a:effectRef idx="0">
+            <a:schemeClr val="dk1"/>
+          </a:effectRef>
+          <a:fontRef idx="minor">
+            <a:schemeClr val="dk1"/>
+          </a:fontRef>
+        </p:style>
+        <p:txBody>
+          <a:bodyPr wrap="square" lIns="0" tIns="72000" rIns="0" bIns="46800" rtlCol="0" anchor="ctr">
+            <a:noAutofit/>
+          </a:bodyPr>
+          <a:lstStyle/>
+          <a:p>
+            <a:pPr algn="ctr" defTabSz="914400">
+              <a:lnSpc>
+                <a:spcPts val="1100"/>
+              </a:lnSpc>
+            </a:pPr>
+            <a:r>
+              <a:rPr lang="en-US" sz="1200" kern="0" dirty="0">
+                <a:solidFill>
+                  <a:schemeClr val="bg1"/>
+                </a:solidFill>
+                <a:latin typeface="Source Sans Pro Light" charset="0"/>
+              </a:rPr>
+              <a:t>Ethernet</a:t>
+            </a:r>
+          </a:p>
+        </p:txBody>
+      </p:sp>
+      <p:sp>
+        <p:nvSpPr>
+          <p:cNvPr id="98" name="Rounded Rectangle 84">
+            <a:extLst>
+              <a:ext uri="{FF2B5EF4-FFF2-40B4-BE49-F238E27FC236}">
+                <a16:creationId xmlns:a16="http://schemas.microsoft.com/office/drawing/2014/main" id="{45C802C6-AFD3-AB9B-A5DE-E2EBDC02B0A8}"/>
+              </a:ext>
+            </a:extLst>
+          </p:cNvPr>
+          <p:cNvSpPr/>
+          <p:nvPr/>
+        </p:nvSpPr>
+        <p:spPr>
+          <a:xfrm>
+            <a:off x="6847054" y="5611107"/>
+            <a:ext cx="795600" cy="309105"/>
+          </a:xfrm>
+          <a:prstGeom prst="roundRect">
+            <a:avLst>
+              <a:gd name="adj" fmla="val 20457"/>
+            </a:avLst>
+          </a:prstGeom>
+          <a:solidFill>
+            <a:schemeClr val="tx2"/>
+          </a:solidFill>
+          <a:ln w="12700">
+            <a:noFill/>
+          </a:ln>
+          <a:effectLst/>
+        </p:spPr>
+        <p:style>
+          <a:lnRef idx="2">
+            <a:schemeClr val="dk1"/>
+          </a:lnRef>
+          <a:fillRef idx="1">
+            <a:schemeClr val="lt1"/>
+          </a:fillRef>
+          <a:effectRef idx="0">
+            <a:schemeClr val="dk1"/>
+          </a:effectRef>
+          <a:fontRef idx="minor">
+            <a:schemeClr val="dk1"/>
+          </a:fontRef>
+        </p:style>
+        <p:txBody>
+          <a:bodyPr wrap="square" lIns="0" tIns="72000" rIns="0" bIns="46800" rtlCol="0" anchor="ctr">
+            <a:noAutofit/>
+          </a:bodyPr>
+          <a:lstStyle/>
+          <a:p>
+            <a:pPr algn="ctr" defTabSz="914400">
+              <a:lnSpc>
+                <a:spcPts val="1100"/>
+              </a:lnSpc>
+            </a:pPr>
+            <a:r>
+              <a:rPr lang="en-US" sz="1200" kern="0" dirty="0">
+                <a:solidFill>
+                  <a:schemeClr val="bg1"/>
+                </a:solidFill>
+                <a:latin typeface="Source Sans Pro Light" charset="0"/>
+              </a:rPr>
+              <a:t>Wi-Fi</a:t>
+            </a:r>
+          </a:p>
+        </p:txBody>
+      </p:sp>
+      <p:sp>
+        <p:nvSpPr>
+          <p:cNvPr id="99" name="Rounded Rectangle 85">
+            <a:extLst>
+              <a:ext uri="{FF2B5EF4-FFF2-40B4-BE49-F238E27FC236}">
+                <a16:creationId xmlns:a16="http://schemas.microsoft.com/office/drawing/2014/main" id="{9E018BEE-7FCF-2A28-67AF-7D5594F6C992}"/>
+              </a:ext>
+            </a:extLst>
+          </p:cNvPr>
+          <p:cNvSpPr/>
+          <p:nvPr/>
+        </p:nvSpPr>
+        <p:spPr>
+          <a:xfrm>
+            <a:off x="8592297" y="5611107"/>
+            <a:ext cx="795600" cy="309105"/>
+          </a:xfrm>
+          <a:prstGeom prst="roundRect">
+            <a:avLst>
+              <a:gd name="adj" fmla="val 20457"/>
+            </a:avLst>
+          </a:prstGeom>
+          <a:solidFill>
+            <a:schemeClr val="tx2"/>
+          </a:solidFill>
+          <a:ln w="12700">
+            <a:noFill/>
+          </a:ln>
+          <a:effectLst/>
+        </p:spPr>
+        <p:style>
+          <a:lnRef idx="2">
+            <a:schemeClr val="dk1"/>
+          </a:lnRef>
+          <a:fillRef idx="1">
+            <a:schemeClr val="lt1"/>
+          </a:fillRef>
+          <a:effectRef idx="0">
+            <a:schemeClr val="dk1"/>
+          </a:effectRef>
+          <a:fontRef idx="minor">
+            <a:schemeClr val="dk1"/>
+          </a:fontRef>
+        </p:style>
+        <p:txBody>
+          <a:bodyPr wrap="square" lIns="0" tIns="72000" rIns="0" bIns="46800" rtlCol="0" anchor="ctr">
+            <a:noAutofit/>
+          </a:bodyPr>
+          <a:lstStyle/>
+          <a:p>
+            <a:pPr algn="ctr" defTabSz="914400">
+              <a:lnSpc>
+                <a:spcPts val="1100"/>
+              </a:lnSpc>
+            </a:pPr>
+            <a:r>
+              <a:rPr lang="en-US" sz="1200" kern="0" dirty="0">
+                <a:solidFill>
+                  <a:schemeClr val="bg1"/>
+                </a:solidFill>
+                <a:latin typeface="Source Sans Pro Light" charset="0"/>
+              </a:rPr>
+              <a:t>GNSS</a:t>
+            </a:r>
+          </a:p>
+        </p:txBody>
+      </p:sp>
+      <p:sp>
+        <p:nvSpPr>
+          <p:cNvPr id="100" name="Rounded Rectangle 84">
+            <a:extLst>
+              <a:ext uri="{FF2B5EF4-FFF2-40B4-BE49-F238E27FC236}">
+                <a16:creationId xmlns:a16="http://schemas.microsoft.com/office/drawing/2014/main" id="{49EC92D8-C08E-1B7B-DC32-AC67E1ABA0E9}"/>
+              </a:ext>
+            </a:extLst>
+          </p:cNvPr>
+          <p:cNvSpPr/>
+          <p:nvPr/>
+        </p:nvSpPr>
+        <p:spPr>
+          <a:xfrm>
+            <a:off x="7717908" y="5611107"/>
+            <a:ext cx="795600" cy="309105"/>
+          </a:xfrm>
+          <a:prstGeom prst="roundRect">
+            <a:avLst>
+              <a:gd name="adj" fmla="val 20457"/>
+            </a:avLst>
+          </a:prstGeom>
+          <a:solidFill>
+            <a:schemeClr val="tx2"/>
+          </a:solidFill>
+          <a:ln w="12700">
+            <a:noFill/>
+          </a:ln>
+          <a:effectLst/>
+        </p:spPr>
+        <p:style>
+          <a:lnRef idx="2">
+            <a:schemeClr val="dk1"/>
+          </a:lnRef>
+          <a:fillRef idx="1">
+            <a:schemeClr val="lt1"/>
+          </a:fillRef>
+          <a:effectRef idx="0">
+            <a:schemeClr val="dk1"/>
+          </a:effectRef>
+          <a:fontRef idx="minor">
+            <a:schemeClr val="dk1"/>
+          </a:fontRef>
+        </p:style>
+        <p:txBody>
+          <a:bodyPr wrap="square" lIns="0" tIns="72000" rIns="0" bIns="46800" rtlCol="0" anchor="ctr">
+            <a:noAutofit/>
+          </a:bodyPr>
+          <a:lstStyle/>
+          <a:p>
+            <a:pPr algn="ctr" defTabSz="914400">
+              <a:lnSpc>
+                <a:spcPts val="1100"/>
+              </a:lnSpc>
+            </a:pPr>
+            <a:r>
+              <a:rPr lang="en-US" sz="1200" kern="0" dirty="0">
+                <a:solidFill>
+                  <a:schemeClr val="bg1"/>
+                </a:solidFill>
+                <a:latin typeface="Source Sans Pro Light" charset="0"/>
+              </a:rPr>
+              <a:t>BLE</a:t>
+            </a:r>
+          </a:p>
+        </p:txBody>
+      </p:sp>
+      <p:sp>
+        <p:nvSpPr>
+          <p:cNvPr id="101" name="Rounded Rectangle 79">
+            <a:extLst>
+              <a:ext uri="{FF2B5EF4-FFF2-40B4-BE49-F238E27FC236}">
+                <a16:creationId xmlns:a16="http://schemas.microsoft.com/office/drawing/2014/main" id="{67B6A32C-0C6D-BCA9-C424-69C297A910DF}"/>
+              </a:ext>
+            </a:extLst>
+          </p:cNvPr>
+          <p:cNvSpPr/>
+          <p:nvPr/>
+        </p:nvSpPr>
+        <p:spPr>
+          <a:xfrm>
+            <a:off x="7034685" y="2839263"/>
+            <a:ext cx="487022" cy="289727"/>
+          </a:xfrm>
+          <a:prstGeom prst="roundRect">
+            <a:avLst>
+              <a:gd name="adj" fmla="val 19644"/>
+            </a:avLst>
+          </a:prstGeom>
+          <a:solidFill>
+            <a:schemeClr val="bg1"/>
+          </a:solidFill>
+          <a:ln w="12700">
+            <a:noFill/>
+          </a:ln>
+          <a:effectLst/>
+        </p:spPr>
+        <p:style>
+          <a:lnRef idx="2">
+            <a:schemeClr val="dk1"/>
+          </a:lnRef>
+          <a:fillRef idx="1">
+            <a:schemeClr val="lt1"/>
+          </a:fillRef>
+          <a:effectRef idx="0">
+            <a:schemeClr val="dk1"/>
+          </a:effectRef>
+          <a:fontRef idx="minor">
+            <a:schemeClr val="dk1"/>
+          </a:fontRef>
+        </p:style>
+        <p:txBody>
+          <a:bodyPr wrap="square" tIns="36000" bIns="36000" rtlCol="0" anchor="ctr">
+            <a:spAutoFit/>
+          </a:bodyPr>
+          <a:lstStyle/>
+          <a:p>
+            <a:pPr algn="ctr"/>
+            <a:r>
+              <a:rPr lang="en-US" sz="1200" dirty="0">
+                <a:solidFill>
+                  <a:schemeClr val="accent1"/>
+                </a:solidFill>
+                <a:latin typeface="Source Sans Pro Light" charset="0"/>
+                <a:ea typeface="Source Sans Pro Light" charset="0"/>
+                <a:cs typeface="Source Sans Pro Light" charset="0"/>
+              </a:rPr>
+              <a:t>SSL</a:t>
+            </a:r>
+          </a:p>
+        </p:txBody>
+      </p:sp>
+      <p:sp>
+        <p:nvSpPr>
+          <p:cNvPr id="102" name="Rounded Rectangle 79">
+            <a:extLst>
+              <a:ext uri="{FF2B5EF4-FFF2-40B4-BE49-F238E27FC236}">
+                <a16:creationId xmlns:a16="http://schemas.microsoft.com/office/drawing/2014/main" id="{106C3D57-B992-F097-463C-B6AD2E3D6363}"/>
+              </a:ext>
+            </a:extLst>
+          </p:cNvPr>
+          <p:cNvSpPr/>
+          <p:nvPr/>
+        </p:nvSpPr>
+        <p:spPr>
+          <a:xfrm>
+            <a:off x="5778330" y="2835244"/>
+            <a:ext cx="487022" cy="289727"/>
+          </a:xfrm>
+          <a:prstGeom prst="roundRect">
+            <a:avLst>
+              <a:gd name="adj" fmla="val 19644"/>
+            </a:avLst>
+          </a:prstGeom>
+          <a:solidFill>
+            <a:schemeClr val="bg1"/>
+          </a:solidFill>
+          <a:ln w="12700">
+            <a:noFill/>
+          </a:ln>
+          <a:effectLst/>
+        </p:spPr>
+        <p:style>
+          <a:lnRef idx="2">
+            <a:schemeClr val="dk1"/>
+          </a:lnRef>
+          <a:fillRef idx="1">
+            <a:schemeClr val="lt1"/>
+          </a:fillRef>
+          <a:effectRef idx="0">
+            <a:schemeClr val="dk1"/>
+          </a:effectRef>
+          <a:fontRef idx="minor">
+            <a:schemeClr val="dk1"/>
+          </a:fontRef>
+        </p:style>
+        <p:txBody>
+          <a:bodyPr wrap="square" tIns="36000" bIns="36000" rtlCol="0" anchor="ctr">
+            <a:spAutoFit/>
+          </a:bodyPr>
+          <a:lstStyle/>
+          <a:p>
+            <a:pPr algn="ctr"/>
+            <a:r>
+              <a:rPr lang="en-US" sz="1200" dirty="0">
+                <a:solidFill>
+                  <a:schemeClr val="accent1"/>
+                </a:solidFill>
+                <a:latin typeface="Source Sans Pro Light" charset="0"/>
+                <a:ea typeface="Source Sans Pro Light" charset="0"/>
+                <a:cs typeface="Source Sans Pro Light" charset="0"/>
+              </a:rPr>
+              <a:t>NET</a:t>
+            </a:r>
+          </a:p>
+        </p:txBody>
+      </p:sp>
+      <p:sp>
+        <p:nvSpPr>
+          <p:cNvPr id="103" name="Rounded Rectangle 79">
+            <a:extLst>
+              <a:ext uri="{FF2B5EF4-FFF2-40B4-BE49-F238E27FC236}">
+                <a16:creationId xmlns:a16="http://schemas.microsoft.com/office/drawing/2014/main" id="{E96B497D-C23E-98E7-F623-A64328E633DB}"/>
+              </a:ext>
+            </a:extLst>
+          </p:cNvPr>
+          <p:cNvSpPr/>
+          <p:nvPr/>
+        </p:nvSpPr>
+        <p:spPr>
+          <a:xfrm>
+            <a:off x="6344331" y="2835244"/>
+            <a:ext cx="487022" cy="289727"/>
+          </a:xfrm>
+          <a:prstGeom prst="roundRect">
+            <a:avLst>
+              <a:gd name="adj" fmla="val 19644"/>
+            </a:avLst>
+          </a:prstGeom>
+          <a:solidFill>
+            <a:schemeClr val="bg1"/>
+          </a:solidFill>
+          <a:ln w="12700">
+            <a:noFill/>
+          </a:ln>
+          <a:effectLst/>
+        </p:spPr>
+        <p:style>
+          <a:lnRef idx="2">
+            <a:schemeClr val="dk1"/>
+          </a:lnRef>
+          <a:fillRef idx="1">
+            <a:schemeClr val="lt1"/>
+          </a:fillRef>
+          <a:effectRef idx="0">
+            <a:schemeClr val="dk1"/>
+          </a:effectRef>
+          <a:fontRef idx="minor">
+            <a:schemeClr val="dk1"/>
+          </a:fontRef>
+        </p:style>
+        <p:txBody>
+          <a:bodyPr wrap="square" tIns="36000" bIns="36000" rtlCol="0" anchor="ctr">
+            <a:spAutoFit/>
+          </a:bodyPr>
+          <a:lstStyle/>
+          <a:p>
+            <a:pPr algn="ctr"/>
+            <a:r>
+              <a:rPr lang="en-US" sz="1200" dirty="0">
+                <a:solidFill>
+                  <a:schemeClr val="accent1"/>
+                </a:solidFill>
+                <a:latin typeface="Source Sans Pro Light" charset="0"/>
+                <a:ea typeface="Source Sans Pro Light" charset="0"/>
+                <a:cs typeface="Source Sans Pro Light" charset="0"/>
+              </a:rPr>
+              <a:t>SSL</a:t>
+            </a:r>
+          </a:p>
+        </p:txBody>
+      </p:sp>
+      <p:sp>
+        <p:nvSpPr>
+          <p:cNvPr id="104" name="Rounded Rectangle 79">
+            <a:extLst>
+              <a:ext uri="{FF2B5EF4-FFF2-40B4-BE49-F238E27FC236}">
+                <a16:creationId xmlns:a16="http://schemas.microsoft.com/office/drawing/2014/main" id="{2D5E5330-C8AA-51A6-92CF-3CAFB5B4F4D1}"/>
+              </a:ext>
+            </a:extLst>
+          </p:cNvPr>
+          <p:cNvSpPr/>
+          <p:nvPr/>
+        </p:nvSpPr>
+        <p:spPr>
+          <a:xfrm>
+            <a:off x="6918191" y="2837285"/>
+            <a:ext cx="718748" cy="289727"/>
+          </a:xfrm>
+          <a:prstGeom prst="roundRect">
+            <a:avLst>
+              <a:gd name="adj" fmla="val 19644"/>
+            </a:avLst>
+          </a:prstGeom>
+          <a:solidFill>
+            <a:schemeClr val="bg1"/>
+          </a:solidFill>
+          <a:ln w="12700">
+            <a:noFill/>
+          </a:ln>
+          <a:effectLst/>
+        </p:spPr>
+        <p:style>
+          <a:lnRef idx="2">
+            <a:schemeClr val="dk1"/>
+          </a:lnRef>
+          <a:fillRef idx="1">
+            <a:schemeClr val="lt1"/>
+          </a:fillRef>
+          <a:effectRef idx="0">
+            <a:schemeClr val="dk1"/>
+          </a:effectRef>
+          <a:fontRef idx="minor">
+            <a:schemeClr val="dk1"/>
+          </a:fontRef>
+        </p:style>
+        <p:txBody>
+          <a:bodyPr wrap="square" tIns="36000" bIns="36000" rtlCol="0" anchor="ctr">
+            <a:spAutoFit/>
+          </a:bodyPr>
+          <a:lstStyle/>
+          <a:p>
+            <a:pPr algn="ctr"/>
+            <a:r>
+              <a:rPr lang="en-US" sz="1200" dirty="0">
+                <a:solidFill>
+                  <a:schemeClr val="accent1"/>
+                </a:solidFill>
+                <a:latin typeface="Source Sans Pro Light" charset="0"/>
+                <a:ea typeface="Source Sans Pro Light" charset="0"/>
+                <a:cs typeface="Source Sans Pro Light" charset="0"/>
+              </a:rPr>
+              <a:t>Security</a:t>
+            </a:r>
+          </a:p>
+        </p:txBody>
+      </p:sp>
+      <p:sp>
+        <p:nvSpPr>
+          <p:cNvPr id="105" name="Rounded Rectangle 79">
+            <a:extLst>
+              <a:ext uri="{FF2B5EF4-FFF2-40B4-BE49-F238E27FC236}">
+                <a16:creationId xmlns:a16="http://schemas.microsoft.com/office/drawing/2014/main" id="{545EF89E-90A4-3A94-B324-438026BB6FEF}"/>
+              </a:ext>
+            </a:extLst>
+          </p:cNvPr>
+          <p:cNvSpPr/>
+          <p:nvPr/>
+        </p:nvSpPr>
+        <p:spPr>
+          <a:xfrm>
+            <a:off x="7718074" y="2837671"/>
+            <a:ext cx="861746" cy="289727"/>
+          </a:xfrm>
+          <a:prstGeom prst="roundRect">
+            <a:avLst>
+              <a:gd name="adj" fmla="val 19644"/>
+            </a:avLst>
+          </a:prstGeom>
+          <a:solidFill>
+            <a:schemeClr val="bg1"/>
+          </a:solidFill>
+          <a:ln w="12700">
+            <a:noFill/>
+          </a:ln>
+          <a:effectLst/>
+        </p:spPr>
+        <p:style>
+          <a:lnRef idx="2">
+            <a:schemeClr val="dk1"/>
+          </a:lnRef>
+          <a:fillRef idx="1">
+            <a:schemeClr val="lt1"/>
+          </a:fillRef>
+          <a:effectRef idx="0">
+            <a:schemeClr val="dk1"/>
+          </a:effectRef>
+          <a:fontRef idx="minor">
+            <a:schemeClr val="dk1"/>
+          </a:fontRef>
+        </p:style>
+        <p:txBody>
+          <a:bodyPr wrap="square" tIns="36000" bIns="36000" rtlCol="0" anchor="ctr">
+            <a:spAutoFit/>
+          </a:bodyPr>
+          <a:lstStyle/>
+          <a:p>
+            <a:pPr algn="ctr"/>
+            <a:r>
+              <a:rPr lang="en-US" sz="1200" dirty="0">
+                <a:solidFill>
+                  <a:schemeClr val="accent1"/>
+                </a:solidFill>
+                <a:latin typeface="Source Sans Pro Light" charset="0"/>
+                <a:ea typeface="Source Sans Pro Light" charset="0"/>
+                <a:cs typeface="Source Sans Pro Light" charset="0"/>
+              </a:rPr>
+              <a:t>Bluetooth</a:t>
+            </a:r>
+          </a:p>
+        </p:txBody>
+      </p:sp>
+      <p:sp>
+        <p:nvSpPr>
+          <p:cNvPr id="106" name="Rounded Rectangle 79">
+            <a:extLst>
+              <a:ext uri="{FF2B5EF4-FFF2-40B4-BE49-F238E27FC236}">
+                <a16:creationId xmlns:a16="http://schemas.microsoft.com/office/drawing/2014/main" id="{BA884900-0874-559A-FDF9-9370673C1A79}"/>
+              </a:ext>
+            </a:extLst>
+          </p:cNvPr>
+          <p:cNvSpPr/>
+          <p:nvPr/>
+        </p:nvSpPr>
+        <p:spPr>
+          <a:xfrm>
+            <a:off x="5779762" y="3216230"/>
+            <a:ext cx="1206573" cy="289727"/>
+          </a:xfrm>
+          <a:prstGeom prst="roundRect">
+            <a:avLst>
+              <a:gd name="adj" fmla="val 19644"/>
+            </a:avLst>
+          </a:prstGeom>
+          <a:solidFill>
+            <a:schemeClr val="bg1"/>
+          </a:solidFill>
+          <a:ln w="12700">
+            <a:noFill/>
+          </a:ln>
+          <a:effectLst/>
+        </p:spPr>
+        <p:style>
+          <a:lnRef idx="2">
+            <a:schemeClr val="dk1"/>
+          </a:lnRef>
+          <a:fillRef idx="1">
+            <a:schemeClr val="lt1"/>
+          </a:fillRef>
+          <a:effectRef idx="0">
+            <a:schemeClr val="dk1"/>
+          </a:effectRef>
+          <a:fontRef idx="minor">
+            <a:schemeClr val="dk1"/>
+          </a:fontRef>
+        </p:style>
+        <p:txBody>
+          <a:bodyPr wrap="square" tIns="36000" bIns="36000" rtlCol="0" anchor="ctr">
+            <a:spAutoFit/>
+          </a:bodyPr>
+          <a:lstStyle/>
+          <a:p>
+            <a:pPr algn="ctr"/>
+            <a:r>
+              <a:rPr lang="en-US" sz="1200" dirty="0">
+                <a:solidFill>
+                  <a:schemeClr val="accent1"/>
+                </a:solidFill>
+                <a:latin typeface="Source Sans Pro Light" charset="0"/>
+                <a:ea typeface="Source Sans Pro Light" charset="0"/>
+                <a:cs typeface="Source Sans Pro Light" charset="0"/>
+              </a:rPr>
+              <a:t>ECOM-Network</a:t>
+            </a:r>
+          </a:p>
+        </p:txBody>
+      </p:sp>
+      <p:sp>
+        <p:nvSpPr>
+          <p:cNvPr id="107" name="Rounded Rectangle 79">
+            <a:extLst>
+              <a:ext uri="{FF2B5EF4-FFF2-40B4-BE49-F238E27FC236}">
+                <a16:creationId xmlns:a16="http://schemas.microsoft.com/office/drawing/2014/main" id="{AB2A2BFA-3500-CE32-CDD9-53C11F10631C}"/>
+              </a:ext>
+            </a:extLst>
+          </p:cNvPr>
+          <p:cNvSpPr/>
+          <p:nvPr/>
+        </p:nvSpPr>
+        <p:spPr>
+          <a:xfrm>
+            <a:off x="8654957" y="2835244"/>
+            <a:ext cx="596323" cy="289727"/>
+          </a:xfrm>
+          <a:prstGeom prst="roundRect">
+            <a:avLst>
+              <a:gd name="adj" fmla="val 19644"/>
+            </a:avLst>
+          </a:prstGeom>
+          <a:solidFill>
+            <a:schemeClr val="bg1"/>
+          </a:solidFill>
+          <a:ln w="12700">
+            <a:noFill/>
+          </a:ln>
+          <a:effectLst/>
+        </p:spPr>
+        <p:style>
+          <a:lnRef idx="2">
+            <a:schemeClr val="dk1"/>
+          </a:lnRef>
+          <a:fillRef idx="1">
+            <a:schemeClr val="lt1"/>
+          </a:fillRef>
+          <a:effectRef idx="0">
+            <a:schemeClr val="dk1"/>
+          </a:effectRef>
+          <a:fontRef idx="minor">
+            <a:schemeClr val="dk1"/>
+          </a:fontRef>
+        </p:style>
+        <p:txBody>
+          <a:bodyPr wrap="square" tIns="36000" bIns="36000" rtlCol="0" anchor="ctr">
+            <a:spAutoFit/>
+          </a:bodyPr>
+          <a:lstStyle/>
+          <a:p>
+            <a:pPr algn="ctr"/>
+            <a:r>
+              <a:rPr lang="en-US" sz="1200" dirty="0">
+                <a:solidFill>
+                  <a:schemeClr val="accent1"/>
+                </a:solidFill>
+                <a:latin typeface="Source Sans Pro Light" charset="0"/>
+                <a:ea typeface="Source Sans Pro Light" charset="0"/>
+                <a:cs typeface="Source Sans Pro Light" charset="0"/>
+              </a:rPr>
+              <a:t>GNSS</a:t>
+            </a:r>
+          </a:p>
+        </p:txBody>
+      </p:sp>
+      <p:sp>
+        <p:nvSpPr>
+          <p:cNvPr id="108" name="Rounded Rectangle 79">
+            <a:extLst>
+              <a:ext uri="{FF2B5EF4-FFF2-40B4-BE49-F238E27FC236}">
+                <a16:creationId xmlns:a16="http://schemas.microsoft.com/office/drawing/2014/main" id="{3D8AAEBF-55A1-5576-1D80-505A88D210E3}"/>
+              </a:ext>
+            </a:extLst>
+          </p:cNvPr>
+          <p:cNvSpPr/>
+          <p:nvPr/>
+        </p:nvSpPr>
+        <p:spPr>
+          <a:xfrm>
+            <a:off x="7072128" y="3214632"/>
+            <a:ext cx="942908" cy="289727"/>
+          </a:xfrm>
+          <a:prstGeom prst="roundRect">
+            <a:avLst>
+              <a:gd name="adj" fmla="val 19644"/>
+            </a:avLst>
+          </a:prstGeom>
+          <a:solidFill>
+            <a:schemeClr val="bg1"/>
+          </a:solidFill>
+          <a:ln w="12700">
+            <a:noFill/>
+          </a:ln>
+          <a:effectLst/>
+        </p:spPr>
+        <p:style>
+          <a:lnRef idx="2">
+            <a:schemeClr val="dk1"/>
+          </a:lnRef>
+          <a:fillRef idx="1">
+            <a:schemeClr val="lt1"/>
+          </a:fillRef>
+          <a:effectRef idx="0">
+            <a:schemeClr val="dk1"/>
+          </a:effectRef>
+          <a:fontRef idx="minor">
+            <a:schemeClr val="dk1"/>
+          </a:fontRef>
+        </p:style>
+        <p:txBody>
+          <a:bodyPr wrap="square" tIns="36000" bIns="36000" rtlCol="0" anchor="ctr">
+            <a:spAutoFit/>
+          </a:bodyPr>
+          <a:lstStyle/>
+          <a:p>
+            <a:pPr algn="ctr"/>
+            <a:r>
+              <a:rPr lang="en-US" sz="1200" dirty="0">
+                <a:solidFill>
+                  <a:schemeClr val="accent1"/>
+                </a:solidFill>
+                <a:latin typeface="Source Sans Pro Light" charset="0"/>
+                <a:ea typeface="Source Sans Pro Light" charset="0"/>
+                <a:cs typeface="Source Sans Pro Light" charset="0"/>
+              </a:rPr>
+              <a:t>ECOM-Wi-Fi</a:t>
+            </a:r>
+          </a:p>
+        </p:txBody>
+      </p:sp>
+      <p:sp>
+        <p:nvSpPr>
+          <p:cNvPr id="109" name="Rectangle 108">
+            <a:extLst>
+              <a:ext uri="{FF2B5EF4-FFF2-40B4-BE49-F238E27FC236}">
+                <a16:creationId xmlns:a16="http://schemas.microsoft.com/office/drawing/2014/main" id="{1B529FE1-6DDB-41F1-9BA3-2906273531E6}"/>
+              </a:ext>
+            </a:extLst>
+          </p:cNvPr>
+          <p:cNvSpPr/>
+          <p:nvPr/>
+        </p:nvSpPr>
+        <p:spPr>
+          <a:xfrm>
+            <a:off x="6710739" y="4352821"/>
+            <a:ext cx="1876846" cy="129587"/>
+          </a:xfrm>
+          <a:prstGeom prst="rect">
+            <a:avLst/>
+          </a:prstGeom>
+          <a:gradFill flip="none" rotWithShape="1">
+            <a:gsLst>
+              <a:gs pos="100000">
+                <a:srgbClr val="CBD3D7">
+                  <a:alpha val="0"/>
+                </a:srgbClr>
+              </a:gs>
+              <a:gs pos="0">
+                <a:schemeClr val="bg2">
+                  <a:alpha val="0"/>
+                </a:schemeClr>
+              </a:gs>
+              <a:gs pos="80000">
+                <a:srgbClr val="CBD3D7">
+                  <a:alpha val="90000"/>
+                </a:srgbClr>
+              </a:gs>
+              <a:gs pos="20000">
+                <a:schemeClr val="bg2">
+                  <a:alpha val="90000"/>
+                </a:schemeClr>
+              </a:gs>
+            </a:gsLst>
+            <a:lin ang="0" scaled="1"/>
+            <a:tileRect/>
+          </a:gradFill>
+          <a:ln w="31750">
+            <a:noFill/>
+          </a:ln>
+          <a:effectLst/>
+        </p:spPr>
+        <p:txBody>
+          <a:bodyPr wrap="square" lIns="0" tIns="0" rIns="0" bIns="0">
+            <a:spAutoFit/>
+          </a:bodyPr>
+          <a:lstStyle/>
+          <a:p>
+            <a:pPr algn="ctr">
+              <a:lnSpc>
+                <a:spcPts val="1000"/>
+              </a:lnSpc>
+            </a:pPr>
+            <a:r>
+              <a:rPr lang="en-US" sz="1000" b="1" dirty="0">
+                <a:ln w="0"/>
+                <a:solidFill>
+                  <a:schemeClr val="accent1"/>
+                </a:solidFill>
+                <a:latin typeface="Source Sans Pro" panose="020B0503030403020204" pitchFamily="34" charset="0"/>
+                <a:ea typeface="Source Sans Pro" panose="020B0503030403020204" pitchFamily="34" charset="0"/>
+              </a:rPr>
+              <a:t>ABSTRACTION LAYERS</a:t>
+            </a:r>
+          </a:p>
+        </p:txBody>
+      </p:sp>
+      <p:sp>
+        <p:nvSpPr>
+          <p:cNvPr id="110" name="Rectangle 109">
+            <a:extLst>
+              <a:ext uri="{FF2B5EF4-FFF2-40B4-BE49-F238E27FC236}">
+                <a16:creationId xmlns:a16="http://schemas.microsoft.com/office/drawing/2014/main" id="{D54E3B97-B969-A6D9-5758-D47FFC02B6A8}"/>
+              </a:ext>
+            </a:extLst>
+          </p:cNvPr>
+          <p:cNvSpPr/>
+          <p:nvPr/>
+        </p:nvSpPr>
+        <p:spPr>
+          <a:xfrm>
+            <a:off x="7980444" y="3699298"/>
+            <a:ext cx="1424261" cy="213954"/>
+          </a:xfrm>
+          <a:prstGeom prst="rect">
+            <a:avLst/>
+          </a:prstGeom>
+          <a:noFill/>
+          <a:effectLst/>
+        </p:spPr>
+        <p:txBody>
+          <a:bodyPr wrap="square" lIns="0" rIns="0">
+            <a:noAutofit/>
+          </a:bodyPr>
+          <a:lstStyle/>
+          <a:p>
+            <a:pPr algn="r">
+              <a:lnSpc>
+                <a:spcPts val="1300"/>
+              </a:lnSpc>
+            </a:pPr>
+            <a:r>
+              <a:rPr lang="en-US" sz="1100" b="1" dirty="0">
+                <a:ln w="0"/>
+                <a:solidFill>
+                  <a:schemeClr val="accent1"/>
+                </a:solidFill>
+                <a:latin typeface="Source Sans Pro" charset="0"/>
+                <a:ea typeface="Source Sans Pro" charset="0"/>
+                <a:cs typeface="Source Sans Pro" charset="0"/>
+              </a:rPr>
+              <a:t>VIRTUALIZATION</a:t>
+            </a:r>
+          </a:p>
+        </p:txBody>
+      </p:sp>
+      <p:sp>
+        <p:nvSpPr>
+          <p:cNvPr id="111" name="Rectangle 110">
+            <a:extLst>
+              <a:ext uri="{FF2B5EF4-FFF2-40B4-BE49-F238E27FC236}">
+                <a16:creationId xmlns:a16="http://schemas.microsoft.com/office/drawing/2014/main" id="{BC2FD3B3-A7DA-081B-DB13-38B62DA7F01C}"/>
+              </a:ext>
+            </a:extLst>
+          </p:cNvPr>
+          <p:cNvSpPr/>
+          <p:nvPr/>
+        </p:nvSpPr>
+        <p:spPr>
+          <a:xfrm>
+            <a:off x="8452461" y="5261497"/>
+            <a:ext cx="943910" cy="213954"/>
+          </a:xfrm>
+          <a:prstGeom prst="rect">
+            <a:avLst/>
+          </a:prstGeom>
+          <a:noFill/>
+          <a:effectLst/>
+        </p:spPr>
+        <p:txBody>
+          <a:bodyPr wrap="square" lIns="0" rIns="0">
+            <a:noAutofit/>
+          </a:bodyPr>
+          <a:lstStyle/>
+          <a:p>
+            <a:pPr algn="r">
+              <a:lnSpc>
+                <a:spcPts val="1300"/>
+              </a:lnSpc>
+            </a:pPr>
+            <a:r>
+              <a:rPr lang="en-US" sz="1100" b="1" dirty="0">
+                <a:ln w="0"/>
+                <a:solidFill>
+                  <a:schemeClr val="tx1">
+                    <a:lumMod val="60000"/>
+                    <a:lumOff val="40000"/>
+                  </a:schemeClr>
+                </a:solidFill>
+                <a:latin typeface="Source Sans Pro" charset="0"/>
+                <a:ea typeface="Source Sans Pro" charset="0"/>
+                <a:cs typeface="Source Sans Pro" charset="0"/>
+              </a:rPr>
+              <a:t>PLATFORM</a:t>
+            </a:r>
+          </a:p>
+        </p:txBody>
+      </p:sp>
+      <p:sp>
+        <p:nvSpPr>
+          <p:cNvPr id="112" name="Rectangle 111">
+            <a:extLst>
+              <a:ext uri="{FF2B5EF4-FFF2-40B4-BE49-F238E27FC236}">
+                <a16:creationId xmlns:a16="http://schemas.microsoft.com/office/drawing/2014/main" id="{16E4B349-5463-4E79-24C2-1ADA09BA0CC6}"/>
+              </a:ext>
+            </a:extLst>
+          </p:cNvPr>
+          <p:cNvSpPr/>
+          <p:nvPr/>
+        </p:nvSpPr>
+        <p:spPr>
+          <a:xfrm>
+            <a:off x="8127849" y="5985018"/>
+            <a:ext cx="1263935" cy="213954"/>
+          </a:xfrm>
+          <a:prstGeom prst="rect">
+            <a:avLst/>
+          </a:prstGeom>
+          <a:noFill/>
+          <a:effectLst/>
+        </p:spPr>
+        <p:txBody>
+          <a:bodyPr wrap="square" lIns="0" rIns="0">
+            <a:noAutofit/>
+          </a:bodyPr>
+          <a:lstStyle/>
+          <a:p>
+            <a:pPr algn="r">
+              <a:lnSpc>
+                <a:spcPts val="1300"/>
+              </a:lnSpc>
+            </a:pPr>
+            <a:r>
+              <a:rPr lang="en-US" sz="1100" b="1" dirty="0">
+                <a:ln w="0"/>
+                <a:solidFill>
+                  <a:schemeClr val="tx1">
+                    <a:lumMod val="75000"/>
+                  </a:schemeClr>
+                </a:solidFill>
+                <a:latin typeface="Source Sans Pro" charset="0"/>
+                <a:ea typeface="Source Sans Pro" charset="0"/>
+                <a:cs typeface="Source Sans Pro" charset="0"/>
+              </a:rPr>
+              <a:t>HARDWARE </a:t>
+            </a:r>
+          </a:p>
+        </p:txBody>
+      </p:sp>
+      <p:sp>
+        <p:nvSpPr>
+          <p:cNvPr id="113" name="Round Same Side Corner Rectangle 44">
+            <a:extLst>
+              <a:ext uri="{FF2B5EF4-FFF2-40B4-BE49-F238E27FC236}">
+                <a16:creationId xmlns:a16="http://schemas.microsoft.com/office/drawing/2014/main" id="{58991D6A-8328-014E-4949-213395D164EE}"/>
+              </a:ext>
+            </a:extLst>
+          </p:cNvPr>
+          <p:cNvSpPr/>
+          <p:nvPr/>
+        </p:nvSpPr>
+        <p:spPr>
+          <a:xfrm rot="10800000">
+            <a:off x="4249873" y="1381144"/>
+            <a:ext cx="5138024" cy="333565"/>
+          </a:xfrm>
+          <a:prstGeom prst="round2SameRect">
+            <a:avLst>
+              <a:gd name="adj1" fmla="val 24382"/>
+              <a:gd name="adj2" fmla="val 0"/>
+            </a:avLst>
+          </a:prstGeom>
+          <a:solidFill>
+            <a:schemeClr val="tx2">
+              <a:lumMod val="20000"/>
+              <a:lumOff val="80000"/>
+            </a:schemeClr>
+          </a:solidFill>
+          <a:ln w="12700">
+            <a:noFill/>
+            <a:round/>
+          </a:ln>
+        </p:spPr>
+        <p:style>
+          <a:lnRef idx="2">
+            <a:schemeClr val="accent1">
+              <a:shade val="50000"/>
+            </a:schemeClr>
+          </a:lnRef>
+          <a:fillRef idx="1">
+            <a:schemeClr val="accent1"/>
+          </a:fillRef>
+          <a:effectRef idx="0">
+            <a:schemeClr val="accent1"/>
+          </a:effectRef>
+          <a:fontRef idx="minor">
+            <a:schemeClr val="lt1"/>
+          </a:fontRef>
+        </p:style>
+        <p:txBody>
+          <a:bodyPr rtlCol="0" anchor="ctr"/>
+          <a:lstStyle/>
+          <a:p>
+            <a:pPr algn="ctr"/>
+            <a:endParaRPr lang="en-US" dirty="0"/>
+          </a:p>
+        </p:txBody>
+      </p:sp>
+      <p:sp>
+        <p:nvSpPr>
+          <p:cNvPr id="114" name="Rounded Rectangle 106">
+            <a:extLst>
+              <a:ext uri="{FF2B5EF4-FFF2-40B4-BE49-F238E27FC236}">
+                <a16:creationId xmlns:a16="http://schemas.microsoft.com/office/drawing/2014/main" id="{0B8A8270-E617-9FF2-4C71-F205ED4E281D}"/>
+              </a:ext>
+            </a:extLst>
+          </p:cNvPr>
+          <p:cNvSpPr/>
+          <p:nvPr/>
+        </p:nvSpPr>
+        <p:spPr>
+          <a:xfrm>
+            <a:off x="5239314" y="1330199"/>
+            <a:ext cx="3080118" cy="306000"/>
+          </a:xfrm>
+          <a:prstGeom prst="roundRect">
+            <a:avLst>
+              <a:gd name="adj" fmla="val 12311"/>
+            </a:avLst>
+          </a:prstGeom>
+          <a:solidFill>
+            <a:schemeClr val="bg1"/>
+          </a:solidFill>
+          <a:ln w="12700">
+            <a:solidFill>
+              <a:schemeClr val="bg2"/>
+            </a:solidFill>
+          </a:ln>
+        </p:spPr>
+        <p:style>
+          <a:lnRef idx="2">
+            <a:schemeClr val="dk1"/>
+          </a:lnRef>
+          <a:fillRef idx="1">
+            <a:schemeClr val="lt1"/>
+          </a:fillRef>
+          <a:effectRef idx="0">
+            <a:schemeClr val="dk1"/>
+          </a:effectRef>
+          <a:fontRef idx="minor">
+            <a:schemeClr val="dk1"/>
+          </a:fontRef>
+        </p:style>
+        <p:txBody>
+          <a:bodyPr tIns="36000" bIns="0" rtlCol="0" anchor="ctr"/>
+          <a:lstStyle/>
+          <a:p>
+            <a:pPr algn="ctr">
+              <a:lnSpc>
+                <a:spcPts val="1600"/>
+              </a:lnSpc>
+              <a:spcBef>
+                <a:spcPts val="100"/>
+              </a:spcBef>
+              <a:spcAft>
+                <a:spcPts val="100"/>
+              </a:spcAft>
+            </a:pPr>
+            <a:r>
+              <a:rPr lang="en-US" sz="1600" b="1" dirty="0">
+                <a:solidFill>
+                  <a:schemeClr val="tx1"/>
+                </a:solidFill>
+                <a:latin typeface="Source Sans Pro" charset="0"/>
+                <a:ea typeface="Source Sans Pro" charset="0"/>
+                <a:cs typeface="Source Sans Pro" charset="0"/>
+              </a:rPr>
+              <a:t>YOUR APPLICATIONS</a:t>
+            </a:r>
+            <a:endParaRPr lang="en-US" sz="1200" dirty="0">
+              <a:solidFill>
+                <a:schemeClr val="tx1"/>
+              </a:solidFill>
+              <a:latin typeface="Source Sans Pro" charset="0"/>
+              <a:ea typeface="Source Sans Pro" charset="0"/>
+              <a:cs typeface="Source Sans Pro" charset="0"/>
+            </a:endParaRPr>
+          </a:p>
+        </p:txBody>
+      </p:sp>
+    </p:spTree>
+    <p:extLst>
+      <p:ext uri="{BB962C8B-B14F-4D97-AF65-F5344CB8AC3E}">
+        <p14:creationId xmlns:p14="http://schemas.microsoft.com/office/powerpoint/2010/main" val="3875121768"/>
+      </p:ext>
+    </p:extLst>
+  </p:cSld>
+  <p:clrMapOvr>
+    <a:masterClrMapping/>
+  </p:clrMapOvr>
 </p:sld>
 </file>
 

--- a/ApplicationDeveloperGuide/images/networking_overview.pptx
+++ b/ApplicationDeveloperGuide/images/networking_overview.pptx
@@ -15181,119 +15181,6 @@
       </p:sp>
       <p:sp>
         <p:nvSpPr>
-          <p:cNvPr id="82" name="Rounded Rectangle 73">
-            <a:extLst>
-              <a:ext uri="{FF2B5EF4-FFF2-40B4-BE49-F238E27FC236}">
-                <a16:creationId xmlns:a16="http://schemas.microsoft.com/office/drawing/2014/main" id="{D4EAF7F3-8A39-991D-641D-6311C585A8F8}"/>
-              </a:ext>
-            </a:extLst>
-          </p:cNvPr>
-          <p:cNvSpPr/>
-          <p:nvPr/>
-        </p:nvSpPr>
-        <p:spPr>
-          <a:xfrm>
-            <a:off x="5854998" y="4004472"/>
-            <a:ext cx="3391452" cy="288974"/>
-          </a:xfrm>
-          <a:prstGeom prst="roundRect">
-            <a:avLst>
-              <a:gd name="adj" fmla="val 13128"/>
-            </a:avLst>
-          </a:prstGeom>
-          <a:solidFill>
-            <a:schemeClr val="accent1"/>
-          </a:solidFill>
-          <a:ln w="12700">
-            <a:noFill/>
-          </a:ln>
-          <a:effectLst/>
-        </p:spPr>
-        <p:style>
-          <a:lnRef idx="2">
-            <a:schemeClr val="dk1"/>
-          </a:lnRef>
-          <a:fillRef idx="1">
-            <a:schemeClr val="lt1"/>
-          </a:fillRef>
-          <a:effectRef idx="0">
-            <a:schemeClr val="dk1"/>
-          </a:effectRef>
-          <a:fontRef idx="minor">
-            <a:schemeClr val="dk1"/>
-          </a:fontRef>
-        </p:style>
-        <p:txBody>
-          <a:bodyPr wrap="square" lIns="0" tIns="72000" rIns="0" bIns="36000" rtlCol="0" anchor="ctr">
-            <a:noAutofit/>
-          </a:bodyPr>
-          <a:lstStyle/>
-          <a:p>
-            <a:pPr algn="ctr">
-              <a:lnSpc>
-                <a:spcPts val="1000"/>
-              </a:lnSpc>
-            </a:pPr>
-            <a:r>
-              <a:rPr lang="en-US" sz="1200" dirty="0">
-                <a:solidFill>
-                  <a:schemeClr val="bg1"/>
-                </a:solidFill>
-                <a:latin typeface="Source Sans Pro Light" charset="0"/>
-                <a:ea typeface="Source Sans Pro Light" charset="0"/>
-                <a:cs typeface="Source Sans Pro Light" charset="0"/>
-              </a:rPr>
-              <a:t>Graphical Engine</a:t>
-            </a:r>
-          </a:p>
-        </p:txBody>
-      </p:sp>
-      <p:cxnSp>
-        <p:nvCxnSpPr>
-          <p:cNvPr id="83" name="Straight Connector 82">
-            <a:extLst>
-              <a:ext uri="{FF2B5EF4-FFF2-40B4-BE49-F238E27FC236}">
-                <a16:creationId xmlns:a16="http://schemas.microsoft.com/office/drawing/2014/main" id="{DFBBA7A3-D835-54A0-16FA-13A1196138FC}"/>
-              </a:ext>
-            </a:extLst>
-          </p:cNvPr>
-          <p:cNvCxnSpPr>
-            <a:cxnSpLocks/>
-          </p:cNvCxnSpPr>
-          <p:nvPr/>
-        </p:nvCxnSpPr>
-        <p:spPr>
-          <a:xfrm>
-            <a:off x="5882328" y="4405538"/>
-            <a:ext cx="3505569" cy="2209"/>
-          </a:xfrm>
-          <a:prstGeom prst="line">
-            <a:avLst/>
-          </a:prstGeom>
-          <a:ln w="38100" cap="rnd">
-            <a:solidFill>
-              <a:schemeClr val="accent1"/>
-            </a:solidFill>
-            <a:miter lim="800000"/>
-          </a:ln>
-        </p:spPr>
-        <p:style>
-          <a:lnRef idx="1">
-            <a:schemeClr val="accent1"/>
-          </a:lnRef>
-          <a:fillRef idx="0">
-            <a:schemeClr val="accent1"/>
-          </a:fillRef>
-          <a:effectRef idx="0">
-            <a:schemeClr val="accent1"/>
-          </a:effectRef>
-          <a:fontRef idx="minor">
-            <a:schemeClr val="tx1"/>
-          </a:fontRef>
-        </p:style>
-      </p:cxnSp>
-      <p:sp>
-        <p:nvSpPr>
           <p:cNvPr id="84" name="Rounded Rectangle 82">
             <a:extLst>
               <a:ext uri="{FF2B5EF4-FFF2-40B4-BE49-F238E27FC236}">
@@ -16021,77 +15908,6 @@
       </p:sp>
       <p:sp>
         <p:nvSpPr>
-          <p:cNvPr id="95" name="Rounded Rectangle 73">
-            <a:extLst>
-              <a:ext uri="{FF2B5EF4-FFF2-40B4-BE49-F238E27FC236}">
-                <a16:creationId xmlns:a16="http://schemas.microsoft.com/office/drawing/2014/main" id="{6D862180-79EC-A88A-0882-5CFF944DC781}"/>
-              </a:ext>
-            </a:extLst>
-          </p:cNvPr>
-          <p:cNvSpPr/>
-          <p:nvPr/>
-        </p:nvSpPr>
-        <p:spPr>
-          <a:xfrm>
-            <a:off x="5854998" y="4004472"/>
-            <a:ext cx="3550944" cy="288974"/>
-          </a:xfrm>
-          <a:prstGeom prst="roundRect">
-            <a:avLst>
-              <a:gd name="adj" fmla="val 13128"/>
-            </a:avLst>
-          </a:prstGeom>
-          <a:solidFill>
-            <a:schemeClr val="bg2">
-              <a:lumMod val="75000"/>
-            </a:schemeClr>
-          </a:solidFill>
-          <a:ln w="12700">
-            <a:noFill/>
-          </a:ln>
-          <a:effectLst/>
-        </p:spPr>
-        <p:style>
-          <a:lnRef idx="2">
-            <a:schemeClr val="dk1"/>
-          </a:lnRef>
-          <a:fillRef idx="1">
-            <a:schemeClr val="lt1"/>
-          </a:fillRef>
-          <a:effectRef idx="0">
-            <a:schemeClr val="dk1"/>
-          </a:effectRef>
-          <a:fontRef idx="minor">
-            <a:schemeClr val="dk1"/>
-          </a:fontRef>
-        </p:style>
-        <p:txBody>
-          <a:bodyPr wrap="square" lIns="0" tIns="72000" rIns="0" bIns="36000" rtlCol="0" anchor="ctr">
-            <a:noAutofit/>
-          </a:bodyPr>
-          <a:lstStyle/>
-          <a:p>
-            <a:pPr algn="ctr">
-              <a:lnSpc>
-                <a:spcPts val="1000"/>
-              </a:lnSpc>
-            </a:pPr>
-            <a:r>
-              <a:rPr lang="en-US" sz="1200" dirty="0">
-                <a:solidFill>
-                  <a:schemeClr val="bg1"/>
-                </a:solidFill>
-                <a:latin typeface="Source Sans Pro Light" charset="0"/>
-                <a:ea typeface="Source Sans Pro Light" charset="0"/>
-                <a:cs typeface="Source Sans Pro Light" charset="0"/>
-              </a:rPr>
-              <a:t>C stacks TCP/IP, TLS, Crypto, Bluetooth</a:t>
-            </a:r>
-          </a:p>
-        </p:txBody>
-      </p:sp>
-      <p:sp>
-        <p:nvSpPr>
           <p:cNvPr id="96" name="Rounded Rectangle 79">
             <a:extLst>
               <a:ext uri="{FF2B5EF4-FFF2-40B4-BE49-F238E27FC236}">
@@ -16939,82 +16755,6 @@
                 <a:cs typeface="Source Sans Pro Light" charset="0"/>
               </a:rPr>
               <a:t>ECOM-Wi-Fi</a:t>
-            </a:r>
-          </a:p>
-        </p:txBody>
-      </p:sp>
-      <p:sp>
-        <p:nvSpPr>
-          <p:cNvPr id="109" name="Rectangle 108">
-            <a:extLst>
-              <a:ext uri="{FF2B5EF4-FFF2-40B4-BE49-F238E27FC236}">
-                <a16:creationId xmlns:a16="http://schemas.microsoft.com/office/drawing/2014/main" id="{1B529FE1-6DDB-41F1-9BA3-2906273531E6}"/>
-              </a:ext>
-            </a:extLst>
-          </p:cNvPr>
-          <p:cNvSpPr/>
-          <p:nvPr/>
-        </p:nvSpPr>
-        <p:spPr>
-          <a:xfrm>
-            <a:off x="6710739" y="4352821"/>
-            <a:ext cx="1876846" cy="129587"/>
-          </a:xfrm>
-          <a:prstGeom prst="rect">
-            <a:avLst/>
-          </a:prstGeom>
-          <a:gradFill flip="none" rotWithShape="1">
-            <a:gsLst>
-              <a:gs pos="100000">
-                <a:srgbClr val="CBD3D7">
-                  <a:alpha val="0"/>
-                </a:srgbClr>
-              </a:gs>
-              <a:gs pos="0">
-                <a:schemeClr val="bg2">
-                  <a:alpha val="0"/>
-                </a:schemeClr>
-              </a:gs>
-              <a:gs pos="80000">
-                <a:srgbClr val="CBD3D7">
-                  <a:alpha val="90000"/>
-                </a:srgbClr>
-              </a:gs>
-              <a:gs pos="20000">
-                <a:schemeClr val="bg2">
-                  <a:alpha val="90000"/>
-                </a:schemeClr>
-              </a:gs>
-            </a:gsLst>
-            <a:lin ang="0" scaled="1"/>
-            <a:tileRect/>
-          </a:gradFill>
-          <a:ln w="31750">
-            <a:noFill/>
-          </a:ln>
-          <a:effectLst/>
-        </p:spPr>
-        <p:txBody>
-          <a:bodyPr wrap="square" lIns="0" tIns="0" rIns="0" bIns="0">
-            <a:spAutoFit/>
-          </a:bodyPr>
-          <a:lstStyle/>
-          <a:p>
-            <a:pPr algn="ctr">
-              <a:lnSpc>
-                <a:spcPts val="1000"/>
-              </a:lnSpc>
-            </a:pPr>
-            <a:r>
-              <a:rPr lang="en-US" sz="1000" b="1" dirty="0">
-                <a:ln w="0"/>
-                <a:solidFill>
-                  <a:schemeClr val="accent1"/>
-                </a:solidFill>
-                <a:latin typeface="Source Sans Pro" panose="020B0503030403020204" pitchFamily="34" charset="0"/>
-                <a:ea typeface="Source Sans Pro" panose="020B0503030403020204" pitchFamily="34" charset="0"/>
-              </a:rPr>
-              <a:t>ABSTRACTION LAYERS</a:t>
             </a:r>
           </a:p>
         </p:txBody>
@@ -17309,6 +17049,192 @@
               <a:ea typeface="Source Sans Pro" charset="0"/>
               <a:cs typeface="Source Sans Pro" charset="0"/>
             </a:endParaRPr>
+          </a:p>
+        </p:txBody>
+      </p:sp>
+      <p:cxnSp>
+        <p:nvCxnSpPr>
+          <p:cNvPr id="13" name="Straight Connector 12">
+            <a:extLst>
+              <a:ext uri="{FF2B5EF4-FFF2-40B4-BE49-F238E27FC236}">
+                <a16:creationId xmlns:a16="http://schemas.microsoft.com/office/drawing/2014/main" id="{D717A62E-C23D-D192-697B-59075CF561AB}"/>
+              </a:ext>
+            </a:extLst>
+          </p:cNvPr>
+          <p:cNvCxnSpPr>
+            <a:cxnSpLocks/>
+          </p:cNvCxnSpPr>
+          <p:nvPr/>
+        </p:nvCxnSpPr>
+        <p:spPr>
+          <a:xfrm>
+            <a:off x="5785060" y="4049718"/>
+            <a:ext cx="3584038" cy="0"/>
+          </a:xfrm>
+          <a:prstGeom prst="line">
+            <a:avLst/>
+          </a:prstGeom>
+          <a:ln w="38100" cap="rnd">
+            <a:solidFill>
+              <a:schemeClr val="accent1"/>
+            </a:solidFill>
+            <a:miter lim="800000"/>
+          </a:ln>
+        </p:spPr>
+        <p:style>
+          <a:lnRef idx="1">
+            <a:schemeClr val="accent1"/>
+          </a:lnRef>
+          <a:fillRef idx="0">
+            <a:schemeClr val="accent1"/>
+          </a:fillRef>
+          <a:effectRef idx="0">
+            <a:schemeClr val="accent1"/>
+          </a:effectRef>
+          <a:fontRef idx="minor">
+            <a:schemeClr val="tx1"/>
+          </a:fontRef>
+        </p:style>
+      </p:cxnSp>
+      <p:sp>
+        <p:nvSpPr>
+          <p:cNvPr id="15" name="Rounded Rectangle 27">
+            <a:extLst>
+              <a:ext uri="{FF2B5EF4-FFF2-40B4-BE49-F238E27FC236}">
+                <a16:creationId xmlns:a16="http://schemas.microsoft.com/office/drawing/2014/main" id="{AA10FA17-F234-9891-1873-4B3BCB594F2E}"/>
+              </a:ext>
+            </a:extLst>
+          </p:cNvPr>
+          <p:cNvSpPr/>
+          <p:nvPr/>
+        </p:nvSpPr>
+        <p:spPr>
+          <a:xfrm>
+            <a:off x="5757730" y="4154202"/>
+            <a:ext cx="3638641" cy="288974"/>
+          </a:xfrm>
+          <a:prstGeom prst="roundRect">
+            <a:avLst>
+              <a:gd name="adj" fmla="val 13128"/>
+            </a:avLst>
+          </a:prstGeom>
+          <a:solidFill>
+            <a:schemeClr val="bg2">
+              <a:lumMod val="75000"/>
+            </a:schemeClr>
+          </a:solidFill>
+          <a:ln w="12700">
+            <a:noFill/>
+          </a:ln>
+          <a:effectLst/>
+        </p:spPr>
+        <p:style>
+          <a:lnRef idx="2">
+            <a:schemeClr val="dk1"/>
+          </a:lnRef>
+          <a:fillRef idx="1">
+            <a:schemeClr val="lt1"/>
+          </a:fillRef>
+          <a:effectRef idx="0">
+            <a:schemeClr val="dk1"/>
+          </a:effectRef>
+          <a:fontRef idx="minor">
+            <a:schemeClr val="dk1"/>
+          </a:fontRef>
+        </p:style>
+        <p:txBody>
+          <a:bodyPr wrap="square" tIns="36000" bIns="36000" rtlCol="0" anchor="ctr">
+            <a:noAutofit/>
+          </a:bodyPr>
+          <a:lstStyle/>
+          <a:p>
+            <a:pPr algn="ctr"/>
+            <a:r>
+              <a:rPr lang="en-US" sz="1200" dirty="0">
+                <a:solidFill>
+                  <a:schemeClr val="bg1"/>
+                </a:solidFill>
+                <a:latin typeface="Source Sans Pro Light" charset="0"/>
+                <a:ea typeface="Source Sans Pro Light" charset="0"/>
+              </a:rPr>
+              <a:t>C stacks TCP/IP , TLS , Crypto, Bluetooth, GNSS</a:t>
+            </a:r>
+          </a:p>
+        </p:txBody>
+      </p:sp>
+      <p:sp>
+        <p:nvSpPr>
+          <p:cNvPr id="18" name="Rectangle 17">
+            <a:extLst>
+              <a:ext uri="{FF2B5EF4-FFF2-40B4-BE49-F238E27FC236}">
+                <a16:creationId xmlns:a16="http://schemas.microsoft.com/office/drawing/2014/main" id="{44B38841-2106-0496-1F3A-DDD73B01CF55}"/>
+              </a:ext>
+            </a:extLst>
+          </p:cNvPr>
+          <p:cNvSpPr/>
+          <p:nvPr/>
+        </p:nvSpPr>
+        <p:spPr>
+          <a:xfrm>
+            <a:off x="6602367" y="3999723"/>
+            <a:ext cx="1876846" cy="129587"/>
+          </a:xfrm>
+          <a:prstGeom prst="rect">
+            <a:avLst/>
+          </a:prstGeom>
+          <a:gradFill flip="none" rotWithShape="1">
+            <a:gsLst>
+              <a:gs pos="100000">
+                <a:srgbClr val="CBD3D7">
+                  <a:alpha val="0"/>
+                </a:srgbClr>
+              </a:gs>
+              <a:gs pos="0">
+                <a:schemeClr val="bg2">
+                  <a:alpha val="0"/>
+                </a:schemeClr>
+              </a:gs>
+              <a:gs pos="80000">
+                <a:srgbClr val="CBD3D7">
+                  <a:alpha val="90000"/>
+                </a:srgbClr>
+              </a:gs>
+              <a:gs pos="20000">
+                <a:schemeClr val="bg2">
+                  <a:alpha val="90000"/>
+                </a:schemeClr>
+              </a:gs>
+            </a:gsLst>
+            <a:lin ang="0" scaled="1"/>
+            <a:tileRect/>
+          </a:gradFill>
+          <a:ln w="31750">
+            <a:noFill/>
+          </a:ln>
+          <a:effectLst/>
+        </p:spPr>
+        <p:txBody>
+          <a:bodyPr wrap="square" lIns="0" tIns="0" rIns="0" bIns="0">
+            <a:spAutoFit/>
+          </a:bodyPr>
+          <a:lstStyle/>
+          <a:p>
+            <a:pPr algn="ctr">
+              <a:lnSpc>
+                <a:spcPts val="1000"/>
+              </a:lnSpc>
+            </a:pPr>
+            <a:r>
+              <a:rPr lang="en-US" sz="1000" b="1" dirty="0">
+                <a:ln w="0"/>
+                <a:solidFill>
+                  <a:schemeClr val="accent1"/>
+                </a:solidFill>
+                <a:latin typeface="Source Sans Pro" panose="020B0503030403020204" pitchFamily="34" charset="0"/>
+                <a:ea typeface="Source Sans Pro" panose="020B0503030403020204" pitchFamily="34" charset="0"/>
+              </a:rPr>
+              <a:t>ABSTRACTION LAYERS</a:t>
+            </a:r>
           </a:p>
         </p:txBody>
       </p:sp>

--- a/ApplicationDeveloperGuide/images/networking_overview.pptx
+++ b/ApplicationDeveloperGuide/images/networking_overview.pptx
@@ -13710,7 +13710,7 @@
         </p:nvSpPr>
         <p:spPr>
           <a:xfrm>
-            <a:off x="4112004" y="3943443"/>
+            <a:off x="4114729" y="3941851"/>
             <a:ext cx="5225110" cy="1367846"/>
           </a:xfrm>
           <a:prstGeom prst="roundRect">
@@ -17110,8 +17110,8 @@
         </p:nvSpPr>
         <p:spPr>
           <a:xfrm>
-            <a:off x="5757730" y="4154202"/>
-            <a:ext cx="3638641" cy="288974"/>
+            <a:off x="5778330" y="4138505"/>
+            <a:ext cx="3618041" cy="288974"/>
           </a:xfrm>
           <a:prstGeom prst="roundRect">
             <a:avLst>

--- a/ApplicationDeveloperGuide/images/networking_overview.pptx
+++ b/ApplicationDeveloperGuide/images/networking_overview.pptx
@@ -5,14 +5,15 @@
     <p:sldMasterId id="2147483690" r:id="rId1"/>
   </p:sldMasterIdLst>
   <p:notesMasterIdLst>
-    <p:notesMasterId r:id="rId4"/>
+    <p:notesMasterId r:id="rId5"/>
   </p:notesMasterIdLst>
   <p:handoutMasterIdLst>
-    <p:handoutMasterId r:id="rId5"/>
+    <p:handoutMasterId r:id="rId6"/>
   </p:handoutMasterIdLst>
   <p:sldIdLst>
     <p:sldId id="314" r:id="rId2"/>
     <p:sldId id="315" r:id="rId3"/>
+    <p:sldId id="316" r:id="rId4"/>
   </p:sldIdLst>
   <p:sldSz cx="12192000" cy="6858000"/>
   <p:notesSz cx="6858000" cy="9144000"/>
@@ -17251,6 +17252,5273 @@
 </p:sld>
 </file>
 
+<file path=ppt/slides/slide3.xml><?xml version="1.0" encoding="utf-8"?>
+<p:sld xmlns:a="http://schemas.openxmlformats.org/drawingml/2006/main" xmlns:r="http://schemas.openxmlformats.org/officeDocument/2006/relationships" xmlns:p="http://schemas.openxmlformats.org/presentationml/2006/main">
+  <p:cSld>
+    <p:spTree>
+      <p:nvGrpSpPr>
+        <p:cNvPr id="1" name=""/>
+        <p:cNvGrpSpPr/>
+        <p:nvPr/>
+      </p:nvGrpSpPr>
+      <p:grpSpPr>
+        <a:xfrm>
+          <a:off x="0" y="0"/>
+          <a:ext cx="0" cy="0"/>
+          <a:chOff x="0" y="0"/>
+          <a:chExt cx="0" cy="0"/>
+        </a:xfrm>
+      </p:grpSpPr>
+      <p:cxnSp>
+        <p:nvCxnSpPr>
+          <p:cNvPr id="2" name="Straight Connector 1">
+            <a:extLst>
+              <a:ext uri="{FF2B5EF4-FFF2-40B4-BE49-F238E27FC236}">
+                <a16:creationId xmlns:a16="http://schemas.microsoft.com/office/drawing/2014/main" id="{69468F00-CD4C-A248-A4B1-C7B7588C2D3D}"/>
+              </a:ext>
+            </a:extLst>
+          </p:cNvPr>
+          <p:cNvCxnSpPr/>
+          <p:nvPr/>
+        </p:nvCxnSpPr>
+        <p:spPr>
+          <a:xfrm>
+            <a:off x="839416" y="973732"/>
+            <a:ext cx="9568588" cy="0"/>
+          </a:xfrm>
+          <a:prstGeom prst="line">
+            <a:avLst/>
+          </a:prstGeom>
+          <a:ln>
+            <a:solidFill>
+              <a:schemeClr val="bg2"/>
+            </a:solidFill>
+          </a:ln>
+        </p:spPr>
+        <p:style>
+          <a:lnRef idx="1">
+            <a:schemeClr val="accent1"/>
+          </a:lnRef>
+          <a:fillRef idx="0">
+            <a:schemeClr val="accent1"/>
+          </a:fillRef>
+          <a:effectRef idx="0">
+            <a:schemeClr val="accent1"/>
+          </a:effectRef>
+          <a:fontRef idx="minor">
+            <a:schemeClr val="tx1"/>
+          </a:fontRef>
+        </p:style>
+      </p:cxnSp>
+      <p:sp>
+        <p:nvSpPr>
+          <p:cNvPr id="3" name="TextBox 2">
+            <a:extLst>
+              <a:ext uri="{FF2B5EF4-FFF2-40B4-BE49-F238E27FC236}">
+                <a16:creationId xmlns:a16="http://schemas.microsoft.com/office/drawing/2014/main" id="{48FC3BF8-BB80-DF47-B91F-CB24163470D3}"/>
+              </a:ext>
+            </a:extLst>
+          </p:cNvPr>
+          <p:cNvSpPr txBox="1"/>
+          <p:nvPr/>
+        </p:nvSpPr>
+        <p:spPr>
+          <a:xfrm>
+            <a:off x="746942" y="339648"/>
+            <a:ext cx="10893877" cy="461665"/>
+          </a:xfrm>
+          <a:prstGeom prst="rect">
+            <a:avLst/>
+          </a:prstGeom>
+          <a:noFill/>
+        </p:spPr>
+        <p:txBody>
+          <a:bodyPr wrap="square" rtlCol="0">
+            <a:spAutoFit/>
+          </a:bodyPr>
+          <a:lstStyle/>
+          <a:p>
+            <a:r>
+              <a:rPr lang="en-US" sz="2400" dirty="0">
+                <a:latin typeface="Source Sans Pro Light" charset="0"/>
+                <a:ea typeface="Source Sans Pro Light" charset="0"/>
+                <a:cs typeface="Source Sans Pro Light" charset="0"/>
+              </a:rPr>
+              <a:t>Implementation / Network architecture-and-</a:t>
+            </a:r>
+            <a:r>
+              <a:rPr lang="en-US" sz="2400" dirty="0" err="1">
+                <a:latin typeface="Source Sans Pro Light" charset="0"/>
+                <a:ea typeface="Source Sans Pro Light" charset="0"/>
+                <a:cs typeface="Source Sans Pro Light" charset="0"/>
+              </a:rPr>
+              <a:t>modules_minimize</a:t>
+            </a:r>
+            <a:endParaRPr lang="en-US" sz="2400" dirty="0">
+              <a:latin typeface="Source Sans Pro Light" charset="0"/>
+              <a:ea typeface="Source Sans Pro Light" charset="0"/>
+              <a:cs typeface="Source Sans Pro Light" charset="0"/>
+            </a:endParaRPr>
+          </a:p>
+        </p:txBody>
+      </p:sp>
+      <p:sp>
+        <p:nvSpPr>
+          <p:cNvPr id="4" name="Rounded Rectangle 3">
+            <a:extLst>
+              <a:ext uri="{FF2B5EF4-FFF2-40B4-BE49-F238E27FC236}">
+                <a16:creationId xmlns:a16="http://schemas.microsoft.com/office/drawing/2014/main" id="{56D03FB4-14D4-9F48-A061-0B8E91CCC141}"/>
+              </a:ext>
+            </a:extLst>
+          </p:cNvPr>
+          <p:cNvSpPr/>
+          <p:nvPr/>
+        </p:nvSpPr>
+        <p:spPr>
+          <a:xfrm>
+            <a:off x="12608565" y="6479853"/>
+            <a:ext cx="1545913" cy="172336"/>
+          </a:xfrm>
+          <a:prstGeom prst="roundRect">
+            <a:avLst>
+              <a:gd name="adj" fmla="val 22508"/>
+            </a:avLst>
+          </a:prstGeom>
+          <a:noFill/>
+          <a:ln w="12700">
+            <a:noFill/>
+          </a:ln>
+        </p:spPr>
+        <p:style>
+          <a:lnRef idx="2">
+            <a:schemeClr val="dk1"/>
+          </a:lnRef>
+          <a:fillRef idx="1">
+            <a:schemeClr val="lt1"/>
+          </a:fillRef>
+          <a:effectRef idx="0">
+            <a:schemeClr val="dk1"/>
+          </a:effectRef>
+          <a:fontRef idx="minor">
+            <a:schemeClr val="dk1"/>
+          </a:fontRef>
+        </p:style>
+        <p:txBody>
+          <a:bodyPr tIns="36000" bIns="36000" rtlCol="0" anchor="ctr"/>
+          <a:lstStyle/>
+          <a:p>
+            <a:pPr algn="ctr"/>
+            <a:r>
+              <a:rPr lang="en-US" sz="1200" dirty="0">
+                <a:solidFill>
+                  <a:schemeClr val="tx1">
+                    <a:lumMod val="75000"/>
+                  </a:schemeClr>
+                </a:solidFill>
+                <a:latin typeface="Source Sans Pro Light" charset="0"/>
+                <a:ea typeface="Source Sans Pro Light" charset="0"/>
+                <a:cs typeface="Source Sans Pro Light" charset="0"/>
+              </a:rPr>
+              <a:t>Platform</a:t>
+            </a:r>
+          </a:p>
+        </p:txBody>
+      </p:sp>
+      <p:sp>
+        <p:nvSpPr>
+          <p:cNvPr id="33" name="Arc 32">
+            <a:extLst>
+              <a:ext uri="{FF2B5EF4-FFF2-40B4-BE49-F238E27FC236}">
+                <a16:creationId xmlns:a16="http://schemas.microsoft.com/office/drawing/2014/main" id="{F9D5D72F-66C0-4383-CA44-6BCF006C12A7}"/>
+              </a:ext>
+            </a:extLst>
+          </p:cNvPr>
+          <p:cNvSpPr/>
+          <p:nvPr/>
+        </p:nvSpPr>
+        <p:spPr>
+          <a:xfrm>
+            <a:off x="9369098" y="5923522"/>
+            <a:ext cx="224156" cy="213972"/>
+          </a:xfrm>
+          <a:prstGeom prst="arc">
+            <a:avLst>
+              <a:gd name="adj1" fmla="val 15188349"/>
+              <a:gd name="adj2" fmla="val 21512081"/>
+            </a:avLst>
+          </a:prstGeom>
+          <a:ln w="38100">
+            <a:solidFill>
+              <a:schemeClr val="bg2">
+                <a:lumMod val="25000"/>
+              </a:schemeClr>
+            </a:solidFill>
+          </a:ln>
+        </p:spPr>
+        <p:style>
+          <a:lnRef idx="1">
+            <a:schemeClr val="accent1"/>
+          </a:lnRef>
+          <a:fillRef idx="0">
+            <a:schemeClr val="accent1"/>
+          </a:fillRef>
+          <a:effectRef idx="0">
+            <a:schemeClr val="accent1"/>
+          </a:effectRef>
+          <a:fontRef idx="minor">
+            <a:schemeClr val="tx1"/>
+          </a:fontRef>
+        </p:style>
+        <p:txBody>
+          <a:bodyPr rtlCol="0" anchor="ctr"/>
+          <a:lstStyle/>
+          <a:p>
+            <a:pPr algn="ctr"/>
+            <a:endParaRPr lang="en-US" dirty="0"/>
+          </a:p>
+        </p:txBody>
+      </p:sp>
+      <p:sp>
+        <p:nvSpPr>
+          <p:cNvPr id="50" name="Rounded Rectangle 69">
+            <a:extLst>
+              <a:ext uri="{FF2B5EF4-FFF2-40B4-BE49-F238E27FC236}">
+                <a16:creationId xmlns:a16="http://schemas.microsoft.com/office/drawing/2014/main" id="{7CECCED1-2056-8BBB-C370-42EDA0198DA4}"/>
+              </a:ext>
+            </a:extLst>
+          </p:cNvPr>
+          <p:cNvSpPr/>
+          <p:nvPr/>
+        </p:nvSpPr>
+        <p:spPr>
+          <a:xfrm>
+            <a:off x="4123339" y="1393594"/>
+            <a:ext cx="5373156" cy="2340154"/>
+          </a:xfrm>
+          <a:prstGeom prst="roundRect">
+            <a:avLst>
+              <a:gd name="adj" fmla="val 3799"/>
+            </a:avLst>
+          </a:prstGeom>
+          <a:solidFill>
+            <a:schemeClr val="accent1"/>
+          </a:solidFill>
+          <a:ln w="12700">
+            <a:solidFill>
+              <a:schemeClr val="accent1"/>
+            </a:solidFill>
+          </a:ln>
+          <a:effectLst/>
+        </p:spPr>
+        <p:style>
+          <a:lnRef idx="2">
+            <a:schemeClr val="dk1"/>
+          </a:lnRef>
+          <a:fillRef idx="1">
+            <a:schemeClr val="lt1"/>
+          </a:fillRef>
+          <a:effectRef idx="0">
+            <a:schemeClr val="dk1"/>
+          </a:effectRef>
+          <a:fontRef idx="minor">
+            <a:schemeClr val="dk1"/>
+          </a:fontRef>
+        </p:style>
+        <p:txBody>
+          <a:bodyPr rtlCol="0" anchor="ctr"/>
+          <a:lstStyle/>
+          <a:p>
+            <a:pPr algn="ctr">
+              <a:lnSpc>
+                <a:spcPts val="1600"/>
+              </a:lnSpc>
+              <a:spcBef>
+                <a:spcPts val="100"/>
+              </a:spcBef>
+              <a:spcAft>
+                <a:spcPts val="100"/>
+              </a:spcAft>
+            </a:pPr>
+            <a:endParaRPr lang="en-US" sz="1600" dirty="0">
+              <a:solidFill>
+                <a:schemeClr val="bg1"/>
+              </a:solidFill>
+              <a:effectLst>
+                <a:outerShdw blurRad="50800" dist="38100" dir="5400000" algn="t" rotWithShape="0">
+                  <a:prstClr val="black">
+                    <a:alpha val="40000"/>
+                  </a:prstClr>
+                </a:outerShdw>
+              </a:effectLst>
+              <a:latin typeface="Source Sans Pro" charset="0"/>
+              <a:ea typeface="Source Sans Pro" charset="0"/>
+            </a:endParaRPr>
+          </a:p>
+        </p:txBody>
+      </p:sp>
+      <p:sp>
+        <p:nvSpPr>
+          <p:cNvPr id="57" name="Rounded Rectangle 71">
+            <a:extLst>
+              <a:ext uri="{FF2B5EF4-FFF2-40B4-BE49-F238E27FC236}">
+                <a16:creationId xmlns:a16="http://schemas.microsoft.com/office/drawing/2014/main" id="{8D75462D-FCFF-7084-0B13-587BC4519853}"/>
+              </a:ext>
+            </a:extLst>
+          </p:cNvPr>
+          <p:cNvSpPr/>
+          <p:nvPr/>
+        </p:nvSpPr>
+        <p:spPr>
+          <a:xfrm>
+            <a:off x="4230424" y="1793044"/>
+            <a:ext cx="5172331" cy="883510"/>
+          </a:xfrm>
+          <a:prstGeom prst="roundRect">
+            <a:avLst>
+              <a:gd name="adj" fmla="val 10601"/>
+            </a:avLst>
+          </a:prstGeom>
+          <a:solidFill>
+            <a:schemeClr val="accent1">
+              <a:lumMod val="75000"/>
+            </a:schemeClr>
+          </a:solidFill>
+          <a:ln w="12700">
+            <a:noFill/>
+          </a:ln>
+          <a:effectLst>
+            <a:innerShdw blurRad="114300">
+              <a:prstClr val="black">
+                <a:alpha val="49000"/>
+              </a:prstClr>
+            </a:innerShdw>
+          </a:effectLst>
+        </p:spPr>
+        <p:style>
+          <a:lnRef idx="2">
+            <a:schemeClr val="dk1"/>
+          </a:lnRef>
+          <a:fillRef idx="1">
+            <a:schemeClr val="lt1"/>
+          </a:fillRef>
+          <a:effectRef idx="0">
+            <a:schemeClr val="dk1"/>
+          </a:effectRef>
+          <a:fontRef idx="minor">
+            <a:schemeClr val="dk1"/>
+          </a:fontRef>
+        </p:style>
+        <p:txBody>
+          <a:bodyPr wrap="square" lIns="108000" tIns="0" bIns="0" rtlCol="0" anchor="ctr">
+            <a:noAutofit/>
+          </a:bodyPr>
+          <a:lstStyle/>
+          <a:p>
+            <a:pPr lvl="0"/>
+            <a:r>
+              <a:rPr lang="en-US" sz="1600" b="1" dirty="0">
+                <a:solidFill>
+                  <a:schemeClr val="bg1"/>
+                </a:solidFill>
+                <a:latin typeface="Source Sans Pro" charset="0"/>
+                <a:ea typeface="Source Sans Pro" charset="0"/>
+                <a:cs typeface="Source Sans Pro" charset="0"/>
+              </a:rPr>
+              <a:t>ADD-ON</a:t>
+            </a:r>
+          </a:p>
+          <a:p>
+            <a:pPr lvl="0"/>
+            <a:r>
+              <a:rPr lang="en-US" sz="1600" b="1" dirty="0">
+                <a:solidFill>
+                  <a:schemeClr val="bg1"/>
+                </a:solidFill>
+                <a:latin typeface="Source Sans Pro" charset="0"/>
+                <a:ea typeface="Source Sans Pro" charset="0"/>
+                <a:cs typeface="Source Sans Pro" charset="0"/>
+              </a:rPr>
+              <a:t>LIBRARIES</a:t>
+            </a:r>
+          </a:p>
+        </p:txBody>
+      </p:sp>
+      <p:sp>
+        <p:nvSpPr>
+          <p:cNvPr id="61" name="Snip Same Side Corner Rectangle 52">
+            <a:extLst>
+              <a:ext uri="{FF2B5EF4-FFF2-40B4-BE49-F238E27FC236}">
+                <a16:creationId xmlns:a16="http://schemas.microsoft.com/office/drawing/2014/main" id="{C3B01635-FA3F-D041-C7A6-A655B6BB6D4C}"/>
+              </a:ext>
+            </a:extLst>
+          </p:cNvPr>
+          <p:cNvSpPr/>
+          <p:nvPr/>
+        </p:nvSpPr>
+        <p:spPr>
+          <a:xfrm>
+            <a:off x="4268490" y="5494987"/>
+            <a:ext cx="5228005" cy="535522"/>
+          </a:xfrm>
+          <a:prstGeom prst="snip2SameRect">
+            <a:avLst>
+              <a:gd name="adj1" fmla="val 12416"/>
+              <a:gd name="adj2" fmla="val 0"/>
+            </a:avLst>
+          </a:prstGeom>
+          <a:solidFill>
+            <a:schemeClr val="tx1">
+              <a:lumMod val="50000"/>
+            </a:schemeClr>
+          </a:solidFill>
+          <a:ln>
+            <a:noFill/>
+          </a:ln>
+        </p:spPr>
+        <p:style>
+          <a:lnRef idx="2">
+            <a:schemeClr val="accent1">
+              <a:shade val="50000"/>
+            </a:schemeClr>
+          </a:lnRef>
+          <a:fillRef idx="1">
+            <a:schemeClr val="accent1"/>
+          </a:fillRef>
+          <a:effectRef idx="0">
+            <a:schemeClr val="accent1"/>
+          </a:effectRef>
+          <a:fontRef idx="minor">
+            <a:schemeClr val="lt1"/>
+          </a:fontRef>
+        </p:style>
+        <p:txBody>
+          <a:bodyPr wrap="square" tIns="72000" bIns="36000" rtlCol="0" anchor="t">
+            <a:noAutofit/>
+          </a:bodyPr>
+          <a:lstStyle/>
+          <a:p>
+            <a:pPr algn="ctr">
+              <a:lnSpc>
+                <a:spcPts val="1500"/>
+              </a:lnSpc>
+            </a:pPr>
+            <a:endParaRPr lang="en-US" sz="1400" i="1" dirty="0">
+              <a:solidFill>
+                <a:schemeClr val="bg1"/>
+              </a:solidFill>
+              <a:latin typeface="Source Sans Pro Light" charset="0"/>
+              <a:ea typeface="Source Sans Pro Light" charset="0"/>
+              <a:cs typeface="Source Sans Pro Light" charset="0"/>
+            </a:endParaRPr>
+          </a:p>
+        </p:txBody>
+      </p:sp>
+      <p:sp>
+        <p:nvSpPr>
+          <p:cNvPr id="62" name="Rounded Rectangle 59">
+            <a:extLst>
+              <a:ext uri="{FF2B5EF4-FFF2-40B4-BE49-F238E27FC236}">
+                <a16:creationId xmlns:a16="http://schemas.microsoft.com/office/drawing/2014/main" id="{D3EFAA71-7817-4C1F-38DE-4A25122603DD}"/>
+              </a:ext>
+            </a:extLst>
+          </p:cNvPr>
+          <p:cNvSpPr/>
+          <p:nvPr/>
+        </p:nvSpPr>
+        <p:spPr>
+          <a:xfrm>
+            <a:off x="4111894" y="3941851"/>
+            <a:ext cx="5384601" cy="1367846"/>
+          </a:xfrm>
+          <a:prstGeom prst="roundRect">
+            <a:avLst>
+              <a:gd name="adj" fmla="val 7139"/>
+            </a:avLst>
+          </a:prstGeom>
+          <a:solidFill>
+            <a:schemeClr val="bg2"/>
+          </a:solidFill>
+          <a:ln w="12700">
+            <a:noFill/>
+          </a:ln>
+          <a:effectLst/>
+        </p:spPr>
+        <p:style>
+          <a:lnRef idx="2">
+            <a:schemeClr val="dk1"/>
+          </a:lnRef>
+          <a:fillRef idx="1">
+            <a:schemeClr val="lt1"/>
+          </a:fillRef>
+          <a:effectRef idx="0">
+            <a:schemeClr val="dk1"/>
+          </a:effectRef>
+          <a:fontRef idx="minor">
+            <a:schemeClr val="dk1"/>
+          </a:fontRef>
+        </p:style>
+        <p:txBody>
+          <a:bodyPr rtlCol="0" anchor="ctr"/>
+          <a:lstStyle/>
+          <a:p>
+            <a:pPr algn="ctr"/>
+            <a:endParaRPr lang="en-US" sz="1600" dirty="0">
+              <a:ln w="0">
+                <a:solidFill>
+                  <a:sysClr val="windowText" lastClr="000000"/>
+                </a:solidFill>
+              </a:ln>
+              <a:solidFill>
+                <a:schemeClr val="tx1"/>
+              </a:solidFill>
+            </a:endParaRPr>
+          </a:p>
+        </p:txBody>
+      </p:sp>
+      <p:sp>
+        <p:nvSpPr>
+          <p:cNvPr id="63" name="Arc 62">
+            <a:extLst>
+              <a:ext uri="{FF2B5EF4-FFF2-40B4-BE49-F238E27FC236}">
+                <a16:creationId xmlns:a16="http://schemas.microsoft.com/office/drawing/2014/main" id="{9C0DAEC3-E2DF-FE51-69B5-EABA2D211C9C}"/>
+              </a:ext>
+            </a:extLst>
+          </p:cNvPr>
+          <p:cNvSpPr/>
+          <p:nvPr/>
+        </p:nvSpPr>
+        <p:spPr>
+          <a:xfrm rot="16200000">
+            <a:off x="4011185" y="5925965"/>
+            <a:ext cx="229393" cy="209087"/>
+          </a:xfrm>
+          <a:prstGeom prst="arc">
+            <a:avLst>
+              <a:gd name="adj1" fmla="val 16200000"/>
+              <a:gd name="adj2" fmla="val 1286025"/>
+            </a:avLst>
+          </a:prstGeom>
+          <a:ln w="38100">
+            <a:solidFill>
+              <a:schemeClr val="bg2">
+                <a:lumMod val="25000"/>
+              </a:schemeClr>
+            </a:solidFill>
+          </a:ln>
+        </p:spPr>
+        <p:style>
+          <a:lnRef idx="1">
+            <a:schemeClr val="accent1"/>
+          </a:lnRef>
+          <a:fillRef idx="0">
+            <a:schemeClr val="accent1"/>
+          </a:fillRef>
+          <a:effectRef idx="0">
+            <a:schemeClr val="accent1"/>
+          </a:effectRef>
+          <a:fontRef idx="minor">
+            <a:schemeClr val="tx1"/>
+          </a:fontRef>
+        </p:style>
+        <p:txBody>
+          <a:bodyPr rtlCol="0" anchor="ctr"/>
+          <a:lstStyle/>
+          <a:p>
+            <a:pPr algn="ctr"/>
+            <a:endParaRPr lang="en-US" dirty="0"/>
+          </a:p>
+        </p:txBody>
+      </p:sp>
+      <p:sp>
+        <p:nvSpPr>
+          <p:cNvPr id="64" name="Snip Same Side Corner Rectangle 52">
+            <a:extLst>
+              <a:ext uri="{FF2B5EF4-FFF2-40B4-BE49-F238E27FC236}">
+                <a16:creationId xmlns:a16="http://schemas.microsoft.com/office/drawing/2014/main" id="{0DDBDDEF-A0D9-E1BF-80A5-C0990C3D06D2}"/>
+              </a:ext>
+            </a:extLst>
+          </p:cNvPr>
+          <p:cNvSpPr/>
+          <p:nvPr/>
+        </p:nvSpPr>
+        <p:spPr>
+          <a:xfrm>
+            <a:off x="4112254" y="5494987"/>
+            <a:ext cx="4354775" cy="535522"/>
+          </a:xfrm>
+          <a:prstGeom prst="snip2SameRect">
+            <a:avLst>
+              <a:gd name="adj1" fmla="val 12416"/>
+              <a:gd name="adj2" fmla="val 0"/>
+            </a:avLst>
+          </a:prstGeom>
+          <a:solidFill>
+            <a:schemeClr val="tx1">
+              <a:lumMod val="50000"/>
+            </a:schemeClr>
+          </a:solidFill>
+          <a:ln>
+            <a:noFill/>
+          </a:ln>
+        </p:spPr>
+        <p:style>
+          <a:lnRef idx="2">
+            <a:schemeClr val="accent1">
+              <a:shade val="50000"/>
+            </a:schemeClr>
+          </a:lnRef>
+          <a:fillRef idx="1">
+            <a:schemeClr val="accent1"/>
+          </a:fillRef>
+          <a:effectRef idx="0">
+            <a:schemeClr val="accent1"/>
+          </a:effectRef>
+          <a:fontRef idx="minor">
+            <a:schemeClr val="lt1"/>
+          </a:fontRef>
+        </p:style>
+        <p:txBody>
+          <a:bodyPr wrap="square" tIns="72000" bIns="36000" rtlCol="0" anchor="t">
+            <a:noAutofit/>
+          </a:bodyPr>
+          <a:lstStyle/>
+          <a:p>
+            <a:pPr algn="ctr">
+              <a:lnSpc>
+                <a:spcPts val="1500"/>
+              </a:lnSpc>
+            </a:pPr>
+            <a:endParaRPr lang="en-US" sz="1400" i="1" dirty="0">
+              <a:solidFill>
+                <a:schemeClr val="bg1"/>
+              </a:solidFill>
+              <a:latin typeface="Source Sans Pro Light" charset="0"/>
+              <a:ea typeface="Source Sans Pro Light" charset="0"/>
+              <a:cs typeface="Source Sans Pro Light" charset="0"/>
+            </a:endParaRPr>
+          </a:p>
+        </p:txBody>
+      </p:sp>
+      <p:grpSp>
+        <p:nvGrpSpPr>
+          <p:cNvPr id="65" name="Group 64">
+            <a:extLst>
+              <a:ext uri="{FF2B5EF4-FFF2-40B4-BE49-F238E27FC236}">
+                <a16:creationId xmlns:a16="http://schemas.microsoft.com/office/drawing/2014/main" id="{2A9A7C65-D9C4-2263-1988-43829596E16D}"/>
+              </a:ext>
+            </a:extLst>
+          </p:cNvPr>
+          <p:cNvGrpSpPr/>
+          <p:nvPr/>
+        </p:nvGrpSpPr>
+        <p:grpSpPr>
+          <a:xfrm>
+            <a:off x="4112004" y="5238370"/>
+            <a:ext cx="1856244" cy="721545"/>
+            <a:chOff x="4123484" y="5527673"/>
+            <a:chExt cx="1856244" cy="721545"/>
+          </a:xfrm>
+        </p:grpSpPr>
+        <p:sp>
+          <p:nvSpPr>
+            <p:cNvPr id="66" name="Rounded Rectangle 370">
+              <a:extLst>
+                <a:ext uri="{FF2B5EF4-FFF2-40B4-BE49-F238E27FC236}">
+                  <a16:creationId xmlns:a16="http://schemas.microsoft.com/office/drawing/2014/main" id="{09D86C93-61DD-4EE7-B1F1-2E86883226CF}"/>
+                </a:ext>
+              </a:extLst>
+            </p:cNvPr>
+            <p:cNvSpPr/>
+            <p:nvPr/>
+          </p:nvSpPr>
+          <p:spPr>
+            <a:xfrm>
+              <a:off x="4123484" y="5527673"/>
+              <a:ext cx="1856244" cy="721545"/>
+            </a:xfrm>
+            <a:custGeom>
+              <a:avLst/>
+              <a:gdLst>
+                <a:gd name="connsiteX0" fmla="*/ 0 w 1377675"/>
+                <a:gd name="connsiteY0" fmla="*/ 66568 h 1084694"/>
+                <a:gd name="connsiteX1" fmla="*/ 66568 w 1377675"/>
+                <a:gd name="connsiteY1" fmla="*/ 0 h 1084694"/>
+                <a:gd name="connsiteX2" fmla="*/ 1311107 w 1377675"/>
+                <a:gd name="connsiteY2" fmla="*/ 0 h 1084694"/>
+                <a:gd name="connsiteX3" fmla="*/ 1377675 w 1377675"/>
+                <a:gd name="connsiteY3" fmla="*/ 66568 h 1084694"/>
+                <a:gd name="connsiteX4" fmla="*/ 1377675 w 1377675"/>
+                <a:gd name="connsiteY4" fmla="*/ 1018126 h 1084694"/>
+                <a:gd name="connsiteX5" fmla="*/ 1311107 w 1377675"/>
+                <a:gd name="connsiteY5" fmla="*/ 1084694 h 1084694"/>
+                <a:gd name="connsiteX6" fmla="*/ 66568 w 1377675"/>
+                <a:gd name="connsiteY6" fmla="*/ 1084694 h 1084694"/>
+                <a:gd name="connsiteX7" fmla="*/ 0 w 1377675"/>
+                <a:gd name="connsiteY7" fmla="*/ 1018126 h 1084694"/>
+                <a:gd name="connsiteX8" fmla="*/ 0 w 1377675"/>
+                <a:gd name="connsiteY8" fmla="*/ 66568 h 1084694"/>
+                <a:gd name="connsiteX0" fmla="*/ 0 w 1377675"/>
+                <a:gd name="connsiteY0" fmla="*/ 66568 h 1084694"/>
+                <a:gd name="connsiteX1" fmla="*/ 66568 w 1377675"/>
+                <a:gd name="connsiteY1" fmla="*/ 0 h 1084694"/>
+                <a:gd name="connsiteX2" fmla="*/ 1311107 w 1377675"/>
+                <a:gd name="connsiteY2" fmla="*/ 0 h 1084694"/>
+                <a:gd name="connsiteX3" fmla="*/ 1377675 w 1377675"/>
+                <a:gd name="connsiteY3" fmla="*/ 409468 h 1084694"/>
+                <a:gd name="connsiteX4" fmla="*/ 1377675 w 1377675"/>
+                <a:gd name="connsiteY4" fmla="*/ 1018126 h 1084694"/>
+                <a:gd name="connsiteX5" fmla="*/ 1311107 w 1377675"/>
+                <a:gd name="connsiteY5" fmla="*/ 1084694 h 1084694"/>
+                <a:gd name="connsiteX6" fmla="*/ 66568 w 1377675"/>
+                <a:gd name="connsiteY6" fmla="*/ 1084694 h 1084694"/>
+                <a:gd name="connsiteX7" fmla="*/ 0 w 1377675"/>
+                <a:gd name="connsiteY7" fmla="*/ 1018126 h 1084694"/>
+                <a:gd name="connsiteX8" fmla="*/ 0 w 1377675"/>
+                <a:gd name="connsiteY8" fmla="*/ 66568 h 1084694"/>
+                <a:gd name="connsiteX0" fmla="*/ 0 w 1381139"/>
+                <a:gd name="connsiteY0" fmla="*/ 388686 h 1084694"/>
+                <a:gd name="connsiteX1" fmla="*/ 70032 w 1381139"/>
+                <a:gd name="connsiteY1" fmla="*/ 0 h 1084694"/>
+                <a:gd name="connsiteX2" fmla="*/ 1314571 w 1381139"/>
+                <a:gd name="connsiteY2" fmla="*/ 0 h 1084694"/>
+                <a:gd name="connsiteX3" fmla="*/ 1381139 w 1381139"/>
+                <a:gd name="connsiteY3" fmla="*/ 409468 h 1084694"/>
+                <a:gd name="connsiteX4" fmla="*/ 1381139 w 1381139"/>
+                <a:gd name="connsiteY4" fmla="*/ 1018126 h 1084694"/>
+                <a:gd name="connsiteX5" fmla="*/ 1314571 w 1381139"/>
+                <a:gd name="connsiteY5" fmla="*/ 1084694 h 1084694"/>
+                <a:gd name="connsiteX6" fmla="*/ 70032 w 1381139"/>
+                <a:gd name="connsiteY6" fmla="*/ 1084694 h 1084694"/>
+                <a:gd name="connsiteX7" fmla="*/ 3464 w 1381139"/>
+                <a:gd name="connsiteY7" fmla="*/ 1018126 h 1084694"/>
+                <a:gd name="connsiteX8" fmla="*/ 0 w 1381139"/>
+                <a:gd name="connsiteY8" fmla="*/ 388686 h 1084694"/>
+                <a:gd name="connsiteX0" fmla="*/ 0 w 3085063"/>
+                <a:gd name="connsiteY0" fmla="*/ 388686 h 1084694"/>
+                <a:gd name="connsiteX1" fmla="*/ 70032 w 3085063"/>
+                <a:gd name="connsiteY1" fmla="*/ 0 h 1084694"/>
+                <a:gd name="connsiteX2" fmla="*/ 3084489 w 3085063"/>
+                <a:gd name="connsiteY2" fmla="*/ 256309 h 1084694"/>
+                <a:gd name="connsiteX3" fmla="*/ 1381139 w 3085063"/>
+                <a:gd name="connsiteY3" fmla="*/ 409468 h 1084694"/>
+                <a:gd name="connsiteX4" fmla="*/ 1381139 w 3085063"/>
+                <a:gd name="connsiteY4" fmla="*/ 1018126 h 1084694"/>
+                <a:gd name="connsiteX5" fmla="*/ 1314571 w 3085063"/>
+                <a:gd name="connsiteY5" fmla="*/ 1084694 h 1084694"/>
+                <a:gd name="connsiteX6" fmla="*/ 70032 w 3085063"/>
+                <a:gd name="connsiteY6" fmla="*/ 1084694 h 1084694"/>
+                <a:gd name="connsiteX7" fmla="*/ 3464 w 3085063"/>
+                <a:gd name="connsiteY7" fmla="*/ 1018126 h 1084694"/>
+                <a:gd name="connsiteX8" fmla="*/ 0 w 3085063"/>
+                <a:gd name="connsiteY8" fmla="*/ 388686 h 1084694"/>
+                <a:gd name="connsiteX0" fmla="*/ 1150005 w 4235068"/>
+                <a:gd name="connsiteY0" fmla="*/ 132377 h 828385"/>
+                <a:gd name="connsiteX1" fmla="*/ 837 w 4235068"/>
+                <a:gd name="connsiteY1" fmla="*/ 3463 h 828385"/>
+                <a:gd name="connsiteX2" fmla="*/ 4234494 w 4235068"/>
+                <a:gd name="connsiteY2" fmla="*/ 0 h 828385"/>
+                <a:gd name="connsiteX3" fmla="*/ 2531144 w 4235068"/>
+                <a:gd name="connsiteY3" fmla="*/ 153159 h 828385"/>
+                <a:gd name="connsiteX4" fmla="*/ 2531144 w 4235068"/>
+                <a:gd name="connsiteY4" fmla="*/ 761817 h 828385"/>
+                <a:gd name="connsiteX5" fmla="*/ 2464576 w 4235068"/>
+                <a:gd name="connsiteY5" fmla="*/ 828385 h 828385"/>
+                <a:gd name="connsiteX6" fmla="*/ 1220037 w 4235068"/>
+                <a:gd name="connsiteY6" fmla="*/ 828385 h 828385"/>
+                <a:gd name="connsiteX7" fmla="*/ 1153469 w 4235068"/>
+                <a:gd name="connsiteY7" fmla="*/ 761817 h 828385"/>
+                <a:gd name="connsiteX8" fmla="*/ 1150005 w 4235068"/>
+                <a:gd name="connsiteY8" fmla="*/ 132377 h 828385"/>
+                <a:gd name="connsiteX0" fmla="*/ 1150005 w 2930911"/>
+                <a:gd name="connsiteY0" fmla="*/ 128914 h 824922"/>
+                <a:gd name="connsiteX1" fmla="*/ 837 w 2930911"/>
+                <a:gd name="connsiteY1" fmla="*/ 0 h 824922"/>
+                <a:gd name="connsiteX2" fmla="*/ 2928703 w 2930911"/>
+                <a:gd name="connsiteY2" fmla="*/ 1 h 824922"/>
+                <a:gd name="connsiteX3" fmla="*/ 2531144 w 2930911"/>
+                <a:gd name="connsiteY3" fmla="*/ 149696 h 824922"/>
+                <a:gd name="connsiteX4" fmla="*/ 2531144 w 2930911"/>
+                <a:gd name="connsiteY4" fmla="*/ 758354 h 824922"/>
+                <a:gd name="connsiteX5" fmla="*/ 2464576 w 2930911"/>
+                <a:gd name="connsiteY5" fmla="*/ 824922 h 824922"/>
+                <a:gd name="connsiteX6" fmla="*/ 1220037 w 2930911"/>
+                <a:gd name="connsiteY6" fmla="*/ 824922 h 824922"/>
+                <a:gd name="connsiteX7" fmla="*/ 1153469 w 2930911"/>
+                <a:gd name="connsiteY7" fmla="*/ 758354 h 824922"/>
+                <a:gd name="connsiteX8" fmla="*/ 1150005 w 2930911"/>
+                <a:gd name="connsiteY8" fmla="*/ 128914 h 824922"/>
+                <a:gd name="connsiteX0" fmla="*/ 1150005 w 2930911"/>
+                <a:gd name="connsiteY0" fmla="*/ 128914 h 824922"/>
+                <a:gd name="connsiteX1" fmla="*/ 837 w 2930911"/>
+                <a:gd name="connsiteY1" fmla="*/ 0 h 824922"/>
+                <a:gd name="connsiteX2" fmla="*/ 2928703 w 2930911"/>
+                <a:gd name="connsiteY2" fmla="*/ 1 h 824922"/>
+                <a:gd name="connsiteX3" fmla="*/ 2531144 w 2930911"/>
+                <a:gd name="connsiteY3" fmla="*/ 149696 h 824922"/>
+                <a:gd name="connsiteX4" fmla="*/ 2531144 w 2930911"/>
+                <a:gd name="connsiteY4" fmla="*/ 758354 h 824922"/>
+                <a:gd name="connsiteX5" fmla="*/ 2464576 w 2930911"/>
+                <a:gd name="connsiteY5" fmla="*/ 824922 h 824922"/>
+                <a:gd name="connsiteX6" fmla="*/ 1220037 w 2930911"/>
+                <a:gd name="connsiteY6" fmla="*/ 824922 h 824922"/>
+                <a:gd name="connsiteX7" fmla="*/ 1153469 w 2930911"/>
+                <a:gd name="connsiteY7" fmla="*/ 758354 h 824922"/>
+                <a:gd name="connsiteX8" fmla="*/ 1150005 w 2930911"/>
+                <a:gd name="connsiteY8" fmla="*/ 128914 h 824922"/>
+                <a:gd name="connsiteX0" fmla="*/ 1150004 w 2930910"/>
+                <a:gd name="connsiteY0" fmla="*/ 128914 h 824922"/>
+                <a:gd name="connsiteX1" fmla="*/ 836 w 2930910"/>
+                <a:gd name="connsiteY1" fmla="*/ 0 h 824922"/>
+                <a:gd name="connsiteX2" fmla="*/ 2928702 w 2930910"/>
+                <a:gd name="connsiteY2" fmla="*/ 1 h 824922"/>
+                <a:gd name="connsiteX3" fmla="*/ 2531143 w 2930910"/>
+                <a:gd name="connsiteY3" fmla="*/ 149696 h 824922"/>
+                <a:gd name="connsiteX4" fmla="*/ 2531143 w 2930910"/>
+                <a:gd name="connsiteY4" fmla="*/ 758354 h 824922"/>
+                <a:gd name="connsiteX5" fmla="*/ 2464575 w 2930910"/>
+                <a:gd name="connsiteY5" fmla="*/ 824922 h 824922"/>
+                <a:gd name="connsiteX6" fmla="*/ 1220036 w 2930910"/>
+                <a:gd name="connsiteY6" fmla="*/ 824922 h 824922"/>
+                <a:gd name="connsiteX7" fmla="*/ 1153468 w 2930910"/>
+                <a:gd name="connsiteY7" fmla="*/ 758354 h 824922"/>
+                <a:gd name="connsiteX8" fmla="*/ 1150004 w 2930910"/>
+                <a:gd name="connsiteY8" fmla="*/ 128914 h 824922"/>
+                <a:gd name="connsiteX0" fmla="*/ 375627 w 2156533"/>
+                <a:gd name="connsiteY0" fmla="*/ 128913 h 824921"/>
+                <a:gd name="connsiteX1" fmla="*/ 2314 w 2156533"/>
+                <a:gd name="connsiteY1" fmla="*/ 6926 h 824921"/>
+                <a:gd name="connsiteX2" fmla="*/ 2154325 w 2156533"/>
+                <a:gd name="connsiteY2" fmla="*/ 0 h 824921"/>
+                <a:gd name="connsiteX3" fmla="*/ 1756766 w 2156533"/>
+                <a:gd name="connsiteY3" fmla="*/ 149695 h 824921"/>
+                <a:gd name="connsiteX4" fmla="*/ 1756766 w 2156533"/>
+                <a:gd name="connsiteY4" fmla="*/ 758353 h 824921"/>
+                <a:gd name="connsiteX5" fmla="*/ 1690198 w 2156533"/>
+                <a:gd name="connsiteY5" fmla="*/ 824921 h 824921"/>
+                <a:gd name="connsiteX6" fmla="*/ 445659 w 2156533"/>
+                <a:gd name="connsiteY6" fmla="*/ 824921 h 824921"/>
+                <a:gd name="connsiteX7" fmla="*/ 379091 w 2156533"/>
+                <a:gd name="connsiteY7" fmla="*/ 758353 h 824921"/>
+                <a:gd name="connsiteX8" fmla="*/ 375627 w 2156533"/>
+                <a:gd name="connsiteY8" fmla="*/ 128913 h 824921"/>
+                <a:gd name="connsiteX0" fmla="*/ 418185 w 2199091"/>
+                <a:gd name="connsiteY0" fmla="*/ 128913 h 824921"/>
+                <a:gd name="connsiteX1" fmla="*/ 44872 w 2199091"/>
+                <a:gd name="connsiteY1" fmla="*/ 6926 h 824921"/>
+                <a:gd name="connsiteX2" fmla="*/ 2196883 w 2199091"/>
+                <a:gd name="connsiteY2" fmla="*/ 0 h 824921"/>
+                <a:gd name="connsiteX3" fmla="*/ 1799324 w 2199091"/>
+                <a:gd name="connsiteY3" fmla="*/ 149695 h 824921"/>
+                <a:gd name="connsiteX4" fmla="*/ 1799324 w 2199091"/>
+                <a:gd name="connsiteY4" fmla="*/ 758353 h 824921"/>
+                <a:gd name="connsiteX5" fmla="*/ 1732756 w 2199091"/>
+                <a:gd name="connsiteY5" fmla="*/ 824921 h 824921"/>
+                <a:gd name="connsiteX6" fmla="*/ 488217 w 2199091"/>
+                <a:gd name="connsiteY6" fmla="*/ 824921 h 824921"/>
+                <a:gd name="connsiteX7" fmla="*/ 421649 w 2199091"/>
+                <a:gd name="connsiteY7" fmla="*/ 758353 h 824921"/>
+                <a:gd name="connsiteX8" fmla="*/ 418185 w 2199091"/>
+                <a:gd name="connsiteY8" fmla="*/ 128913 h 824921"/>
+                <a:gd name="connsiteX0" fmla="*/ 404178 w 2197426"/>
+                <a:gd name="connsiteY0" fmla="*/ 129381 h 825389"/>
+                <a:gd name="connsiteX1" fmla="*/ 30865 w 2197426"/>
+                <a:gd name="connsiteY1" fmla="*/ 7394 h 825389"/>
+                <a:gd name="connsiteX2" fmla="*/ 2182876 w 2197426"/>
+                <a:gd name="connsiteY2" fmla="*/ 468 h 825389"/>
+                <a:gd name="connsiteX3" fmla="*/ 1785317 w 2197426"/>
+                <a:gd name="connsiteY3" fmla="*/ 150163 h 825389"/>
+                <a:gd name="connsiteX4" fmla="*/ 1785317 w 2197426"/>
+                <a:gd name="connsiteY4" fmla="*/ 758821 h 825389"/>
+                <a:gd name="connsiteX5" fmla="*/ 1718749 w 2197426"/>
+                <a:gd name="connsiteY5" fmla="*/ 825389 h 825389"/>
+                <a:gd name="connsiteX6" fmla="*/ 474210 w 2197426"/>
+                <a:gd name="connsiteY6" fmla="*/ 825389 h 825389"/>
+                <a:gd name="connsiteX7" fmla="*/ 407642 w 2197426"/>
+                <a:gd name="connsiteY7" fmla="*/ 758821 h 825389"/>
+                <a:gd name="connsiteX8" fmla="*/ 404178 w 2197426"/>
+                <a:gd name="connsiteY8" fmla="*/ 129381 h 825389"/>
+                <a:gd name="connsiteX0" fmla="*/ 373313 w 2152011"/>
+                <a:gd name="connsiteY0" fmla="*/ 129381 h 825389"/>
+                <a:gd name="connsiteX1" fmla="*/ 0 w 2152011"/>
+                <a:gd name="connsiteY1" fmla="*/ 7394 h 825389"/>
+                <a:gd name="connsiteX2" fmla="*/ 2152011 w 2152011"/>
+                <a:gd name="connsiteY2" fmla="*/ 468 h 825389"/>
+                <a:gd name="connsiteX3" fmla="*/ 1754452 w 2152011"/>
+                <a:gd name="connsiteY3" fmla="*/ 150163 h 825389"/>
+                <a:gd name="connsiteX4" fmla="*/ 1754452 w 2152011"/>
+                <a:gd name="connsiteY4" fmla="*/ 758821 h 825389"/>
+                <a:gd name="connsiteX5" fmla="*/ 1687884 w 2152011"/>
+                <a:gd name="connsiteY5" fmla="*/ 825389 h 825389"/>
+                <a:gd name="connsiteX6" fmla="*/ 443345 w 2152011"/>
+                <a:gd name="connsiteY6" fmla="*/ 825389 h 825389"/>
+                <a:gd name="connsiteX7" fmla="*/ 376777 w 2152011"/>
+                <a:gd name="connsiteY7" fmla="*/ 758821 h 825389"/>
+                <a:gd name="connsiteX8" fmla="*/ 373313 w 2152011"/>
+                <a:gd name="connsiteY8" fmla="*/ 129381 h 825389"/>
+                <a:gd name="connsiteX0" fmla="*/ 436994 w 2018842"/>
+                <a:gd name="connsiteY0" fmla="*/ 132057 h 828065"/>
+                <a:gd name="connsiteX1" fmla="*/ 63681 w 2018842"/>
+                <a:gd name="connsiteY1" fmla="*/ 10070 h 828065"/>
+                <a:gd name="connsiteX2" fmla="*/ 2018842 w 2018842"/>
+                <a:gd name="connsiteY2" fmla="*/ 6319 h 828065"/>
+                <a:gd name="connsiteX3" fmla="*/ 1818133 w 2018842"/>
+                <a:gd name="connsiteY3" fmla="*/ 152839 h 828065"/>
+                <a:gd name="connsiteX4" fmla="*/ 1818133 w 2018842"/>
+                <a:gd name="connsiteY4" fmla="*/ 761497 h 828065"/>
+                <a:gd name="connsiteX5" fmla="*/ 1751565 w 2018842"/>
+                <a:gd name="connsiteY5" fmla="*/ 828065 h 828065"/>
+                <a:gd name="connsiteX6" fmla="*/ 507026 w 2018842"/>
+                <a:gd name="connsiteY6" fmla="*/ 828065 h 828065"/>
+                <a:gd name="connsiteX7" fmla="*/ 440458 w 2018842"/>
+                <a:gd name="connsiteY7" fmla="*/ 761497 h 828065"/>
+                <a:gd name="connsiteX8" fmla="*/ 436994 w 2018842"/>
+                <a:gd name="connsiteY8" fmla="*/ 132057 h 828065"/>
+                <a:gd name="connsiteX0" fmla="*/ 436994 w 2023402"/>
+                <a:gd name="connsiteY0" fmla="*/ 131514 h 827522"/>
+                <a:gd name="connsiteX1" fmla="*/ 63681 w 2023402"/>
+                <a:gd name="connsiteY1" fmla="*/ 9527 h 827522"/>
+                <a:gd name="connsiteX2" fmla="*/ 2018842 w 2023402"/>
+                <a:gd name="connsiteY2" fmla="*/ 5776 h 827522"/>
+                <a:gd name="connsiteX3" fmla="*/ 1818133 w 2023402"/>
+                <a:gd name="connsiteY3" fmla="*/ 152296 h 827522"/>
+                <a:gd name="connsiteX4" fmla="*/ 1818133 w 2023402"/>
+                <a:gd name="connsiteY4" fmla="*/ 760954 h 827522"/>
+                <a:gd name="connsiteX5" fmla="*/ 1751565 w 2023402"/>
+                <a:gd name="connsiteY5" fmla="*/ 827522 h 827522"/>
+                <a:gd name="connsiteX6" fmla="*/ 507026 w 2023402"/>
+                <a:gd name="connsiteY6" fmla="*/ 827522 h 827522"/>
+                <a:gd name="connsiteX7" fmla="*/ 440458 w 2023402"/>
+                <a:gd name="connsiteY7" fmla="*/ 760954 h 827522"/>
+                <a:gd name="connsiteX8" fmla="*/ 436994 w 2023402"/>
+                <a:gd name="connsiteY8" fmla="*/ 131514 h 827522"/>
+                <a:gd name="connsiteX0" fmla="*/ 260186 w 1921406"/>
+                <a:gd name="connsiteY0" fmla="*/ 144219 h 840227"/>
+                <a:gd name="connsiteX1" fmla="*/ 83723 w 1921406"/>
+                <a:gd name="connsiteY1" fmla="*/ 15882 h 840227"/>
+                <a:gd name="connsiteX2" fmla="*/ 1842034 w 1921406"/>
+                <a:gd name="connsiteY2" fmla="*/ 18481 h 840227"/>
+                <a:gd name="connsiteX3" fmla="*/ 1641325 w 1921406"/>
+                <a:gd name="connsiteY3" fmla="*/ 165001 h 840227"/>
+                <a:gd name="connsiteX4" fmla="*/ 1641325 w 1921406"/>
+                <a:gd name="connsiteY4" fmla="*/ 773659 h 840227"/>
+                <a:gd name="connsiteX5" fmla="*/ 1574757 w 1921406"/>
+                <a:gd name="connsiteY5" fmla="*/ 840227 h 840227"/>
+                <a:gd name="connsiteX6" fmla="*/ 330218 w 1921406"/>
+                <a:gd name="connsiteY6" fmla="*/ 840227 h 840227"/>
+                <a:gd name="connsiteX7" fmla="*/ 263650 w 1921406"/>
+                <a:gd name="connsiteY7" fmla="*/ 773659 h 840227"/>
+                <a:gd name="connsiteX8" fmla="*/ 260186 w 1921406"/>
+                <a:gd name="connsiteY8" fmla="*/ 144219 h 840227"/>
+                <a:gd name="connsiteX0" fmla="*/ 184184 w 1845404"/>
+                <a:gd name="connsiteY0" fmla="*/ 137193 h 833201"/>
+                <a:gd name="connsiteX1" fmla="*/ 7721 w 1845404"/>
+                <a:gd name="connsiteY1" fmla="*/ 8856 h 833201"/>
+                <a:gd name="connsiteX2" fmla="*/ 1766032 w 1845404"/>
+                <a:gd name="connsiteY2" fmla="*/ 11455 h 833201"/>
+                <a:gd name="connsiteX3" fmla="*/ 1565323 w 1845404"/>
+                <a:gd name="connsiteY3" fmla="*/ 157975 h 833201"/>
+                <a:gd name="connsiteX4" fmla="*/ 1565323 w 1845404"/>
+                <a:gd name="connsiteY4" fmla="*/ 766633 h 833201"/>
+                <a:gd name="connsiteX5" fmla="*/ 1498755 w 1845404"/>
+                <a:gd name="connsiteY5" fmla="*/ 833201 h 833201"/>
+                <a:gd name="connsiteX6" fmla="*/ 254216 w 1845404"/>
+                <a:gd name="connsiteY6" fmla="*/ 833201 h 833201"/>
+                <a:gd name="connsiteX7" fmla="*/ 187648 w 1845404"/>
+                <a:gd name="connsiteY7" fmla="*/ 766633 h 833201"/>
+                <a:gd name="connsiteX8" fmla="*/ 184184 w 1845404"/>
+                <a:gd name="connsiteY8" fmla="*/ 137193 h 833201"/>
+                <a:gd name="connsiteX0" fmla="*/ 254154 w 1839241"/>
+                <a:gd name="connsiteY0" fmla="*/ 147999 h 844007"/>
+                <a:gd name="connsiteX1" fmla="*/ 77691 w 1839241"/>
+                <a:gd name="connsiteY1" fmla="*/ 19662 h 844007"/>
+                <a:gd name="connsiteX2" fmla="*/ 1747102 w 1839241"/>
+                <a:gd name="connsiteY2" fmla="*/ 15911 h 844007"/>
+                <a:gd name="connsiteX3" fmla="*/ 1635293 w 1839241"/>
+                <a:gd name="connsiteY3" fmla="*/ 168781 h 844007"/>
+                <a:gd name="connsiteX4" fmla="*/ 1635293 w 1839241"/>
+                <a:gd name="connsiteY4" fmla="*/ 777439 h 844007"/>
+                <a:gd name="connsiteX5" fmla="*/ 1568725 w 1839241"/>
+                <a:gd name="connsiteY5" fmla="*/ 844007 h 844007"/>
+                <a:gd name="connsiteX6" fmla="*/ 324186 w 1839241"/>
+                <a:gd name="connsiteY6" fmla="*/ 844007 h 844007"/>
+                <a:gd name="connsiteX7" fmla="*/ 257618 w 1839241"/>
+                <a:gd name="connsiteY7" fmla="*/ 777439 h 844007"/>
+                <a:gd name="connsiteX8" fmla="*/ 254154 w 1839241"/>
+                <a:gd name="connsiteY8" fmla="*/ 147999 h 844007"/>
+                <a:gd name="connsiteX0" fmla="*/ 254154 w 1752323"/>
+                <a:gd name="connsiteY0" fmla="*/ 139925 h 835933"/>
+                <a:gd name="connsiteX1" fmla="*/ 77691 w 1752323"/>
+                <a:gd name="connsiteY1" fmla="*/ 11588 h 835933"/>
+                <a:gd name="connsiteX2" fmla="*/ 1747102 w 1752323"/>
+                <a:gd name="connsiteY2" fmla="*/ 7837 h 835933"/>
+                <a:gd name="connsiteX3" fmla="*/ 1635293 w 1752323"/>
+                <a:gd name="connsiteY3" fmla="*/ 160707 h 835933"/>
+                <a:gd name="connsiteX4" fmla="*/ 1635293 w 1752323"/>
+                <a:gd name="connsiteY4" fmla="*/ 769365 h 835933"/>
+                <a:gd name="connsiteX5" fmla="*/ 1568725 w 1752323"/>
+                <a:gd name="connsiteY5" fmla="*/ 835933 h 835933"/>
+                <a:gd name="connsiteX6" fmla="*/ 324186 w 1752323"/>
+                <a:gd name="connsiteY6" fmla="*/ 835933 h 835933"/>
+                <a:gd name="connsiteX7" fmla="*/ 257618 w 1752323"/>
+                <a:gd name="connsiteY7" fmla="*/ 769365 h 835933"/>
+                <a:gd name="connsiteX8" fmla="*/ 254154 w 1752323"/>
+                <a:gd name="connsiteY8" fmla="*/ 139925 h 835933"/>
+                <a:gd name="connsiteX0" fmla="*/ 256302 w 1786136"/>
+                <a:gd name="connsiteY0" fmla="*/ 138666 h 834674"/>
+                <a:gd name="connsiteX1" fmla="*/ 79839 w 1786136"/>
+                <a:gd name="connsiteY1" fmla="*/ 10329 h 834674"/>
+                <a:gd name="connsiteX2" fmla="*/ 1781000 w 1786136"/>
+                <a:gd name="connsiteY2" fmla="*/ 9753 h 834674"/>
+                <a:gd name="connsiteX3" fmla="*/ 1637441 w 1786136"/>
+                <a:gd name="connsiteY3" fmla="*/ 159448 h 834674"/>
+                <a:gd name="connsiteX4" fmla="*/ 1637441 w 1786136"/>
+                <a:gd name="connsiteY4" fmla="*/ 768106 h 834674"/>
+                <a:gd name="connsiteX5" fmla="*/ 1570873 w 1786136"/>
+                <a:gd name="connsiteY5" fmla="*/ 834674 h 834674"/>
+                <a:gd name="connsiteX6" fmla="*/ 326334 w 1786136"/>
+                <a:gd name="connsiteY6" fmla="*/ 834674 h 834674"/>
+                <a:gd name="connsiteX7" fmla="*/ 259766 w 1786136"/>
+                <a:gd name="connsiteY7" fmla="*/ 768106 h 834674"/>
+                <a:gd name="connsiteX8" fmla="*/ 256302 w 1786136"/>
+                <a:gd name="connsiteY8" fmla="*/ 138666 h 834674"/>
+                <a:gd name="connsiteX0" fmla="*/ 181625 w 1710512"/>
+                <a:gd name="connsiteY0" fmla="*/ 130557 h 826565"/>
+                <a:gd name="connsiteX1" fmla="*/ 5162 w 1710512"/>
+                <a:gd name="connsiteY1" fmla="*/ 2220 h 826565"/>
+                <a:gd name="connsiteX2" fmla="*/ 1706323 w 1710512"/>
+                <a:gd name="connsiteY2" fmla="*/ 1644 h 826565"/>
+                <a:gd name="connsiteX3" fmla="*/ 1562764 w 1710512"/>
+                <a:gd name="connsiteY3" fmla="*/ 151339 h 826565"/>
+                <a:gd name="connsiteX4" fmla="*/ 1562764 w 1710512"/>
+                <a:gd name="connsiteY4" fmla="*/ 759997 h 826565"/>
+                <a:gd name="connsiteX5" fmla="*/ 1496196 w 1710512"/>
+                <a:gd name="connsiteY5" fmla="*/ 826565 h 826565"/>
+                <a:gd name="connsiteX6" fmla="*/ 251657 w 1710512"/>
+                <a:gd name="connsiteY6" fmla="*/ 826565 h 826565"/>
+                <a:gd name="connsiteX7" fmla="*/ 185089 w 1710512"/>
+                <a:gd name="connsiteY7" fmla="*/ 759997 h 826565"/>
+                <a:gd name="connsiteX8" fmla="*/ 181625 w 1710512"/>
+                <a:gd name="connsiteY8" fmla="*/ 130557 h 826565"/>
+                <a:gd name="connsiteX0" fmla="*/ 157442 w 1767509"/>
+                <a:gd name="connsiteY0" fmla="*/ 139313 h 835321"/>
+                <a:gd name="connsiteX1" fmla="*/ 6379 w 1767509"/>
+                <a:gd name="connsiteY1" fmla="*/ 14151 h 835321"/>
+                <a:gd name="connsiteX2" fmla="*/ 1682140 w 1767509"/>
+                <a:gd name="connsiteY2" fmla="*/ 10400 h 835321"/>
+                <a:gd name="connsiteX3" fmla="*/ 1538581 w 1767509"/>
+                <a:gd name="connsiteY3" fmla="*/ 160095 h 835321"/>
+                <a:gd name="connsiteX4" fmla="*/ 1538581 w 1767509"/>
+                <a:gd name="connsiteY4" fmla="*/ 768753 h 835321"/>
+                <a:gd name="connsiteX5" fmla="*/ 1472013 w 1767509"/>
+                <a:gd name="connsiteY5" fmla="*/ 835321 h 835321"/>
+                <a:gd name="connsiteX6" fmla="*/ 227474 w 1767509"/>
+                <a:gd name="connsiteY6" fmla="*/ 835321 h 835321"/>
+                <a:gd name="connsiteX7" fmla="*/ 160906 w 1767509"/>
+                <a:gd name="connsiteY7" fmla="*/ 768753 h 835321"/>
+                <a:gd name="connsiteX8" fmla="*/ 157442 w 1767509"/>
+                <a:gd name="connsiteY8" fmla="*/ 139313 h 835321"/>
+                <a:gd name="connsiteX0" fmla="*/ 155631 w 1765698"/>
+                <a:gd name="connsiteY0" fmla="*/ 139999 h 836007"/>
+                <a:gd name="connsiteX1" fmla="*/ 4568 w 1765698"/>
+                <a:gd name="connsiteY1" fmla="*/ 14837 h 836007"/>
+                <a:gd name="connsiteX2" fmla="*/ 1680329 w 1765698"/>
+                <a:gd name="connsiteY2" fmla="*/ 11086 h 836007"/>
+                <a:gd name="connsiteX3" fmla="*/ 1536770 w 1765698"/>
+                <a:gd name="connsiteY3" fmla="*/ 160781 h 836007"/>
+                <a:gd name="connsiteX4" fmla="*/ 1536770 w 1765698"/>
+                <a:gd name="connsiteY4" fmla="*/ 769439 h 836007"/>
+                <a:gd name="connsiteX5" fmla="*/ 1470202 w 1765698"/>
+                <a:gd name="connsiteY5" fmla="*/ 836007 h 836007"/>
+                <a:gd name="connsiteX6" fmla="*/ 225663 w 1765698"/>
+                <a:gd name="connsiteY6" fmla="*/ 836007 h 836007"/>
+                <a:gd name="connsiteX7" fmla="*/ 159095 w 1765698"/>
+                <a:gd name="connsiteY7" fmla="*/ 769439 h 836007"/>
+                <a:gd name="connsiteX8" fmla="*/ 155631 w 1765698"/>
+                <a:gd name="connsiteY8" fmla="*/ 139999 h 836007"/>
+                <a:gd name="connsiteX0" fmla="*/ 155631 w 1765698"/>
+                <a:gd name="connsiteY0" fmla="*/ 139999 h 836007"/>
+                <a:gd name="connsiteX1" fmla="*/ 4568 w 1765698"/>
+                <a:gd name="connsiteY1" fmla="*/ 14837 h 836007"/>
+                <a:gd name="connsiteX2" fmla="*/ 1680329 w 1765698"/>
+                <a:gd name="connsiteY2" fmla="*/ 11086 h 836007"/>
+                <a:gd name="connsiteX3" fmla="*/ 1536770 w 1765698"/>
+                <a:gd name="connsiteY3" fmla="*/ 160781 h 836007"/>
+                <a:gd name="connsiteX4" fmla="*/ 1536770 w 1765698"/>
+                <a:gd name="connsiteY4" fmla="*/ 769439 h 836007"/>
+                <a:gd name="connsiteX5" fmla="*/ 1470202 w 1765698"/>
+                <a:gd name="connsiteY5" fmla="*/ 836007 h 836007"/>
+                <a:gd name="connsiteX6" fmla="*/ 225663 w 1765698"/>
+                <a:gd name="connsiteY6" fmla="*/ 836007 h 836007"/>
+                <a:gd name="connsiteX7" fmla="*/ 159095 w 1765698"/>
+                <a:gd name="connsiteY7" fmla="*/ 769439 h 836007"/>
+                <a:gd name="connsiteX8" fmla="*/ 155631 w 1765698"/>
+                <a:gd name="connsiteY8" fmla="*/ 139999 h 836007"/>
+                <a:gd name="connsiteX0" fmla="*/ 154777 w 1684351"/>
+                <a:gd name="connsiteY0" fmla="*/ 131536 h 827544"/>
+                <a:gd name="connsiteX1" fmla="*/ 3714 w 1684351"/>
+                <a:gd name="connsiteY1" fmla="*/ 6374 h 827544"/>
+                <a:gd name="connsiteX2" fmla="*/ 1679475 w 1684351"/>
+                <a:gd name="connsiteY2" fmla="*/ 2623 h 827544"/>
+                <a:gd name="connsiteX3" fmla="*/ 1535916 w 1684351"/>
+                <a:gd name="connsiteY3" fmla="*/ 152318 h 827544"/>
+                <a:gd name="connsiteX4" fmla="*/ 1535916 w 1684351"/>
+                <a:gd name="connsiteY4" fmla="*/ 760976 h 827544"/>
+                <a:gd name="connsiteX5" fmla="*/ 1469348 w 1684351"/>
+                <a:gd name="connsiteY5" fmla="*/ 827544 h 827544"/>
+                <a:gd name="connsiteX6" fmla="*/ 224809 w 1684351"/>
+                <a:gd name="connsiteY6" fmla="*/ 827544 h 827544"/>
+                <a:gd name="connsiteX7" fmla="*/ 158241 w 1684351"/>
+                <a:gd name="connsiteY7" fmla="*/ 760976 h 827544"/>
+                <a:gd name="connsiteX8" fmla="*/ 154777 w 1684351"/>
+                <a:gd name="connsiteY8" fmla="*/ 131536 h 827544"/>
+                <a:gd name="connsiteX0" fmla="*/ 236936 w 1786555"/>
+                <a:gd name="connsiteY0" fmla="*/ 135949 h 831957"/>
+                <a:gd name="connsiteX1" fmla="*/ 85873 w 1786555"/>
+                <a:gd name="connsiteY1" fmla="*/ 10787 h 831957"/>
+                <a:gd name="connsiteX2" fmla="*/ 1780684 w 1786555"/>
+                <a:gd name="connsiteY2" fmla="*/ 10211 h 831957"/>
+                <a:gd name="connsiteX3" fmla="*/ 1618075 w 1786555"/>
+                <a:gd name="connsiteY3" fmla="*/ 156731 h 831957"/>
+                <a:gd name="connsiteX4" fmla="*/ 1618075 w 1786555"/>
+                <a:gd name="connsiteY4" fmla="*/ 765389 h 831957"/>
+                <a:gd name="connsiteX5" fmla="*/ 1551507 w 1786555"/>
+                <a:gd name="connsiteY5" fmla="*/ 831957 h 831957"/>
+                <a:gd name="connsiteX6" fmla="*/ 306968 w 1786555"/>
+                <a:gd name="connsiteY6" fmla="*/ 831957 h 831957"/>
+                <a:gd name="connsiteX7" fmla="*/ 240400 w 1786555"/>
+                <a:gd name="connsiteY7" fmla="*/ 765389 h 831957"/>
+                <a:gd name="connsiteX8" fmla="*/ 236936 w 1786555"/>
+                <a:gd name="connsiteY8" fmla="*/ 135949 h 831957"/>
+                <a:gd name="connsiteX0" fmla="*/ 157046 w 1705555"/>
+                <a:gd name="connsiteY0" fmla="*/ 128377 h 824385"/>
+                <a:gd name="connsiteX1" fmla="*/ 5983 w 1705555"/>
+                <a:gd name="connsiteY1" fmla="*/ 3215 h 824385"/>
+                <a:gd name="connsiteX2" fmla="*/ 1700794 w 1705555"/>
+                <a:gd name="connsiteY2" fmla="*/ 2639 h 824385"/>
+                <a:gd name="connsiteX3" fmla="*/ 1538185 w 1705555"/>
+                <a:gd name="connsiteY3" fmla="*/ 149159 h 824385"/>
+                <a:gd name="connsiteX4" fmla="*/ 1538185 w 1705555"/>
+                <a:gd name="connsiteY4" fmla="*/ 757817 h 824385"/>
+                <a:gd name="connsiteX5" fmla="*/ 1471617 w 1705555"/>
+                <a:gd name="connsiteY5" fmla="*/ 824385 h 824385"/>
+                <a:gd name="connsiteX6" fmla="*/ 227078 w 1705555"/>
+                <a:gd name="connsiteY6" fmla="*/ 824385 h 824385"/>
+                <a:gd name="connsiteX7" fmla="*/ 160510 w 1705555"/>
+                <a:gd name="connsiteY7" fmla="*/ 757817 h 824385"/>
+                <a:gd name="connsiteX8" fmla="*/ 157046 w 1705555"/>
+                <a:gd name="connsiteY8" fmla="*/ 128377 h 824385"/>
+                <a:gd name="connsiteX0" fmla="*/ 158360 w 1784749"/>
+                <a:gd name="connsiteY0" fmla="*/ 140824 h 836832"/>
+                <a:gd name="connsiteX1" fmla="*/ 7297 w 1784749"/>
+                <a:gd name="connsiteY1" fmla="*/ 15662 h 836832"/>
+                <a:gd name="connsiteX2" fmla="*/ 1702108 w 1784749"/>
+                <a:gd name="connsiteY2" fmla="*/ 15086 h 836832"/>
+                <a:gd name="connsiteX3" fmla="*/ 1539499 w 1784749"/>
+                <a:gd name="connsiteY3" fmla="*/ 215581 h 836832"/>
+                <a:gd name="connsiteX4" fmla="*/ 1539499 w 1784749"/>
+                <a:gd name="connsiteY4" fmla="*/ 770264 h 836832"/>
+                <a:gd name="connsiteX5" fmla="*/ 1472931 w 1784749"/>
+                <a:gd name="connsiteY5" fmla="*/ 836832 h 836832"/>
+                <a:gd name="connsiteX6" fmla="*/ 228392 w 1784749"/>
+                <a:gd name="connsiteY6" fmla="*/ 836832 h 836832"/>
+                <a:gd name="connsiteX7" fmla="*/ 161824 w 1784749"/>
+                <a:gd name="connsiteY7" fmla="*/ 770264 h 836832"/>
+                <a:gd name="connsiteX8" fmla="*/ 158360 w 1784749"/>
+                <a:gd name="connsiteY8" fmla="*/ 140824 h 836832"/>
+                <a:gd name="connsiteX0" fmla="*/ 239426 w 1862640"/>
+                <a:gd name="connsiteY0" fmla="*/ 233513 h 846971"/>
+                <a:gd name="connsiteX1" fmla="*/ 85188 w 1862640"/>
+                <a:gd name="connsiteY1" fmla="*/ 25801 h 846971"/>
+                <a:gd name="connsiteX2" fmla="*/ 1779999 w 1862640"/>
+                <a:gd name="connsiteY2" fmla="*/ 25225 h 846971"/>
+                <a:gd name="connsiteX3" fmla="*/ 1617390 w 1862640"/>
+                <a:gd name="connsiteY3" fmla="*/ 225720 h 846971"/>
+                <a:gd name="connsiteX4" fmla="*/ 1617390 w 1862640"/>
+                <a:gd name="connsiteY4" fmla="*/ 780403 h 846971"/>
+                <a:gd name="connsiteX5" fmla="*/ 1550822 w 1862640"/>
+                <a:gd name="connsiteY5" fmla="*/ 846971 h 846971"/>
+                <a:gd name="connsiteX6" fmla="*/ 306283 w 1862640"/>
+                <a:gd name="connsiteY6" fmla="*/ 846971 h 846971"/>
+                <a:gd name="connsiteX7" fmla="*/ 239715 w 1862640"/>
+                <a:gd name="connsiteY7" fmla="*/ 780403 h 846971"/>
+                <a:gd name="connsiteX8" fmla="*/ 239426 w 1862640"/>
+                <a:gd name="connsiteY8" fmla="*/ 233513 h 846971"/>
+                <a:gd name="connsiteX0" fmla="*/ 238598 w 1861812"/>
+                <a:gd name="connsiteY0" fmla="*/ 233513 h 846971"/>
+                <a:gd name="connsiteX1" fmla="*/ 84360 w 1861812"/>
+                <a:gd name="connsiteY1" fmla="*/ 25801 h 846971"/>
+                <a:gd name="connsiteX2" fmla="*/ 1779171 w 1861812"/>
+                <a:gd name="connsiteY2" fmla="*/ 25225 h 846971"/>
+                <a:gd name="connsiteX3" fmla="*/ 1616562 w 1861812"/>
+                <a:gd name="connsiteY3" fmla="*/ 225720 h 846971"/>
+                <a:gd name="connsiteX4" fmla="*/ 1616562 w 1861812"/>
+                <a:gd name="connsiteY4" fmla="*/ 780403 h 846971"/>
+                <a:gd name="connsiteX5" fmla="*/ 1549994 w 1861812"/>
+                <a:gd name="connsiteY5" fmla="*/ 846971 h 846971"/>
+                <a:gd name="connsiteX6" fmla="*/ 305455 w 1861812"/>
+                <a:gd name="connsiteY6" fmla="*/ 846971 h 846971"/>
+                <a:gd name="connsiteX7" fmla="*/ 238887 w 1861812"/>
+                <a:gd name="connsiteY7" fmla="*/ 780403 h 846971"/>
+                <a:gd name="connsiteX8" fmla="*/ 238598 w 1861812"/>
+                <a:gd name="connsiteY8" fmla="*/ 233513 h 846971"/>
+                <a:gd name="connsiteX0" fmla="*/ 238598 w 1862214"/>
+                <a:gd name="connsiteY0" fmla="*/ 233513 h 846971"/>
+                <a:gd name="connsiteX1" fmla="*/ 84360 w 1862214"/>
+                <a:gd name="connsiteY1" fmla="*/ 25801 h 846971"/>
+                <a:gd name="connsiteX2" fmla="*/ 1779171 w 1862214"/>
+                <a:gd name="connsiteY2" fmla="*/ 25225 h 846971"/>
+                <a:gd name="connsiteX3" fmla="*/ 1616562 w 1862214"/>
+                <a:gd name="connsiteY3" fmla="*/ 225720 h 846971"/>
+                <a:gd name="connsiteX4" fmla="*/ 1616562 w 1862214"/>
+                <a:gd name="connsiteY4" fmla="*/ 780403 h 846971"/>
+                <a:gd name="connsiteX5" fmla="*/ 1549994 w 1862214"/>
+                <a:gd name="connsiteY5" fmla="*/ 846971 h 846971"/>
+                <a:gd name="connsiteX6" fmla="*/ 305455 w 1862214"/>
+                <a:gd name="connsiteY6" fmla="*/ 846971 h 846971"/>
+                <a:gd name="connsiteX7" fmla="*/ 238887 w 1862214"/>
+                <a:gd name="connsiteY7" fmla="*/ 780403 h 846971"/>
+                <a:gd name="connsiteX8" fmla="*/ 238598 w 1862214"/>
+                <a:gd name="connsiteY8" fmla="*/ 233513 h 846971"/>
+                <a:gd name="connsiteX0" fmla="*/ 238160 w 1856323"/>
+                <a:gd name="connsiteY0" fmla="*/ 248080 h 861538"/>
+                <a:gd name="connsiteX1" fmla="*/ 83922 w 1856323"/>
+                <a:gd name="connsiteY1" fmla="*/ 40368 h 861538"/>
+                <a:gd name="connsiteX2" fmla="*/ 1772383 w 1856323"/>
+                <a:gd name="connsiteY2" fmla="*/ 17567 h 861538"/>
+                <a:gd name="connsiteX3" fmla="*/ 1616124 w 1856323"/>
+                <a:gd name="connsiteY3" fmla="*/ 240287 h 861538"/>
+                <a:gd name="connsiteX4" fmla="*/ 1616124 w 1856323"/>
+                <a:gd name="connsiteY4" fmla="*/ 794970 h 861538"/>
+                <a:gd name="connsiteX5" fmla="*/ 1549556 w 1856323"/>
+                <a:gd name="connsiteY5" fmla="*/ 861538 h 861538"/>
+                <a:gd name="connsiteX6" fmla="*/ 305017 w 1856323"/>
+                <a:gd name="connsiteY6" fmla="*/ 861538 h 861538"/>
+                <a:gd name="connsiteX7" fmla="*/ 238449 w 1856323"/>
+                <a:gd name="connsiteY7" fmla="*/ 794970 h 861538"/>
+                <a:gd name="connsiteX8" fmla="*/ 238160 w 1856323"/>
+                <a:gd name="connsiteY8" fmla="*/ 248080 h 861538"/>
+                <a:gd name="connsiteX0" fmla="*/ 238160 w 1785863"/>
+                <a:gd name="connsiteY0" fmla="*/ 242493 h 855951"/>
+                <a:gd name="connsiteX1" fmla="*/ 83922 w 1785863"/>
+                <a:gd name="connsiteY1" fmla="*/ 34781 h 855951"/>
+                <a:gd name="connsiteX2" fmla="*/ 1772383 w 1785863"/>
+                <a:gd name="connsiteY2" fmla="*/ 11980 h 855951"/>
+                <a:gd name="connsiteX3" fmla="*/ 1616124 w 1785863"/>
+                <a:gd name="connsiteY3" fmla="*/ 234700 h 855951"/>
+                <a:gd name="connsiteX4" fmla="*/ 1616124 w 1785863"/>
+                <a:gd name="connsiteY4" fmla="*/ 789383 h 855951"/>
+                <a:gd name="connsiteX5" fmla="*/ 1549556 w 1785863"/>
+                <a:gd name="connsiteY5" fmla="*/ 855951 h 855951"/>
+                <a:gd name="connsiteX6" fmla="*/ 305017 w 1785863"/>
+                <a:gd name="connsiteY6" fmla="*/ 855951 h 855951"/>
+                <a:gd name="connsiteX7" fmla="*/ 238449 w 1785863"/>
+                <a:gd name="connsiteY7" fmla="*/ 789383 h 855951"/>
+                <a:gd name="connsiteX8" fmla="*/ 238160 w 1785863"/>
+                <a:gd name="connsiteY8" fmla="*/ 242493 h 855951"/>
+                <a:gd name="connsiteX0" fmla="*/ 239914 w 1812854"/>
+                <a:gd name="connsiteY0" fmla="*/ 232326 h 845784"/>
+                <a:gd name="connsiteX1" fmla="*/ 85676 w 1812854"/>
+                <a:gd name="connsiteY1" fmla="*/ 24614 h 845784"/>
+                <a:gd name="connsiteX2" fmla="*/ 1799537 w 1812854"/>
+                <a:gd name="connsiteY2" fmla="*/ 17688 h 845784"/>
+                <a:gd name="connsiteX3" fmla="*/ 1617878 w 1812854"/>
+                <a:gd name="connsiteY3" fmla="*/ 224533 h 845784"/>
+                <a:gd name="connsiteX4" fmla="*/ 1617878 w 1812854"/>
+                <a:gd name="connsiteY4" fmla="*/ 779216 h 845784"/>
+                <a:gd name="connsiteX5" fmla="*/ 1551310 w 1812854"/>
+                <a:gd name="connsiteY5" fmla="*/ 845784 h 845784"/>
+                <a:gd name="connsiteX6" fmla="*/ 306771 w 1812854"/>
+                <a:gd name="connsiteY6" fmla="*/ 845784 h 845784"/>
+                <a:gd name="connsiteX7" fmla="*/ 240203 w 1812854"/>
+                <a:gd name="connsiteY7" fmla="*/ 779216 h 845784"/>
+                <a:gd name="connsiteX8" fmla="*/ 239914 w 1812854"/>
+                <a:gd name="connsiteY8" fmla="*/ 232326 h 845784"/>
+                <a:gd name="connsiteX0" fmla="*/ 241013 w 1829728"/>
+                <a:gd name="connsiteY0" fmla="*/ 230621 h 844079"/>
+                <a:gd name="connsiteX1" fmla="*/ 86775 w 1829728"/>
+                <a:gd name="connsiteY1" fmla="*/ 22909 h 844079"/>
+                <a:gd name="connsiteX2" fmla="*/ 1816511 w 1829728"/>
+                <a:gd name="connsiteY2" fmla="*/ 19158 h 844079"/>
+                <a:gd name="connsiteX3" fmla="*/ 1618977 w 1829728"/>
+                <a:gd name="connsiteY3" fmla="*/ 222828 h 844079"/>
+                <a:gd name="connsiteX4" fmla="*/ 1618977 w 1829728"/>
+                <a:gd name="connsiteY4" fmla="*/ 777511 h 844079"/>
+                <a:gd name="connsiteX5" fmla="*/ 1552409 w 1829728"/>
+                <a:gd name="connsiteY5" fmla="*/ 844079 h 844079"/>
+                <a:gd name="connsiteX6" fmla="*/ 307870 w 1829728"/>
+                <a:gd name="connsiteY6" fmla="*/ 844079 h 844079"/>
+                <a:gd name="connsiteX7" fmla="*/ 241302 w 1829728"/>
+                <a:gd name="connsiteY7" fmla="*/ 777511 h 844079"/>
+                <a:gd name="connsiteX8" fmla="*/ 241013 w 1829728"/>
+                <a:gd name="connsiteY8" fmla="*/ 230621 h 844079"/>
+                <a:gd name="connsiteX0" fmla="*/ 241013 w 1829728"/>
+                <a:gd name="connsiteY0" fmla="*/ 224021 h 837479"/>
+                <a:gd name="connsiteX1" fmla="*/ 86775 w 1829728"/>
+                <a:gd name="connsiteY1" fmla="*/ 16309 h 837479"/>
+                <a:gd name="connsiteX2" fmla="*/ 1816511 w 1829728"/>
+                <a:gd name="connsiteY2" fmla="*/ 12558 h 837479"/>
+                <a:gd name="connsiteX3" fmla="*/ 1618977 w 1829728"/>
+                <a:gd name="connsiteY3" fmla="*/ 216228 h 837479"/>
+                <a:gd name="connsiteX4" fmla="*/ 1618977 w 1829728"/>
+                <a:gd name="connsiteY4" fmla="*/ 770911 h 837479"/>
+                <a:gd name="connsiteX5" fmla="*/ 1552409 w 1829728"/>
+                <a:gd name="connsiteY5" fmla="*/ 837479 h 837479"/>
+                <a:gd name="connsiteX6" fmla="*/ 307870 w 1829728"/>
+                <a:gd name="connsiteY6" fmla="*/ 837479 h 837479"/>
+                <a:gd name="connsiteX7" fmla="*/ 241302 w 1829728"/>
+                <a:gd name="connsiteY7" fmla="*/ 770911 h 837479"/>
+                <a:gd name="connsiteX8" fmla="*/ 241013 w 1829728"/>
+                <a:gd name="connsiteY8" fmla="*/ 224021 h 837479"/>
+                <a:gd name="connsiteX0" fmla="*/ 241013 w 1829728"/>
+                <a:gd name="connsiteY0" fmla="*/ 224021 h 837479"/>
+                <a:gd name="connsiteX1" fmla="*/ 86775 w 1829728"/>
+                <a:gd name="connsiteY1" fmla="*/ 16309 h 837479"/>
+                <a:gd name="connsiteX2" fmla="*/ 1816511 w 1829728"/>
+                <a:gd name="connsiteY2" fmla="*/ 12558 h 837479"/>
+                <a:gd name="connsiteX3" fmla="*/ 1618977 w 1829728"/>
+                <a:gd name="connsiteY3" fmla="*/ 216228 h 837479"/>
+                <a:gd name="connsiteX4" fmla="*/ 1618977 w 1829728"/>
+                <a:gd name="connsiteY4" fmla="*/ 770911 h 837479"/>
+                <a:gd name="connsiteX5" fmla="*/ 1552409 w 1829728"/>
+                <a:gd name="connsiteY5" fmla="*/ 837479 h 837479"/>
+                <a:gd name="connsiteX6" fmla="*/ 307870 w 1829728"/>
+                <a:gd name="connsiteY6" fmla="*/ 837479 h 837479"/>
+                <a:gd name="connsiteX7" fmla="*/ 241302 w 1829728"/>
+                <a:gd name="connsiteY7" fmla="*/ 770911 h 837479"/>
+                <a:gd name="connsiteX8" fmla="*/ 241013 w 1829728"/>
+                <a:gd name="connsiteY8" fmla="*/ 224021 h 837479"/>
+                <a:gd name="connsiteX0" fmla="*/ 216773 w 1868784"/>
+                <a:gd name="connsiteY0" fmla="*/ 251658 h 865116"/>
+                <a:gd name="connsiteX1" fmla="*/ 91110 w 1868784"/>
+                <a:gd name="connsiteY1" fmla="*/ 18546 h 865116"/>
+                <a:gd name="connsiteX2" fmla="*/ 1792271 w 1868784"/>
+                <a:gd name="connsiteY2" fmla="*/ 40195 h 865116"/>
+                <a:gd name="connsiteX3" fmla="*/ 1594737 w 1868784"/>
+                <a:gd name="connsiteY3" fmla="*/ 243865 h 865116"/>
+                <a:gd name="connsiteX4" fmla="*/ 1594737 w 1868784"/>
+                <a:gd name="connsiteY4" fmla="*/ 798548 h 865116"/>
+                <a:gd name="connsiteX5" fmla="*/ 1528169 w 1868784"/>
+                <a:gd name="connsiteY5" fmla="*/ 865116 h 865116"/>
+                <a:gd name="connsiteX6" fmla="*/ 283630 w 1868784"/>
+                <a:gd name="connsiteY6" fmla="*/ 865116 h 865116"/>
+                <a:gd name="connsiteX7" fmla="*/ 217062 w 1868784"/>
+                <a:gd name="connsiteY7" fmla="*/ 798548 h 865116"/>
+                <a:gd name="connsiteX8" fmla="*/ 216773 w 1868784"/>
+                <a:gd name="connsiteY8" fmla="*/ 251658 h 865116"/>
+                <a:gd name="connsiteX0" fmla="*/ 216773 w 1868784"/>
+                <a:gd name="connsiteY0" fmla="*/ 274671 h 888129"/>
+                <a:gd name="connsiteX1" fmla="*/ 91110 w 1868784"/>
+                <a:gd name="connsiteY1" fmla="*/ 12984 h 888129"/>
+                <a:gd name="connsiteX2" fmla="*/ 1792271 w 1868784"/>
+                <a:gd name="connsiteY2" fmla="*/ 63208 h 888129"/>
+                <a:gd name="connsiteX3" fmla="*/ 1594737 w 1868784"/>
+                <a:gd name="connsiteY3" fmla="*/ 266878 h 888129"/>
+                <a:gd name="connsiteX4" fmla="*/ 1594737 w 1868784"/>
+                <a:gd name="connsiteY4" fmla="*/ 821561 h 888129"/>
+                <a:gd name="connsiteX5" fmla="*/ 1528169 w 1868784"/>
+                <a:gd name="connsiteY5" fmla="*/ 888129 h 888129"/>
+                <a:gd name="connsiteX6" fmla="*/ 283630 w 1868784"/>
+                <a:gd name="connsiteY6" fmla="*/ 888129 h 888129"/>
+                <a:gd name="connsiteX7" fmla="*/ 217062 w 1868784"/>
+                <a:gd name="connsiteY7" fmla="*/ 821561 h 888129"/>
+                <a:gd name="connsiteX8" fmla="*/ 216773 w 1868784"/>
+                <a:gd name="connsiteY8" fmla="*/ 274671 h 888129"/>
+                <a:gd name="connsiteX0" fmla="*/ 216325 w 1862778"/>
+                <a:gd name="connsiteY0" fmla="*/ 289222 h 902680"/>
+                <a:gd name="connsiteX1" fmla="*/ 90662 w 1862778"/>
+                <a:gd name="connsiteY1" fmla="*/ 27535 h 902680"/>
+                <a:gd name="connsiteX2" fmla="*/ 1785473 w 1862778"/>
+                <a:gd name="connsiteY2" fmla="*/ 36484 h 902680"/>
+                <a:gd name="connsiteX3" fmla="*/ 1594289 w 1862778"/>
+                <a:gd name="connsiteY3" fmla="*/ 281429 h 902680"/>
+                <a:gd name="connsiteX4" fmla="*/ 1594289 w 1862778"/>
+                <a:gd name="connsiteY4" fmla="*/ 836112 h 902680"/>
+                <a:gd name="connsiteX5" fmla="*/ 1527721 w 1862778"/>
+                <a:gd name="connsiteY5" fmla="*/ 902680 h 902680"/>
+                <a:gd name="connsiteX6" fmla="*/ 283182 w 1862778"/>
+                <a:gd name="connsiteY6" fmla="*/ 902680 h 902680"/>
+                <a:gd name="connsiteX7" fmla="*/ 216614 w 1862778"/>
+                <a:gd name="connsiteY7" fmla="*/ 836112 h 902680"/>
+                <a:gd name="connsiteX8" fmla="*/ 216325 w 1862778"/>
+                <a:gd name="connsiteY8" fmla="*/ 289222 h 902680"/>
+                <a:gd name="connsiteX0" fmla="*/ 216325 w 1862778"/>
+                <a:gd name="connsiteY0" fmla="*/ 289222 h 902680"/>
+                <a:gd name="connsiteX1" fmla="*/ 90662 w 1862778"/>
+                <a:gd name="connsiteY1" fmla="*/ 27535 h 902680"/>
+                <a:gd name="connsiteX2" fmla="*/ 1785473 w 1862778"/>
+                <a:gd name="connsiteY2" fmla="*/ 36484 h 902680"/>
+                <a:gd name="connsiteX3" fmla="*/ 1594289 w 1862778"/>
+                <a:gd name="connsiteY3" fmla="*/ 281429 h 902680"/>
+                <a:gd name="connsiteX4" fmla="*/ 1594289 w 1862778"/>
+                <a:gd name="connsiteY4" fmla="*/ 836112 h 902680"/>
+                <a:gd name="connsiteX5" fmla="*/ 1527721 w 1862778"/>
+                <a:gd name="connsiteY5" fmla="*/ 902680 h 902680"/>
+                <a:gd name="connsiteX6" fmla="*/ 283182 w 1862778"/>
+                <a:gd name="connsiteY6" fmla="*/ 902680 h 902680"/>
+                <a:gd name="connsiteX7" fmla="*/ 216614 w 1862778"/>
+                <a:gd name="connsiteY7" fmla="*/ 836112 h 902680"/>
+                <a:gd name="connsiteX8" fmla="*/ 216325 w 1862778"/>
+                <a:gd name="connsiteY8" fmla="*/ 289222 h 902680"/>
+                <a:gd name="connsiteX0" fmla="*/ 215874 w 1862327"/>
+                <a:gd name="connsiteY0" fmla="*/ 289222 h 902680"/>
+                <a:gd name="connsiteX1" fmla="*/ 90211 w 1862327"/>
+                <a:gd name="connsiteY1" fmla="*/ 27535 h 902680"/>
+                <a:gd name="connsiteX2" fmla="*/ 1785022 w 1862327"/>
+                <a:gd name="connsiteY2" fmla="*/ 36484 h 902680"/>
+                <a:gd name="connsiteX3" fmla="*/ 1593838 w 1862327"/>
+                <a:gd name="connsiteY3" fmla="*/ 281429 h 902680"/>
+                <a:gd name="connsiteX4" fmla="*/ 1593838 w 1862327"/>
+                <a:gd name="connsiteY4" fmla="*/ 836112 h 902680"/>
+                <a:gd name="connsiteX5" fmla="*/ 1527270 w 1862327"/>
+                <a:gd name="connsiteY5" fmla="*/ 902680 h 902680"/>
+                <a:gd name="connsiteX6" fmla="*/ 282731 w 1862327"/>
+                <a:gd name="connsiteY6" fmla="*/ 902680 h 902680"/>
+                <a:gd name="connsiteX7" fmla="*/ 216163 w 1862327"/>
+                <a:gd name="connsiteY7" fmla="*/ 836112 h 902680"/>
+                <a:gd name="connsiteX8" fmla="*/ 215874 w 1862327"/>
+                <a:gd name="connsiteY8" fmla="*/ 289222 h 902680"/>
+                <a:gd name="connsiteX0" fmla="*/ 218551 w 1865217"/>
+                <a:gd name="connsiteY0" fmla="*/ 271689 h 885147"/>
+                <a:gd name="connsiteX1" fmla="*/ 89713 w 1865217"/>
+                <a:gd name="connsiteY1" fmla="*/ 44927 h 885147"/>
+                <a:gd name="connsiteX2" fmla="*/ 1787699 w 1865217"/>
+                <a:gd name="connsiteY2" fmla="*/ 18951 h 885147"/>
+                <a:gd name="connsiteX3" fmla="*/ 1596515 w 1865217"/>
+                <a:gd name="connsiteY3" fmla="*/ 263896 h 885147"/>
+                <a:gd name="connsiteX4" fmla="*/ 1596515 w 1865217"/>
+                <a:gd name="connsiteY4" fmla="*/ 818579 h 885147"/>
+                <a:gd name="connsiteX5" fmla="*/ 1529947 w 1865217"/>
+                <a:gd name="connsiteY5" fmla="*/ 885147 h 885147"/>
+                <a:gd name="connsiteX6" fmla="*/ 285408 w 1865217"/>
+                <a:gd name="connsiteY6" fmla="*/ 885147 h 885147"/>
+                <a:gd name="connsiteX7" fmla="*/ 218840 w 1865217"/>
+                <a:gd name="connsiteY7" fmla="*/ 818579 h 885147"/>
+                <a:gd name="connsiteX8" fmla="*/ 218551 w 1865217"/>
+                <a:gd name="connsiteY8" fmla="*/ 271689 h 885147"/>
+                <a:gd name="connsiteX0" fmla="*/ 217882 w 1856244"/>
+                <a:gd name="connsiteY0" fmla="*/ 253205 h 866663"/>
+                <a:gd name="connsiteX1" fmla="*/ 89044 w 1856244"/>
+                <a:gd name="connsiteY1" fmla="*/ 26443 h 866663"/>
+                <a:gd name="connsiteX2" fmla="*/ 1777505 w 1856244"/>
+                <a:gd name="connsiteY2" fmla="*/ 29042 h 866663"/>
+                <a:gd name="connsiteX3" fmla="*/ 1595846 w 1856244"/>
+                <a:gd name="connsiteY3" fmla="*/ 245412 h 866663"/>
+                <a:gd name="connsiteX4" fmla="*/ 1595846 w 1856244"/>
+                <a:gd name="connsiteY4" fmla="*/ 800095 h 866663"/>
+                <a:gd name="connsiteX5" fmla="*/ 1529278 w 1856244"/>
+                <a:gd name="connsiteY5" fmla="*/ 866663 h 866663"/>
+                <a:gd name="connsiteX6" fmla="*/ 284739 w 1856244"/>
+                <a:gd name="connsiteY6" fmla="*/ 866663 h 866663"/>
+                <a:gd name="connsiteX7" fmla="*/ 218171 w 1856244"/>
+                <a:gd name="connsiteY7" fmla="*/ 800095 h 866663"/>
+                <a:gd name="connsiteX8" fmla="*/ 217882 w 1856244"/>
+                <a:gd name="connsiteY8" fmla="*/ 253205 h 866663"/>
+              </a:gdLst>
+              <a:ahLst/>
+              <a:cxnLst>
+                <a:cxn ang="0">
+                  <a:pos x="connsiteX0" y="connsiteY0"/>
+                </a:cxn>
+                <a:cxn ang="0">
+                  <a:pos x="connsiteX1" y="connsiteY1"/>
+                </a:cxn>
+                <a:cxn ang="0">
+                  <a:pos x="connsiteX2" y="connsiteY2"/>
+                </a:cxn>
+                <a:cxn ang="0">
+                  <a:pos x="connsiteX3" y="connsiteY3"/>
+                </a:cxn>
+                <a:cxn ang="0">
+                  <a:pos x="connsiteX4" y="connsiteY4"/>
+                </a:cxn>
+                <a:cxn ang="0">
+                  <a:pos x="connsiteX5" y="connsiteY5"/>
+                </a:cxn>
+                <a:cxn ang="0">
+                  <a:pos x="connsiteX6" y="connsiteY6"/>
+                </a:cxn>
+                <a:cxn ang="0">
+                  <a:pos x="connsiteX7" y="connsiteY7"/>
+                </a:cxn>
+                <a:cxn ang="0">
+                  <a:pos x="connsiteX8" y="connsiteY8"/>
+                </a:cxn>
+              </a:cxnLst>
+              <a:rect l="l" t="t" r="r" b="b"/>
+              <a:pathLst>
+                <a:path w="1856244" h="866663">
+                  <a:moveTo>
+                    <a:pt x="217882" y="253205"/>
+                  </a:moveTo>
+                  <a:cubicBezTo>
+                    <a:pt x="221345" y="-31786"/>
+                    <a:pt x="-170893" y="63803"/>
+                    <a:pt x="89044" y="26443"/>
+                  </a:cubicBezTo>
+                  <a:cubicBezTo>
+                    <a:pt x="348981" y="-10917"/>
+                    <a:pt x="1526371" y="-7453"/>
+                    <a:pt x="1777505" y="29042"/>
+                  </a:cubicBezTo>
+                  <a:cubicBezTo>
+                    <a:pt x="2028639" y="65537"/>
+                    <a:pt x="1599021" y="-34961"/>
+                    <a:pt x="1595846" y="245412"/>
+                  </a:cubicBezTo>
+                  <a:lnTo>
+                    <a:pt x="1595846" y="800095"/>
+                  </a:lnTo>
+                  <a:cubicBezTo>
+                    <a:pt x="1595846" y="836859"/>
+                    <a:pt x="1566042" y="866663"/>
+                    <a:pt x="1529278" y="866663"/>
+                  </a:cubicBezTo>
+                  <a:lnTo>
+                    <a:pt x="284739" y="866663"/>
+                  </a:lnTo>
+                  <a:cubicBezTo>
+                    <a:pt x="247975" y="866663"/>
+                    <a:pt x="218171" y="836859"/>
+                    <a:pt x="218171" y="800095"/>
+                  </a:cubicBezTo>
+                  <a:cubicBezTo>
+                    <a:pt x="217016" y="590282"/>
+                    <a:pt x="219037" y="463018"/>
+                    <a:pt x="217882" y="253205"/>
+                  </a:cubicBezTo>
+                  <a:close/>
+                </a:path>
+              </a:pathLst>
+            </a:custGeom>
+            <a:gradFill>
+              <a:gsLst>
+                <a:gs pos="8000">
+                  <a:schemeClr val="bg2"/>
+                </a:gs>
+                <a:gs pos="31000">
+                  <a:schemeClr val="tx2"/>
+                </a:gs>
+              </a:gsLst>
+              <a:lin ang="5400000" scaled="0"/>
+            </a:gradFill>
+            <a:ln w="12700">
+              <a:noFill/>
+            </a:ln>
+            <a:effectLst/>
+          </p:spPr>
+          <p:style>
+            <a:lnRef idx="2">
+              <a:schemeClr val="dk1"/>
+            </a:lnRef>
+            <a:fillRef idx="1">
+              <a:schemeClr val="lt1"/>
+            </a:fillRef>
+            <a:effectRef idx="0">
+              <a:schemeClr val="dk1"/>
+            </a:effectRef>
+            <a:fontRef idx="minor">
+              <a:schemeClr val="dk1"/>
+            </a:fontRef>
+          </p:style>
+          <p:txBody>
+            <a:bodyPr rtlCol="0" anchor="ctr"/>
+            <a:lstStyle/>
+            <a:p>
+              <a:pPr algn="ctr"/>
+              <a:endParaRPr lang="en-US" sz="1600" dirty="0">
+                <a:ln w="0">
+                  <a:solidFill>
+                    <a:sysClr val="windowText" lastClr="000000"/>
+                  </a:solidFill>
+                </a:ln>
+                <a:solidFill>
+                  <a:schemeClr val="tx1"/>
+                </a:solidFill>
+              </a:endParaRPr>
+            </a:p>
+          </p:txBody>
+        </p:sp>
+        <p:grpSp>
+          <p:nvGrpSpPr>
+            <p:cNvPr id="67" name="Group 66">
+              <a:extLst>
+                <a:ext uri="{FF2B5EF4-FFF2-40B4-BE49-F238E27FC236}">
+                  <a16:creationId xmlns:a16="http://schemas.microsoft.com/office/drawing/2014/main" id="{482B3060-C335-E776-626D-47C12AD60A14}"/>
+                </a:ext>
+              </a:extLst>
+            </p:cNvPr>
+            <p:cNvGrpSpPr/>
+            <p:nvPr/>
+          </p:nvGrpSpPr>
+          <p:grpSpPr>
+            <a:xfrm>
+              <a:off x="4407250" y="5787721"/>
+              <a:ext cx="1283487" cy="383162"/>
+              <a:chOff x="6421785" y="5373193"/>
+              <a:chExt cx="1283487" cy="383162"/>
+            </a:xfrm>
+          </p:grpSpPr>
+          <p:sp>
+            <p:nvSpPr>
+              <p:cNvPr id="68" name="Rounded Rectangle 56">
+                <a:extLst>
+                  <a:ext uri="{FF2B5EF4-FFF2-40B4-BE49-F238E27FC236}">
+                    <a16:creationId xmlns:a16="http://schemas.microsoft.com/office/drawing/2014/main" id="{9257FC87-ACE6-D93A-EB01-1EBC601A4ACD}"/>
+                  </a:ext>
+                </a:extLst>
+              </p:cNvPr>
+              <p:cNvSpPr/>
+              <p:nvPr/>
+            </p:nvSpPr>
+            <p:spPr>
+              <a:xfrm>
+                <a:off x="6421785" y="5373193"/>
+                <a:ext cx="1240161" cy="383162"/>
+              </a:xfrm>
+              <a:prstGeom prst="roundRect">
+                <a:avLst>
+                  <a:gd name="adj" fmla="val 12736"/>
+                </a:avLst>
+              </a:prstGeom>
+              <a:solidFill>
+                <a:schemeClr val="tx1">
+                  <a:lumMod val="50000"/>
+                </a:schemeClr>
+              </a:solidFill>
+              <a:ln w="12700">
+                <a:noFill/>
+              </a:ln>
+              <a:effectLst/>
+            </p:spPr>
+            <p:style>
+              <a:lnRef idx="2">
+                <a:schemeClr val="dk1"/>
+              </a:lnRef>
+              <a:fillRef idx="1">
+                <a:schemeClr val="lt1"/>
+              </a:fillRef>
+              <a:effectRef idx="0">
+                <a:schemeClr val="dk1"/>
+              </a:effectRef>
+              <a:fontRef idx="minor">
+                <a:schemeClr val="dk1"/>
+              </a:fontRef>
+            </p:style>
+            <p:txBody>
+              <a:bodyPr wrap="square" tIns="36000" bIns="36000" rtlCol="0" anchor="ctr">
+                <a:noAutofit/>
+              </a:bodyPr>
+              <a:lstStyle/>
+              <a:p>
+                <a:endParaRPr lang="en-US" sz="1200" dirty="0">
+                  <a:solidFill>
+                    <a:schemeClr val="bg1"/>
+                  </a:solidFill>
+                  <a:latin typeface="Source Sans Pro Light" charset="0"/>
+                  <a:ea typeface="Source Sans Pro Light" charset="0"/>
+                  <a:cs typeface="Source Sans Pro Light" charset="0"/>
+                </a:endParaRPr>
+              </a:p>
+            </p:txBody>
+          </p:sp>
+          <p:sp>
+            <p:nvSpPr>
+              <p:cNvPr id="69" name="Rectangle 68">
+                <a:extLst>
+                  <a:ext uri="{FF2B5EF4-FFF2-40B4-BE49-F238E27FC236}">
+                    <a16:creationId xmlns:a16="http://schemas.microsoft.com/office/drawing/2014/main" id="{D15578F8-AE7F-E0A7-3768-0CCCDB16B462}"/>
+                  </a:ext>
+                </a:extLst>
+              </p:cNvPr>
+              <p:cNvSpPr/>
+              <p:nvPr/>
+            </p:nvSpPr>
+            <p:spPr>
+              <a:xfrm>
+                <a:off x="6756463" y="5425211"/>
+                <a:ext cx="948809" cy="301407"/>
+              </a:xfrm>
+              <a:prstGeom prst="rect">
+                <a:avLst/>
+              </a:prstGeom>
+              <a:effectLst/>
+            </p:spPr>
+            <p:txBody>
+              <a:bodyPr wrap="square" lIns="0" rIns="0">
+                <a:noAutofit/>
+              </a:bodyPr>
+              <a:lstStyle/>
+              <a:p>
+                <a:pPr algn="ctr" defTabSz="914400">
+                  <a:lnSpc>
+                    <a:spcPts val="1000"/>
+                  </a:lnSpc>
+                  <a:defRPr/>
+                </a:pPr>
+                <a:r>
+                  <a:rPr lang="fr-FR" sz="1200" kern="0" dirty="0">
+                    <a:solidFill>
+                      <a:schemeClr val="bg1"/>
+                    </a:solidFill>
+                    <a:latin typeface="Source Sans Pro Light" charset="0"/>
+                  </a:rPr>
+                  <a:t>PROCESSOR </a:t>
+                </a:r>
+                <a:br>
+                  <a:rPr lang="fr-FR" sz="1200" kern="0" dirty="0">
+                    <a:solidFill>
+                      <a:schemeClr val="bg1"/>
+                    </a:solidFill>
+                    <a:latin typeface="Source Sans Pro Light" charset="0"/>
+                  </a:rPr>
+                </a:br>
+                <a:r>
+                  <a:rPr lang="fr-FR" sz="1200" kern="0" dirty="0">
+                    <a:solidFill>
+                      <a:schemeClr val="bg1"/>
+                    </a:solidFill>
+                    <a:latin typeface="Source Sans Pro Light" charset="0"/>
+                  </a:rPr>
+                  <a:t>CORE</a:t>
+                </a:r>
+                <a:endParaRPr lang="en-US" sz="1200" kern="0" dirty="0">
+                  <a:solidFill>
+                    <a:schemeClr val="bg1"/>
+                  </a:solidFill>
+                  <a:latin typeface="Source Sans Pro Light" charset="0"/>
+                </a:endParaRPr>
+              </a:p>
+            </p:txBody>
+          </p:sp>
+          <p:pic>
+            <p:nvPicPr>
+              <p:cNvPr id="70" name="Picture 69">
+                <a:extLst>
+                  <a:ext uri="{FF2B5EF4-FFF2-40B4-BE49-F238E27FC236}">
+                    <a16:creationId xmlns:a16="http://schemas.microsoft.com/office/drawing/2014/main" id="{830490FD-04C6-AE24-6386-56315C11008D}"/>
+                  </a:ext>
+                </a:extLst>
+              </p:cNvPr>
+              <p:cNvPicPr>
+                <a:picLocks noChangeAspect="1"/>
+              </p:cNvPicPr>
+              <p:nvPr/>
+            </p:nvPicPr>
+            <p:blipFill>
+              <a:blip r:embed="rId2" cstate="print">
+                <a:lum bright="10000"/>
+                <a:extLst>
+                  <a:ext uri="{28A0092B-C50C-407E-A947-70E740481C1C}">
+                    <a14:useLocalDpi xmlns:a14="http://schemas.microsoft.com/office/drawing/2010/main" val="0"/>
+                  </a:ext>
+                </a:extLst>
+              </a:blip>
+              <a:stretch>
+                <a:fillRect/>
+              </a:stretch>
+            </p:blipFill>
+            <p:spPr>
+              <a:xfrm>
+                <a:off x="6482924" y="5411413"/>
+                <a:ext cx="307244" cy="309712"/>
+              </a:xfrm>
+              <a:prstGeom prst="rect">
+                <a:avLst/>
+              </a:prstGeom>
+            </p:spPr>
+          </p:pic>
+        </p:grpSp>
+      </p:grpSp>
+      <p:sp>
+        <p:nvSpPr>
+          <p:cNvPr id="71" name="Rounded Rectangle 59">
+            <a:extLst>
+              <a:ext uri="{FF2B5EF4-FFF2-40B4-BE49-F238E27FC236}">
+                <a16:creationId xmlns:a16="http://schemas.microsoft.com/office/drawing/2014/main" id="{EF2A3BAF-D520-4C8A-13AD-1EF0FFEF5646}"/>
+              </a:ext>
+            </a:extLst>
+          </p:cNvPr>
+          <p:cNvSpPr/>
+          <p:nvPr/>
+        </p:nvSpPr>
+        <p:spPr>
+          <a:xfrm>
+            <a:off x="4114729" y="3941851"/>
+            <a:ext cx="5225110" cy="1367846"/>
+          </a:xfrm>
+          <a:prstGeom prst="roundRect">
+            <a:avLst>
+              <a:gd name="adj" fmla="val 7139"/>
+            </a:avLst>
+          </a:prstGeom>
+          <a:solidFill>
+            <a:schemeClr val="bg2"/>
+          </a:solidFill>
+          <a:ln w="12700">
+            <a:noFill/>
+          </a:ln>
+          <a:effectLst/>
+        </p:spPr>
+        <p:style>
+          <a:lnRef idx="2">
+            <a:schemeClr val="dk1"/>
+          </a:lnRef>
+          <a:fillRef idx="1">
+            <a:schemeClr val="lt1"/>
+          </a:fillRef>
+          <a:effectRef idx="0">
+            <a:schemeClr val="dk1"/>
+          </a:effectRef>
+          <a:fontRef idx="minor">
+            <a:schemeClr val="dk1"/>
+          </a:fontRef>
+        </p:style>
+        <p:txBody>
+          <a:bodyPr rtlCol="0" anchor="ctr"/>
+          <a:lstStyle/>
+          <a:p>
+            <a:pPr algn="ctr"/>
+            <a:endParaRPr lang="en-US" sz="1600" dirty="0">
+              <a:ln w="0">
+                <a:solidFill>
+                  <a:sysClr val="windowText" lastClr="000000"/>
+                </a:solidFill>
+              </a:ln>
+              <a:solidFill>
+                <a:schemeClr val="tx1"/>
+              </a:solidFill>
+            </a:endParaRPr>
+          </a:p>
+        </p:txBody>
+      </p:sp>
+      <p:sp>
+        <p:nvSpPr>
+          <p:cNvPr id="72" name="Rounded Rectangle 60">
+            <a:extLst>
+              <a:ext uri="{FF2B5EF4-FFF2-40B4-BE49-F238E27FC236}">
+                <a16:creationId xmlns:a16="http://schemas.microsoft.com/office/drawing/2014/main" id="{EFB83D7D-FE82-C0B5-FDB1-7BE66C14B874}"/>
+              </a:ext>
+            </a:extLst>
+          </p:cNvPr>
+          <p:cNvSpPr/>
+          <p:nvPr/>
+        </p:nvSpPr>
+        <p:spPr>
+          <a:xfrm>
+            <a:off x="4230425" y="4886144"/>
+            <a:ext cx="5175406" cy="306000"/>
+          </a:xfrm>
+          <a:prstGeom prst="roundRect">
+            <a:avLst>
+              <a:gd name="adj" fmla="val 19644"/>
+            </a:avLst>
+          </a:prstGeom>
+          <a:solidFill>
+            <a:schemeClr val="tx2"/>
+          </a:solidFill>
+          <a:ln w="12700">
+            <a:noFill/>
+          </a:ln>
+          <a:effectLst/>
+        </p:spPr>
+        <p:style>
+          <a:lnRef idx="2">
+            <a:schemeClr val="dk1"/>
+          </a:lnRef>
+          <a:fillRef idx="1">
+            <a:schemeClr val="lt1"/>
+          </a:fillRef>
+          <a:effectRef idx="0">
+            <a:schemeClr val="dk1"/>
+          </a:effectRef>
+          <a:fontRef idx="minor">
+            <a:schemeClr val="dk1"/>
+          </a:fontRef>
+        </p:style>
+        <p:txBody>
+          <a:bodyPr wrap="square" lIns="90000" tIns="36000" bIns="36000" rtlCol="0" anchor="ctr">
+            <a:noAutofit/>
+          </a:bodyPr>
+          <a:lstStyle/>
+          <a:p>
+            <a:r>
+              <a:rPr lang="en-US" sz="1600" b="1" dirty="0">
+                <a:solidFill>
+                  <a:schemeClr val="bg1"/>
+                </a:solidFill>
+                <a:effectLst>
+                  <a:outerShdw blurRad="76200" dist="38100" dir="5400000" algn="t" rotWithShape="0">
+                    <a:prstClr val="black">
+                      <a:alpha val="70000"/>
+                    </a:prstClr>
+                  </a:outerShdw>
+                </a:effectLst>
+                <a:latin typeface="Source Sans Pro" charset="0"/>
+                <a:ea typeface="Source Sans Pro" charset="0"/>
+                <a:cs typeface="Source Sans Pro" charset="0"/>
+              </a:rPr>
+              <a:t>RTOS/OS</a:t>
+            </a:r>
+          </a:p>
+        </p:txBody>
+      </p:sp>
+      <p:sp>
+        <p:nvSpPr>
+          <p:cNvPr id="73" name="Rounded Rectangle 61">
+            <a:extLst>
+              <a:ext uri="{FF2B5EF4-FFF2-40B4-BE49-F238E27FC236}">
+                <a16:creationId xmlns:a16="http://schemas.microsoft.com/office/drawing/2014/main" id="{56CA26F6-40F3-3F76-4C11-40C8AEDBA60B}"/>
+              </a:ext>
+            </a:extLst>
+          </p:cNvPr>
+          <p:cNvSpPr/>
+          <p:nvPr/>
+        </p:nvSpPr>
+        <p:spPr>
+          <a:xfrm>
+            <a:off x="4230426" y="4511544"/>
+            <a:ext cx="5175406" cy="306000"/>
+          </a:xfrm>
+          <a:prstGeom prst="roundRect">
+            <a:avLst>
+              <a:gd name="adj" fmla="val 18223"/>
+            </a:avLst>
+          </a:prstGeom>
+          <a:solidFill>
+            <a:schemeClr val="tx2"/>
+          </a:solidFill>
+          <a:ln w="12700">
+            <a:noFill/>
+          </a:ln>
+          <a:effectLst/>
+        </p:spPr>
+        <p:style>
+          <a:lnRef idx="2">
+            <a:schemeClr val="dk1"/>
+          </a:lnRef>
+          <a:fillRef idx="1">
+            <a:schemeClr val="lt1"/>
+          </a:fillRef>
+          <a:effectRef idx="0">
+            <a:schemeClr val="dk1"/>
+          </a:effectRef>
+          <a:fontRef idx="minor">
+            <a:schemeClr val="dk1"/>
+          </a:fontRef>
+        </p:style>
+        <p:txBody>
+          <a:bodyPr wrap="square" tIns="36000" bIns="36000" rtlCol="0" anchor="ctr">
+            <a:noAutofit/>
+          </a:bodyPr>
+          <a:lstStyle/>
+          <a:p>
+            <a:r>
+              <a:rPr lang="en-US" sz="1600" b="1" dirty="0">
+                <a:solidFill>
+                  <a:schemeClr val="bg1"/>
+                </a:solidFill>
+                <a:effectLst>
+                  <a:outerShdw blurRad="76200" dist="38100" dir="5400000" algn="t" rotWithShape="0">
+                    <a:prstClr val="black">
+                      <a:alpha val="70000"/>
+                    </a:prstClr>
+                  </a:outerShdw>
+                </a:effectLst>
+                <a:latin typeface="Source Sans Pro" charset="0"/>
+                <a:ea typeface="Source Sans Pro" charset="0"/>
+              </a:rPr>
+              <a:t>BSP</a:t>
+            </a:r>
+          </a:p>
+        </p:txBody>
+      </p:sp>
+      <p:grpSp>
+        <p:nvGrpSpPr>
+          <p:cNvPr id="74" name="Group 73">
+            <a:extLst>
+              <a:ext uri="{FF2B5EF4-FFF2-40B4-BE49-F238E27FC236}">
+                <a16:creationId xmlns:a16="http://schemas.microsoft.com/office/drawing/2014/main" id="{80038C6A-DFE9-690F-341A-5A9191A0B486}"/>
+              </a:ext>
+            </a:extLst>
+          </p:cNvPr>
+          <p:cNvGrpSpPr/>
+          <p:nvPr/>
+        </p:nvGrpSpPr>
+        <p:grpSpPr>
+          <a:xfrm>
+            <a:off x="4197925" y="3701555"/>
+            <a:ext cx="1684403" cy="725924"/>
+            <a:chOff x="3235766" y="3459308"/>
+            <a:chExt cx="1684403" cy="725924"/>
+          </a:xfrm>
+        </p:grpSpPr>
+        <p:sp>
+          <p:nvSpPr>
+            <p:cNvPr id="75" name="Rounded Rectangle 370">
+              <a:extLst>
+                <a:ext uri="{FF2B5EF4-FFF2-40B4-BE49-F238E27FC236}">
+                  <a16:creationId xmlns:a16="http://schemas.microsoft.com/office/drawing/2014/main" id="{DB969A27-814B-69C3-7560-D338B3C1A39B}"/>
+                </a:ext>
+              </a:extLst>
+            </p:cNvPr>
+            <p:cNvSpPr/>
+            <p:nvPr/>
+          </p:nvSpPr>
+          <p:spPr>
+            <a:xfrm>
+              <a:off x="3235766" y="3459308"/>
+              <a:ext cx="1684403" cy="725924"/>
+            </a:xfrm>
+            <a:custGeom>
+              <a:avLst/>
+              <a:gdLst>
+                <a:gd name="connsiteX0" fmla="*/ 0 w 1377675"/>
+                <a:gd name="connsiteY0" fmla="*/ 66568 h 1084694"/>
+                <a:gd name="connsiteX1" fmla="*/ 66568 w 1377675"/>
+                <a:gd name="connsiteY1" fmla="*/ 0 h 1084694"/>
+                <a:gd name="connsiteX2" fmla="*/ 1311107 w 1377675"/>
+                <a:gd name="connsiteY2" fmla="*/ 0 h 1084694"/>
+                <a:gd name="connsiteX3" fmla="*/ 1377675 w 1377675"/>
+                <a:gd name="connsiteY3" fmla="*/ 66568 h 1084694"/>
+                <a:gd name="connsiteX4" fmla="*/ 1377675 w 1377675"/>
+                <a:gd name="connsiteY4" fmla="*/ 1018126 h 1084694"/>
+                <a:gd name="connsiteX5" fmla="*/ 1311107 w 1377675"/>
+                <a:gd name="connsiteY5" fmla="*/ 1084694 h 1084694"/>
+                <a:gd name="connsiteX6" fmla="*/ 66568 w 1377675"/>
+                <a:gd name="connsiteY6" fmla="*/ 1084694 h 1084694"/>
+                <a:gd name="connsiteX7" fmla="*/ 0 w 1377675"/>
+                <a:gd name="connsiteY7" fmla="*/ 1018126 h 1084694"/>
+                <a:gd name="connsiteX8" fmla="*/ 0 w 1377675"/>
+                <a:gd name="connsiteY8" fmla="*/ 66568 h 1084694"/>
+                <a:gd name="connsiteX0" fmla="*/ 0 w 1377675"/>
+                <a:gd name="connsiteY0" fmla="*/ 66568 h 1084694"/>
+                <a:gd name="connsiteX1" fmla="*/ 66568 w 1377675"/>
+                <a:gd name="connsiteY1" fmla="*/ 0 h 1084694"/>
+                <a:gd name="connsiteX2" fmla="*/ 1311107 w 1377675"/>
+                <a:gd name="connsiteY2" fmla="*/ 0 h 1084694"/>
+                <a:gd name="connsiteX3" fmla="*/ 1377675 w 1377675"/>
+                <a:gd name="connsiteY3" fmla="*/ 409468 h 1084694"/>
+                <a:gd name="connsiteX4" fmla="*/ 1377675 w 1377675"/>
+                <a:gd name="connsiteY4" fmla="*/ 1018126 h 1084694"/>
+                <a:gd name="connsiteX5" fmla="*/ 1311107 w 1377675"/>
+                <a:gd name="connsiteY5" fmla="*/ 1084694 h 1084694"/>
+                <a:gd name="connsiteX6" fmla="*/ 66568 w 1377675"/>
+                <a:gd name="connsiteY6" fmla="*/ 1084694 h 1084694"/>
+                <a:gd name="connsiteX7" fmla="*/ 0 w 1377675"/>
+                <a:gd name="connsiteY7" fmla="*/ 1018126 h 1084694"/>
+                <a:gd name="connsiteX8" fmla="*/ 0 w 1377675"/>
+                <a:gd name="connsiteY8" fmla="*/ 66568 h 1084694"/>
+                <a:gd name="connsiteX0" fmla="*/ 0 w 1381139"/>
+                <a:gd name="connsiteY0" fmla="*/ 388686 h 1084694"/>
+                <a:gd name="connsiteX1" fmla="*/ 70032 w 1381139"/>
+                <a:gd name="connsiteY1" fmla="*/ 0 h 1084694"/>
+                <a:gd name="connsiteX2" fmla="*/ 1314571 w 1381139"/>
+                <a:gd name="connsiteY2" fmla="*/ 0 h 1084694"/>
+                <a:gd name="connsiteX3" fmla="*/ 1381139 w 1381139"/>
+                <a:gd name="connsiteY3" fmla="*/ 409468 h 1084694"/>
+                <a:gd name="connsiteX4" fmla="*/ 1381139 w 1381139"/>
+                <a:gd name="connsiteY4" fmla="*/ 1018126 h 1084694"/>
+                <a:gd name="connsiteX5" fmla="*/ 1314571 w 1381139"/>
+                <a:gd name="connsiteY5" fmla="*/ 1084694 h 1084694"/>
+                <a:gd name="connsiteX6" fmla="*/ 70032 w 1381139"/>
+                <a:gd name="connsiteY6" fmla="*/ 1084694 h 1084694"/>
+                <a:gd name="connsiteX7" fmla="*/ 3464 w 1381139"/>
+                <a:gd name="connsiteY7" fmla="*/ 1018126 h 1084694"/>
+                <a:gd name="connsiteX8" fmla="*/ 0 w 1381139"/>
+                <a:gd name="connsiteY8" fmla="*/ 388686 h 1084694"/>
+                <a:gd name="connsiteX0" fmla="*/ 0 w 3085063"/>
+                <a:gd name="connsiteY0" fmla="*/ 388686 h 1084694"/>
+                <a:gd name="connsiteX1" fmla="*/ 70032 w 3085063"/>
+                <a:gd name="connsiteY1" fmla="*/ 0 h 1084694"/>
+                <a:gd name="connsiteX2" fmla="*/ 3084489 w 3085063"/>
+                <a:gd name="connsiteY2" fmla="*/ 256309 h 1084694"/>
+                <a:gd name="connsiteX3" fmla="*/ 1381139 w 3085063"/>
+                <a:gd name="connsiteY3" fmla="*/ 409468 h 1084694"/>
+                <a:gd name="connsiteX4" fmla="*/ 1381139 w 3085063"/>
+                <a:gd name="connsiteY4" fmla="*/ 1018126 h 1084694"/>
+                <a:gd name="connsiteX5" fmla="*/ 1314571 w 3085063"/>
+                <a:gd name="connsiteY5" fmla="*/ 1084694 h 1084694"/>
+                <a:gd name="connsiteX6" fmla="*/ 70032 w 3085063"/>
+                <a:gd name="connsiteY6" fmla="*/ 1084694 h 1084694"/>
+                <a:gd name="connsiteX7" fmla="*/ 3464 w 3085063"/>
+                <a:gd name="connsiteY7" fmla="*/ 1018126 h 1084694"/>
+                <a:gd name="connsiteX8" fmla="*/ 0 w 3085063"/>
+                <a:gd name="connsiteY8" fmla="*/ 388686 h 1084694"/>
+                <a:gd name="connsiteX0" fmla="*/ 1150005 w 4235068"/>
+                <a:gd name="connsiteY0" fmla="*/ 132377 h 828385"/>
+                <a:gd name="connsiteX1" fmla="*/ 837 w 4235068"/>
+                <a:gd name="connsiteY1" fmla="*/ 3463 h 828385"/>
+                <a:gd name="connsiteX2" fmla="*/ 4234494 w 4235068"/>
+                <a:gd name="connsiteY2" fmla="*/ 0 h 828385"/>
+                <a:gd name="connsiteX3" fmla="*/ 2531144 w 4235068"/>
+                <a:gd name="connsiteY3" fmla="*/ 153159 h 828385"/>
+                <a:gd name="connsiteX4" fmla="*/ 2531144 w 4235068"/>
+                <a:gd name="connsiteY4" fmla="*/ 761817 h 828385"/>
+                <a:gd name="connsiteX5" fmla="*/ 2464576 w 4235068"/>
+                <a:gd name="connsiteY5" fmla="*/ 828385 h 828385"/>
+                <a:gd name="connsiteX6" fmla="*/ 1220037 w 4235068"/>
+                <a:gd name="connsiteY6" fmla="*/ 828385 h 828385"/>
+                <a:gd name="connsiteX7" fmla="*/ 1153469 w 4235068"/>
+                <a:gd name="connsiteY7" fmla="*/ 761817 h 828385"/>
+                <a:gd name="connsiteX8" fmla="*/ 1150005 w 4235068"/>
+                <a:gd name="connsiteY8" fmla="*/ 132377 h 828385"/>
+                <a:gd name="connsiteX0" fmla="*/ 1150005 w 2930911"/>
+                <a:gd name="connsiteY0" fmla="*/ 128914 h 824922"/>
+                <a:gd name="connsiteX1" fmla="*/ 837 w 2930911"/>
+                <a:gd name="connsiteY1" fmla="*/ 0 h 824922"/>
+                <a:gd name="connsiteX2" fmla="*/ 2928703 w 2930911"/>
+                <a:gd name="connsiteY2" fmla="*/ 1 h 824922"/>
+                <a:gd name="connsiteX3" fmla="*/ 2531144 w 2930911"/>
+                <a:gd name="connsiteY3" fmla="*/ 149696 h 824922"/>
+                <a:gd name="connsiteX4" fmla="*/ 2531144 w 2930911"/>
+                <a:gd name="connsiteY4" fmla="*/ 758354 h 824922"/>
+                <a:gd name="connsiteX5" fmla="*/ 2464576 w 2930911"/>
+                <a:gd name="connsiteY5" fmla="*/ 824922 h 824922"/>
+                <a:gd name="connsiteX6" fmla="*/ 1220037 w 2930911"/>
+                <a:gd name="connsiteY6" fmla="*/ 824922 h 824922"/>
+                <a:gd name="connsiteX7" fmla="*/ 1153469 w 2930911"/>
+                <a:gd name="connsiteY7" fmla="*/ 758354 h 824922"/>
+                <a:gd name="connsiteX8" fmla="*/ 1150005 w 2930911"/>
+                <a:gd name="connsiteY8" fmla="*/ 128914 h 824922"/>
+                <a:gd name="connsiteX0" fmla="*/ 1150005 w 2930911"/>
+                <a:gd name="connsiteY0" fmla="*/ 128914 h 824922"/>
+                <a:gd name="connsiteX1" fmla="*/ 837 w 2930911"/>
+                <a:gd name="connsiteY1" fmla="*/ 0 h 824922"/>
+                <a:gd name="connsiteX2" fmla="*/ 2928703 w 2930911"/>
+                <a:gd name="connsiteY2" fmla="*/ 1 h 824922"/>
+                <a:gd name="connsiteX3" fmla="*/ 2531144 w 2930911"/>
+                <a:gd name="connsiteY3" fmla="*/ 149696 h 824922"/>
+                <a:gd name="connsiteX4" fmla="*/ 2531144 w 2930911"/>
+                <a:gd name="connsiteY4" fmla="*/ 758354 h 824922"/>
+                <a:gd name="connsiteX5" fmla="*/ 2464576 w 2930911"/>
+                <a:gd name="connsiteY5" fmla="*/ 824922 h 824922"/>
+                <a:gd name="connsiteX6" fmla="*/ 1220037 w 2930911"/>
+                <a:gd name="connsiteY6" fmla="*/ 824922 h 824922"/>
+                <a:gd name="connsiteX7" fmla="*/ 1153469 w 2930911"/>
+                <a:gd name="connsiteY7" fmla="*/ 758354 h 824922"/>
+                <a:gd name="connsiteX8" fmla="*/ 1150005 w 2930911"/>
+                <a:gd name="connsiteY8" fmla="*/ 128914 h 824922"/>
+                <a:gd name="connsiteX0" fmla="*/ 1150004 w 2930910"/>
+                <a:gd name="connsiteY0" fmla="*/ 128914 h 824922"/>
+                <a:gd name="connsiteX1" fmla="*/ 836 w 2930910"/>
+                <a:gd name="connsiteY1" fmla="*/ 0 h 824922"/>
+                <a:gd name="connsiteX2" fmla="*/ 2928702 w 2930910"/>
+                <a:gd name="connsiteY2" fmla="*/ 1 h 824922"/>
+                <a:gd name="connsiteX3" fmla="*/ 2531143 w 2930910"/>
+                <a:gd name="connsiteY3" fmla="*/ 149696 h 824922"/>
+                <a:gd name="connsiteX4" fmla="*/ 2531143 w 2930910"/>
+                <a:gd name="connsiteY4" fmla="*/ 758354 h 824922"/>
+                <a:gd name="connsiteX5" fmla="*/ 2464575 w 2930910"/>
+                <a:gd name="connsiteY5" fmla="*/ 824922 h 824922"/>
+                <a:gd name="connsiteX6" fmla="*/ 1220036 w 2930910"/>
+                <a:gd name="connsiteY6" fmla="*/ 824922 h 824922"/>
+                <a:gd name="connsiteX7" fmla="*/ 1153468 w 2930910"/>
+                <a:gd name="connsiteY7" fmla="*/ 758354 h 824922"/>
+                <a:gd name="connsiteX8" fmla="*/ 1150004 w 2930910"/>
+                <a:gd name="connsiteY8" fmla="*/ 128914 h 824922"/>
+                <a:gd name="connsiteX0" fmla="*/ 375627 w 2156533"/>
+                <a:gd name="connsiteY0" fmla="*/ 128913 h 824921"/>
+                <a:gd name="connsiteX1" fmla="*/ 2314 w 2156533"/>
+                <a:gd name="connsiteY1" fmla="*/ 6926 h 824921"/>
+                <a:gd name="connsiteX2" fmla="*/ 2154325 w 2156533"/>
+                <a:gd name="connsiteY2" fmla="*/ 0 h 824921"/>
+                <a:gd name="connsiteX3" fmla="*/ 1756766 w 2156533"/>
+                <a:gd name="connsiteY3" fmla="*/ 149695 h 824921"/>
+                <a:gd name="connsiteX4" fmla="*/ 1756766 w 2156533"/>
+                <a:gd name="connsiteY4" fmla="*/ 758353 h 824921"/>
+                <a:gd name="connsiteX5" fmla="*/ 1690198 w 2156533"/>
+                <a:gd name="connsiteY5" fmla="*/ 824921 h 824921"/>
+                <a:gd name="connsiteX6" fmla="*/ 445659 w 2156533"/>
+                <a:gd name="connsiteY6" fmla="*/ 824921 h 824921"/>
+                <a:gd name="connsiteX7" fmla="*/ 379091 w 2156533"/>
+                <a:gd name="connsiteY7" fmla="*/ 758353 h 824921"/>
+                <a:gd name="connsiteX8" fmla="*/ 375627 w 2156533"/>
+                <a:gd name="connsiteY8" fmla="*/ 128913 h 824921"/>
+                <a:gd name="connsiteX0" fmla="*/ 418185 w 2199091"/>
+                <a:gd name="connsiteY0" fmla="*/ 128913 h 824921"/>
+                <a:gd name="connsiteX1" fmla="*/ 44872 w 2199091"/>
+                <a:gd name="connsiteY1" fmla="*/ 6926 h 824921"/>
+                <a:gd name="connsiteX2" fmla="*/ 2196883 w 2199091"/>
+                <a:gd name="connsiteY2" fmla="*/ 0 h 824921"/>
+                <a:gd name="connsiteX3" fmla="*/ 1799324 w 2199091"/>
+                <a:gd name="connsiteY3" fmla="*/ 149695 h 824921"/>
+                <a:gd name="connsiteX4" fmla="*/ 1799324 w 2199091"/>
+                <a:gd name="connsiteY4" fmla="*/ 758353 h 824921"/>
+                <a:gd name="connsiteX5" fmla="*/ 1732756 w 2199091"/>
+                <a:gd name="connsiteY5" fmla="*/ 824921 h 824921"/>
+                <a:gd name="connsiteX6" fmla="*/ 488217 w 2199091"/>
+                <a:gd name="connsiteY6" fmla="*/ 824921 h 824921"/>
+                <a:gd name="connsiteX7" fmla="*/ 421649 w 2199091"/>
+                <a:gd name="connsiteY7" fmla="*/ 758353 h 824921"/>
+                <a:gd name="connsiteX8" fmla="*/ 418185 w 2199091"/>
+                <a:gd name="connsiteY8" fmla="*/ 128913 h 824921"/>
+                <a:gd name="connsiteX0" fmla="*/ 404178 w 2197426"/>
+                <a:gd name="connsiteY0" fmla="*/ 129381 h 825389"/>
+                <a:gd name="connsiteX1" fmla="*/ 30865 w 2197426"/>
+                <a:gd name="connsiteY1" fmla="*/ 7394 h 825389"/>
+                <a:gd name="connsiteX2" fmla="*/ 2182876 w 2197426"/>
+                <a:gd name="connsiteY2" fmla="*/ 468 h 825389"/>
+                <a:gd name="connsiteX3" fmla="*/ 1785317 w 2197426"/>
+                <a:gd name="connsiteY3" fmla="*/ 150163 h 825389"/>
+                <a:gd name="connsiteX4" fmla="*/ 1785317 w 2197426"/>
+                <a:gd name="connsiteY4" fmla="*/ 758821 h 825389"/>
+                <a:gd name="connsiteX5" fmla="*/ 1718749 w 2197426"/>
+                <a:gd name="connsiteY5" fmla="*/ 825389 h 825389"/>
+                <a:gd name="connsiteX6" fmla="*/ 474210 w 2197426"/>
+                <a:gd name="connsiteY6" fmla="*/ 825389 h 825389"/>
+                <a:gd name="connsiteX7" fmla="*/ 407642 w 2197426"/>
+                <a:gd name="connsiteY7" fmla="*/ 758821 h 825389"/>
+                <a:gd name="connsiteX8" fmla="*/ 404178 w 2197426"/>
+                <a:gd name="connsiteY8" fmla="*/ 129381 h 825389"/>
+                <a:gd name="connsiteX0" fmla="*/ 373313 w 2152011"/>
+                <a:gd name="connsiteY0" fmla="*/ 129381 h 825389"/>
+                <a:gd name="connsiteX1" fmla="*/ 0 w 2152011"/>
+                <a:gd name="connsiteY1" fmla="*/ 7394 h 825389"/>
+                <a:gd name="connsiteX2" fmla="*/ 2152011 w 2152011"/>
+                <a:gd name="connsiteY2" fmla="*/ 468 h 825389"/>
+                <a:gd name="connsiteX3" fmla="*/ 1754452 w 2152011"/>
+                <a:gd name="connsiteY3" fmla="*/ 150163 h 825389"/>
+                <a:gd name="connsiteX4" fmla="*/ 1754452 w 2152011"/>
+                <a:gd name="connsiteY4" fmla="*/ 758821 h 825389"/>
+                <a:gd name="connsiteX5" fmla="*/ 1687884 w 2152011"/>
+                <a:gd name="connsiteY5" fmla="*/ 825389 h 825389"/>
+                <a:gd name="connsiteX6" fmla="*/ 443345 w 2152011"/>
+                <a:gd name="connsiteY6" fmla="*/ 825389 h 825389"/>
+                <a:gd name="connsiteX7" fmla="*/ 376777 w 2152011"/>
+                <a:gd name="connsiteY7" fmla="*/ 758821 h 825389"/>
+                <a:gd name="connsiteX8" fmla="*/ 373313 w 2152011"/>
+                <a:gd name="connsiteY8" fmla="*/ 129381 h 825389"/>
+                <a:gd name="connsiteX0" fmla="*/ 436994 w 2018842"/>
+                <a:gd name="connsiteY0" fmla="*/ 132057 h 828065"/>
+                <a:gd name="connsiteX1" fmla="*/ 63681 w 2018842"/>
+                <a:gd name="connsiteY1" fmla="*/ 10070 h 828065"/>
+                <a:gd name="connsiteX2" fmla="*/ 2018842 w 2018842"/>
+                <a:gd name="connsiteY2" fmla="*/ 6319 h 828065"/>
+                <a:gd name="connsiteX3" fmla="*/ 1818133 w 2018842"/>
+                <a:gd name="connsiteY3" fmla="*/ 152839 h 828065"/>
+                <a:gd name="connsiteX4" fmla="*/ 1818133 w 2018842"/>
+                <a:gd name="connsiteY4" fmla="*/ 761497 h 828065"/>
+                <a:gd name="connsiteX5" fmla="*/ 1751565 w 2018842"/>
+                <a:gd name="connsiteY5" fmla="*/ 828065 h 828065"/>
+                <a:gd name="connsiteX6" fmla="*/ 507026 w 2018842"/>
+                <a:gd name="connsiteY6" fmla="*/ 828065 h 828065"/>
+                <a:gd name="connsiteX7" fmla="*/ 440458 w 2018842"/>
+                <a:gd name="connsiteY7" fmla="*/ 761497 h 828065"/>
+                <a:gd name="connsiteX8" fmla="*/ 436994 w 2018842"/>
+                <a:gd name="connsiteY8" fmla="*/ 132057 h 828065"/>
+                <a:gd name="connsiteX0" fmla="*/ 436994 w 2023402"/>
+                <a:gd name="connsiteY0" fmla="*/ 131514 h 827522"/>
+                <a:gd name="connsiteX1" fmla="*/ 63681 w 2023402"/>
+                <a:gd name="connsiteY1" fmla="*/ 9527 h 827522"/>
+                <a:gd name="connsiteX2" fmla="*/ 2018842 w 2023402"/>
+                <a:gd name="connsiteY2" fmla="*/ 5776 h 827522"/>
+                <a:gd name="connsiteX3" fmla="*/ 1818133 w 2023402"/>
+                <a:gd name="connsiteY3" fmla="*/ 152296 h 827522"/>
+                <a:gd name="connsiteX4" fmla="*/ 1818133 w 2023402"/>
+                <a:gd name="connsiteY4" fmla="*/ 760954 h 827522"/>
+                <a:gd name="connsiteX5" fmla="*/ 1751565 w 2023402"/>
+                <a:gd name="connsiteY5" fmla="*/ 827522 h 827522"/>
+                <a:gd name="connsiteX6" fmla="*/ 507026 w 2023402"/>
+                <a:gd name="connsiteY6" fmla="*/ 827522 h 827522"/>
+                <a:gd name="connsiteX7" fmla="*/ 440458 w 2023402"/>
+                <a:gd name="connsiteY7" fmla="*/ 760954 h 827522"/>
+                <a:gd name="connsiteX8" fmla="*/ 436994 w 2023402"/>
+                <a:gd name="connsiteY8" fmla="*/ 131514 h 827522"/>
+                <a:gd name="connsiteX0" fmla="*/ 260186 w 1921406"/>
+                <a:gd name="connsiteY0" fmla="*/ 144219 h 840227"/>
+                <a:gd name="connsiteX1" fmla="*/ 83723 w 1921406"/>
+                <a:gd name="connsiteY1" fmla="*/ 15882 h 840227"/>
+                <a:gd name="connsiteX2" fmla="*/ 1842034 w 1921406"/>
+                <a:gd name="connsiteY2" fmla="*/ 18481 h 840227"/>
+                <a:gd name="connsiteX3" fmla="*/ 1641325 w 1921406"/>
+                <a:gd name="connsiteY3" fmla="*/ 165001 h 840227"/>
+                <a:gd name="connsiteX4" fmla="*/ 1641325 w 1921406"/>
+                <a:gd name="connsiteY4" fmla="*/ 773659 h 840227"/>
+                <a:gd name="connsiteX5" fmla="*/ 1574757 w 1921406"/>
+                <a:gd name="connsiteY5" fmla="*/ 840227 h 840227"/>
+                <a:gd name="connsiteX6" fmla="*/ 330218 w 1921406"/>
+                <a:gd name="connsiteY6" fmla="*/ 840227 h 840227"/>
+                <a:gd name="connsiteX7" fmla="*/ 263650 w 1921406"/>
+                <a:gd name="connsiteY7" fmla="*/ 773659 h 840227"/>
+                <a:gd name="connsiteX8" fmla="*/ 260186 w 1921406"/>
+                <a:gd name="connsiteY8" fmla="*/ 144219 h 840227"/>
+                <a:gd name="connsiteX0" fmla="*/ 184184 w 1845404"/>
+                <a:gd name="connsiteY0" fmla="*/ 137193 h 833201"/>
+                <a:gd name="connsiteX1" fmla="*/ 7721 w 1845404"/>
+                <a:gd name="connsiteY1" fmla="*/ 8856 h 833201"/>
+                <a:gd name="connsiteX2" fmla="*/ 1766032 w 1845404"/>
+                <a:gd name="connsiteY2" fmla="*/ 11455 h 833201"/>
+                <a:gd name="connsiteX3" fmla="*/ 1565323 w 1845404"/>
+                <a:gd name="connsiteY3" fmla="*/ 157975 h 833201"/>
+                <a:gd name="connsiteX4" fmla="*/ 1565323 w 1845404"/>
+                <a:gd name="connsiteY4" fmla="*/ 766633 h 833201"/>
+                <a:gd name="connsiteX5" fmla="*/ 1498755 w 1845404"/>
+                <a:gd name="connsiteY5" fmla="*/ 833201 h 833201"/>
+                <a:gd name="connsiteX6" fmla="*/ 254216 w 1845404"/>
+                <a:gd name="connsiteY6" fmla="*/ 833201 h 833201"/>
+                <a:gd name="connsiteX7" fmla="*/ 187648 w 1845404"/>
+                <a:gd name="connsiteY7" fmla="*/ 766633 h 833201"/>
+                <a:gd name="connsiteX8" fmla="*/ 184184 w 1845404"/>
+                <a:gd name="connsiteY8" fmla="*/ 137193 h 833201"/>
+                <a:gd name="connsiteX0" fmla="*/ 254154 w 1839241"/>
+                <a:gd name="connsiteY0" fmla="*/ 147999 h 844007"/>
+                <a:gd name="connsiteX1" fmla="*/ 77691 w 1839241"/>
+                <a:gd name="connsiteY1" fmla="*/ 19662 h 844007"/>
+                <a:gd name="connsiteX2" fmla="*/ 1747102 w 1839241"/>
+                <a:gd name="connsiteY2" fmla="*/ 15911 h 844007"/>
+                <a:gd name="connsiteX3" fmla="*/ 1635293 w 1839241"/>
+                <a:gd name="connsiteY3" fmla="*/ 168781 h 844007"/>
+                <a:gd name="connsiteX4" fmla="*/ 1635293 w 1839241"/>
+                <a:gd name="connsiteY4" fmla="*/ 777439 h 844007"/>
+                <a:gd name="connsiteX5" fmla="*/ 1568725 w 1839241"/>
+                <a:gd name="connsiteY5" fmla="*/ 844007 h 844007"/>
+                <a:gd name="connsiteX6" fmla="*/ 324186 w 1839241"/>
+                <a:gd name="connsiteY6" fmla="*/ 844007 h 844007"/>
+                <a:gd name="connsiteX7" fmla="*/ 257618 w 1839241"/>
+                <a:gd name="connsiteY7" fmla="*/ 777439 h 844007"/>
+                <a:gd name="connsiteX8" fmla="*/ 254154 w 1839241"/>
+                <a:gd name="connsiteY8" fmla="*/ 147999 h 844007"/>
+                <a:gd name="connsiteX0" fmla="*/ 254154 w 1752323"/>
+                <a:gd name="connsiteY0" fmla="*/ 139925 h 835933"/>
+                <a:gd name="connsiteX1" fmla="*/ 77691 w 1752323"/>
+                <a:gd name="connsiteY1" fmla="*/ 11588 h 835933"/>
+                <a:gd name="connsiteX2" fmla="*/ 1747102 w 1752323"/>
+                <a:gd name="connsiteY2" fmla="*/ 7837 h 835933"/>
+                <a:gd name="connsiteX3" fmla="*/ 1635293 w 1752323"/>
+                <a:gd name="connsiteY3" fmla="*/ 160707 h 835933"/>
+                <a:gd name="connsiteX4" fmla="*/ 1635293 w 1752323"/>
+                <a:gd name="connsiteY4" fmla="*/ 769365 h 835933"/>
+                <a:gd name="connsiteX5" fmla="*/ 1568725 w 1752323"/>
+                <a:gd name="connsiteY5" fmla="*/ 835933 h 835933"/>
+                <a:gd name="connsiteX6" fmla="*/ 324186 w 1752323"/>
+                <a:gd name="connsiteY6" fmla="*/ 835933 h 835933"/>
+                <a:gd name="connsiteX7" fmla="*/ 257618 w 1752323"/>
+                <a:gd name="connsiteY7" fmla="*/ 769365 h 835933"/>
+                <a:gd name="connsiteX8" fmla="*/ 254154 w 1752323"/>
+                <a:gd name="connsiteY8" fmla="*/ 139925 h 835933"/>
+                <a:gd name="connsiteX0" fmla="*/ 256302 w 1786136"/>
+                <a:gd name="connsiteY0" fmla="*/ 138666 h 834674"/>
+                <a:gd name="connsiteX1" fmla="*/ 79839 w 1786136"/>
+                <a:gd name="connsiteY1" fmla="*/ 10329 h 834674"/>
+                <a:gd name="connsiteX2" fmla="*/ 1781000 w 1786136"/>
+                <a:gd name="connsiteY2" fmla="*/ 9753 h 834674"/>
+                <a:gd name="connsiteX3" fmla="*/ 1637441 w 1786136"/>
+                <a:gd name="connsiteY3" fmla="*/ 159448 h 834674"/>
+                <a:gd name="connsiteX4" fmla="*/ 1637441 w 1786136"/>
+                <a:gd name="connsiteY4" fmla="*/ 768106 h 834674"/>
+                <a:gd name="connsiteX5" fmla="*/ 1570873 w 1786136"/>
+                <a:gd name="connsiteY5" fmla="*/ 834674 h 834674"/>
+                <a:gd name="connsiteX6" fmla="*/ 326334 w 1786136"/>
+                <a:gd name="connsiteY6" fmla="*/ 834674 h 834674"/>
+                <a:gd name="connsiteX7" fmla="*/ 259766 w 1786136"/>
+                <a:gd name="connsiteY7" fmla="*/ 768106 h 834674"/>
+                <a:gd name="connsiteX8" fmla="*/ 256302 w 1786136"/>
+                <a:gd name="connsiteY8" fmla="*/ 138666 h 834674"/>
+                <a:gd name="connsiteX0" fmla="*/ 181625 w 1710512"/>
+                <a:gd name="connsiteY0" fmla="*/ 130557 h 826565"/>
+                <a:gd name="connsiteX1" fmla="*/ 5162 w 1710512"/>
+                <a:gd name="connsiteY1" fmla="*/ 2220 h 826565"/>
+                <a:gd name="connsiteX2" fmla="*/ 1706323 w 1710512"/>
+                <a:gd name="connsiteY2" fmla="*/ 1644 h 826565"/>
+                <a:gd name="connsiteX3" fmla="*/ 1562764 w 1710512"/>
+                <a:gd name="connsiteY3" fmla="*/ 151339 h 826565"/>
+                <a:gd name="connsiteX4" fmla="*/ 1562764 w 1710512"/>
+                <a:gd name="connsiteY4" fmla="*/ 759997 h 826565"/>
+                <a:gd name="connsiteX5" fmla="*/ 1496196 w 1710512"/>
+                <a:gd name="connsiteY5" fmla="*/ 826565 h 826565"/>
+                <a:gd name="connsiteX6" fmla="*/ 251657 w 1710512"/>
+                <a:gd name="connsiteY6" fmla="*/ 826565 h 826565"/>
+                <a:gd name="connsiteX7" fmla="*/ 185089 w 1710512"/>
+                <a:gd name="connsiteY7" fmla="*/ 759997 h 826565"/>
+                <a:gd name="connsiteX8" fmla="*/ 181625 w 1710512"/>
+                <a:gd name="connsiteY8" fmla="*/ 130557 h 826565"/>
+                <a:gd name="connsiteX0" fmla="*/ 157442 w 1767509"/>
+                <a:gd name="connsiteY0" fmla="*/ 139313 h 835321"/>
+                <a:gd name="connsiteX1" fmla="*/ 6379 w 1767509"/>
+                <a:gd name="connsiteY1" fmla="*/ 14151 h 835321"/>
+                <a:gd name="connsiteX2" fmla="*/ 1682140 w 1767509"/>
+                <a:gd name="connsiteY2" fmla="*/ 10400 h 835321"/>
+                <a:gd name="connsiteX3" fmla="*/ 1538581 w 1767509"/>
+                <a:gd name="connsiteY3" fmla="*/ 160095 h 835321"/>
+                <a:gd name="connsiteX4" fmla="*/ 1538581 w 1767509"/>
+                <a:gd name="connsiteY4" fmla="*/ 768753 h 835321"/>
+                <a:gd name="connsiteX5" fmla="*/ 1472013 w 1767509"/>
+                <a:gd name="connsiteY5" fmla="*/ 835321 h 835321"/>
+                <a:gd name="connsiteX6" fmla="*/ 227474 w 1767509"/>
+                <a:gd name="connsiteY6" fmla="*/ 835321 h 835321"/>
+                <a:gd name="connsiteX7" fmla="*/ 160906 w 1767509"/>
+                <a:gd name="connsiteY7" fmla="*/ 768753 h 835321"/>
+                <a:gd name="connsiteX8" fmla="*/ 157442 w 1767509"/>
+                <a:gd name="connsiteY8" fmla="*/ 139313 h 835321"/>
+                <a:gd name="connsiteX0" fmla="*/ 155631 w 1765698"/>
+                <a:gd name="connsiteY0" fmla="*/ 139999 h 836007"/>
+                <a:gd name="connsiteX1" fmla="*/ 4568 w 1765698"/>
+                <a:gd name="connsiteY1" fmla="*/ 14837 h 836007"/>
+                <a:gd name="connsiteX2" fmla="*/ 1680329 w 1765698"/>
+                <a:gd name="connsiteY2" fmla="*/ 11086 h 836007"/>
+                <a:gd name="connsiteX3" fmla="*/ 1536770 w 1765698"/>
+                <a:gd name="connsiteY3" fmla="*/ 160781 h 836007"/>
+                <a:gd name="connsiteX4" fmla="*/ 1536770 w 1765698"/>
+                <a:gd name="connsiteY4" fmla="*/ 769439 h 836007"/>
+                <a:gd name="connsiteX5" fmla="*/ 1470202 w 1765698"/>
+                <a:gd name="connsiteY5" fmla="*/ 836007 h 836007"/>
+                <a:gd name="connsiteX6" fmla="*/ 225663 w 1765698"/>
+                <a:gd name="connsiteY6" fmla="*/ 836007 h 836007"/>
+                <a:gd name="connsiteX7" fmla="*/ 159095 w 1765698"/>
+                <a:gd name="connsiteY7" fmla="*/ 769439 h 836007"/>
+                <a:gd name="connsiteX8" fmla="*/ 155631 w 1765698"/>
+                <a:gd name="connsiteY8" fmla="*/ 139999 h 836007"/>
+                <a:gd name="connsiteX0" fmla="*/ 155631 w 1765698"/>
+                <a:gd name="connsiteY0" fmla="*/ 139999 h 836007"/>
+                <a:gd name="connsiteX1" fmla="*/ 4568 w 1765698"/>
+                <a:gd name="connsiteY1" fmla="*/ 14837 h 836007"/>
+                <a:gd name="connsiteX2" fmla="*/ 1680329 w 1765698"/>
+                <a:gd name="connsiteY2" fmla="*/ 11086 h 836007"/>
+                <a:gd name="connsiteX3" fmla="*/ 1536770 w 1765698"/>
+                <a:gd name="connsiteY3" fmla="*/ 160781 h 836007"/>
+                <a:gd name="connsiteX4" fmla="*/ 1536770 w 1765698"/>
+                <a:gd name="connsiteY4" fmla="*/ 769439 h 836007"/>
+                <a:gd name="connsiteX5" fmla="*/ 1470202 w 1765698"/>
+                <a:gd name="connsiteY5" fmla="*/ 836007 h 836007"/>
+                <a:gd name="connsiteX6" fmla="*/ 225663 w 1765698"/>
+                <a:gd name="connsiteY6" fmla="*/ 836007 h 836007"/>
+                <a:gd name="connsiteX7" fmla="*/ 159095 w 1765698"/>
+                <a:gd name="connsiteY7" fmla="*/ 769439 h 836007"/>
+                <a:gd name="connsiteX8" fmla="*/ 155631 w 1765698"/>
+                <a:gd name="connsiteY8" fmla="*/ 139999 h 836007"/>
+                <a:gd name="connsiteX0" fmla="*/ 154777 w 1684351"/>
+                <a:gd name="connsiteY0" fmla="*/ 131536 h 827544"/>
+                <a:gd name="connsiteX1" fmla="*/ 3714 w 1684351"/>
+                <a:gd name="connsiteY1" fmla="*/ 6374 h 827544"/>
+                <a:gd name="connsiteX2" fmla="*/ 1679475 w 1684351"/>
+                <a:gd name="connsiteY2" fmla="*/ 2623 h 827544"/>
+                <a:gd name="connsiteX3" fmla="*/ 1535916 w 1684351"/>
+                <a:gd name="connsiteY3" fmla="*/ 152318 h 827544"/>
+                <a:gd name="connsiteX4" fmla="*/ 1535916 w 1684351"/>
+                <a:gd name="connsiteY4" fmla="*/ 760976 h 827544"/>
+                <a:gd name="connsiteX5" fmla="*/ 1469348 w 1684351"/>
+                <a:gd name="connsiteY5" fmla="*/ 827544 h 827544"/>
+                <a:gd name="connsiteX6" fmla="*/ 224809 w 1684351"/>
+                <a:gd name="connsiteY6" fmla="*/ 827544 h 827544"/>
+                <a:gd name="connsiteX7" fmla="*/ 158241 w 1684351"/>
+                <a:gd name="connsiteY7" fmla="*/ 760976 h 827544"/>
+                <a:gd name="connsiteX8" fmla="*/ 154777 w 1684351"/>
+                <a:gd name="connsiteY8" fmla="*/ 131536 h 827544"/>
+                <a:gd name="connsiteX0" fmla="*/ 236936 w 1786555"/>
+                <a:gd name="connsiteY0" fmla="*/ 135949 h 831957"/>
+                <a:gd name="connsiteX1" fmla="*/ 85873 w 1786555"/>
+                <a:gd name="connsiteY1" fmla="*/ 10787 h 831957"/>
+                <a:gd name="connsiteX2" fmla="*/ 1780684 w 1786555"/>
+                <a:gd name="connsiteY2" fmla="*/ 10211 h 831957"/>
+                <a:gd name="connsiteX3" fmla="*/ 1618075 w 1786555"/>
+                <a:gd name="connsiteY3" fmla="*/ 156731 h 831957"/>
+                <a:gd name="connsiteX4" fmla="*/ 1618075 w 1786555"/>
+                <a:gd name="connsiteY4" fmla="*/ 765389 h 831957"/>
+                <a:gd name="connsiteX5" fmla="*/ 1551507 w 1786555"/>
+                <a:gd name="connsiteY5" fmla="*/ 831957 h 831957"/>
+                <a:gd name="connsiteX6" fmla="*/ 306968 w 1786555"/>
+                <a:gd name="connsiteY6" fmla="*/ 831957 h 831957"/>
+                <a:gd name="connsiteX7" fmla="*/ 240400 w 1786555"/>
+                <a:gd name="connsiteY7" fmla="*/ 765389 h 831957"/>
+                <a:gd name="connsiteX8" fmla="*/ 236936 w 1786555"/>
+                <a:gd name="connsiteY8" fmla="*/ 135949 h 831957"/>
+                <a:gd name="connsiteX0" fmla="*/ 157046 w 1705555"/>
+                <a:gd name="connsiteY0" fmla="*/ 128377 h 824385"/>
+                <a:gd name="connsiteX1" fmla="*/ 5983 w 1705555"/>
+                <a:gd name="connsiteY1" fmla="*/ 3215 h 824385"/>
+                <a:gd name="connsiteX2" fmla="*/ 1700794 w 1705555"/>
+                <a:gd name="connsiteY2" fmla="*/ 2639 h 824385"/>
+                <a:gd name="connsiteX3" fmla="*/ 1538185 w 1705555"/>
+                <a:gd name="connsiteY3" fmla="*/ 149159 h 824385"/>
+                <a:gd name="connsiteX4" fmla="*/ 1538185 w 1705555"/>
+                <a:gd name="connsiteY4" fmla="*/ 757817 h 824385"/>
+                <a:gd name="connsiteX5" fmla="*/ 1471617 w 1705555"/>
+                <a:gd name="connsiteY5" fmla="*/ 824385 h 824385"/>
+                <a:gd name="connsiteX6" fmla="*/ 227078 w 1705555"/>
+                <a:gd name="connsiteY6" fmla="*/ 824385 h 824385"/>
+                <a:gd name="connsiteX7" fmla="*/ 160510 w 1705555"/>
+                <a:gd name="connsiteY7" fmla="*/ 757817 h 824385"/>
+                <a:gd name="connsiteX8" fmla="*/ 157046 w 1705555"/>
+                <a:gd name="connsiteY8" fmla="*/ 128377 h 824385"/>
+                <a:gd name="connsiteX0" fmla="*/ 158360 w 1784749"/>
+                <a:gd name="connsiteY0" fmla="*/ 140824 h 836832"/>
+                <a:gd name="connsiteX1" fmla="*/ 7297 w 1784749"/>
+                <a:gd name="connsiteY1" fmla="*/ 15662 h 836832"/>
+                <a:gd name="connsiteX2" fmla="*/ 1702108 w 1784749"/>
+                <a:gd name="connsiteY2" fmla="*/ 15086 h 836832"/>
+                <a:gd name="connsiteX3" fmla="*/ 1539499 w 1784749"/>
+                <a:gd name="connsiteY3" fmla="*/ 215581 h 836832"/>
+                <a:gd name="connsiteX4" fmla="*/ 1539499 w 1784749"/>
+                <a:gd name="connsiteY4" fmla="*/ 770264 h 836832"/>
+                <a:gd name="connsiteX5" fmla="*/ 1472931 w 1784749"/>
+                <a:gd name="connsiteY5" fmla="*/ 836832 h 836832"/>
+                <a:gd name="connsiteX6" fmla="*/ 228392 w 1784749"/>
+                <a:gd name="connsiteY6" fmla="*/ 836832 h 836832"/>
+                <a:gd name="connsiteX7" fmla="*/ 161824 w 1784749"/>
+                <a:gd name="connsiteY7" fmla="*/ 770264 h 836832"/>
+                <a:gd name="connsiteX8" fmla="*/ 158360 w 1784749"/>
+                <a:gd name="connsiteY8" fmla="*/ 140824 h 836832"/>
+                <a:gd name="connsiteX0" fmla="*/ 239426 w 1862640"/>
+                <a:gd name="connsiteY0" fmla="*/ 233513 h 846971"/>
+                <a:gd name="connsiteX1" fmla="*/ 85188 w 1862640"/>
+                <a:gd name="connsiteY1" fmla="*/ 25801 h 846971"/>
+                <a:gd name="connsiteX2" fmla="*/ 1779999 w 1862640"/>
+                <a:gd name="connsiteY2" fmla="*/ 25225 h 846971"/>
+                <a:gd name="connsiteX3" fmla="*/ 1617390 w 1862640"/>
+                <a:gd name="connsiteY3" fmla="*/ 225720 h 846971"/>
+                <a:gd name="connsiteX4" fmla="*/ 1617390 w 1862640"/>
+                <a:gd name="connsiteY4" fmla="*/ 780403 h 846971"/>
+                <a:gd name="connsiteX5" fmla="*/ 1550822 w 1862640"/>
+                <a:gd name="connsiteY5" fmla="*/ 846971 h 846971"/>
+                <a:gd name="connsiteX6" fmla="*/ 306283 w 1862640"/>
+                <a:gd name="connsiteY6" fmla="*/ 846971 h 846971"/>
+                <a:gd name="connsiteX7" fmla="*/ 239715 w 1862640"/>
+                <a:gd name="connsiteY7" fmla="*/ 780403 h 846971"/>
+                <a:gd name="connsiteX8" fmla="*/ 239426 w 1862640"/>
+                <a:gd name="connsiteY8" fmla="*/ 233513 h 846971"/>
+                <a:gd name="connsiteX0" fmla="*/ 238598 w 1861812"/>
+                <a:gd name="connsiteY0" fmla="*/ 233513 h 846971"/>
+                <a:gd name="connsiteX1" fmla="*/ 84360 w 1861812"/>
+                <a:gd name="connsiteY1" fmla="*/ 25801 h 846971"/>
+                <a:gd name="connsiteX2" fmla="*/ 1779171 w 1861812"/>
+                <a:gd name="connsiteY2" fmla="*/ 25225 h 846971"/>
+                <a:gd name="connsiteX3" fmla="*/ 1616562 w 1861812"/>
+                <a:gd name="connsiteY3" fmla="*/ 225720 h 846971"/>
+                <a:gd name="connsiteX4" fmla="*/ 1616562 w 1861812"/>
+                <a:gd name="connsiteY4" fmla="*/ 780403 h 846971"/>
+                <a:gd name="connsiteX5" fmla="*/ 1549994 w 1861812"/>
+                <a:gd name="connsiteY5" fmla="*/ 846971 h 846971"/>
+                <a:gd name="connsiteX6" fmla="*/ 305455 w 1861812"/>
+                <a:gd name="connsiteY6" fmla="*/ 846971 h 846971"/>
+                <a:gd name="connsiteX7" fmla="*/ 238887 w 1861812"/>
+                <a:gd name="connsiteY7" fmla="*/ 780403 h 846971"/>
+                <a:gd name="connsiteX8" fmla="*/ 238598 w 1861812"/>
+                <a:gd name="connsiteY8" fmla="*/ 233513 h 846971"/>
+                <a:gd name="connsiteX0" fmla="*/ 238598 w 1862214"/>
+                <a:gd name="connsiteY0" fmla="*/ 233513 h 846971"/>
+                <a:gd name="connsiteX1" fmla="*/ 84360 w 1862214"/>
+                <a:gd name="connsiteY1" fmla="*/ 25801 h 846971"/>
+                <a:gd name="connsiteX2" fmla="*/ 1779171 w 1862214"/>
+                <a:gd name="connsiteY2" fmla="*/ 25225 h 846971"/>
+                <a:gd name="connsiteX3" fmla="*/ 1616562 w 1862214"/>
+                <a:gd name="connsiteY3" fmla="*/ 225720 h 846971"/>
+                <a:gd name="connsiteX4" fmla="*/ 1616562 w 1862214"/>
+                <a:gd name="connsiteY4" fmla="*/ 780403 h 846971"/>
+                <a:gd name="connsiteX5" fmla="*/ 1549994 w 1862214"/>
+                <a:gd name="connsiteY5" fmla="*/ 846971 h 846971"/>
+                <a:gd name="connsiteX6" fmla="*/ 305455 w 1862214"/>
+                <a:gd name="connsiteY6" fmla="*/ 846971 h 846971"/>
+                <a:gd name="connsiteX7" fmla="*/ 238887 w 1862214"/>
+                <a:gd name="connsiteY7" fmla="*/ 780403 h 846971"/>
+                <a:gd name="connsiteX8" fmla="*/ 238598 w 1862214"/>
+                <a:gd name="connsiteY8" fmla="*/ 233513 h 846971"/>
+                <a:gd name="connsiteX0" fmla="*/ 238160 w 1856323"/>
+                <a:gd name="connsiteY0" fmla="*/ 248080 h 861538"/>
+                <a:gd name="connsiteX1" fmla="*/ 83922 w 1856323"/>
+                <a:gd name="connsiteY1" fmla="*/ 40368 h 861538"/>
+                <a:gd name="connsiteX2" fmla="*/ 1772383 w 1856323"/>
+                <a:gd name="connsiteY2" fmla="*/ 17567 h 861538"/>
+                <a:gd name="connsiteX3" fmla="*/ 1616124 w 1856323"/>
+                <a:gd name="connsiteY3" fmla="*/ 240287 h 861538"/>
+                <a:gd name="connsiteX4" fmla="*/ 1616124 w 1856323"/>
+                <a:gd name="connsiteY4" fmla="*/ 794970 h 861538"/>
+                <a:gd name="connsiteX5" fmla="*/ 1549556 w 1856323"/>
+                <a:gd name="connsiteY5" fmla="*/ 861538 h 861538"/>
+                <a:gd name="connsiteX6" fmla="*/ 305017 w 1856323"/>
+                <a:gd name="connsiteY6" fmla="*/ 861538 h 861538"/>
+                <a:gd name="connsiteX7" fmla="*/ 238449 w 1856323"/>
+                <a:gd name="connsiteY7" fmla="*/ 794970 h 861538"/>
+                <a:gd name="connsiteX8" fmla="*/ 238160 w 1856323"/>
+                <a:gd name="connsiteY8" fmla="*/ 248080 h 861538"/>
+                <a:gd name="connsiteX0" fmla="*/ 238160 w 1785863"/>
+                <a:gd name="connsiteY0" fmla="*/ 242493 h 855951"/>
+                <a:gd name="connsiteX1" fmla="*/ 83922 w 1785863"/>
+                <a:gd name="connsiteY1" fmla="*/ 34781 h 855951"/>
+                <a:gd name="connsiteX2" fmla="*/ 1772383 w 1785863"/>
+                <a:gd name="connsiteY2" fmla="*/ 11980 h 855951"/>
+                <a:gd name="connsiteX3" fmla="*/ 1616124 w 1785863"/>
+                <a:gd name="connsiteY3" fmla="*/ 234700 h 855951"/>
+                <a:gd name="connsiteX4" fmla="*/ 1616124 w 1785863"/>
+                <a:gd name="connsiteY4" fmla="*/ 789383 h 855951"/>
+                <a:gd name="connsiteX5" fmla="*/ 1549556 w 1785863"/>
+                <a:gd name="connsiteY5" fmla="*/ 855951 h 855951"/>
+                <a:gd name="connsiteX6" fmla="*/ 305017 w 1785863"/>
+                <a:gd name="connsiteY6" fmla="*/ 855951 h 855951"/>
+                <a:gd name="connsiteX7" fmla="*/ 238449 w 1785863"/>
+                <a:gd name="connsiteY7" fmla="*/ 789383 h 855951"/>
+                <a:gd name="connsiteX8" fmla="*/ 238160 w 1785863"/>
+                <a:gd name="connsiteY8" fmla="*/ 242493 h 855951"/>
+                <a:gd name="connsiteX0" fmla="*/ 239914 w 1812854"/>
+                <a:gd name="connsiteY0" fmla="*/ 232326 h 845784"/>
+                <a:gd name="connsiteX1" fmla="*/ 85676 w 1812854"/>
+                <a:gd name="connsiteY1" fmla="*/ 24614 h 845784"/>
+                <a:gd name="connsiteX2" fmla="*/ 1799537 w 1812854"/>
+                <a:gd name="connsiteY2" fmla="*/ 17688 h 845784"/>
+                <a:gd name="connsiteX3" fmla="*/ 1617878 w 1812854"/>
+                <a:gd name="connsiteY3" fmla="*/ 224533 h 845784"/>
+                <a:gd name="connsiteX4" fmla="*/ 1617878 w 1812854"/>
+                <a:gd name="connsiteY4" fmla="*/ 779216 h 845784"/>
+                <a:gd name="connsiteX5" fmla="*/ 1551310 w 1812854"/>
+                <a:gd name="connsiteY5" fmla="*/ 845784 h 845784"/>
+                <a:gd name="connsiteX6" fmla="*/ 306771 w 1812854"/>
+                <a:gd name="connsiteY6" fmla="*/ 845784 h 845784"/>
+                <a:gd name="connsiteX7" fmla="*/ 240203 w 1812854"/>
+                <a:gd name="connsiteY7" fmla="*/ 779216 h 845784"/>
+                <a:gd name="connsiteX8" fmla="*/ 239914 w 1812854"/>
+                <a:gd name="connsiteY8" fmla="*/ 232326 h 845784"/>
+                <a:gd name="connsiteX0" fmla="*/ 241013 w 1829728"/>
+                <a:gd name="connsiteY0" fmla="*/ 230621 h 844079"/>
+                <a:gd name="connsiteX1" fmla="*/ 86775 w 1829728"/>
+                <a:gd name="connsiteY1" fmla="*/ 22909 h 844079"/>
+                <a:gd name="connsiteX2" fmla="*/ 1816511 w 1829728"/>
+                <a:gd name="connsiteY2" fmla="*/ 19158 h 844079"/>
+                <a:gd name="connsiteX3" fmla="*/ 1618977 w 1829728"/>
+                <a:gd name="connsiteY3" fmla="*/ 222828 h 844079"/>
+                <a:gd name="connsiteX4" fmla="*/ 1618977 w 1829728"/>
+                <a:gd name="connsiteY4" fmla="*/ 777511 h 844079"/>
+                <a:gd name="connsiteX5" fmla="*/ 1552409 w 1829728"/>
+                <a:gd name="connsiteY5" fmla="*/ 844079 h 844079"/>
+                <a:gd name="connsiteX6" fmla="*/ 307870 w 1829728"/>
+                <a:gd name="connsiteY6" fmla="*/ 844079 h 844079"/>
+                <a:gd name="connsiteX7" fmla="*/ 241302 w 1829728"/>
+                <a:gd name="connsiteY7" fmla="*/ 777511 h 844079"/>
+                <a:gd name="connsiteX8" fmla="*/ 241013 w 1829728"/>
+                <a:gd name="connsiteY8" fmla="*/ 230621 h 844079"/>
+                <a:gd name="connsiteX0" fmla="*/ 241013 w 1829728"/>
+                <a:gd name="connsiteY0" fmla="*/ 224021 h 837479"/>
+                <a:gd name="connsiteX1" fmla="*/ 86775 w 1829728"/>
+                <a:gd name="connsiteY1" fmla="*/ 16309 h 837479"/>
+                <a:gd name="connsiteX2" fmla="*/ 1816511 w 1829728"/>
+                <a:gd name="connsiteY2" fmla="*/ 12558 h 837479"/>
+                <a:gd name="connsiteX3" fmla="*/ 1618977 w 1829728"/>
+                <a:gd name="connsiteY3" fmla="*/ 216228 h 837479"/>
+                <a:gd name="connsiteX4" fmla="*/ 1618977 w 1829728"/>
+                <a:gd name="connsiteY4" fmla="*/ 770911 h 837479"/>
+                <a:gd name="connsiteX5" fmla="*/ 1552409 w 1829728"/>
+                <a:gd name="connsiteY5" fmla="*/ 837479 h 837479"/>
+                <a:gd name="connsiteX6" fmla="*/ 307870 w 1829728"/>
+                <a:gd name="connsiteY6" fmla="*/ 837479 h 837479"/>
+                <a:gd name="connsiteX7" fmla="*/ 241302 w 1829728"/>
+                <a:gd name="connsiteY7" fmla="*/ 770911 h 837479"/>
+                <a:gd name="connsiteX8" fmla="*/ 241013 w 1829728"/>
+                <a:gd name="connsiteY8" fmla="*/ 224021 h 837479"/>
+                <a:gd name="connsiteX0" fmla="*/ 241013 w 1829728"/>
+                <a:gd name="connsiteY0" fmla="*/ 224021 h 837479"/>
+                <a:gd name="connsiteX1" fmla="*/ 86775 w 1829728"/>
+                <a:gd name="connsiteY1" fmla="*/ 16309 h 837479"/>
+                <a:gd name="connsiteX2" fmla="*/ 1816511 w 1829728"/>
+                <a:gd name="connsiteY2" fmla="*/ 12558 h 837479"/>
+                <a:gd name="connsiteX3" fmla="*/ 1618977 w 1829728"/>
+                <a:gd name="connsiteY3" fmla="*/ 216228 h 837479"/>
+                <a:gd name="connsiteX4" fmla="*/ 1618977 w 1829728"/>
+                <a:gd name="connsiteY4" fmla="*/ 770911 h 837479"/>
+                <a:gd name="connsiteX5" fmla="*/ 1552409 w 1829728"/>
+                <a:gd name="connsiteY5" fmla="*/ 837479 h 837479"/>
+                <a:gd name="connsiteX6" fmla="*/ 307870 w 1829728"/>
+                <a:gd name="connsiteY6" fmla="*/ 837479 h 837479"/>
+                <a:gd name="connsiteX7" fmla="*/ 241302 w 1829728"/>
+                <a:gd name="connsiteY7" fmla="*/ 770911 h 837479"/>
+                <a:gd name="connsiteX8" fmla="*/ 241013 w 1829728"/>
+                <a:gd name="connsiteY8" fmla="*/ 224021 h 837479"/>
+                <a:gd name="connsiteX0" fmla="*/ 216773 w 1868784"/>
+                <a:gd name="connsiteY0" fmla="*/ 251658 h 865116"/>
+                <a:gd name="connsiteX1" fmla="*/ 91110 w 1868784"/>
+                <a:gd name="connsiteY1" fmla="*/ 18546 h 865116"/>
+                <a:gd name="connsiteX2" fmla="*/ 1792271 w 1868784"/>
+                <a:gd name="connsiteY2" fmla="*/ 40195 h 865116"/>
+                <a:gd name="connsiteX3" fmla="*/ 1594737 w 1868784"/>
+                <a:gd name="connsiteY3" fmla="*/ 243865 h 865116"/>
+                <a:gd name="connsiteX4" fmla="*/ 1594737 w 1868784"/>
+                <a:gd name="connsiteY4" fmla="*/ 798548 h 865116"/>
+                <a:gd name="connsiteX5" fmla="*/ 1528169 w 1868784"/>
+                <a:gd name="connsiteY5" fmla="*/ 865116 h 865116"/>
+                <a:gd name="connsiteX6" fmla="*/ 283630 w 1868784"/>
+                <a:gd name="connsiteY6" fmla="*/ 865116 h 865116"/>
+                <a:gd name="connsiteX7" fmla="*/ 217062 w 1868784"/>
+                <a:gd name="connsiteY7" fmla="*/ 798548 h 865116"/>
+                <a:gd name="connsiteX8" fmla="*/ 216773 w 1868784"/>
+                <a:gd name="connsiteY8" fmla="*/ 251658 h 865116"/>
+                <a:gd name="connsiteX0" fmla="*/ 216773 w 1868784"/>
+                <a:gd name="connsiteY0" fmla="*/ 274671 h 888129"/>
+                <a:gd name="connsiteX1" fmla="*/ 91110 w 1868784"/>
+                <a:gd name="connsiteY1" fmla="*/ 12984 h 888129"/>
+                <a:gd name="connsiteX2" fmla="*/ 1792271 w 1868784"/>
+                <a:gd name="connsiteY2" fmla="*/ 63208 h 888129"/>
+                <a:gd name="connsiteX3" fmla="*/ 1594737 w 1868784"/>
+                <a:gd name="connsiteY3" fmla="*/ 266878 h 888129"/>
+                <a:gd name="connsiteX4" fmla="*/ 1594737 w 1868784"/>
+                <a:gd name="connsiteY4" fmla="*/ 821561 h 888129"/>
+                <a:gd name="connsiteX5" fmla="*/ 1528169 w 1868784"/>
+                <a:gd name="connsiteY5" fmla="*/ 888129 h 888129"/>
+                <a:gd name="connsiteX6" fmla="*/ 283630 w 1868784"/>
+                <a:gd name="connsiteY6" fmla="*/ 888129 h 888129"/>
+                <a:gd name="connsiteX7" fmla="*/ 217062 w 1868784"/>
+                <a:gd name="connsiteY7" fmla="*/ 821561 h 888129"/>
+                <a:gd name="connsiteX8" fmla="*/ 216773 w 1868784"/>
+                <a:gd name="connsiteY8" fmla="*/ 274671 h 888129"/>
+                <a:gd name="connsiteX0" fmla="*/ 216325 w 1862778"/>
+                <a:gd name="connsiteY0" fmla="*/ 289222 h 902680"/>
+                <a:gd name="connsiteX1" fmla="*/ 90662 w 1862778"/>
+                <a:gd name="connsiteY1" fmla="*/ 27535 h 902680"/>
+                <a:gd name="connsiteX2" fmla="*/ 1785473 w 1862778"/>
+                <a:gd name="connsiteY2" fmla="*/ 36484 h 902680"/>
+                <a:gd name="connsiteX3" fmla="*/ 1594289 w 1862778"/>
+                <a:gd name="connsiteY3" fmla="*/ 281429 h 902680"/>
+                <a:gd name="connsiteX4" fmla="*/ 1594289 w 1862778"/>
+                <a:gd name="connsiteY4" fmla="*/ 836112 h 902680"/>
+                <a:gd name="connsiteX5" fmla="*/ 1527721 w 1862778"/>
+                <a:gd name="connsiteY5" fmla="*/ 902680 h 902680"/>
+                <a:gd name="connsiteX6" fmla="*/ 283182 w 1862778"/>
+                <a:gd name="connsiteY6" fmla="*/ 902680 h 902680"/>
+                <a:gd name="connsiteX7" fmla="*/ 216614 w 1862778"/>
+                <a:gd name="connsiteY7" fmla="*/ 836112 h 902680"/>
+                <a:gd name="connsiteX8" fmla="*/ 216325 w 1862778"/>
+                <a:gd name="connsiteY8" fmla="*/ 289222 h 902680"/>
+                <a:gd name="connsiteX0" fmla="*/ 216325 w 1862778"/>
+                <a:gd name="connsiteY0" fmla="*/ 289222 h 902680"/>
+                <a:gd name="connsiteX1" fmla="*/ 90662 w 1862778"/>
+                <a:gd name="connsiteY1" fmla="*/ 27535 h 902680"/>
+                <a:gd name="connsiteX2" fmla="*/ 1785473 w 1862778"/>
+                <a:gd name="connsiteY2" fmla="*/ 36484 h 902680"/>
+                <a:gd name="connsiteX3" fmla="*/ 1594289 w 1862778"/>
+                <a:gd name="connsiteY3" fmla="*/ 281429 h 902680"/>
+                <a:gd name="connsiteX4" fmla="*/ 1594289 w 1862778"/>
+                <a:gd name="connsiteY4" fmla="*/ 836112 h 902680"/>
+                <a:gd name="connsiteX5" fmla="*/ 1527721 w 1862778"/>
+                <a:gd name="connsiteY5" fmla="*/ 902680 h 902680"/>
+                <a:gd name="connsiteX6" fmla="*/ 283182 w 1862778"/>
+                <a:gd name="connsiteY6" fmla="*/ 902680 h 902680"/>
+                <a:gd name="connsiteX7" fmla="*/ 216614 w 1862778"/>
+                <a:gd name="connsiteY7" fmla="*/ 836112 h 902680"/>
+                <a:gd name="connsiteX8" fmla="*/ 216325 w 1862778"/>
+                <a:gd name="connsiteY8" fmla="*/ 289222 h 902680"/>
+                <a:gd name="connsiteX0" fmla="*/ 215874 w 1862327"/>
+                <a:gd name="connsiteY0" fmla="*/ 289222 h 902680"/>
+                <a:gd name="connsiteX1" fmla="*/ 90211 w 1862327"/>
+                <a:gd name="connsiteY1" fmla="*/ 27535 h 902680"/>
+                <a:gd name="connsiteX2" fmla="*/ 1785022 w 1862327"/>
+                <a:gd name="connsiteY2" fmla="*/ 36484 h 902680"/>
+                <a:gd name="connsiteX3" fmla="*/ 1593838 w 1862327"/>
+                <a:gd name="connsiteY3" fmla="*/ 281429 h 902680"/>
+                <a:gd name="connsiteX4" fmla="*/ 1593838 w 1862327"/>
+                <a:gd name="connsiteY4" fmla="*/ 836112 h 902680"/>
+                <a:gd name="connsiteX5" fmla="*/ 1527270 w 1862327"/>
+                <a:gd name="connsiteY5" fmla="*/ 902680 h 902680"/>
+                <a:gd name="connsiteX6" fmla="*/ 282731 w 1862327"/>
+                <a:gd name="connsiteY6" fmla="*/ 902680 h 902680"/>
+                <a:gd name="connsiteX7" fmla="*/ 216163 w 1862327"/>
+                <a:gd name="connsiteY7" fmla="*/ 836112 h 902680"/>
+                <a:gd name="connsiteX8" fmla="*/ 215874 w 1862327"/>
+                <a:gd name="connsiteY8" fmla="*/ 289222 h 902680"/>
+                <a:gd name="connsiteX0" fmla="*/ 218551 w 1865217"/>
+                <a:gd name="connsiteY0" fmla="*/ 271689 h 885147"/>
+                <a:gd name="connsiteX1" fmla="*/ 89713 w 1865217"/>
+                <a:gd name="connsiteY1" fmla="*/ 44927 h 885147"/>
+                <a:gd name="connsiteX2" fmla="*/ 1787699 w 1865217"/>
+                <a:gd name="connsiteY2" fmla="*/ 18951 h 885147"/>
+                <a:gd name="connsiteX3" fmla="*/ 1596515 w 1865217"/>
+                <a:gd name="connsiteY3" fmla="*/ 263896 h 885147"/>
+                <a:gd name="connsiteX4" fmla="*/ 1596515 w 1865217"/>
+                <a:gd name="connsiteY4" fmla="*/ 818579 h 885147"/>
+                <a:gd name="connsiteX5" fmla="*/ 1529947 w 1865217"/>
+                <a:gd name="connsiteY5" fmla="*/ 885147 h 885147"/>
+                <a:gd name="connsiteX6" fmla="*/ 285408 w 1865217"/>
+                <a:gd name="connsiteY6" fmla="*/ 885147 h 885147"/>
+                <a:gd name="connsiteX7" fmla="*/ 218840 w 1865217"/>
+                <a:gd name="connsiteY7" fmla="*/ 818579 h 885147"/>
+                <a:gd name="connsiteX8" fmla="*/ 218551 w 1865217"/>
+                <a:gd name="connsiteY8" fmla="*/ 271689 h 885147"/>
+                <a:gd name="connsiteX0" fmla="*/ 217882 w 1856244"/>
+                <a:gd name="connsiteY0" fmla="*/ 253205 h 866663"/>
+                <a:gd name="connsiteX1" fmla="*/ 89044 w 1856244"/>
+                <a:gd name="connsiteY1" fmla="*/ 26443 h 866663"/>
+                <a:gd name="connsiteX2" fmla="*/ 1777505 w 1856244"/>
+                <a:gd name="connsiteY2" fmla="*/ 29042 h 866663"/>
+                <a:gd name="connsiteX3" fmla="*/ 1595846 w 1856244"/>
+                <a:gd name="connsiteY3" fmla="*/ 245412 h 866663"/>
+                <a:gd name="connsiteX4" fmla="*/ 1595846 w 1856244"/>
+                <a:gd name="connsiteY4" fmla="*/ 800095 h 866663"/>
+                <a:gd name="connsiteX5" fmla="*/ 1529278 w 1856244"/>
+                <a:gd name="connsiteY5" fmla="*/ 866663 h 866663"/>
+                <a:gd name="connsiteX6" fmla="*/ 284739 w 1856244"/>
+                <a:gd name="connsiteY6" fmla="*/ 866663 h 866663"/>
+                <a:gd name="connsiteX7" fmla="*/ 218171 w 1856244"/>
+                <a:gd name="connsiteY7" fmla="*/ 800095 h 866663"/>
+                <a:gd name="connsiteX8" fmla="*/ 217882 w 1856244"/>
+                <a:gd name="connsiteY8" fmla="*/ 253205 h 866663"/>
+                <a:gd name="connsiteX0" fmla="*/ 147782 w 1780363"/>
+                <a:gd name="connsiteY0" fmla="*/ 253205 h 866663"/>
+                <a:gd name="connsiteX1" fmla="*/ 104669 w 1780363"/>
+                <a:gd name="connsiteY1" fmla="*/ 26443 h 866663"/>
+                <a:gd name="connsiteX2" fmla="*/ 1707405 w 1780363"/>
+                <a:gd name="connsiteY2" fmla="*/ 29042 h 866663"/>
+                <a:gd name="connsiteX3" fmla="*/ 1525746 w 1780363"/>
+                <a:gd name="connsiteY3" fmla="*/ 245412 h 866663"/>
+                <a:gd name="connsiteX4" fmla="*/ 1525746 w 1780363"/>
+                <a:gd name="connsiteY4" fmla="*/ 800095 h 866663"/>
+                <a:gd name="connsiteX5" fmla="*/ 1459178 w 1780363"/>
+                <a:gd name="connsiteY5" fmla="*/ 866663 h 866663"/>
+                <a:gd name="connsiteX6" fmla="*/ 214639 w 1780363"/>
+                <a:gd name="connsiteY6" fmla="*/ 866663 h 866663"/>
+                <a:gd name="connsiteX7" fmla="*/ 148071 w 1780363"/>
+                <a:gd name="connsiteY7" fmla="*/ 800095 h 866663"/>
+                <a:gd name="connsiteX8" fmla="*/ 147782 w 1780363"/>
+                <a:gd name="connsiteY8" fmla="*/ 253205 h 866663"/>
+                <a:gd name="connsiteX0" fmla="*/ 142912 w 1718560"/>
+                <a:gd name="connsiteY0" fmla="*/ 250562 h 864020"/>
+                <a:gd name="connsiteX1" fmla="*/ 99799 w 1718560"/>
+                <a:gd name="connsiteY1" fmla="*/ 23800 h 864020"/>
+                <a:gd name="connsiteX2" fmla="*/ 1636205 w 1718560"/>
+                <a:gd name="connsiteY2" fmla="*/ 31562 h 864020"/>
+                <a:gd name="connsiteX3" fmla="*/ 1520876 w 1718560"/>
+                <a:gd name="connsiteY3" fmla="*/ 242769 h 864020"/>
+                <a:gd name="connsiteX4" fmla="*/ 1520876 w 1718560"/>
+                <a:gd name="connsiteY4" fmla="*/ 797452 h 864020"/>
+                <a:gd name="connsiteX5" fmla="*/ 1454308 w 1718560"/>
+                <a:gd name="connsiteY5" fmla="*/ 864020 h 864020"/>
+                <a:gd name="connsiteX6" fmla="*/ 209769 w 1718560"/>
+                <a:gd name="connsiteY6" fmla="*/ 864020 h 864020"/>
+                <a:gd name="connsiteX7" fmla="*/ 143201 w 1718560"/>
+                <a:gd name="connsiteY7" fmla="*/ 797452 h 864020"/>
+                <a:gd name="connsiteX8" fmla="*/ 142912 w 1718560"/>
+                <a:gd name="connsiteY8" fmla="*/ 250562 h 864020"/>
+                <a:gd name="connsiteX0" fmla="*/ 140131 w 1684403"/>
+                <a:gd name="connsiteY0" fmla="*/ 248148 h 861606"/>
+                <a:gd name="connsiteX1" fmla="*/ 97018 w 1684403"/>
+                <a:gd name="connsiteY1" fmla="*/ 21386 h 861606"/>
+                <a:gd name="connsiteX2" fmla="*/ 1595521 w 1684403"/>
+                <a:gd name="connsiteY2" fmla="*/ 34311 h 861606"/>
+                <a:gd name="connsiteX3" fmla="*/ 1518095 w 1684403"/>
+                <a:gd name="connsiteY3" fmla="*/ 240355 h 861606"/>
+                <a:gd name="connsiteX4" fmla="*/ 1518095 w 1684403"/>
+                <a:gd name="connsiteY4" fmla="*/ 795038 h 861606"/>
+                <a:gd name="connsiteX5" fmla="*/ 1451527 w 1684403"/>
+                <a:gd name="connsiteY5" fmla="*/ 861606 h 861606"/>
+                <a:gd name="connsiteX6" fmla="*/ 206988 w 1684403"/>
+                <a:gd name="connsiteY6" fmla="*/ 861606 h 861606"/>
+                <a:gd name="connsiteX7" fmla="*/ 140420 w 1684403"/>
+                <a:gd name="connsiteY7" fmla="*/ 795038 h 861606"/>
+                <a:gd name="connsiteX8" fmla="*/ 140131 w 1684403"/>
+                <a:gd name="connsiteY8" fmla="*/ 248148 h 861606"/>
+                <a:gd name="connsiteX0" fmla="*/ 140131 w 1684403"/>
+                <a:gd name="connsiteY0" fmla="*/ 262476 h 875934"/>
+                <a:gd name="connsiteX1" fmla="*/ 97018 w 1684403"/>
+                <a:gd name="connsiteY1" fmla="*/ 35714 h 875934"/>
+                <a:gd name="connsiteX2" fmla="*/ 1595521 w 1684403"/>
+                <a:gd name="connsiteY2" fmla="*/ 22825 h 875934"/>
+                <a:gd name="connsiteX3" fmla="*/ 1518095 w 1684403"/>
+                <a:gd name="connsiteY3" fmla="*/ 254683 h 875934"/>
+                <a:gd name="connsiteX4" fmla="*/ 1518095 w 1684403"/>
+                <a:gd name="connsiteY4" fmla="*/ 809366 h 875934"/>
+                <a:gd name="connsiteX5" fmla="*/ 1451527 w 1684403"/>
+                <a:gd name="connsiteY5" fmla="*/ 875934 h 875934"/>
+                <a:gd name="connsiteX6" fmla="*/ 206988 w 1684403"/>
+                <a:gd name="connsiteY6" fmla="*/ 875934 h 875934"/>
+                <a:gd name="connsiteX7" fmla="*/ 140420 w 1684403"/>
+                <a:gd name="connsiteY7" fmla="*/ 809366 h 875934"/>
+                <a:gd name="connsiteX8" fmla="*/ 140131 w 1684403"/>
+                <a:gd name="connsiteY8" fmla="*/ 262476 h 875934"/>
+              </a:gdLst>
+              <a:ahLst/>
+              <a:cxnLst>
+                <a:cxn ang="0">
+                  <a:pos x="connsiteX0" y="connsiteY0"/>
+                </a:cxn>
+                <a:cxn ang="0">
+                  <a:pos x="connsiteX1" y="connsiteY1"/>
+                </a:cxn>
+                <a:cxn ang="0">
+                  <a:pos x="connsiteX2" y="connsiteY2"/>
+                </a:cxn>
+                <a:cxn ang="0">
+                  <a:pos x="connsiteX3" y="connsiteY3"/>
+                </a:cxn>
+                <a:cxn ang="0">
+                  <a:pos x="connsiteX4" y="connsiteY4"/>
+                </a:cxn>
+                <a:cxn ang="0">
+                  <a:pos x="connsiteX5" y="connsiteY5"/>
+                </a:cxn>
+                <a:cxn ang="0">
+                  <a:pos x="connsiteX6" y="connsiteY6"/>
+                </a:cxn>
+                <a:cxn ang="0">
+                  <a:pos x="connsiteX7" y="connsiteY7"/>
+                </a:cxn>
+                <a:cxn ang="0">
+                  <a:pos x="connsiteX8" y="connsiteY8"/>
+                </a:cxn>
+              </a:cxnLst>
+              <a:rect l="l" t="t" r="r" b="b"/>
+              <a:pathLst>
+                <a:path w="1684403" h="875934">
+                  <a:moveTo>
+                    <a:pt x="140131" y="262476"/>
+                  </a:moveTo>
+                  <a:cubicBezTo>
+                    <a:pt x="143594" y="-22515"/>
+                    <a:pt x="-145547" y="75656"/>
+                    <a:pt x="97018" y="35714"/>
+                  </a:cubicBezTo>
+                  <a:cubicBezTo>
+                    <a:pt x="339583" y="-4228"/>
+                    <a:pt x="1358675" y="-13670"/>
+                    <a:pt x="1595521" y="22825"/>
+                  </a:cubicBezTo>
+                  <a:cubicBezTo>
+                    <a:pt x="1832367" y="59320"/>
+                    <a:pt x="1521270" y="-25690"/>
+                    <a:pt x="1518095" y="254683"/>
+                  </a:cubicBezTo>
+                  <a:lnTo>
+                    <a:pt x="1518095" y="809366"/>
+                  </a:lnTo>
+                  <a:cubicBezTo>
+                    <a:pt x="1518095" y="846130"/>
+                    <a:pt x="1488291" y="875934"/>
+                    <a:pt x="1451527" y="875934"/>
+                  </a:cubicBezTo>
+                  <a:lnTo>
+                    <a:pt x="206988" y="875934"/>
+                  </a:lnTo>
+                  <a:cubicBezTo>
+                    <a:pt x="170224" y="875934"/>
+                    <a:pt x="140420" y="846130"/>
+                    <a:pt x="140420" y="809366"/>
+                  </a:cubicBezTo>
+                  <a:cubicBezTo>
+                    <a:pt x="139265" y="599553"/>
+                    <a:pt x="141286" y="472289"/>
+                    <a:pt x="140131" y="262476"/>
+                  </a:cubicBezTo>
+                  <a:close/>
+                </a:path>
+              </a:pathLst>
+            </a:custGeom>
+            <a:gradFill>
+              <a:gsLst>
+                <a:gs pos="0">
+                  <a:schemeClr val="accent1"/>
+                </a:gs>
+                <a:gs pos="96000">
+                  <a:schemeClr val="tx2"/>
+                </a:gs>
+              </a:gsLst>
+              <a:lin ang="5400000" scaled="0"/>
+            </a:gradFill>
+            <a:ln w="12700">
+              <a:noFill/>
+            </a:ln>
+            <a:effectLst/>
+          </p:spPr>
+          <p:style>
+            <a:lnRef idx="2">
+              <a:schemeClr val="dk1"/>
+            </a:lnRef>
+            <a:fillRef idx="1">
+              <a:schemeClr val="lt1"/>
+            </a:fillRef>
+            <a:effectRef idx="0">
+              <a:schemeClr val="dk1"/>
+            </a:effectRef>
+            <a:fontRef idx="minor">
+              <a:schemeClr val="dk1"/>
+            </a:fontRef>
+          </p:style>
+          <p:txBody>
+            <a:bodyPr rtlCol="0" anchor="ctr"/>
+            <a:lstStyle/>
+            <a:p>
+              <a:pPr algn="ctr"/>
+              <a:endParaRPr lang="en-US" sz="1600" dirty="0">
+                <a:ln w="0">
+                  <a:solidFill>
+                    <a:sysClr val="windowText" lastClr="000000"/>
+                  </a:solidFill>
+                </a:ln>
+                <a:solidFill>
+                  <a:schemeClr val="tx1"/>
+                </a:solidFill>
+              </a:endParaRPr>
+            </a:p>
+          </p:txBody>
+        </p:sp>
+        <p:grpSp>
+          <p:nvGrpSpPr>
+            <p:cNvPr id="76" name="Group 75">
+              <a:extLst>
+                <a:ext uri="{FF2B5EF4-FFF2-40B4-BE49-F238E27FC236}">
+                  <a16:creationId xmlns:a16="http://schemas.microsoft.com/office/drawing/2014/main" id="{235A8466-E772-32CE-0AD4-2042B6C3C944}"/>
+                </a:ext>
+              </a:extLst>
+            </p:cNvPr>
+            <p:cNvGrpSpPr/>
+            <p:nvPr/>
+          </p:nvGrpSpPr>
+          <p:grpSpPr>
+            <a:xfrm>
+              <a:off x="3457782" y="3761592"/>
+              <a:ext cx="1222852" cy="359571"/>
+              <a:chOff x="3671478" y="3950247"/>
+              <a:chExt cx="1376425" cy="404729"/>
+            </a:xfrm>
+          </p:grpSpPr>
+          <p:sp>
+            <p:nvSpPr>
+              <p:cNvPr id="77" name="Rounded Rectangle 65">
+                <a:extLst>
+                  <a:ext uri="{FF2B5EF4-FFF2-40B4-BE49-F238E27FC236}">
+                    <a16:creationId xmlns:a16="http://schemas.microsoft.com/office/drawing/2014/main" id="{0C77FE82-CE85-3C98-C1CE-426827928B09}"/>
+                  </a:ext>
+                </a:extLst>
+              </p:cNvPr>
+              <p:cNvSpPr/>
+              <p:nvPr/>
+            </p:nvSpPr>
+            <p:spPr>
+              <a:xfrm>
+                <a:off x="3671478" y="3950247"/>
+                <a:ext cx="1376425" cy="404729"/>
+              </a:xfrm>
+              <a:prstGeom prst="roundRect">
+                <a:avLst>
+                  <a:gd name="adj" fmla="val 12736"/>
+                </a:avLst>
+              </a:prstGeom>
+              <a:solidFill>
+                <a:schemeClr val="bg1"/>
+              </a:solidFill>
+              <a:ln w="12700">
+                <a:noFill/>
+              </a:ln>
+              <a:effectLst/>
+            </p:spPr>
+            <p:style>
+              <a:lnRef idx="2">
+                <a:schemeClr val="dk1"/>
+              </a:lnRef>
+              <a:fillRef idx="1">
+                <a:schemeClr val="lt1"/>
+              </a:fillRef>
+              <a:effectRef idx="0">
+                <a:schemeClr val="dk1"/>
+              </a:effectRef>
+              <a:fontRef idx="minor">
+                <a:schemeClr val="dk1"/>
+              </a:fontRef>
+            </p:style>
+            <p:txBody>
+              <a:bodyPr wrap="square" tIns="36000" bIns="36000" rtlCol="0" anchor="ctr">
+                <a:noAutofit/>
+              </a:bodyPr>
+              <a:lstStyle/>
+              <a:p>
+                <a:endParaRPr lang="en-US" sz="1200" dirty="0">
+                  <a:solidFill>
+                    <a:schemeClr val="bg1"/>
+                  </a:solidFill>
+                  <a:latin typeface="Source Sans Pro Light" charset="0"/>
+                  <a:ea typeface="Source Sans Pro Light" charset="0"/>
+                  <a:cs typeface="Source Sans Pro Light" charset="0"/>
+                </a:endParaRPr>
+              </a:p>
+            </p:txBody>
+          </p:sp>
+          <p:grpSp>
+            <p:nvGrpSpPr>
+              <p:cNvPr id="78" name="Group 77">
+                <a:extLst>
+                  <a:ext uri="{FF2B5EF4-FFF2-40B4-BE49-F238E27FC236}">
+                    <a16:creationId xmlns:a16="http://schemas.microsoft.com/office/drawing/2014/main" id="{76155D88-B90D-6F46-131F-4C7A024686FF}"/>
+                  </a:ext>
+                </a:extLst>
+              </p:cNvPr>
+              <p:cNvGrpSpPr/>
+              <p:nvPr/>
+            </p:nvGrpSpPr>
+            <p:grpSpPr>
+              <a:xfrm>
+                <a:off x="3783349" y="3990167"/>
+                <a:ext cx="1230087" cy="352081"/>
+                <a:chOff x="3783349" y="3990167"/>
+                <a:chExt cx="1230087" cy="352081"/>
+              </a:xfrm>
+            </p:grpSpPr>
+            <p:pic>
+              <p:nvPicPr>
+                <p:cNvPr id="79" name="Picture 78">
+                  <a:extLst>
+                    <a:ext uri="{FF2B5EF4-FFF2-40B4-BE49-F238E27FC236}">
+                      <a16:creationId xmlns:a16="http://schemas.microsoft.com/office/drawing/2014/main" id="{A1179592-5207-6FAF-E31F-EBAF62313814}"/>
+                    </a:ext>
+                  </a:extLst>
+                </p:cNvPr>
+                <p:cNvPicPr>
+                  <a:picLocks noChangeAspect="1"/>
+                </p:cNvPicPr>
+                <p:nvPr/>
+              </p:nvPicPr>
+              <p:blipFill>
+                <a:blip r:embed="rId3" cstate="print">
+                  <a:extLst>
+                    <a:ext uri="{28A0092B-C50C-407E-A947-70E740481C1C}">
+                      <a14:useLocalDpi xmlns:a14="http://schemas.microsoft.com/office/drawing/2010/main" val="0"/>
+                    </a:ext>
+                  </a:extLst>
+                </a:blip>
+                <a:stretch>
+                  <a:fillRect/>
+                </a:stretch>
+              </p:blipFill>
+              <p:spPr>
+                <a:xfrm>
+                  <a:off x="4112963" y="3992064"/>
+                  <a:ext cx="900473" cy="350184"/>
+                </a:xfrm>
+                <a:prstGeom prst="rect">
+                  <a:avLst/>
+                </a:prstGeom>
+              </p:spPr>
+            </p:pic>
+            <p:pic>
+              <p:nvPicPr>
+                <p:cNvPr id="80" name="Picture 79">
+                  <a:extLst>
+                    <a:ext uri="{FF2B5EF4-FFF2-40B4-BE49-F238E27FC236}">
+                      <a16:creationId xmlns:a16="http://schemas.microsoft.com/office/drawing/2014/main" id="{92250383-A004-0A25-843A-86073E12B609}"/>
+                    </a:ext>
+                  </a:extLst>
+                </p:cNvPr>
+                <p:cNvPicPr>
+                  <a:picLocks noChangeAspect="1"/>
+                </p:cNvPicPr>
+                <p:nvPr/>
+              </p:nvPicPr>
+              <p:blipFill>
+                <a:blip r:embed="rId4" cstate="print">
+                  <a:extLst>
+                    <a:ext uri="{28A0092B-C50C-407E-A947-70E740481C1C}">
+                      <a14:useLocalDpi xmlns:a14="http://schemas.microsoft.com/office/drawing/2010/main" val="0"/>
+                    </a:ext>
+                  </a:extLst>
+                </a:blip>
+                <a:stretch>
+                  <a:fillRect/>
+                </a:stretch>
+              </p:blipFill>
+              <p:spPr>
+                <a:xfrm>
+                  <a:off x="3783349" y="3990167"/>
+                  <a:ext cx="322073" cy="324658"/>
+                </a:xfrm>
+                <a:prstGeom prst="rect">
+                  <a:avLst/>
+                </a:prstGeom>
+              </p:spPr>
+            </p:pic>
+          </p:grpSp>
+        </p:grpSp>
+      </p:grpSp>
+      <p:sp>
+        <p:nvSpPr>
+          <p:cNvPr id="81" name="Rounded Rectangle 71">
+            <a:extLst>
+              <a:ext uri="{FF2B5EF4-FFF2-40B4-BE49-F238E27FC236}">
+                <a16:creationId xmlns:a16="http://schemas.microsoft.com/office/drawing/2014/main" id="{C1EBA424-129B-DEF2-155C-F31A2184B7B3}"/>
+              </a:ext>
+            </a:extLst>
+          </p:cNvPr>
+          <p:cNvSpPr/>
+          <p:nvPr/>
+        </p:nvSpPr>
+        <p:spPr>
+          <a:xfrm>
+            <a:off x="4230424" y="2740728"/>
+            <a:ext cx="5172332" cy="883510"/>
+          </a:xfrm>
+          <a:prstGeom prst="roundRect">
+            <a:avLst>
+              <a:gd name="adj" fmla="val 10601"/>
+            </a:avLst>
+          </a:prstGeom>
+          <a:solidFill>
+            <a:schemeClr val="accent1">
+              <a:lumMod val="75000"/>
+            </a:schemeClr>
+          </a:solidFill>
+          <a:ln w="12700">
+            <a:noFill/>
+          </a:ln>
+          <a:effectLst>
+            <a:innerShdw blurRad="114300">
+              <a:prstClr val="black">
+                <a:alpha val="49000"/>
+              </a:prstClr>
+            </a:innerShdw>
+          </a:effectLst>
+        </p:spPr>
+        <p:style>
+          <a:lnRef idx="2">
+            <a:schemeClr val="dk1"/>
+          </a:lnRef>
+          <a:fillRef idx="1">
+            <a:schemeClr val="lt1"/>
+          </a:fillRef>
+          <a:effectRef idx="0">
+            <a:schemeClr val="dk1"/>
+          </a:effectRef>
+          <a:fontRef idx="minor">
+            <a:schemeClr val="dk1"/>
+          </a:fontRef>
+        </p:style>
+        <p:txBody>
+          <a:bodyPr wrap="square" lIns="108000" tIns="0" bIns="0" rtlCol="0" anchor="ctr">
+            <a:noAutofit/>
+          </a:bodyPr>
+          <a:lstStyle/>
+          <a:p>
+            <a:r>
+              <a:rPr lang="en-US" sz="1600" b="1" dirty="0">
+                <a:solidFill>
+                  <a:schemeClr val="bg1"/>
+                </a:solidFill>
+                <a:latin typeface="Source Sans Pro" charset="0"/>
+                <a:ea typeface="Source Sans Pro" charset="0"/>
+                <a:cs typeface="Source Sans Pro" charset="0"/>
+              </a:rPr>
+              <a:t>FOUNDATION </a:t>
+            </a:r>
+            <a:br>
+              <a:rPr lang="en-US" sz="1600" b="1" dirty="0">
+                <a:solidFill>
+                  <a:schemeClr val="bg1"/>
+                </a:solidFill>
+                <a:latin typeface="Source Sans Pro" charset="0"/>
+                <a:ea typeface="Source Sans Pro" charset="0"/>
+                <a:cs typeface="Source Sans Pro" charset="0"/>
+              </a:rPr>
+            </a:br>
+            <a:r>
+              <a:rPr lang="en-US" sz="1600" b="1" dirty="0">
+                <a:solidFill>
+                  <a:schemeClr val="bg1"/>
+                </a:solidFill>
+                <a:latin typeface="Source Sans Pro" charset="0"/>
+                <a:ea typeface="Source Sans Pro" charset="0"/>
+                <a:cs typeface="Source Sans Pro" charset="0"/>
+              </a:rPr>
+              <a:t>LIBRARIES </a:t>
+            </a:r>
+          </a:p>
+        </p:txBody>
+      </p:sp>
+      <p:sp>
+        <p:nvSpPr>
+          <p:cNvPr id="84" name="Rounded Rectangle 82">
+            <a:extLst>
+              <a:ext uri="{FF2B5EF4-FFF2-40B4-BE49-F238E27FC236}">
+                <a16:creationId xmlns:a16="http://schemas.microsoft.com/office/drawing/2014/main" id="{B6E4C642-A539-DF21-73B2-CB2A05788EF1}"/>
+              </a:ext>
+            </a:extLst>
+          </p:cNvPr>
+          <p:cNvSpPr/>
+          <p:nvPr/>
+        </p:nvSpPr>
+        <p:spPr>
+          <a:xfrm>
+            <a:off x="6857768" y="1905835"/>
+            <a:ext cx="1375022" cy="289727"/>
+          </a:xfrm>
+          <a:prstGeom prst="roundRect">
+            <a:avLst>
+              <a:gd name="adj" fmla="val 19644"/>
+            </a:avLst>
+          </a:prstGeom>
+          <a:solidFill>
+            <a:schemeClr val="bg1"/>
+          </a:solidFill>
+          <a:ln w="12700">
+            <a:noFill/>
+          </a:ln>
+          <a:effectLst/>
+        </p:spPr>
+        <p:style>
+          <a:lnRef idx="2">
+            <a:schemeClr val="dk1"/>
+          </a:lnRef>
+          <a:fillRef idx="1">
+            <a:schemeClr val="lt1"/>
+          </a:fillRef>
+          <a:effectRef idx="0">
+            <a:schemeClr val="dk1"/>
+          </a:effectRef>
+          <a:fontRef idx="minor">
+            <a:schemeClr val="dk1"/>
+          </a:fontRef>
+        </p:style>
+        <p:txBody>
+          <a:bodyPr wrap="square" tIns="36000" bIns="36000" rtlCol="0" anchor="ctr">
+            <a:noAutofit/>
+          </a:bodyPr>
+          <a:lstStyle/>
+          <a:p>
+            <a:pPr algn="ctr"/>
+            <a:r>
+              <a:rPr lang="en-US" sz="1200" dirty="0">
+                <a:solidFill>
+                  <a:schemeClr val="accent1"/>
+                </a:solidFill>
+                <a:latin typeface="Source Sans Pro Light" charset="0"/>
+                <a:ea typeface="Source Sans Pro Light" charset="0"/>
+                <a:cs typeface="Source Sans Pro Light" charset="0"/>
+              </a:rPr>
+              <a:t>HTTP Client/server</a:t>
+            </a:r>
+          </a:p>
+        </p:txBody>
+      </p:sp>
+      <p:sp>
+        <p:nvSpPr>
+          <p:cNvPr id="85" name="Rounded Rectangle 78">
+            <a:extLst>
+              <a:ext uri="{FF2B5EF4-FFF2-40B4-BE49-F238E27FC236}">
+                <a16:creationId xmlns:a16="http://schemas.microsoft.com/office/drawing/2014/main" id="{E48231E8-CA2E-2D78-843B-6C5E1072572B}"/>
+              </a:ext>
+            </a:extLst>
+          </p:cNvPr>
+          <p:cNvSpPr/>
+          <p:nvPr/>
+        </p:nvSpPr>
+        <p:spPr>
+          <a:xfrm>
+            <a:off x="8298595" y="1905835"/>
+            <a:ext cx="974930" cy="289727"/>
+          </a:xfrm>
+          <a:prstGeom prst="roundRect">
+            <a:avLst>
+              <a:gd name="adj" fmla="val 19644"/>
+            </a:avLst>
+          </a:prstGeom>
+          <a:solidFill>
+            <a:schemeClr val="bg1"/>
+          </a:solidFill>
+          <a:ln w="12700">
+            <a:noFill/>
+          </a:ln>
+          <a:effectLst/>
+        </p:spPr>
+        <p:style>
+          <a:lnRef idx="2">
+            <a:schemeClr val="dk1"/>
+          </a:lnRef>
+          <a:fillRef idx="1">
+            <a:schemeClr val="lt1"/>
+          </a:fillRef>
+          <a:effectRef idx="0">
+            <a:schemeClr val="dk1"/>
+          </a:effectRef>
+          <a:fontRef idx="minor">
+            <a:schemeClr val="dk1"/>
+          </a:fontRef>
+        </p:style>
+        <p:txBody>
+          <a:bodyPr wrap="square" tIns="36000" bIns="36000" rtlCol="0" anchor="ctr">
+            <a:spAutoFit/>
+          </a:bodyPr>
+          <a:lstStyle/>
+          <a:p>
+            <a:pPr algn="ctr"/>
+            <a:r>
+              <a:rPr lang="en-US" sz="1200" dirty="0">
+                <a:solidFill>
+                  <a:schemeClr val="accent1"/>
+                </a:solidFill>
+                <a:latin typeface="Source Sans Pro Light" charset="0"/>
+                <a:ea typeface="Source Sans Pro Light" charset="0"/>
+                <a:cs typeface="Source Sans Pro Light" charset="0"/>
+              </a:rPr>
+              <a:t>MQTT Client</a:t>
+            </a:r>
+          </a:p>
+        </p:txBody>
+      </p:sp>
+      <p:sp>
+        <p:nvSpPr>
+          <p:cNvPr id="86" name="Rounded Rectangle 79">
+            <a:extLst>
+              <a:ext uri="{FF2B5EF4-FFF2-40B4-BE49-F238E27FC236}">
+                <a16:creationId xmlns:a16="http://schemas.microsoft.com/office/drawing/2014/main" id="{C689E277-3240-E1CC-0278-12F764ABF2CE}"/>
+              </a:ext>
+            </a:extLst>
+          </p:cNvPr>
+          <p:cNvSpPr/>
+          <p:nvPr/>
+        </p:nvSpPr>
+        <p:spPr>
+          <a:xfrm>
+            <a:off x="5528238" y="2279807"/>
+            <a:ext cx="1339858" cy="289727"/>
+          </a:xfrm>
+          <a:prstGeom prst="roundRect">
+            <a:avLst>
+              <a:gd name="adj" fmla="val 19644"/>
+            </a:avLst>
+          </a:prstGeom>
+          <a:solidFill>
+            <a:schemeClr val="bg1"/>
+          </a:solidFill>
+          <a:ln w="12700">
+            <a:noFill/>
+          </a:ln>
+          <a:effectLst/>
+        </p:spPr>
+        <p:style>
+          <a:lnRef idx="2">
+            <a:schemeClr val="dk1"/>
+          </a:lnRef>
+          <a:fillRef idx="1">
+            <a:schemeClr val="lt1"/>
+          </a:fillRef>
+          <a:effectRef idx="0">
+            <a:schemeClr val="dk1"/>
+          </a:effectRef>
+          <a:fontRef idx="minor">
+            <a:schemeClr val="dk1"/>
+          </a:fontRef>
+        </p:style>
+        <p:txBody>
+          <a:bodyPr wrap="square" tIns="36000" bIns="36000" rtlCol="0" anchor="ctr">
+            <a:spAutoFit/>
+          </a:bodyPr>
+          <a:lstStyle/>
+          <a:p>
+            <a:pPr algn="ctr"/>
+            <a:r>
+              <a:rPr lang="en-US" sz="1200" dirty="0">
+                <a:solidFill>
+                  <a:schemeClr val="accent1"/>
+                </a:solidFill>
+                <a:latin typeface="Source Sans Pro Light" charset="0"/>
+                <a:ea typeface="Source Sans Pro Light" charset="0"/>
+                <a:cs typeface="Source Sans Pro Light" charset="0"/>
+              </a:rPr>
+              <a:t>Rest Client/Server</a:t>
+            </a:r>
+          </a:p>
+        </p:txBody>
+      </p:sp>
+      <p:sp>
+        <p:nvSpPr>
+          <p:cNvPr id="87" name="Rounded Rectangle 79">
+            <a:extLst>
+              <a:ext uri="{FF2B5EF4-FFF2-40B4-BE49-F238E27FC236}">
+                <a16:creationId xmlns:a16="http://schemas.microsoft.com/office/drawing/2014/main" id="{D26B291D-18E5-7231-A3E0-4E33C7D8572C}"/>
+              </a:ext>
+            </a:extLst>
+          </p:cNvPr>
+          <p:cNvSpPr/>
+          <p:nvPr/>
+        </p:nvSpPr>
+        <p:spPr>
+          <a:xfrm>
+            <a:off x="6943671" y="2273433"/>
+            <a:ext cx="1304339" cy="289727"/>
+          </a:xfrm>
+          <a:prstGeom prst="roundRect">
+            <a:avLst>
+              <a:gd name="adj" fmla="val 19644"/>
+            </a:avLst>
+          </a:prstGeom>
+          <a:solidFill>
+            <a:schemeClr val="bg1"/>
+          </a:solidFill>
+          <a:ln w="12700">
+            <a:noFill/>
+          </a:ln>
+          <a:effectLst/>
+        </p:spPr>
+        <p:style>
+          <a:lnRef idx="2">
+            <a:schemeClr val="dk1"/>
+          </a:lnRef>
+          <a:fillRef idx="1">
+            <a:schemeClr val="lt1"/>
+          </a:fillRef>
+          <a:effectRef idx="0">
+            <a:schemeClr val="dk1"/>
+          </a:effectRef>
+          <a:fontRef idx="minor">
+            <a:schemeClr val="dk1"/>
+          </a:fontRef>
+        </p:style>
+        <p:txBody>
+          <a:bodyPr wrap="square" tIns="36000" bIns="36000" rtlCol="0" anchor="ctr">
+            <a:spAutoFit/>
+          </a:bodyPr>
+          <a:lstStyle/>
+          <a:p>
+            <a:pPr algn="ctr"/>
+            <a:r>
+              <a:rPr lang="en-US" sz="1200" dirty="0">
+                <a:solidFill>
+                  <a:schemeClr val="accent1"/>
+                </a:solidFill>
+                <a:latin typeface="Source Sans Pro Light" charset="0"/>
+                <a:ea typeface="Source Sans Pro Light" charset="0"/>
+                <a:cs typeface="Source Sans Pro Light" charset="0"/>
+              </a:rPr>
+              <a:t>WebSocket Client</a:t>
+            </a:r>
+          </a:p>
+        </p:txBody>
+      </p:sp>
+      <p:sp>
+        <p:nvSpPr>
+          <p:cNvPr id="88" name="Rounded Rectangle 78">
+            <a:extLst>
+              <a:ext uri="{FF2B5EF4-FFF2-40B4-BE49-F238E27FC236}">
+                <a16:creationId xmlns:a16="http://schemas.microsoft.com/office/drawing/2014/main" id="{1FA568E7-102C-C435-438E-40E8665FED4F}"/>
+              </a:ext>
+            </a:extLst>
+          </p:cNvPr>
+          <p:cNvSpPr/>
+          <p:nvPr/>
+        </p:nvSpPr>
+        <p:spPr>
+          <a:xfrm>
+            <a:off x="8327293" y="2277316"/>
+            <a:ext cx="946470" cy="289727"/>
+          </a:xfrm>
+          <a:prstGeom prst="roundRect">
+            <a:avLst>
+              <a:gd name="adj" fmla="val 19644"/>
+            </a:avLst>
+          </a:prstGeom>
+          <a:solidFill>
+            <a:schemeClr val="bg1"/>
+          </a:solidFill>
+          <a:ln w="12700">
+            <a:noFill/>
+          </a:ln>
+          <a:effectLst/>
+        </p:spPr>
+        <p:style>
+          <a:lnRef idx="2">
+            <a:schemeClr val="dk1"/>
+          </a:lnRef>
+          <a:fillRef idx="1">
+            <a:schemeClr val="lt1"/>
+          </a:fillRef>
+          <a:effectRef idx="0">
+            <a:schemeClr val="dk1"/>
+          </a:effectRef>
+          <a:fontRef idx="minor">
+            <a:schemeClr val="dk1"/>
+          </a:fontRef>
+        </p:style>
+        <p:txBody>
+          <a:bodyPr wrap="square" tIns="36000" bIns="36000" rtlCol="0" anchor="ctr">
+            <a:spAutoFit/>
+          </a:bodyPr>
+          <a:lstStyle/>
+          <a:p>
+            <a:pPr algn="ctr"/>
+            <a:r>
+              <a:rPr lang="en-US" sz="1200" dirty="0">
+                <a:solidFill>
+                  <a:schemeClr val="accent1"/>
+                </a:solidFill>
+                <a:latin typeface="Source Sans Pro Light" charset="0"/>
+                <a:ea typeface="Source Sans Pro Light" charset="0"/>
+                <a:cs typeface="Source Sans Pro Light" charset="0"/>
+              </a:rPr>
+              <a:t>SNTP Client</a:t>
+            </a:r>
+          </a:p>
+        </p:txBody>
+      </p:sp>
+      <p:sp>
+        <p:nvSpPr>
+          <p:cNvPr id="89" name="Rounded Rectangle 87">
+            <a:extLst>
+              <a:ext uri="{FF2B5EF4-FFF2-40B4-BE49-F238E27FC236}">
+                <a16:creationId xmlns:a16="http://schemas.microsoft.com/office/drawing/2014/main" id="{FBB59EB1-723C-907E-509C-D0217A39AA22}"/>
+              </a:ext>
+            </a:extLst>
+          </p:cNvPr>
+          <p:cNvSpPr/>
+          <p:nvPr/>
+        </p:nvSpPr>
+        <p:spPr>
+          <a:xfrm>
+            <a:off x="7634923" y="4576814"/>
+            <a:ext cx="795600" cy="190126"/>
+          </a:xfrm>
+          <a:prstGeom prst="roundRect">
+            <a:avLst>
+              <a:gd name="adj" fmla="val 22586"/>
+            </a:avLst>
+          </a:prstGeom>
+          <a:solidFill>
+            <a:schemeClr val="bg2">
+              <a:lumMod val="75000"/>
+            </a:schemeClr>
+          </a:solidFill>
+          <a:ln w="12700">
+            <a:noFill/>
+          </a:ln>
+          <a:effectLst/>
+        </p:spPr>
+        <p:style>
+          <a:lnRef idx="2">
+            <a:schemeClr val="dk1"/>
+          </a:lnRef>
+          <a:fillRef idx="1">
+            <a:schemeClr val="lt1"/>
+          </a:fillRef>
+          <a:effectRef idx="0">
+            <a:schemeClr val="dk1"/>
+          </a:effectRef>
+          <a:fontRef idx="minor">
+            <a:schemeClr val="dk1"/>
+          </a:fontRef>
+        </p:style>
+        <p:txBody>
+          <a:bodyPr wrap="square" tIns="36000" bIns="36000" rtlCol="0" anchor="ctr">
+            <a:noAutofit/>
+          </a:bodyPr>
+          <a:lstStyle/>
+          <a:p>
+            <a:pPr algn="ctr"/>
+            <a:r>
+              <a:rPr lang="en-US" sz="1200" dirty="0">
+                <a:solidFill>
+                  <a:schemeClr val="bg1"/>
+                </a:solidFill>
+                <a:latin typeface="Source Sans Pro Light" charset="0"/>
+                <a:ea typeface="Source Sans Pro Light" charset="0"/>
+                <a:cs typeface="Source Sans Pro Light" charset="0"/>
+              </a:rPr>
+              <a:t>Drivers</a:t>
+            </a:r>
+          </a:p>
+        </p:txBody>
+      </p:sp>
+      <p:sp>
+        <p:nvSpPr>
+          <p:cNvPr id="90" name="Rounded Rectangle 88">
+            <a:extLst>
+              <a:ext uri="{FF2B5EF4-FFF2-40B4-BE49-F238E27FC236}">
+                <a16:creationId xmlns:a16="http://schemas.microsoft.com/office/drawing/2014/main" id="{93574B35-8E3A-377C-2C86-D3C4A76B5EA7}"/>
+              </a:ext>
+            </a:extLst>
+          </p:cNvPr>
+          <p:cNvSpPr/>
+          <p:nvPr/>
+        </p:nvSpPr>
+        <p:spPr>
+          <a:xfrm>
+            <a:off x="5858927" y="4576814"/>
+            <a:ext cx="795600" cy="190126"/>
+          </a:xfrm>
+          <a:prstGeom prst="roundRect">
+            <a:avLst>
+              <a:gd name="adj" fmla="val 22586"/>
+            </a:avLst>
+          </a:prstGeom>
+          <a:solidFill>
+            <a:schemeClr val="bg2">
+              <a:lumMod val="75000"/>
+            </a:schemeClr>
+          </a:solidFill>
+          <a:ln w="12700">
+            <a:noFill/>
+          </a:ln>
+          <a:effectLst/>
+        </p:spPr>
+        <p:style>
+          <a:lnRef idx="2">
+            <a:schemeClr val="dk1"/>
+          </a:lnRef>
+          <a:fillRef idx="1">
+            <a:schemeClr val="lt1"/>
+          </a:fillRef>
+          <a:effectRef idx="0">
+            <a:schemeClr val="dk1"/>
+          </a:effectRef>
+          <a:fontRef idx="minor">
+            <a:schemeClr val="dk1"/>
+          </a:fontRef>
+        </p:style>
+        <p:txBody>
+          <a:bodyPr wrap="square" tIns="36000" bIns="36000" rtlCol="0" anchor="ctr">
+            <a:noAutofit/>
+          </a:bodyPr>
+          <a:lstStyle/>
+          <a:p>
+            <a:pPr algn="ctr"/>
+            <a:r>
+              <a:rPr lang="en-US" sz="1200" dirty="0">
+                <a:solidFill>
+                  <a:schemeClr val="bg1"/>
+                </a:solidFill>
+                <a:latin typeface="Source Sans Pro Light" charset="0"/>
+                <a:ea typeface="Source Sans Pro Light" charset="0"/>
+                <a:cs typeface="Source Sans Pro Light" charset="0"/>
+              </a:rPr>
+              <a:t>Drivers</a:t>
+            </a:r>
+          </a:p>
+        </p:txBody>
+      </p:sp>
+      <p:sp>
+        <p:nvSpPr>
+          <p:cNvPr id="91" name="Rounded Rectangle 89">
+            <a:extLst>
+              <a:ext uri="{FF2B5EF4-FFF2-40B4-BE49-F238E27FC236}">
+                <a16:creationId xmlns:a16="http://schemas.microsoft.com/office/drawing/2014/main" id="{9B787F3B-B2F7-C0D6-2B4D-57340F2E53B0}"/>
+              </a:ext>
+            </a:extLst>
+          </p:cNvPr>
+          <p:cNvSpPr/>
+          <p:nvPr/>
+        </p:nvSpPr>
+        <p:spPr>
+          <a:xfrm>
+            <a:off x="6745190" y="4576814"/>
+            <a:ext cx="795600" cy="190126"/>
+          </a:xfrm>
+          <a:prstGeom prst="roundRect">
+            <a:avLst>
+              <a:gd name="adj" fmla="val 22586"/>
+            </a:avLst>
+          </a:prstGeom>
+          <a:solidFill>
+            <a:schemeClr val="bg2">
+              <a:lumMod val="75000"/>
+            </a:schemeClr>
+          </a:solidFill>
+          <a:ln w="12700">
+            <a:noFill/>
+          </a:ln>
+          <a:effectLst/>
+        </p:spPr>
+        <p:style>
+          <a:lnRef idx="2">
+            <a:schemeClr val="dk1"/>
+          </a:lnRef>
+          <a:fillRef idx="1">
+            <a:schemeClr val="lt1"/>
+          </a:fillRef>
+          <a:effectRef idx="0">
+            <a:schemeClr val="dk1"/>
+          </a:effectRef>
+          <a:fontRef idx="minor">
+            <a:schemeClr val="dk1"/>
+          </a:fontRef>
+        </p:style>
+        <p:txBody>
+          <a:bodyPr wrap="square" tIns="36000" bIns="36000" rtlCol="0" anchor="ctr">
+            <a:noAutofit/>
+          </a:bodyPr>
+          <a:lstStyle/>
+          <a:p>
+            <a:pPr algn="ctr"/>
+            <a:r>
+              <a:rPr lang="en-US" sz="1200" dirty="0">
+                <a:solidFill>
+                  <a:schemeClr val="bg1"/>
+                </a:solidFill>
+                <a:latin typeface="Source Sans Pro Light" charset="0"/>
+                <a:ea typeface="Source Sans Pro Light" charset="0"/>
+                <a:cs typeface="Source Sans Pro Light" charset="0"/>
+              </a:rPr>
+              <a:t>Drivers</a:t>
+            </a:r>
+          </a:p>
+        </p:txBody>
+      </p:sp>
+      <p:sp>
+        <p:nvSpPr>
+          <p:cNvPr id="92" name="Rounded Rectangle 89">
+            <a:extLst>
+              <a:ext uri="{FF2B5EF4-FFF2-40B4-BE49-F238E27FC236}">
+                <a16:creationId xmlns:a16="http://schemas.microsoft.com/office/drawing/2014/main" id="{B79C767E-7602-B7D2-A987-7AC445029CBC}"/>
+              </a:ext>
+            </a:extLst>
+          </p:cNvPr>
+          <p:cNvSpPr/>
+          <p:nvPr/>
+        </p:nvSpPr>
+        <p:spPr>
+          <a:xfrm>
+            <a:off x="8521709" y="4576814"/>
+            <a:ext cx="795600" cy="190126"/>
+          </a:xfrm>
+          <a:prstGeom prst="roundRect">
+            <a:avLst>
+              <a:gd name="adj" fmla="val 22586"/>
+            </a:avLst>
+          </a:prstGeom>
+          <a:solidFill>
+            <a:schemeClr val="bg2">
+              <a:lumMod val="75000"/>
+            </a:schemeClr>
+          </a:solidFill>
+          <a:ln w="12700">
+            <a:noFill/>
+          </a:ln>
+          <a:effectLst/>
+        </p:spPr>
+        <p:style>
+          <a:lnRef idx="2">
+            <a:schemeClr val="dk1"/>
+          </a:lnRef>
+          <a:fillRef idx="1">
+            <a:schemeClr val="lt1"/>
+          </a:fillRef>
+          <a:effectRef idx="0">
+            <a:schemeClr val="dk1"/>
+          </a:effectRef>
+          <a:fontRef idx="minor">
+            <a:schemeClr val="dk1"/>
+          </a:fontRef>
+        </p:style>
+        <p:txBody>
+          <a:bodyPr wrap="square" tIns="36000" bIns="36000" rtlCol="0" anchor="ctr">
+            <a:noAutofit/>
+          </a:bodyPr>
+          <a:lstStyle/>
+          <a:p>
+            <a:pPr algn="ctr"/>
+            <a:r>
+              <a:rPr lang="en-US" sz="1200" dirty="0">
+                <a:solidFill>
+                  <a:schemeClr val="bg1"/>
+                </a:solidFill>
+                <a:latin typeface="Source Sans Pro Light" charset="0"/>
+                <a:ea typeface="Source Sans Pro Light" charset="0"/>
+                <a:cs typeface="Source Sans Pro Light" charset="0"/>
+              </a:rPr>
+              <a:t>Drivers</a:t>
+            </a:r>
+          </a:p>
+        </p:txBody>
+      </p:sp>
+      <p:sp>
+        <p:nvSpPr>
+          <p:cNvPr id="93" name="Rounded Rectangle 87">
+            <a:extLst>
+              <a:ext uri="{FF2B5EF4-FFF2-40B4-BE49-F238E27FC236}">
+                <a16:creationId xmlns:a16="http://schemas.microsoft.com/office/drawing/2014/main" id="{76BFBEE4-3AE5-6E59-F1AF-C1A2787398F9}"/>
+              </a:ext>
+            </a:extLst>
+          </p:cNvPr>
+          <p:cNvSpPr/>
+          <p:nvPr/>
+        </p:nvSpPr>
+        <p:spPr>
+          <a:xfrm>
+            <a:off x="7633318" y="4576814"/>
+            <a:ext cx="795600" cy="190126"/>
+          </a:xfrm>
+          <a:prstGeom prst="roundRect">
+            <a:avLst>
+              <a:gd name="adj" fmla="val 22586"/>
+            </a:avLst>
+          </a:prstGeom>
+          <a:solidFill>
+            <a:schemeClr val="bg2">
+              <a:lumMod val="75000"/>
+            </a:schemeClr>
+          </a:solidFill>
+          <a:ln w="12700">
+            <a:noFill/>
+          </a:ln>
+          <a:effectLst/>
+        </p:spPr>
+        <p:style>
+          <a:lnRef idx="2">
+            <a:schemeClr val="dk1"/>
+          </a:lnRef>
+          <a:fillRef idx="1">
+            <a:schemeClr val="lt1"/>
+          </a:fillRef>
+          <a:effectRef idx="0">
+            <a:schemeClr val="dk1"/>
+          </a:effectRef>
+          <a:fontRef idx="minor">
+            <a:schemeClr val="dk1"/>
+          </a:fontRef>
+        </p:style>
+        <p:txBody>
+          <a:bodyPr wrap="square" tIns="36000" bIns="36000" rtlCol="0" anchor="ctr">
+            <a:noAutofit/>
+          </a:bodyPr>
+          <a:lstStyle/>
+          <a:p>
+            <a:pPr algn="ctr"/>
+            <a:r>
+              <a:rPr lang="en-US" sz="1200" dirty="0">
+                <a:solidFill>
+                  <a:schemeClr val="bg1"/>
+                </a:solidFill>
+                <a:latin typeface="Source Sans Pro Light" charset="0"/>
+                <a:ea typeface="Source Sans Pro Light" charset="0"/>
+                <a:cs typeface="Source Sans Pro Light" charset="0"/>
+              </a:rPr>
+              <a:t>Drivers</a:t>
+            </a:r>
+          </a:p>
+        </p:txBody>
+      </p:sp>
+      <p:sp>
+        <p:nvSpPr>
+          <p:cNvPr id="94" name="Rounded Rectangle 89">
+            <a:extLst>
+              <a:ext uri="{FF2B5EF4-FFF2-40B4-BE49-F238E27FC236}">
+                <a16:creationId xmlns:a16="http://schemas.microsoft.com/office/drawing/2014/main" id="{5EA6EA2B-6A78-5EA7-C93D-812EEF61BE40}"/>
+              </a:ext>
+            </a:extLst>
+          </p:cNvPr>
+          <p:cNvSpPr/>
+          <p:nvPr/>
+        </p:nvSpPr>
+        <p:spPr>
+          <a:xfrm>
+            <a:off x="8519581" y="4576814"/>
+            <a:ext cx="795600" cy="190126"/>
+          </a:xfrm>
+          <a:prstGeom prst="roundRect">
+            <a:avLst>
+              <a:gd name="adj" fmla="val 22586"/>
+            </a:avLst>
+          </a:prstGeom>
+          <a:solidFill>
+            <a:schemeClr val="bg2">
+              <a:lumMod val="75000"/>
+            </a:schemeClr>
+          </a:solidFill>
+          <a:ln w="12700">
+            <a:noFill/>
+          </a:ln>
+          <a:effectLst/>
+        </p:spPr>
+        <p:style>
+          <a:lnRef idx="2">
+            <a:schemeClr val="dk1"/>
+          </a:lnRef>
+          <a:fillRef idx="1">
+            <a:schemeClr val="lt1"/>
+          </a:fillRef>
+          <a:effectRef idx="0">
+            <a:schemeClr val="dk1"/>
+          </a:effectRef>
+          <a:fontRef idx="minor">
+            <a:schemeClr val="dk1"/>
+          </a:fontRef>
+        </p:style>
+        <p:txBody>
+          <a:bodyPr wrap="square" tIns="36000" bIns="36000" rtlCol="0" anchor="ctr">
+            <a:noAutofit/>
+          </a:bodyPr>
+          <a:lstStyle/>
+          <a:p>
+            <a:pPr algn="ctr"/>
+            <a:r>
+              <a:rPr lang="en-US" sz="1200" dirty="0">
+                <a:solidFill>
+                  <a:schemeClr val="bg1"/>
+                </a:solidFill>
+                <a:latin typeface="Source Sans Pro Light" charset="0"/>
+                <a:ea typeface="Source Sans Pro Light" charset="0"/>
+                <a:cs typeface="Source Sans Pro Light" charset="0"/>
+              </a:rPr>
+              <a:t>Drivers</a:t>
+            </a:r>
+          </a:p>
+        </p:txBody>
+      </p:sp>
+      <p:sp>
+        <p:nvSpPr>
+          <p:cNvPr id="96" name="Rounded Rectangle 79">
+            <a:extLst>
+              <a:ext uri="{FF2B5EF4-FFF2-40B4-BE49-F238E27FC236}">
+                <a16:creationId xmlns:a16="http://schemas.microsoft.com/office/drawing/2014/main" id="{CF3CA7AB-CB41-E597-7C39-7A8CD087BA3C}"/>
+              </a:ext>
+            </a:extLst>
+          </p:cNvPr>
+          <p:cNvSpPr/>
+          <p:nvPr/>
+        </p:nvSpPr>
+        <p:spPr>
+          <a:xfrm>
+            <a:off x="5783243" y="1905834"/>
+            <a:ext cx="986659" cy="289727"/>
+          </a:xfrm>
+          <a:prstGeom prst="roundRect">
+            <a:avLst>
+              <a:gd name="adj" fmla="val 19644"/>
+            </a:avLst>
+          </a:prstGeom>
+          <a:solidFill>
+            <a:schemeClr val="bg1"/>
+          </a:solidFill>
+          <a:ln w="12700">
+            <a:noFill/>
+          </a:ln>
+          <a:effectLst/>
+        </p:spPr>
+        <p:style>
+          <a:lnRef idx="2">
+            <a:schemeClr val="dk1"/>
+          </a:lnRef>
+          <a:fillRef idx="1">
+            <a:schemeClr val="lt1"/>
+          </a:fillRef>
+          <a:effectRef idx="0">
+            <a:schemeClr val="dk1"/>
+          </a:effectRef>
+          <a:fontRef idx="minor">
+            <a:schemeClr val="dk1"/>
+          </a:fontRef>
+        </p:style>
+        <p:txBody>
+          <a:bodyPr wrap="square" tIns="36000" bIns="36000" rtlCol="0" anchor="ctr">
+            <a:spAutoFit/>
+          </a:bodyPr>
+          <a:lstStyle/>
+          <a:p>
+            <a:pPr algn="ctr"/>
+            <a:r>
+              <a:rPr lang="en-US" sz="1200" dirty="0">
+                <a:solidFill>
+                  <a:schemeClr val="accent1"/>
+                </a:solidFill>
+                <a:latin typeface="Source Sans Pro Light" charset="0"/>
+                <a:ea typeface="Source Sans Pro Light" charset="0"/>
+                <a:cs typeface="Source Sans Pro Light" charset="0"/>
+              </a:rPr>
+              <a:t>Connectivity</a:t>
+            </a:r>
+          </a:p>
+        </p:txBody>
+      </p:sp>
+      <p:sp>
+        <p:nvSpPr>
+          <p:cNvPr id="97" name="Rounded Rectangle 83">
+            <a:extLst>
+              <a:ext uri="{FF2B5EF4-FFF2-40B4-BE49-F238E27FC236}">
+                <a16:creationId xmlns:a16="http://schemas.microsoft.com/office/drawing/2014/main" id="{A2CE2A41-EFC6-4D21-AFDF-EE6C39A338CF}"/>
+              </a:ext>
+            </a:extLst>
+          </p:cNvPr>
+          <p:cNvSpPr/>
+          <p:nvPr/>
+        </p:nvSpPr>
+        <p:spPr>
+          <a:xfrm>
+            <a:off x="5974302" y="5611107"/>
+            <a:ext cx="795600" cy="309105"/>
+          </a:xfrm>
+          <a:prstGeom prst="roundRect">
+            <a:avLst>
+              <a:gd name="adj" fmla="val 20457"/>
+            </a:avLst>
+          </a:prstGeom>
+          <a:solidFill>
+            <a:schemeClr val="tx2"/>
+          </a:solidFill>
+          <a:ln w="12700">
+            <a:noFill/>
+          </a:ln>
+          <a:effectLst/>
+        </p:spPr>
+        <p:style>
+          <a:lnRef idx="2">
+            <a:schemeClr val="dk1"/>
+          </a:lnRef>
+          <a:fillRef idx="1">
+            <a:schemeClr val="lt1"/>
+          </a:fillRef>
+          <a:effectRef idx="0">
+            <a:schemeClr val="dk1"/>
+          </a:effectRef>
+          <a:fontRef idx="minor">
+            <a:schemeClr val="dk1"/>
+          </a:fontRef>
+        </p:style>
+        <p:txBody>
+          <a:bodyPr wrap="square" lIns="0" tIns="72000" rIns="0" bIns="46800" rtlCol="0" anchor="ctr">
+            <a:noAutofit/>
+          </a:bodyPr>
+          <a:lstStyle/>
+          <a:p>
+            <a:pPr algn="ctr" defTabSz="914400">
+              <a:lnSpc>
+                <a:spcPts val="1100"/>
+              </a:lnSpc>
+            </a:pPr>
+            <a:r>
+              <a:rPr lang="en-US" sz="1200" kern="0" dirty="0">
+                <a:solidFill>
+                  <a:schemeClr val="bg1"/>
+                </a:solidFill>
+                <a:latin typeface="Source Sans Pro Light" charset="0"/>
+              </a:rPr>
+              <a:t>Ethernet</a:t>
+            </a:r>
+          </a:p>
+        </p:txBody>
+      </p:sp>
+      <p:sp>
+        <p:nvSpPr>
+          <p:cNvPr id="98" name="Rounded Rectangle 84">
+            <a:extLst>
+              <a:ext uri="{FF2B5EF4-FFF2-40B4-BE49-F238E27FC236}">
+                <a16:creationId xmlns:a16="http://schemas.microsoft.com/office/drawing/2014/main" id="{45C802C6-AFD3-AB9B-A5DE-E2EBDC02B0A8}"/>
+              </a:ext>
+            </a:extLst>
+          </p:cNvPr>
+          <p:cNvSpPr/>
+          <p:nvPr/>
+        </p:nvSpPr>
+        <p:spPr>
+          <a:xfrm>
+            <a:off x="6847054" y="5611107"/>
+            <a:ext cx="795600" cy="309105"/>
+          </a:xfrm>
+          <a:prstGeom prst="roundRect">
+            <a:avLst>
+              <a:gd name="adj" fmla="val 20457"/>
+            </a:avLst>
+          </a:prstGeom>
+          <a:solidFill>
+            <a:schemeClr val="tx2"/>
+          </a:solidFill>
+          <a:ln w="12700">
+            <a:noFill/>
+          </a:ln>
+          <a:effectLst/>
+        </p:spPr>
+        <p:style>
+          <a:lnRef idx="2">
+            <a:schemeClr val="dk1"/>
+          </a:lnRef>
+          <a:fillRef idx="1">
+            <a:schemeClr val="lt1"/>
+          </a:fillRef>
+          <a:effectRef idx="0">
+            <a:schemeClr val="dk1"/>
+          </a:effectRef>
+          <a:fontRef idx="minor">
+            <a:schemeClr val="dk1"/>
+          </a:fontRef>
+        </p:style>
+        <p:txBody>
+          <a:bodyPr wrap="square" lIns="0" tIns="72000" rIns="0" bIns="46800" rtlCol="0" anchor="ctr">
+            <a:noAutofit/>
+          </a:bodyPr>
+          <a:lstStyle/>
+          <a:p>
+            <a:pPr algn="ctr" defTabSz="914400">
+              <a:lnSpc>
+                <a:spcPts val="1100"/>
+              </a:lnSpc>
+            </a:pPr>
+            <a:r>
+              <a:rPr lang="en-US" sz="1200" kern="0" dirty="0">
+                <a:solidFill>
+                  <a:schemeClr val="bg1"/>
+                </a:solidFill>
+                <a:latin typeface="Source Sans Pro Light" charset="0"/>
+              </a:rPr>
+              <a:t>Wi-Fi</a:t>
+            </a:r>
+          </a:p>
+        </p:txBody>
+      </p:sp>
+      <p:sp>
+        <p:nvSpPr>
+          <p:cNvPr id="99" name="Rounded Rectangle 85">
+            <a:extLst>
+              <a:ext uri="{FF2B5EF4-FFF2-40B4-BE49-F238E27FC236}">
+                <a16:creationId xmlns:a16="http://schemas.microsoft.com/office/drawing/2014/main" id="{9E018BEE-7FCF-2A28-67AF-7D5594F6C992}"/>
+              </a:ext>
+            </a:extLst>
+          </p:cNvPr>
+          <p:cNvSpPr/>
+          <p:nvPr/>
+        </p:nvSpPr>
+        <p:spPr>
+          <a:xfrm>
+            <a:off x="8592297" y="5611107"/>
+            <a:ext cx="795600" cy="309105"/>
+          </a:xfrm>
+          <a:prstGeom prst="roundRect">
+            <a:avLst>
+              <a:gd name="adj" fmla="val 20457"/>
+            </a:avLst>
+          </a:prstGeom>
+          <a:solidFill>
+            <a:schemeClr val="tx2"/>
+          </a:solidFill>
+          <a:ln w="12700">
+            <a:noFill/>
+          </a:ln>
+          <a:effectLst/>
+        </p:spPr>
+        <p:style>
+          <a:lnRef idx="2">
+            <a:schemeClr val="dk1"/>
+          </a:lnRef>
+          <a:fillRef idx="1">
+            <a:schemeClr val="lt1"/>
+          </a:fillRef>
+          <a:effectRef idx="0">
+            <a:schemeClr val="dk1"/>
+          </a:effectRef>
+          <a:fontRef idx="minor">
+            <a:schemeClr val="dk1"/>
+          </a:fontRef>
+        </p:style>
+        <p:txBody>
+          <a:bodyPr wrap="square" lIns="0" tIns="72000" rIns="0" bIns="46800" rtlCol="0" anchor="ctr">
+            <a:noAutofit/>
+          </a:bodyPr>
+          <a:lstStyle/>
+          <a:p>
+            <a:pPr algn="ctr" defTabSz="914400">
+              <a:lnSpc>
+                <a:spcPts val="1100"/>
+              </a:lnSpc>
+            </a:pPr>
+            <a:r>
+              <a:rPr lang="en-US" sz="1200" kern="0" dirty="0">
+                <a:solidFill>
+                  <a:schemeClr val="bg1"/>
+                </a:solidFill>
+                <a:latin typeface="Source Sans Pro Light" charset="0"/>
+              </a:rPr>
+              <a:t>GNSS</a:t>
+            </a:r>
+          </a:p>
+        </p:txBody>
+      </p:sp>
+      <p:sp>
+        <p:nvSpPr>
+          <p:cNvPr id="100" name="Rounded Rectangle 84">
+            <a:extLst>
+              <a:ext uri="{FF2B5EF4-FFF2-40B4-BE49-F238E27FC236}">
+                <a16:creationId xmlns:a16="http://schemas.microsoft.com/office/drawing/2014/main" id="{49EC92D8-C08E-1B7B-DC32-AC67E1ABA0E9}"/>
+              </a:ext>
+            </a:extLst>
+          </p:cNvPr>
+          <p:cNvSpPr/>
+          <p:nvPr/>
+        </p:nvSpPr>
+        <p:spPr>
+          <a:xfrm>
+            <a:off x="7717908" y="5611107"/>
+            <a:ext cx="795600" cy="309105"/>
+          </a:xfrm>
+          <a:prstGeom prst="roundRect">
+            <a:avLst>
+              <a:gd name="adj" fmla="val 20457"/>
+            </a:avLst>
+          </a:prstGeom>
+          <a:solidFill>
+            <a:schemeClr val="tx2"/>
+          </a:solidFill>
+          <a:ln w="12700">
+            <a:noFill/>
+          </a:ln>
+          <a:effectLst/>
+        </p:spPr>
+        <p:style>
+          <a:lnRef idx="2">
+            <a:schemeClr val="dk1"/>
+          </a:lnRef>
+          <a:fillRef idx="1">
+            <a:schemeClr val="lt1"/>
+          </a:fillRef>
+          <a:effectRef idx="0">
+            <a:schemeClr val="dk1"/>
+          </a:effectRef>
+          <a:fontRef idx="minor">
+            <a:schemeClr val="dk1"/>
+          </a:fontRef>
+        </p:style>
+        <p:txBody>
+          <a:bodyPr wrap="square" lIns="0" tIns="72000" rIns="0" bIns="46800" rtlCol="0" anchor="ctr">
+            <a:noAutofit/>
+          </a:bodyPr>
+          <a:lstStyle/>
+          <a:p>
+            <a:pPr algn="ctr" defTabSz="914400">
+              <a:lnSpc>
+                <a:spcPts val="1100"/>
+              </a:lnSpc>
+            </a:pPr>
+            <a:r>
+              <a:rPr lang="en-US" sz="1200" kern="0" dirty="0">
+                <a:solidFill>
+                  <a:schemeClr val="bg1"/>
+                </a:solidFill>
+                <a:latin typeface="Source Sans Pro Light" charset="0"/>
+              </a:rPr>
+              <a:t>BLE</a:t>
+            </a:r>
+          </a:p>
+        </p:txBody>
+      </p:sp>
+      <p:sp>
+        <p:nvSpPr>
+          <p:cNvPr id="102" name="Rounded Rectangle 79">
+            <a:extLst>
+              <a:ext uri="{FF2B5EF4-FFF2-40B4-BE49-F238E27FC236}">
+                <a16:creationId xmlns:a16="http://schemas.microsoft.com/office/drawing/2014/main" id="{106C3D57-B992-F097-463C-B6AD2E3D6363}"/>
+              </a:ext>
+            </a:extLst>
+          </p:cNvPr>
+          <p:cNvSpPr/>
+          <p:nvPr/>
+        </p:nvSpPr>
+        <p:spPr>
+          <a:xfrm>
+            <a:off x="5778330" y="2835244"/>
+            <a:ext cx="487022" cy="289727"/>
+          </a:xfrm>
+          <a:prstGeom prst="roundRect">
+            <a:avLst>
+              <a:gd name="adj" fmla="val 19644"/>
+            </a:avLst>
+          </a:prstGeom>
+          <a:solidFill>
+            <a:schemeClr val="bg1"/>
+          </a:solidFill>
+          <a:ln w="12700">
+            <a:noFill/>
+          </a:ln>
+          <a:effectLst/>
+        </p:spPr>
+        <p:style>
+          <a:lnRef idx="2">
+            <a:schemeClr val="dk1"/>
+          </a:lnRef>
+          <a:fillRef idx="1">
+            <a:schemeClr val="lt1"/>
+          </a:fillRef>
+          <a:effectRef idx="0">
+            <a:schemeClr val="dk1"/>
+          </a:effectRef>
+          <a:fontRef idx="minor">
+            <a:schemeClr val="dk1"/>
+          </a:fontRef>
+        </p:style>
+        <p:txBody>
+          <a:bodyPr wrap="square" tIns="36000" bIns="36000" rtlCol="0" anchor="ctr">
+            <a:spAutoFit/>
+          </a:bodyPr>
+          <a:lstStyle/>
+          <a:p>
+            <a:pPr algn="ctr"/>
+            <a:r>
+              <a:rPr lang="en-US" sz="1200" dirty="0">
+                <a:solidFill>
+                  <a:schemeClr val="accent1"/>
+                </a:solidFill>
+                <a:latin typeface="Source Sans Pro Light" charset="0"/>
+                <a:ea typeface="Source Sans Pro Light" charset="0"/>
+                <a:cs typeface="Source Sans Pro Light" charset="0"/>
+              </a:rPr>
+              <a:t>NET</a:t>
+            </a:r>
+          </a:p>
+        </p:txBody>
+      </p:sp>
+      <p:sp>
+        <p:nvSpPr>
+          <p:cNvPr id="103" name="Rounded Rectangle 79">
+            <a:extLst>
+              <a:ext uri="{FF2B5EF4-FFF2-40B4-BE49-F238E27FC236}">
+                <a16:creationId xmlns:a16="http://schemas.microsoft.com/office/drawing/2014/main" id="{E96B497D-C23E-98E7-F623-A64328E633DB}"/>
+              </a:ext>
+            </a:extLst>
+          </p:cNvPr>
+          <p:cNvSpPr/>
+          <p:nvPr/>
+        </p:nvSpPr>
+        <p:spPr>
+          <a:xfrm>
+            <a:off x="6344331" y="2835244"/>
+            <a:ext cx="487022" cy="289727"/>
+          </a:xfrm>
+          <a:prstGeom prst="roundRect">
+            <a:avLst>
+              <a:gd name="adj" fmla="val 19644"/>
+            </a:avLst>
+          </a:prstGeom>
+          <a:solidFill>
+            <a:schemeClr val="bg1"/>
+          </a:solidFill>
+          <a:ln w="12700">
+            <a:noFill/>
+          </a:ln>
+          <a:effectLst/>
+        </p:spPr>
+        <p:style>
+          <a:lnRef idx="2">
+            <a:schemeClr val="dk1"/>
+          </a:lnRef>
+          <a:fillRef idx="1">
+            <a:schemeClr val="lt1"/>
+          </a:fillRef>
+          <a:effectRef idx="0">
+            <a:schemeClr val="dk1"/>
+          </a:effectRef>
+          <a:fontRef idx="minor">
+            <a:schemeClr val="dk1"/>
+          </a:fontRef>
+        </p:style>
+        <p:txBody>
+          <a:bodyPr wrap="square" tIns="36000" bIns="36000" rtlCol="0" anchor="ctr">
+            <a:spAutoFit/>
+          </a:bodyPr>
+          <a:lstStyle/>
+          <a:p>
+            <a:pPr algn="ctr"/>
+            <a:r>
+              <a:rPr lang="en-US" sz="1200" dirty="0">
+                <a:solidFill>
+                  <a:schemeClr val="accent1"/>
+                </a:solidFill>
+                <a:latin typeface="Source Sans Pro Light" charset="0"/>
+                <a:ea typeface="Source Sans Pro Light" charset="0"/>
+                <a:cs typeface="Source Sans Pro Light" charset="0"/>
+              </a:rPr>
+              <a:t>SSL</a:t>
+            </a:r>
+          </a:p>
+        </p:txBody>
+      </p:sp>
+      <p:sp>
+        <p:nvSpPr>
+          <p:cNvPr id="105" name="Rounded Rectangle 79">
+            <a:extLst>
+              <a:ext uri="{FF2B5EF4-FFF2-40B4-BE49-F238E27FC236}">
+                <a16:creationId xmlns:a16="http://schemas.microsoft.com/office/drawing/2014/main" id="{545EF89E-90A4-3A94-B324-438026BB6FEF}"/>
+              </a:ext>
+            </a:extLst>
+          </p:cNvPr>
+          <p:cNvSpPr/>
+          <p:nvPr/>
+        </p:nvSpPr>
+        <p:spPr>
+          <a:xfrm>
+            <a:off x="7718074" y="2837671"/>
+            <a:ext cx="861746" cy="289727"/>
+          </a:xfrm>
+          <a:prstGeom prst="roundRect">
+            <a:avLst>
+              <a:gd name="adj" fmla="val 19644"/>
+            </a:avLst>
+          </a:prstGeom>
+          <a:solidFill>
+            <a:schemeClr val="bg1"/>
+          </a:solidFill>
+          <a:ln w="12700">
+            <a:noFill/>
+          </a:ln>
+          <a:effectLst/>
+        </p:spPr>
+        <p:style>
+          <a:lnRef idx="2">
+            <a:schemeClr val="dk1"/>
+          </a:lnRef>
+          <a:fillRef idx="1">
+            <a:schemeClr val="lt1"/>
+          </a:fillRef>
+          <a:effectRef idx="0">
+            <a:schemeClr val="dk1"/>
+          </a:effectRef>
+          <a:fontRef idx="minor">
+            <a:schemeClr val="dk1"/>
+          </a:fontRef>
+        </p:style>
+        <p:txBody>
+          <a:bodyPr wrap="square" tIns="36000" bIns="36000" rtlCol="0" anchor="ctr">
+            <a:spAutoFit/>
+          </a:bodyPr>
+          <a:lstStyle/>
+          <a:p>
+            <a:pPr algn="ctr"/>
+            <a:r>
+              <a:rPr lang="en-US" sz="1200" dirty="0">
+                <a:solidFill>
+                  <a:schemeClr val="accent1"/>
+                </a:solidFill>
+                <a:latin typeface="Source Sans Pro Light" charset="0"/>
+                <a:ea typeface="Source Sans Pro Light" charset="0"/>
+                <a:cs typeface="Source Sans Pro Light" charset="0"/>
+              </a:rPr>
+              <a:t>Bluetooth</a:t>
+            </a:r>
+          </a:p>
+        </p:txBody>
+      </p:sp>
+      <p:sp>
+        <p:nvSpPr>
+          <p:cNvPr id="106" name="Rounded Rectangle 79">
+            <a:extLst>
+              <a:ext uri="{FF2B5EF4-FFF2-40B4-BE49-F238E27FC236}">
+                <a16:creationId xmlns:a16="http://schemas.microsoft.com/office/drawing/2014/main" id="{BA884900-0874-559A-FDF9-9370673C1A79}"/>
+              </a:ext>
+            </a:extLst>
+          </p:cNvPr>
+          <p:cNvSpPr/>
+          <p:nvPr/>
+        </p:nvSpPr>
+        <p:spPr>
+          <a:xfrm>
+            <a:off x="5779762" y="3216230"/>
+            <a:ext cx="1206573" cy="289727"/>
+          </a:xfrm>
+          <a:prstGeom prst="roundRect">
+            <a:avLst>
+              <a:gd name="adj" fmla="val 19644"/>
+            </a:avLst>
+          </a:prstGeom>
+          <a:solidFill>
+            <a:schemeClr val="bg1"/>
+          </a:solidFill>
+          <a:ln w="12700">
+            <a:noFill/>
+          </a:ln>
+          <a:effectLst/>
+        </p:spPr>
+        <p:style>
+          <a:lnRef idx="2">
+            <a:schemeClr val="dk1"/>
+          </a:lnRef>
+          <a:fillRef idx="1">
+            <a:schemeClr val="lt1"/>
+          </a:fillRef>
+          <a:effectRef idx="0">
+            <a:schemeClr val="dk1"/>
+          </a:effectRef>
+          <a:fontRef idx="minor">
+            <a:schemeClr val="dk1"/>
+          </a:fontRef>
+        </p:style>
+        <p:txBody>
+          <a:bodyPr wrap="square" tIns="36000" bIns="36000" rtlCol="0" anchor="ctr">
+            <a:spAutoFit/>
+          </a:bodyPr>
+          <a:lstStyle/>
+          <a:p>
+            <a:pPr algn="ctr"/>
+            <a:r>
+              <a:rPr lang="en-US" sz="1200" dirty="0">
+                <a:solidFill>
+                  <a:schemeClr val="accent1"/>
+                </a:solidFill>
+                <a:latin typeface="Source Sans Pro Light" charset="0"/>
+                <a:ea typeface="Source Sans Pro Light" charset="0"/>
+                <a:cs typeface="Source Sans Pro Light" charset="0"/>
+              </a:rPr>
+              <a:t>ECOM-Network</a:t>
+            </a:r>
+          </a:p>
+        </p:txBody>
+      </p:sp>
+      <p:sp>
+        <p:nvSpPr>
+          <p:cNvPr id="107" name="Rounded Rectangle 79">
+            <a:extLst>
+              <a:ext uri="{FF2B5EF4-FFF2-40B4-BE49-F238E27FC236}">
+                <a16:creationId xmlns:a16="http://schemas.microsoft.com/office/drawing/2014/main" id="{AB2A2BFA-3500-CE32-CDD9-53C11F10631C}"/>
+              </a:ext>
+            </a:extLst>
+          </p:cNvPr>
+          <p:cNvSpPr/>
+          <p:nvPr/>
+        </p:nvSpPr>
+        <p:spPr>
+          <a:xfrm>
+            <a:off x="8667168" y="2841617"/>
+            <a:ext cx="596323" cy="289727"/>
+          </a:xfrm>
+          <a:prstGeom prst="roundRect">
+            <a:avLst>
+              <a:gd name="adj" fmla="val 19644"/>
+            </a:avLst>
+          </a:prstGeom>
+          <a:solidFill>
+            <a:schemeClr val="bg1"/>
+          </a:solidFill>
+          <a:ln w="12700">
+            <a:noFill/>
+          </a:ln>
+          <a:effectLst/>
+        </p:spPr>
+        <p:style>
+          <a:lnRef idx="2">
+            <a:schemeClr val="dk1"/>
+          </a:lnRef>
+          <a:fillRef idx="1">
+            <a:schemeClr val="lt1"/>
+          </a:fillRef>
+          <a:effectRef idx="0">
+            <a:schemeClr val="dk1"/>
+          </a:effectRef>
+          <a:fontRef idx="minor">
+            <a:schemeClr val="dk1"/>
+          </a:fontRef>
+        </p:style>
+        <p:txBody>
+          <a:bodyPr wrap="square" tIns="36000" bIns="36000" rtlCol="0" anchor="ctr">
+            <a:spAutoFit/>
+          </a:bodyPr>
+          <a:lstStyle/>
+          <a:p>
+            <a:pPr algn="ctr"/>
+            <a:r>
+              <a:rPr lang="en-US" sz="1200" dirty="0">
+                <a:solidFill>
+                  <a:schemeClr val="accent1"/>
+                </a:solidFill>
+                <a:latin typeface="Source Sans Pro Light" charset="0"/>
+                <a:ea typeface="Source Sans Pro Light" charset="0"/>
+                <a:cs typeface="Source Sans Pro Light" charset="0"/>
+              </a:rPr>
+              <a:t>GNSS</a:t>
+            </a:r>
+          </a:p>
+        </p:txBody>
+      </p:sp>
+      <p:sp>
+        <p:nvSpPr>
+          <p:cNvPr id="108" name="Rounded Rectangle 79">
+            <a:extLst>
+              <a:ext uri="{FF2B5EF4-FFF2-40B4-BE49-F238E27FC236}">
+                <a16:creationId xmlns:a16="http://schemas.microsoft.com/office/drawing/2014/main" id="{3D8AAEBF-55A1-5576-1D80-505A88D210E3}"/>
+              </a:ext>
+            </a:extLst>
+          </p:cNvPr>
+          <p:cNvSpPr/>
+          <p:nvPr/>
+        </p:nvSpPr>
+        <p:spPr>
+          <a:xfrm>
+            <a:off x="7072128" y="3214632"/>
+            <a:ext cx="942908" cy="289727"/>
+          </a:xfrm>
+          <a:prstGeom prst="roundRect">
+            <a:avLst>
+              <a:gd name="adj" fmla="val 19644"/>
+            </a:avLst>
+          </a:prstGeom>
+          <a:solidFill>
+            <a:schemeClr val="bg1"/>
+          </a:solidFill>
+          <a:ln w="12700">
+            <a:noFill/>
+          </a:ln>
+          <a:effectLst/>
+        </p:spPr>
+        <p:style>
+          <a:lnRef idx="2">
+            <a:schemeClr val="dk1"/>
+          </a:lnRef>
+          <a:fillRef idx="1">
+            <a:schemeClr val="lt1"/>
+          </a:fillRef>
+          <a:effectRef idx="0">
+            <a:schemeClr val="dk1"/>
+          </a:effectRef>
+          <a:fontRef idx="minor">
+            <a:schemeClr val="dk1"/>
+          </a:fontRef>
+        </p:style>
+        <p:txBody>
+          <a:bodyPr wrap="square" tIns="36000" bIns="36000" rtlCol="0" anchor="ctr">
+            <a:spAutoFit/>
+          </a:bodyPr>
+          <a:lstStyle/>
+          <a:p>
+            <a:pPr algn="ctr"/>
+            <a:r>
+              <a:rPr lang="en-US" sz="1200" dirty="0">
+                <a:solidFill>
+                  <a:schemeClr val="accent1"/>
+                </a:solidFill>
+                <a:latin typeface="Source Sans Pro Light" charset="0"/>
+                <a:ea typeface="Source Sans Pro Light" charset="0"/>
+                <a:cs typeface="Source Sans Pro Light" charset="0"/>
+              </a:rPr>
+              <a:t>ECOM-Wi-Fi</a:t>
+            </a:r>
+          </a:p>
+        </p:txBody>
+      </p:sp>
+      <p:sp>
+        <p:nvSpPr>
+          <p:cNvPr id="110" name="Rectangle 109">
+            <a:extLst>
+              <a:ext uri="{FF2B5EF4-FFF2-40B4-BE49-F238E27FC236}">
+                <a16:creationId xmlns:a16="http://schemas.microsoft.com/office/drawing/2014/main" id="{D54E3B97-B969-A6D9-5758-D47FFC02B6A8}"/>
+              </a:ext>
+            </a:extLst>
+          </p:cNvPr>
+          <p:cNvSpPr/>
+          <p:nvPr/>
+        </p:nvSpPr>
+        <p:spPr>
+          <a:xfrm>
+            <a:off x="7980444" y="3699298"/>
+            <a:ext cx="1424261" cy="213954"/>
+          </a:xfrm>
+          <a:prstGeom prst="rect">
+            <a:avLst/>
+          </a:prstGeom>
+          <a:noFill/>
+          <a:effectLst/>
+        </p:spPr>
+        <p:txBody>
+          <a:bodyPr wrap="square" lIns="0" rIns="0">
+            <a:noAutofit/>
+          </a:bodyPr>
+          <a:lstStyle/>
+          <a:p>
+            <a:pPr algn="r">
+              <a:lnSpc>
+                <a:spcPts val="1300"/>
+              </a:lnSpc>
+            </a:pPr>
+            <a:r>
+              <a:rPr lang="en-US" sz="1100" b="1" dirty="0">
+                <a:ln w="0"/>
+                <a:solidFill>
+                  <a:schemeClr val="accent1"/>
+                </a:solidFill>
+                <a:latin typeface="Source Sans Pro" charset="0"/>
+                <a:ea typeface="Source Sans Pro" charset="0"/>
+                <a:cs typeface="Source Sans Pro" charset="0"/>
+              </a:rPr>
+              <a:t>VIRTUALIZATION</a:t>
+            </a:r>
+          </a:p>
+        </p:txBody>
+      </p:sp>
+      <p:sp>
+        <p:nvSpPr>
+          <p:cNvPr id="111" name="Rectangle 110">
+            <a:extLst>
+              <a:ext uri="{FF2B5EF4-FFF2-40B4-BE49-F238E27FC236}">
+                <a16:creationId xmlns:a16="http://schemas.microsoft.com/office/drawing/2014/main" id="{BC2FD3B3-A7DA-081B-DB13-38B62DA7F01C}"/>
+              </a:ext>
+            </a:extLst>
+          </p:cNvPr>
+          <p:cNvSpPr/>
+          <p:nvPr/>
+        </p:nvSpPr>
+        <p:spPr>
+          <a:xfrm>
+            <a:off x="8452461" y="5261497"/>
+            <a:ext cx="943910" cy="213954"/>
+          </a:xfrm>
+          <a:prstGeom prst="rect">
+            <a:avLst/>
+          </a:prstGeom>
+          <a:noFill/>
+          <a:effectLst/>
+        </p:spPr>
+        <p:txBody>
+          <a:bodyPr wrap="square" lIns="0" rIns="0">
+            <a:noAutofit/>
+          </a:bodyPr>
+          <a:lstStyle/>
+          <a:p>
+            <a:pPr algn="r">
+              <a:lnSpc>
+                <a:spcPts val="1300"/>
+              </a:lnSpc>
+            </a:pPr>
+            <a:r>
+              <a:rPr lang="en-US" sz="1100" b="1" dirty="0">
+                <a:ln w="0"/>
+                <a:solidFill>
+                  <a:schemeClr val="tx1">
+                    <a:lumMod val="60000"/>
+                    <a:lumOff val="40000"/>
+                  </a:schemeClr>
+                </a:solidFill>
+                <a:latin typeface="Source Sans Pro" charset="0"/>
+                <a:ea typeface="Source Sans Pro" charset="0"/>
+                <a:cs typeface="Source Sans Pro" charset="0"/>
+              </a:rPr>
+              <a:t>PLATFORM</a:t>
+            </a:r>
+          </a:p>
+        </p:txBody>
+      </p:sp>
+      <p:sp>
+        <p:nvSpPr>
+          <p:cNvPr id="112" name="Rectangle 111">
+            <a:extLst>
+              <a:ext uri="{FF2B5EF4-FFF2-40B4-BE49-F238E27FC236}">
+                <a16:creationId xmlns:a16="http://schemas.microsoft.com/office/drawing/2014/main" id="{16E4B349-5463-4E79-24C2-1ADA09BA0CC6}"/>
+              </a:ext>
+            </a:extLst>
+          </p:cNvPr>
+          <p:cNvSpPr/>
+          <p:nvPr/>
+        </p:nvSpPr>
+        <p:spPr>
+          <a:xfrm>
+            <a:off x="8127849" y="5985018"/>
+            <a:ext cx="1263935" cy="213954"/>
+          </a:xfrm>
+          <a:prstGeom prst="rect">
+            <a:avLst/>
+          </a:prstGeom>
+          <a:noFill/>
+          <a:effectLst/>
+        </p:spPr>
+        <p:txBody>
+          <a:bodyPr wrap="square" lIns="0" rIns="0">
+            <a:noAutofit/>
+          </a:bodyPr>
+          <a:lstStyle/>
+          <a:p>
+            <a:pPr algn="r">
+              <a:lnSpc>
+                <a:spcPts val="1300"/>
+              </a:lnSpc>
+            </a:pPr>
+            <a:r>
+              <a:rPr lang="en-US" sz="1100" b="1" dirty="0">
+                <a:ln w="0"/>
+                <a:solidFill>
+                  <a:schemeClr val="tx1">
+                    <a:lumMod val="75000"/>
+                  </a:schemeClr>
+                </a:solidFill>
+                <a:latin typeface="Source Sans Pro" charset="0"/>
+                <a:ea typeface="Source Sans Pro" charset="0"/>
+                <a:cs typeface="Source Sans Pro" charset="0"/>
+              </a:rPr>
+              <a:t>HARDWARE </a:t>
+            </a:r>
+          </a:p>
+        </p:txBody>
+      </p:sp>
+      <p:sp>
+        <p:nvSpPr>
+          <p:cNvPr id="113" name="Round Same Side Corner Rectangle 44">
+            <a:extLst>
+              <a:ext uri="{FF2B5EF4-FFF2-40B4-BE49-F238E27FC236}">
+                <a16:creationId xmlns:a16="http://schemas.microsoft.com/office/drawing/2014/main" id="{58991D6A-8328-014E-4949-213395D164EE}"/>
+              </a:ext>
+            </a:extLst>
+          </p:cNvPr>
+          <p:cNvSpPr/>
+          <p:nvPr/>
+        </p:nvSpPr>
+        <p:spPr>
+          <a:xfrm rot="10800000">
+            <a:off x="4249873" y="1381144"/>
+            <a:ext cx="5138024" cy="333565"/>
+          </a:xfrm>
+          <a:prstGeom prst="round2SameRect">
+            <a:avLst>
+              <a:gd name="adj1" fmla="val 24382"/>
+              <a:gd name="adj2" fmla="val 0"/>
+            </a:avLst>
+          </a:prstGeom>
+          <a:solidFill>
+            <a:schemeClr val="tx2">
+              <a:lumMod val="20000"/>
+              <a:lumOff val="80000"/>
+            </a:schemeClr>
+          </a:solidFill>
+          <a:ln w="12700">
+            <a:noFill/>
+            <a:round/>
+          </a:ln>
+        </p:spPr>
+        <p:style>
+          <a:lnRef idx="2">
+            <a:schemeClr val="accent1">
+              <a:shade val="50000"/>
+            </a:schemeClr>
+          </a:lnRef>
+          <a:fillRef idx="1">
+            <a:schemeClr val="accent1"/>
+          </a:fillRef>
+          <a:effectRef idx="0">
+            <a:schemeClr val="accent1"/>
+          </a:effectRef>
+          <a:fontRef idx="minor">
+            <a:schemeClr val="lt1"/>
+          </a:fontRef>
+        </p:style>
+        <p:txBody>
+          <a:bodyPr rtlCol="0" anchor="ctr"/>
+          <a:lstStyle/>
+          <a:p>
+            <a:pPr algn="ctr"/>
+            <a:endParaRPr lang="en-US" dirty="0"/>
+          </a:p>
+        </p:txBody>
+      </p:sp>
+      <p:sp>
+        <p:nvSpPr>
+          <p:cNvPr id="114" name="Rounded Rectangle 106">
+            <a:extLst>
+              <a:ext uri="{FF2B5EF4-FFF2-40B4-BE49-F238E27FC236}">
+                <a16:creationId xmlns:a16="http://schemas.microsoft.com/office/drawing/2014/main" id="{0B8A8270-E617-9FF2-4C71-F205ED4E281D}"/>
+              </a:ext>
+            </a:extLst>
+          </p:cNvPr>
+          <p:cNvSpPr/>
+          <p:nvPr/>
+        </p:nvSpPr>
+        <p:spPr>
+          <a:xfrm>
+            <a:off x="5239314" y="1330199"/>
+            <a:ext cx="3080118" cy="306000"/>
+          </a:xfrm>
+          <a:prstGeom prst="roundRect">
+            <a:avLst>
+              <a:gd name="adj" fmla="val 12311"/>
+            </a:avLst>
+          </a:prstGeom>
+          <a:solidFill>
+            <a:schemeClr val="bg1"/>
+          </a:solidFill>
+          <a:ln w="12700">
+            <a:solidFill>
+              <a:schemeClr val="bg2"/>
+            </a:solidFill>
+          </a:ln>
+        </p:spPr>
+        <p:style>
+          <a:lnRef idx="2">
+            <a:schemeClr val="dk1"/>
+          </a:lnRef>
+          <a:fillRef idx="1">
+            <a:schemeClr val="lt1"/>
+          </a:fillRef>
+          <a:effectRef idx="0">
+            <a:schemeClr val="dk1"/>
+          </a:effectRef>
+          <a:fontRef idx="minor">
+            <a:schemeClr val="dk1"/>
+          </a:fontRef>
+        </p:style>
+        <p:txBody>
+          <a:bodyPr tIns="36000" bIns="0" rtlCol="0" anchor="ctr"/>
+          <a:lstStyle/>
+          <a:p>
+            <a:pPr algn="ctr">
+              <a:lnSpc>
+                <a:spcPts val="1600"/>
+              </a:lnSpc>
+              <a:spcBef>
+                <a:spcPts val="100"/>
+              </a:spcBef>
+              <a:spcAft>
+                <a:spcPts val="100"/>
+              </a:spcAft>
+            </a:pPr>
+            <a:r>
+              <a:rPr lang="en-US" sz="1600" b="1" dirty="0">
+                <a:solidFill>
+                  <a:schemeClr val="tx1"/>
+                </a:solidFill>
+                <a:latin typeface="Source Sans Pro" charset="0"/>
+                <a:ea typeface="Source Sans Pro" charset="0"/>
+                <a:cs typeface="Source Sans Pro" charset="0"/>
+              </a:rPr>
+              <a:t>YOUR APPLICATIONS</a:t>
+            </a:r>
+            <a:endParaRPr lang="en-US" sz="1200" dirty="0">
+              <a:solidFill>
+                <a:schemeClr val="tx1"/>
+              </a:solidFill>
+              <a:latin typeface="Source Sans Pro" charset="0"/>
+              <a:ea typeface="Source Sans Pro" charset="0"/>
+              <a:cs typeface="Source Sans Pro" charset="0"/>
+            </a:endParaRPr>
+          </a:p>
+        </p:txBody>
+      </p:sp>
+      <p:cxnSp>
+        <p:nvCxnSpPr>
+          <p:cNvPr id="13" name="Straight Connector 12">
+            <a:extLst>
+              <a:ext uri="{FF2B5EF4-FFF2-40B4-BE49-F238E27FC236}">
+                <a16:creationId xmlns:a16="http://schemas.microsoft.com/office/drawing/2014/main" id="{D717A62E-C23D-D192-697B-59075CF561AB}"/>
+              </a:ext>
+            </a:extLst>
+          </p:cNvPr>
+          <p:cNvCxnSpPr>
+            <a:cxnSpLocks/>
+          </p:cNvCxnSpPr>
+          <p:nvPr/>
+        </p:nvCxnSpPr>
+        <p:spPr>
+          <a:xfrm>
+            <a:off x="5882328" y="4049718"/>
+            <a:ext cx="3486770" cy="0"/>
+          </a:xfrm>
+          <a:prstGeom prst="line">
+            <a:avLst/>
+          </a:prstGeom>
+          <a:ln w="38100" cap="rnd">
+            <a:solidFill>
+              <a:schemeClr val="accent1"/>
+            </a:solidFill>
+            <a:miter lim="800000"/>
+          </a:ln>
+        </p:spPr>
+        <p:style>
+          <a:lnRef idx="1">
+            <a:schemeClr val="accent1"/>
+          </a:lnRef>
+          <a:fillRef idx="0">
+            <a:schemeClr val="accent1"/>
+          </a:fillRef>
+          <a:effectRef idx="0">
+            <a:schemeClr val="accent1"/>
+          </a:effectRef>
+          <a:fontRef idx="minor">
+            <a:schemeClr val="tx1"/>
+          </a:fontRef>
+        </p:style>
+      </p:cxnSp>
+      <p:sp>
+        <p:nvSpPr>
+          <p:cNvPr id="15" name="Rounded Rectangle 27">
+            <a:extLst>
+              <a:ext uri="{FF2B5EF4-FFF2-40B4-BE49-F238E27FC236}">
+                <a16:creationId xmlns:a16="http://schemas.microsoft.com/office/drawing/2014/main" id="{AA10FA17-F234-9891-1873-4B3BCB594F2E}"/>
+              </a:ext>
+            </a:extLst>
+          </p:cNvPr>
+          <p:cNvSpPr/>
+          <p:nvPr/>
+        </p:nvSpPr>
+        <p:spPr>
+          <a:xfrm>
+            <a:off x="5858927" y="4138505"/>
+            <a:ext cx="3537444" cy="288974"/>
+          </a:xfrm>
+          <a:prstGeom prst="roundRect">
+            <a:avLst>
+              <a:gd name="adj" fmla="val 13128"/>
+            </a:avLst>
+          </a:prstGeom>
+          <a:solidFill>
+            <a:schemeClr val="bg2">
+              <a:lumMod val="75000"/>
+            </a:schemeClr>
+          </a:solidFill>
+          <a:ln w="12700">
+            <a:noFill/>
+          </a:ln>
+          <a:effectLst/>
+        </p:spPr>
+        <p:style>
+          <a:lnRef idx="2">
+            <a:schemeClr val="dk1"/>
+          </a:lnRef>
+          <a:fillRef idx="1">
+            <a:schemeClr val="lt1"/>
+          </a:fillRef>
+          <a:effectRef idx="0">
+            <a:schemeClr val="dk1"/>
+          </a:effectRef>
+          <a:fontRef idx="minor">
+            <a:schemeClr val="dk1"/>
+          </a:fontRef>
+        </p:style>
+        <p:txBody>
+          <a:bodyPr wrap="square" tIns="36000" bIns="36000" rtlCol="0" anchor="ctr">
+            <a:noAutofit/>
+          </a:bodyPr>
+          <a:lstStyle/>
+          <a:p>
+            <a:pPr algn="ctr"/>
+            <a:r>
+              <a:rPr lang="en-US" sz="1200" dirty="0">
+                <a:solidFill>
+                  <a:schemeClr val="bg1"/>
+                </a:solidFill>
+                <a:latin typeface="Source Sans Pro Light" charset="0"/>
+                <a:ea typeface="Source Sans Pro Light" charset="0"/>
+              </a:rPr>
+              <a:t>C stacks TCP/IP , TLS , Crypto, Bluetooth, GNSS</a:t>
+            </a:r>
+          </a:p>
+        </p:txBody>
+      </p:sp>
+      <p:sp>
+        <p:nvSpPr>
+          <p:cNvPr id="18" name="Rectangle 17">
+            <a:extLst>
+              <a:ext uri="{FF2B5EF4-FFF2-40B4-BE49-F238E27FC236}">
+                <a16:creationId xmlns:a16="http://schemas.microsoft.com/office/drawing/2014/main" id="{44B38841-2106-0496-1F3A-DDD73B01CF55}"/>
+              </a:ext>
+            </a:extLst>
+          </p:cNvPr>
+          <p:cNvSpPr/>
+          <p:nvPr/>
+        </p:nvSpPr>
+        <p:spPr>
+          <a:xfrm>
+            <a:off x="6654527" y="3994618"/>
+            <a:ext cx="1876846" cy="129587"/>
+          </a:xfrm>
+          <a:prstGeom prst="rect">
+            <a:avLst/>
+          </a:prstGeom>
+          <a:gradFill flip="none" rotWithShape="1">
+            <a:gsLst>
+              <a:gs pos="100000">
+                <a:srgbClr val="CBD3D7">
+                  <a:alpha val="0"/>
+                </a:srgbClr>
+              </a:gs>
+              <a:gs pos="0">
+                <a:schemeClr val="bg2">
+                  <a:alpha val="0"/>
+                </a:schemeClr>
+              </a:gs>
+              <a:gs pos="80000">
+                <a:srgbClr val="CBD3D7">
+                  <a:alpha val="90000"/>
+                </a:srgbClr>
+              </a:gs>
+              <a:gs pos="20000">
+                <a:schemeClr val="bg2">
+                  <a:alpha val="90000"/>
+                </a:schemeClr>
+              </a:gs>
+            </a:gsLst>
+            <a:lin ang="0" scaled="1"/>
+            <a:tileRect/>
+          </a:gradFill>
+          <a:ln w="31750">
+            <a:noFill/>
+          </a:ln>
+          <a:effectLst/>
+        </p:spPr>
+        <p:txBody>
+          <a:bodyPr wrap="square" lIns="0" tIns="0" rIns="0" bIns="0">
+            <a:spAutoFit/>
+          </a:bodyPr>
+          <a:lstStyle/>
+          <a:p>
+            <a:pPr algn="ctr">
+              <a:lnSpc>
+                <a:spcPts val="1000"/>
+              </a:lnSpc>
+            </a:pPr>
+            <a:r>
+              <a:rPr lang="en-US" sz="1000" b="1" dirty="0">
+                <a:ln w="0"/>
+                <a:solidFill>
+                  <a:schemeClr val="accent1"/>
+                </a:solidFill>
+                <a:latin typeface="Source Sans Pro" panose="020B0503030403020204" pitchFamily="34" charset="0"/>
+                <a:ea typeface="Source Sans Pro" panose="020B0503030403020204" pitchFamily="34" charset="0"/>
+              </a:rPr>
+              <a:t>ABSTRACTION LAYERS</a:t>
+            </a:r>
+          </a:p>
+        </p:txBody>
+      </p:sp>
+      <p:sp>
+        <p:nvSpPr>
+          <p:cNvPr id="5" name="Rounded Rectangle 79">
+            <a:extLst>
+              <a:ext uri="{FF2B5EF4-FFF2-40B4-BE49-F238E27FC236}">
+                <a16:creationId xmlns:a16="http://schemas.microsoft.com/office/drawing/2014/main" id="{8D3177F0-EC9D-FE83-FBBC-6607AA7730C0}"/>
+              </a:ext>
+            </a:extLst>
+          </p:cNvPr>
+          <p:cNvSpPr/>
+          <p:nvPr/>
+        </p:nvSpPr>
+        <p:spPr>
+          <a:xfrm>
+            <a:off x="6918191" y="2837285"/>
+            <a:ext cx="718748" cy="289727"/>
+          </a:xfrm>
+          <a:prstGeom prst="roundRect">
+            <a:avLst>
+              <a:gd name="adj" fmla="val 19644"/>
+            </a:avLst>
+          </a:prstGeom>
+          <a:solidFill>
+            <a:schemeClr val="bg1"/>
+          </a:solidFill>
+          <a:ln w="12700">
+            <a:noFill/>
+          </a:ln>
+          <a:effectLst/>
+        </p:spPr>
+        <p:style>
+          <a:lnRef idx="2">
+            <a:schemeClr val="dk1"/>
+          </a:lnRef>
+          <a:fillRef idx="1">
+            <a:schemeClr val="lt1"/>
+          </a:fillRef>
+          <a:effectRef idx="0">
+            <a:schemeClr val="dk1"/>
+          </a:effectRef>
+          <a:fontRef idx="minor">
+            <a:schemeClr val="dk1"/>
+          </a:fontRef>
+        </p:style>
+        <p:txBody>
+          <a:bodyPr wrap="square" tIns="36000" bIns="36000" rtlCol="0" anchor="ctr">
+            <a:spAutoFit/>
+          </a:bodyPr>
+          <a:lstStyle/>
+          <a:p>
+            <a:pPr algn="ctr"/>
+            <a:r>
+              <a:rPr lang="en-US" sz="1200" dirty="0">
+                <a:solidFill>
+                  <a:schemeClr val="accent1"/>
+                </a:solidFill>
+                <a:latin typeface="Source Sans Pro Light" charset="0"/>
+                <a:ea typeface="Source Sans Pro Light" charset="0"/>
+                <a:cs typeface="Source Sans Pro Light" charset="0"/>
+              </a:rPr>
+              <a:t>Security</a:t>
+            </a:r>
+          </a:p>
+        </p:txBody>
+      </p:sp>
+    </p:spTree>
+    <p:extLst>
+      <p:ext uri="{BB962C8B-B14F-4D97-AF65-F5344CB8AC3E}">
+        <p14:creationId xmlns:p14="http://schemas.microsoft.com/office/powerpoint/2010/main" val="2330360445"/>
+      </p:ext>
+    </p:extLst>
+  </p:cSld>
+  <p:clrMapOvr>
+    <a:masterClrMapping/>
+  </p:clrMapOvr>
+</p:sld>
+</file>
+
 <file path=ppt/theme/theme1.xml><?xml version="1.0" encoding="utf-8"?>
 <a:theme xmlns:a="http://schemas.openxmlformats.org/drawingml/2006/main" name="MICROEJ Charter Theme 2019">
   <a:themeElements>
